--- a/TDD Rediscovered.pptx
+++ b/TDD Rediscovered.pptx
@@ -343,7 +343,7 @@
           <a:p>
             <a:fld id="{585FDAF2-17D3-B044-9239-94AC3D52C83E}" type="datetimeFigureOut">
               <a:rPr lang="en-US" smtClean="0"/>
-              <a:t>9/29/20</a:t>
+              <a:t>11/13/20</a:t>
             </a:fld>
             <a:endParaRPr lang="en-US"/>
           </a:p>
@@ -763,7 +763,7 @@
           <a:p>
             <a:fld id="{8D454BB1-5AB5-DF45-A819-95464E74CBE3}" type="slidenum">
               <a:rPr lang="en-US" smtClean="0"/>
-              <a:t>23</a:t>
+              <a:t>18</a:t>
             </a:fld>
             <a:endParaRPr lang="en-US"/>
           </a:p>
@@ -772,7 +772,7 @@
     </p:spTree>
     <p:extLst>
       <p:ext uri="{BB962C8B-B14F-4D97-AF65-F5344CB8AC3E}">
-        <p14:creationId xmlns:p14="http://schemas.microsoft.com/office/powerpoint/2010/main" val="3849887691"/>
+        <p14:creationId xmlns:p14="http://schemas.microsoft.com/office/powerpoint/2010/main" val="630858651"/>
       </p:ext>
     </p:extLst>
   </p:cSld>
@@ -850,7 +850,7 @@
           <a:p>
             <a:fld id="{8D454BB1-5AB5-DF45-A819-95464E74CBE3}" type="slidenum">
               <a:rPr lang="en-US" smtClean="0"/>
-              <a:t>24</a:t>
+              <a:t>19</a:t>
             </a:fld>
             <a:endParaRPr lang="en-US"/>
           </a:p>
@@ -859,7 +859,7 @@
     </p:spTree>
     <p:extLst>
       <p:ext uri="{BB962C8B-B14F-4D97-AF65-F5344CB8AC3E}">
-        <p14:creationId xmlns:p14="http://schemas.microsoft.com/office/powerpoint/2010/main" val="4273123167"/>
+        <p14:creationId xmlns:p14="http://schemas.microsoft.com/office/powerpoint/2010/main" val="426873208"/>
       </p:ext>
     </p:extLst>
   </p:cSld>
@@ -937,7 +937,7 @@
           <a:p>
             <a:fld id="{8D454BB1-5AB5-DF45-A819-95464E74CBE3}" type="slidenum">
               <a:rPr lang="en-US" smtClean="0"/>
-              <a:t>25</a:t>
+              <a:t>20</a:t>
             </a:fld>
             <a:endParaRPr lang="en-US"/>
           </a:p>
@@ -946,7 +946,7 @@
     </p:spTree>
     <p:extLst>
       <p:ext uri="{BB962C8B-B14F-4D97-AF65-F5344CB8AC3E}">
-        <p14:creationId xmlns:p14="http://schemas.microsoft.com/office/powerpoint/2010/main" val="1020182094"/>
+        <p14:creationId xmlns:p14="http://schemas.microsoft.com/office/powerpoint/2010/main" val="1042929384"/>
       </p:ext>
     </p:extLst>
   </p:cSld>
@@ -1000,10 +1000,22 @@
           <a:bodyPr/>
           <a:lstStyle/>
           <a:p>
+            <a:r>
+              <a:rPr lang="en-US" dirty="0"/>
+              <a:t>John Conway sadly died of COVID-19 in 2020 </a:t>
+            </a:r>
+          </a:p>
+          <a:p>
             <a:endParaRPr lang="en-US" dirty="0"/>
           </a:p>
           <a:p>
             <a:endParaRPr lang="en-US" dirty="0"/>
+          </a:p>
+          <a:p>
+            <a:r>
+              <a:rPr lang="en-US" dirty="0"/>
+              <a:t>Play Conway video</a:t>
+            </a:r>
           </a:p>
         </p:txBody>
       </p:sp>
@@ -1024,7 +1036,7 @@
           <a:p>
             <a:fld id="{8D454BB1-5AB5-DF45-A819-95464E74CBE3}" type="slidenum">
               <a:rPr lang="en-US" smtClean="0"/>
-              <a:t>26</a:t>
+              <a:t>21</a:t>
             </a:fld>
             <a:endParaRPr lang="en-US"/>
           </a:p>
@@ -1033,7 +1045,7 @@
     </p:spTree>
     <p:extLst>
       <p:ext uri="{BB962C8B-B14F-4D97-AF65-F5344CB8AC3E}">
-        <p14:creationId xmlns:p14="http://schemas.microsoft.com/office/powerpoint/2010/main" val="2288389441"/>
+        <p14:creationId xmlns:p14="http://schemas.microsoft.com/office/powerpoint/2010/main" val="1983813848"/>
       </p:ext>
     </p:extLst>
   </p:cSld>
@@ -1111,7 +1123,7 @@
           <a:p>
             <a:fld id="{8D454BB1-5AB5-DF45-A819-95464E74CBE3}" type="slidenum">
               <a:rPr lang="en-US" smtClean="0"/>
-              <a:t>27</a:t>
+              <a:t>22</a:t>
             </a:fld>
             <a:endParaRPr lang="en-US"/>
           </a:p>
@@ -1120,7 +1132,7 @@
     </p:spTree>
     <p:extLst>
       <p:ext uri="{BB962C8B-B14F-4D97-AF65-F5344CB8AC3E}">
-        <p14:creationId xmlns:p14="http://schemas.microsoft.com/office/powerpoint/2010/main" val="3398623473"/>
+        <p14:creationId xmlns:p14="http://schemas.microsoft.com/office/powerpoint/2010/main" val="937243557"/>
       </p:ext>
     </p:extLst>
   </p:cSld>
@@ -1198,7 +1210,7 @@
           <a:p>
             <a:fld id="{8D454BB1-5AB5-DF45-A819-95464E74CBE3}" type="slidenum">
               <a:rPr lang="en-US" smtClean="0"/>
-              <a:t>28</a:t>
+              <a:t>23</a:t>
             </a:fld>
             <a:endParaRPr lang="en-US"/>
           </a:p>
@@ -1207,7 +1219,7 @@
     </p:spTree>
     <p:extLst>
       <p:ext uri="{BB962C8B-B14F-4D97-AF65-F5344CB8AC3E}">
-        <p14:creationId xmlns:p14="http://schemas.microsoft.com/office/powerpoint/2010/main" val="2207915072"/>
+        <p14:creationId xmlns:p14="http://schemas.microsoft.com/office/powerpoint/2010/main" val="3849887691"/>
       </p:ext>
     </p:extLst>
   </p:cSld>
@@ -1285,7 +1297,7 @@
           <a:p>
             <a:fld id="{8D454BB1-5AB5-DF45-A819-95464E74CBE3}" type="slidenum">
               <a:rPr lang="en-US" smtClean="0"/>
-              <a:t>29</a:t>
+              <a:t>24</a:t>
             </a:fld>
             <a:endParaRPr lang="en-US"/>
           </a:p>
@@ -1294,7 +1306,7 @@
     </p:spTree>
     <p:extLst>
       <p:ext uri="{BB962C8B-B14F-4D97-AF65-F5344CB8AC3E}">
-        <p14:creationId xmlns:p14="http://schemas.microsoft.com/office/powerpoint/2010/main" val="3831235649"/>
+        <p14:creationId xmlns:p14="http://schemas.microsoft.com/office/powerpoint/2010/main" val="4273123167"/>
       </p:ext>
     </p:extLst>
   </p:cSld>
@@ -1350,6 +1362,9 @@
           <a:p>
             <a:endParaRPr lang="en-US" dirty="0"/>
           </a:p>
+          <a:p>
+            <a:endParaRPr lang="en-US" dirty="0"/>
+          </a:p>
         </p:txBody>
       </p:sp>
       <p:sp>
@@ -1369,7 +1384,7 @@
           <a:p>
             <a:fld id="{8D454BB1-5AB5-DF45-A819-95464E74CBE3}" type="slidenum">
               <a:rPr lang="en-US" smtClean="0"/>
-              <a:t>30</a:t>
+              <a:t>25</a:t>
             </a:fld>
             <a:endParaRPr lang="en-US"/>
           </a:p>
@@ -1378,7 +1393,7 @@
     </p:spTree>
     <p:extLst>
       <p:ext uri="{BB962C8B-B14F-4D97-AF65-F5344CB8AC3E}">
-        <p14:creationId xmlns:p14="http://schemas.microsoft.com/office/powerpoint/2010/main" val="326878708"/>
+        <p14:creationId xmlns:p14="http://schemas.microsoft.com/office/powerpoint/2010/main" val="1020182094"/>
       </p:ext>
     </p:extLst>
   </p:cSld>
@@ -1432,19 +1447,10 @@
           <a:bodyPr/>
           <a:lstStyle/>
           <a:p>
-            <a:r>
-              <a:rPr lang="en-US" dirty="0"/>
-              <a:t>When engineers talk about TDD, they often associate it with the idea of a developer writing a unit test.</a:t>
-            </a:r>
-          </a:p>
-          <a:p>
             <a:endParaRPr lang="en-US" dirty="0"/>
           </a:p>
           <a:p>
-            <a:r>
-              <a:rPr lang="en-US" dirty="0"/>
-              <a:t>This fallacy has led to many of the problems with how TDD is practiced. </a:t>
-            </a:r>
+            <a:endParaRPr lang="en-US" dirty="0"/>
           </a:p>
         </p:txBody>
       </p:sp>
@@ -1465,7 +1471,7 @@
           <a:p>
             <a:fld id="{8D454BB1-5AB5-DF45-A819-95464E74CBE3}" type="slidenum">
               <a:rPr lang="en-US" smtClean="0"/>
-              <a:t>31</a:t>
+              <a:t>26</a:t>
             </a:fld>
             <a:endParaRPr lang="en-US"/>
           </a:p>
@@ -1474,7 +1480,7 @@
     </p:spTree>
     <p:extLst>
       <p:ext uri="{BB962C8B-B14F-4D97-AF65-F5344CB8AC3E}">
-        <p14:creationId xmlns:p14="http://schemas.microsoft.com/office/powerpoint/2010/main" val="508145295"/>
+        <p14:creationId xmlns:p14="http://schemas.microsoft.com/office/powerpoint/2010/main" val="2288389441"/>
       </p:ext>
     </p:extLst>
   </p:cSld>
@@ -1528,21 +1534,6 @@
           <a:bodyPr/>
           <a:lstStyle/>
           <a:p>
-            <a:r>
-              <a:rPr lang="en-US" dirty="0"/>
-              <a:t>In fact, Kent only uses the term unit test in this quote, and in a discussion of the problems of acceptance testing. Small-scale test is the alternative to unit test he suggests in the same paragraph. Nearly everywhere else Kent in his book Kent just says ‘test.’</a:t>
-            </a:r>
-          </a:p>
-          <a:p>
-            <a:endParaRPr lang="en-US" dirty="0"/>
-          </a:p>
-          <a:p>
-            <a:r>
-              <a:rPr lang="en-US" dirty="0"/>
-              <a:t>Co-opting the word ‘unit test’ into our lexicon to describe what a developer writes in the TDD process has a number of problems, derived from the association with the principles of classical unit testing.</a:t>
-            </a:r>
-          </a:p>
-          <a:p>
             <a:endParaRPr lang="en-US" dirty="0"/>
           </a:p>
           <a:p>
@@ -1567,7 +1558,7 @@
           <a:p>
             <a:fld id="{8D454BB1-5AB5-DF45-A819-95464E74CBE3}" type="slidenum">
               <a:rPr lang="en-US" smtClean="0"/>
-              <a:t>32</a:t>
+              <a:t>27</a:t>
             </a:fld>
             <a:endParaRPr lang="en-US"/>
           </a:p>
@@ -1576,7 +1567,7 @@
     </p:spTree>
     <p:extLst>
       <p:ext uri="{BB962C8B-B14F-4D97-AF65-F5344CB8AC3E}">
-        <p14:creationId xmlns:p14="http://schemas.microsoft.com/office/powerpoint/2010/main" val="277820001"/>
+        <p14:creationId xmlns:p14="http://schemas.microsoft.com/office/powerpoint/2010/main" val="3398623473"/>
       </p:ext>
     </p:extLst>
   </p:cSld>
@@ -1715,40 +1706,10 @@
           <a:bodyPr/>
           <a:lstStyle/>
           <a:p>
-            <a:r>
-              <a:rPr lang="en-US" dirty="0"/>
-              <a:t>If we assume that TDD uses unit tests, that comes with some constraints that come from classical testing theory.</a:t>
-            </a:r>
-          </a:p>
-          <a:p>
             <a:endParaRPr lang="en-US" dirty="0"/>
           </a:p>
           <a:p>
-            <a:r>
-              <a:rPr lang="en-US" dirty="0"/>
-              <a:t>Unit tests isolate the module. To do that all dependencies of the module are replaced, for the test with a ‘test double’ a stub, fake or mock. The replacement should be predictable, so that we can isolate any failure to the unit under test, not its collaborators</a:t>
-            </a:r>
-          </a:p>
-          <a:p>
-            <a:r>
-              <a:rPr lang="en-US" dirty="0"/>
-              <a:t>Integration tests connect two modules together to determine if they can hook together.</a:t>
-            </a:r>
-          </a:p>
-          <a:p>
-            <a:r>
-              <a:rPr lang="en-US" dirty="0"/>
-              <a:t>System tests integrate all the modules and let us run end-to-end.</a:t>
-            </a:r>
-          </a:p>
-          <a:p>
             <a:endParaRPr lang="en-US" dirty="0"/>
-          </a:p>
-          <a:p>
-            <a:r>
-              <a:rPr lang="en-US" dirty="0"/>
-              <a:t>Typically, in OO TDD, the module is identified as a class. This means that we end up mocking all of the dependencies of our class</a:t>
-            </a:r>
           </a:p>
         </p:txBody>
       </p:sp>
@@ -1769,7 +1730,7 @@
           <a:p>
             <a:fld id="{8D454BB1-5AB5-DF45-A819-95464E74CBE3}" type="slidenum">
               <a:rPr lang="en-US" smtClean="0"/>
-              <a:t>33</a:t>
+              <a:t>28</a:t>
             </a:fld>
             <a:endParaRPr lang="en-US"/>
           </a:p>
@@ -1778,7 +1739,7 @@
     </p:spTree>
     <p:extLst>
       <p:ext uri="{BB962C8B-B14F-4D97-AF65-F5344CB8AC3E}">
-        <p14:creationId xmlns:p14="http://schemas.microsoft.com/office/powerpoint/2010/main" val="2957000693"/>
+        <p14:creationId xmlns:p14="http://schemas.microsoft.com/office/powerpoint/2010/main" val="2207915072"/>
       </p:ext>
     </p:extLst>
   </p:cSld>
@@ -1832,29 +1793,6 @@
           <a:bodyPr/>
           <a:lstStyle/>
           <a:p>
-            <a:r>
-              <a:rPr lang="en-US" dirty="0"/>
-              <a:t>The assertion that we are doing “unit testing’ lead to the privileging of the idea that you should mock all the dependencies of the SUT, in order to isolate it. The cry was ‘defect localization’. We want to know what ‘failed’ and that means only one one test should fail for any given line of code, and if we include dependencies, how we will know it was our code and not a collaborator. So all or our collaborators will behave perfectly.</a:t>
-            </a:r>
-          </a:p>
-          <a:p>
-            <a:endParaRPr lang="en-US" dirty="0"/>
-          </a:p>
-          <a:p>
-            <a:r>
-              <a:rPr lang="en-US" dirty="0"/>
-              <a:t>This idea, which </a:t>
-            </a:r>
-            <a:r>
-              <a:rPr lang="en-US" dirty="0" err="1"/>
-              <a:t>Meszaros</a:t>
-            </a:r>
-            <a:r>
-              <a:rPr lang="en-US" dirty="0"/>
-              <a:t> calls Need-Driven Development has all ‘dependencies’ replaced with a mock, often so that we define the interface of the collaborator when implementing the SUT.</a:t>
-            </a:r>
-          </a:p>
-          <a:p>
             <a:endParaRPr lang="en-US" dirty="0"/>
           </a:p>
           <a:p>
@@ -1879,7 +1817,7 @@
           <a:p>
             <a:fld id="{8D454BB1-5AB5-DF45-A819-95464E74CBE3}" type="slidenum">
               <a:rPr lang="en-US" smtClean="0"/>
-              <a:t>34</a:t>
+              <a:t>29</a:t>
             </a:fld>
             <a:endParaRPr lang="en-US"/>
           </a:p>
@@ -1888,7 +1826,7 @@
     </p:spTree>
     <p:extLst>
       <p:ext uri="{BB962C8B-B14F-4D97-AF65-F5344CB8AC3E}">
-        <p14:creationId xmlns:p14="http://schemas.microsoft.com/office/powerpoint/2010/main" val="1528262322"/>
+        <p14:creationId xmlns:p14="http://schemas.microsoft.com/office/powerpoint/2010/main" val="3831235649"/>
       </p:ext>
     </p:extLst>
   </p:cSld>
@@ -1942,229 +1880,6 @@
           <a:bodyPr/>
           <a:lstStyle/>
           <a:p>
-            <a:pPr marL="0" marR="0" lvl="0" indent="0" algn="l" defTabSz="914400" rtl="0" eaLnBrk="1" fontAlgn="auto" latinLnBrk="0" hangingPunct="1">
-              <a:lnSpc>
-                <a:spcPct val="100000"/>
-              </a:lnSpc>
-              <a:spcBef>
-                <a:spcPts val="0"/>
-              </a:spcBef>
-              <a:spcAft>
-                <a:spcPts val="0"/>
-              </a:spcAft>
-              <a:buClrTx/>
-              <a:buSzTx/>
-              <a:buFontTx/>
-              <a:buNone/>
-              <a:tabLst/>
-              <a:defRPr/>
-            </a:pPr>
-            <a:r>
-              <a:rPr lang="en-US" dirty="0"/>
-              <a:t>Our dependency on Inversion of Control containers, over Poor Man’s DI is often due to the complexity caused by our need to inject all of our dependencies over </a:t>
-            </a:r>
-            <a:r>
-              <a:rPr lang="en-US" dirty="0" err="1"/>
-              <a:t>newing</a:t>
-            </a:r>
-            <a:r>
-              <a:rPr lang="en-US" dirty="0"/>
-              <a:t> up a dependency in the constructor.</a:t>
-            </a:r>
-          </a:p>
-          <a:p>
-            <a:pPr marL="0" marR="0" lvl="0" indent="0" algn="l" defTabSz="914400" rtl="0" eaLnBrk="1" fontAlgn="auto" latinLnBrk="0" hangingPunct="1">
-              <a:lnSpc>
-                <a:spcPct val="100000"/>
-              </a:lnSpc>
-              <a:spcBef>
-                <a:spcPts val="0"/>
-              </a:spcBef>
-              <a:spcAft>
-                <a:spcPts val="0"/>
-              </a:spcAft>
-              <a:buClrTx/>
-              <a:buSzTx/>
-              <a:buFontTx/>
-              <a:buNone/>
-              <a:tabLst/>
-              <a:defRPr/>
-            </a:pPr>
-            <a:endParaRPr lang="en-US" dirty="0"/>
-          </a:p>
-          <a:p>
-            <a:pPr marL="0" marR="0" lvl="0" indent="0" algn="l" defTabSz="914400" rtl="0" eaLnBrk="1" fontAlgn="auto" latinLnBrk="0" hangingPunct="1">
-              <a:lnSpc>
-                <a:spcPct val="100000"/>
-              </a:lnSpc>
-              <a:spcBef>
-                <a:spcPts val="0"/>
-              </a:spcBef>
-              <a:spcAft>
-                <a:spcPts val="0"/>
-              </a:spcAft>
-              <a:buClrTx/>
-              <a:buSzTx/>
-              <a:buFontTx/>
-              <a:buNone/>
-              <a:tabLst/>
-              <a:defRPr/>
-            </a:pPr>
-            <a:r>
-              <a:rPr lang="en-US" dirty="0"/>
-              <a:t>There are valid times to use injection:</a:t>
-            </a:r>
-          </a:p>
-          <a:p>
-            <a:pPr marL="0" marR="0" lvl="0" indent="0" algn="l" defTabSz="914400" rtl="0" eaLnBrk="1" fontAlgn="auto" latinLnBrk="0" hangingPunct="1">
-              <a:lnSpc>
-                <a:spcPct val="100000"/>
-              </a:lnSpc>
-              <a:spcBef>
-                <a:spcPts val="0"/>
-              </a:spcBef>
-              <a:spcAft>
-                <a:spcPts val="0"/>
-              </a:spcAft>
-              <a:buClrTx/>
-              <a:buSzTx/>
-              <a:buFontTx/>
-              <a:buNone/>
-              <a:tabLst/>
-              <a:defRPr/>
-            </a:pPr>
-            <a:endParaRPr lang="en-US" dirty="0"/>
-          </a:p>
-          <a:p>
-            <a:pPr marL="0" marR="0" lvl="0" indent="0" algn="l" defTabSz="914400" rtl="0" eaLnBrk="1" fontAlgn="auto" latinLnBrk="0" hangingPunct="1">
-              <a:lnSpc>
-                <a:spcPct val="100000"/>
-              </a:lnSpc>
-              <a:spcBef>
-                <a:spcPts val="0"/>
-              </a:spcBef>
-              <a:spcAft>
-                <a:spcPts val="0"/>
-              </a:spcAft>
-              <a:buClrTx/>
-              <a:buSzTx/>
-              <a:buFontTx/>
-              <a:buNone/>
-              <a:tabLst/>
-              <a:defRPr/>
-            </a:pPr>
-            <a:r>
-              <a:rPr lang="en-US" dirty="0"/>
-              <a:t>* The Open-Closed Principle where we want to be closed to modification but open to extension by substituting variations of an interface that represent real run time variation, such as differing rules for an insurance policy</a:t>
-            </a:r>
-          </a:p>
-          <a:p>
-            <a:pPr marL="171450" marR="0" lvl="0" indent="-171450" algn="l" defTabSz="914400" rtl="0" eaLnBrk="1" fontAlgn="auto" latinLnBrk="0" hangingPunct="1">
-              <a:lnSpc>
-                <a:spcPct val="100000"/>
-              </a:lnSpc>
-              <a:spcBef>
-                <a:spcPts val="0"/>
-              </a:spcBef>
-              <a:spcAft>
-                <a:spcPts val="0"/>
-              </a:spcAft>
-              <a:buClrTx/>
-              <a:buSzTx/>
-              <a:buFont typeface="Arial" panose="020B0604020202020204" pitchFamily="34" charset="0"/>
-              <a:buChar char="•"/>
-              <a:tabLst/>
-              <a:defRPr/>
-            </a:pPr>
-            <a:r>
-              <a:rPr lang="en-US" dirty="0"/>
-              <a:t>Where we need to use Dependency Inversion to satisfy the constraints of a layer boundary, such as depend inwards, to allow run-time replacement of what would otherwise be a cyclic dependency</a:t>
-            </a:r>
-          </a:p>
-          <a:p>
-            <a:pPr marL="171450" marR="0" lvl="0" indent="-171450" algn="l" defTabSz="914400" rtl="0" eaLnBrk="1" fontAlgn="auto" latinLnBrk="0" hangingPunct="1">
-              <a:lnSpc>
-                <a:spcPct val="100000"/>
-              </a:lnSpc>
-              <a:spcBef>
-                <a:spcPts val="0"/>
-              </a:spcBef>
-              <a:spcAft>
-                <a:spcPts val="0"/>
-              </a:spcAft>
-              <a:buClrTx/>
-              <a:buSzTx/>
-              <a:buFont typeface="Arial" panose="020B0604020202020204" pitchFamily="34" charset="0"/>
-              <a:buChar char="•"/>
-              <a:tabLst/>
-              <a:defRPr/>
-            </a:pPr>
-            <a:endParaRPr lang="en-US" dirty="0"/>
-          </a:p>
-          <a:p>
-            <a:pPr marL="0" marR="0" lvl="0" indent="0" algn="l" defTabSz="914400" rtl="0" eaLnBrk="1" fontAlgn="auto" latinLnBrk="0" hangingPunct="1">
-              <a:lnSpc>
-                <a:spcPct val="100000"/>
-              </a:lnSpc>
-              <a:spcBef>
-                <a:spcPts val="0"/>
-              </a:spcBef>
-              <a:spcAft>
-                <a:spcPts val="0"/>
-              </a:spcAft>
-              <a:buClrTx/>
-              <a:buSzTx/>
-              <a:buFont typeface="Arial" panose="020B0604020202020204" pitchFamily="34" charset="0"/>
-              <a:buNone/>
-              <a:tabLst/>
-              <a:defRPr/>
-            </a:pPr>
-            <a:r>
-              <a:rPr lang="en-US" dirty="0"/>
-              <a:t>But over-use in our classes simply to make them observable for testing has undesirable side-affects and makes our tests fragile.</a:t>
-            </a:r>
-          </a:p>
-          <a:p>
-            <a:pPr marL="0" marR="0" lvl="0" indent="0" algn="l" defTabSz="914400" rtl="0" eaLnBrk="1" fontAlgn="auto" latinLnBrk="0" hangingPunct="1">
-              <a:lnSpc>
-                <a:spcPct val="100000"/>
-              </a:lnSpc>
-              <a:spcBef>
-                <a:spcPts val="0"/>
-              </a:spcBef>
-              <a:spcAft>
-                <a:spcPts val="0"/>
-              </a:spcAft>
-              <a:buClrTx/>
-              <a:buSzTx/>
-              <a:buFont typeface="Arial" panose="020B0604020202020204" pitchFamily="34" charset="0"/>
-              <a:buNone/>
-              <a:tabLst/>
-              <a:defRPr/>
-            </a:pPr>
-            <a:endParaRPr lang="en-US" dirty="0"/>
-          </a:p>
-          <a:p>
-            <a:pPr marL="0" marR="0" lvl="0" indent="0" algn="l" defTabSz="914400" rtl="0" eaLnBrk="1" fontAlgn="auto" latinLnBrk="0" hangingPunct="1">
-              <a:lnSpc>
-                <a:spcPct val="100000"/>
-              </a:lnSpc>
-              <a:spcBef>
-                <a:spcPts val="0"/>
-              </a:spcBef>
-              <a:spcAft>
-                <a:spcPts val="0"/>
-              </a:spcAft>
-              <a:buClrTx/>
-              <a:buSzTx/>
-              <a:buFont typeface="Arial" panose="020B0604020202020204" pitchFamily="34" charset="0"/>
-              <a:buNone/>
-              <a:tabLst/>
-              <a:defRPr/>
-            </a:pPr>
-            <a:endParaRPr lang="en-US" dirty="0"/>
-          </a:p>
-          <a:p>
             <a:endParaRPr lang="en-US" dirty="0"/>
           </a:p>
         </p:txBody>
@@ -2186,7 +1901,7 @@
           <a:p>
             <a:fld id="{8D454BB1-5AB5-DF45-A819-95464E74CBE3}" type="slidenum">
               <a:rPr lang="en-US" smtClean="0"/>
-              <a:t>35</a:t>
+              <a:t>30</a:t>
             </a:fld>
             <a:endParaRPr lang="en-US"/>
           </a:p>
@@ -2195,7 +1910,7 @@
     </p:spTree>
     <p:extLst>
       <p:ext uri="{BB962C8B-B14F-4D97-AF65-F5344CB8AC3E}">
-        <p14:creationId xmlns:p14="http://schemas.microsoft.com/office/powerpoint/2010/main" val="1813953205"/>
+        <p14:creationId xmlns:p14="http://schemas.microsoft.com/office/powerpoint/2010/main" val="326878708"/>
       </p:ext>
     </p:extLst>
   </p:cSld>
@@ -2250,741 +1965,18 @@
           <a:lstStyle/>
           <a:p>
             <a:r>
-              <a:rPr lang="en-GB" b="1" dirty="0"/>
-              <a:t>Mocks and the Dangers of </a:t>
-            </a:r>
-            <a:r>
-              <a:rPr lang="en-GB" b="1" dirty="0" err="1"/>
-              <a:t>Overspecified</a:t>
-            </a:r>
-            <a:r>
-              <a:rPr lang="en-GB" b="1" dirty="0"/>
-              <a:t> Software</a:t>
-            </a:r>
-          </a:p>
-          <a:p>
-            <a:r>
-              <a:rPr lang="en-GB" dirty="0"/>
-              <a:t>Posted by </a:t>
-            </a:r>
-            <a:r>
-              <a:rPr lang="en-GB" dirty="0">
-                <a:hlinkClick r:id="rId3" tooltip="View all posts by Ian Cooper"/>
-              </a:rPr>
-              <a:t>Ian Cooper</a:t>
-            </a:r>
-            <a:r>
-              <a:rPr lang="en-GB" dirty="0"/>
-              <a:t> on </a:t>
-            </a:r>
-            <a:r>
-              <a:rPr lang="en-GB" dirty="0">
-                <a:hlinkClick r:id="rId4" tooltip="9:14 am"/>
-              </a:rPr>
-              <a:t>December 19, 2007</a:t>
-            </a:r>
-            <a:r>
-              <a:rPr lang="en-GB" dirty="0"/>
-              <a:t> </a:t>
-            </a:r>
-          </a:p>
-          <a:p>
-            <a:r>
-              <a:rPr lang="en-GB" dirty="0"/>
-              <a:t>I’ll be back on LINQ architecture after the holidays, but in the meantime, I wanted to share some of the bad, some of the places where we have had bitter experiences.</a:t>
-            </a:r>
-          </a:p>
-          <a:p>
-            <a:r>
-              <a:rPr lang="en-GB" dirty="0"/>
-              <a:t>When </a:t>
-            </a:r>
-            <a:r>
-              <a:rPr lang="en-GB" dirty="0" err="1"/>
-              <a:t>NMock</a:t>
-            </a:r>
-            <a:r>
-              <a:rPr lang="en-GB" dirty="0"/>
-              <a:t> first appeared we embraced the behaviour verification style that it supported. We liked the idea that for ‘unit tests’ we should not interact with other concrete classes. We liked the way that mocks had to derive from interfaces, abstract classes, or override virtual methods. We wanted to depend upon abstractions, not details, and we liked the way that mocks gave us an emergent design that exhibited this quality.</a:t>
-            </a:r>
-          </a:p>
-          <a:p>
-            <a:r>
-              <a:rPr lang="en-GB" dirty="0"/>
-              <a:t>One of our first pushes was against slow tests that talked to the Db. Writing our tests against any kind of shared fixture was painful (note that in </a:t>
-            </a:r>
-            <a:r>
-              <a:rPr lang="en-GB" dirty="0" err="1"/>
-              <a:t>NUnit</a:t>
-            </a:r>
-            <a:r>
-              <a:rPr lang="en-GB" dirty="0"/>
-              <a:t>, </a:t>
-            </a:r>
-            <a:r>
-              <a:rPr lang="en-GB" dirty="0" err="1"/>
-              <a:t>MbUNit</a:t>
-            </a:r>
-            <a:r>
-              <a:rPr lang="en-GB" dirty="0"/>
-              <a:t>, </a:t>
-            </a:r>
-            <a:r>
-              <a:rPr lang="en-GB" dirty="0" err="1"/>
-              <a:t>MSTest</a:t>
-            </a:r>
-            <a:r>
-              <a:rPr lang="en-GB" dirty="0"/>
-              <a:t> et al. class variables are shared state for all tests in the fixture; </a:t>
-            </a:r>
-            <a:r>
-              <a:rPr lang="en-GB" dirty="0">
-                <a:hlinkClick r:id="rId5" tooltip="xUnit"/>
-              </a:rPr>
-              <a:t>xUnit</a:t>
-            </a:r>
-            <a:r>
-              <a:rPr lang="en-GB" dirty="0"/>
-              <a:t> tries to </a:t>
-            </a:r>
-            <a:r>
-              <a:rPr lang="en-GB" dirty="0">
-                <a:hlinkClick r:id="rId6" tooltip="fix nunit"/>
-              </a:rPr>
-              <a:t>fix this</a:t>
-            </a:r>
-            <a:r>
-              <a:rPr lang="en-GB" dirty="0"/>
-              <a:t> but writing tests against shared state in the Db was especially painful. Either tests influenced each other, or we wrote complex setup and tear down code. Even using tricks like </a:t>
-            </a:r>
-            <a:r>
-              <a:rPr lang="en-GB" dirty="0">
-                <a:hlinkClick r:id="rId7" tooltip="oletx"/>
-              </a:rPr>
-              <a:t>OleTx transactions</a:t>
-            </a:r>
-            <a:r>
-              <a:rPr lang="en-GB" dirty="0"/>
-              <a:t> we still had to pre-populate the Db or setup everything each time. And the tests were slow…</a:t>
-            </a:r>
-          </a:p>
-          <a:p>
-            <a:r>
-              <a:rPr lang="en-GB" dirty="0"/>
-              <a:t>So we mocked out our </a:t>
-            </a:r>
-            <a:r>
-              <a:rPr lang="en-GB" dirty="0">
-                <a:hlinkClick r:id="rId8" tooltip="DataMappers"/>
-              </a:rPr>
-              <a:t>DataMappers </a:t>
-            </a:r>
-            <a:r>
-              <a:rPr lang="en-GB" dirty="0"/>
-              <a:t>and, freed from the dependency on the Db, testing our Domain proceeded like a dream.</a:t>
-            </a:r>
-          </a:p>
-          <a:p>
-            <a:r>
-              <a:rPr lang="en-GB" dirty="0"/>
-              <a:t>The project inherited a byzantine legacy Db schema that was not amenable to an mapping via an ORM tool (at least at the state-of-the-art for that time), so we had to roll our own </a:t>
-            </a:r>
-            <a:r>
-              <a:rPr lang="en-GB" dirty="0" err="1"/>
-              <a:t>DataMappers</a:t>
-            </a:r>
-            <a:r>
-              <a:rPr lang="en-GB" dirty="0"/>
-              <a:t>. Due to the limited re-use options outside this context, instead of rolling our own reflection and generics approach, with its attendant complexity, we opted to aim for a solution that we could eventually just code-gen.  Keen to build via TDD, then code-generate once we were sure it worked, we wanted to drive development of our </a:t>
-            </a:r>
-            <a:r>
-              <a:rPr lang="en-GB" dirty="0" err="1"/>
-              <a:t>DataMappers</a:t>
-            </a:r>
-            <a:r>
-              <a:rPr lang="en-GB" dirty="0"/>
-              <a:t> via TDD. Inferring from our wins with mocks in the domain, we expected to be able to gain similar benefits by mocking out our </a:t>
-            </a:r>
-            <a:r>
-              <a:rPr lang="en-GB" dirty="0" err="1"/>
-              <a:t>DataMappers</a:t>
-            </a:r>
-            <a:r>
-              <a:rPr lang="en-GB" dirty="0"/>
-              <a:t> interaction with the Db (</a:t>
-            </a:r>
-            <a:r>
-              <a:rPr lang="en-GB" i="1" dirty="0" err="1"/>
-              <a:t>mea</a:t>
-            </a:r>
-            <a:r>
-              <a:rPr lang="en-GB" i="1" dirty="0"/>
-              <a:t> culpa</a:t>
-            </a:r>
-            <a:r>
-              <a:rPr lang="en-GB" dirty="0"/>
-              <a:t>). </a:t>
-            </a:r>
-          </a:p>
-          <a:p>
-            <a:r>
-              <a:rPr lang="en-GB" dirty="0"/>
-              <a:t>So, to persist, we created an abstraction of the Db, an </a:t>
-            </a:r>
-            <a:r>
-              <a:rPr lang="en-GB" dirty="0" err="1"/>
-              <a:t>IDatabase</a:t>
-            </a:r>
-            <a:r>
-              <a:rPr lang="en-GB" dirty="0"/>
-              <a:t>. Then mocked that </a:t>
-            </a:r>
-            <a:r>
-              <a:rPr lang="en-GB" dirty="0" err="1"/>
-              <a:t>IDatabase</a:t>
-            </a:r>
-            <a:r>
-              <a:rPr lang="en-GB" dirty="0"/>
-              <a:t> in our unit test and created expectations of the behaviour that of our mappers, by expecting calls to the Db to execute </a:t>
-            </a:r>
-            <a:r>
-              <a:rPr lang="en-GB" dirty="0" err="1"/>
-              <a:t>sql</a:t>
-            </a:r>
-            <a:r>
-              <a:rPr lang="en-GB" dirty="0"/>
-              <a:t>. This enabled us to check that we created the stored procedure calls we would expect. To create parameter lists for those procedures we created classes (which we intended to eventually generate) that mapped domain objects into SQL parameters. </a:t>
-            </a:r>
-          </a:p>
-          <a:p>
-            <a:r>
-              <a:rPr lang="en-GB" dirty="0"/>
-              <a:t>To materialize objects back out we created classes (which we would again auto-generate) that gave us the ordinals needed to read the fields from the row corresponding to the class. We used a dependant mapping strategy, so that our domain worked with a </a:t>
-            </a:r>
-            <a:r>
-              <a:rPr lang="en-GB" dirty="0" err="1"/>
-              <a:t>DataMapper</a:t>
-            </a:r>
-            <a:r>
-              <a:rPr lang="en-GB" dirty="0"/>
-              <a:t> for a root class but we loaded any child entities and value objects.</a:t>
-            </a:r>
-          </a:p>
-          <a:p>
-            <a:r>
-              <a:rPr lang="en-GB" dirty="0"/>
-              <a:t>Of course, we still needed integration tests to see if they would actually work, and of course, we found that some of the SQL code we were generating passed unit tests, but failed when run against the Db, but overall we were pretty proud of how we were testing the Db. There were some warnings (and one member of the team expressed doubts) but it seemed to go pretty well. </a:t>
-            </a:r>
-            <a:r>
-              <a:rPr lang="en-GB" i="1" dirty="0"/>
-              <a:t>As an aside, as we were only mapping out a few classes, the pressure to code generate never hit us. Believing that we needed to build 2 or 3 mappers before we would see our mapper design emerge (by refactoring to remove duplication) we never reached the point where we needed to push on from there to code generation to complete our persistence requirements. Simply put, we did not need to persist enough items that the cost of writing code generation became less than the cost of implementing the remaining mappers by hand.</a:t>
-            </a:r>
-            <a:endParaRPr lang="en-GB" dirty="0"/>
-          </a:p>
-          <a:p>
-            <a:r>
-              <a:rPr lang="en-GB" dirty="0"/>
-              <a:t>The problems began to hit us in maintenance (and that can hit quite early on an agile project with frequent releases). We had a number of issues:</a:t>
-            </a:r>
-            <a:br>
-              <a:rPr lang="en-GB" dirty="0"/>
-            </a:br>
-            <a:br>
-              <a:rPr lang="en-GB" b="1" dirty="0"/>
-            </a:br>
-            <a:r>
-              <a:rPr lang="en-GB" b="1" dirty="0"/>
-              <a:t>Mocking tools were not strongly-typed</a:t>
-            </a:r>
-            <a:r>
-              <a:rPr lang="en-GB" dirty="0"/>
-              <a:t> </a:t>
-            </a:r>
-            <a:br>
-              <a:rPr lang="en-GB" dirty="0"/>
-            </a:br>
-            <a:r>
-              <a:rPr lang="en-GB" dirty="0"/>
-              <a:t>At that time the mocking tools just used strings, there was none of the record-and-replay style seen within tools like </a:t>
-            </a:r>
-            <a:r>
-              <a:rPr lang="en-GB" dirty="0">
-                <a:hlinkClick r:id="rId9"/>
-              </a:rPr>
-              <a:t>Rhino Mocks</a:t>
-            </a:r>
-            <a:r>
-              <a:rPr lang="en-GB" dirty="0"/>
-              <a:t>. This is not only important because the compiler can no longer help you find errors, but because refactoring tools stop helping you make changes when a string is the method call. So Rename Method to express intent, became search-and-replace. Unit tests would pass, but integration tests failed, because the names had changed.</a:t>
-            </a:r>
-          </a:p>
-          <a:p>
-            <a:r>
-              <a:rPr lang="en-GB" b="1" dirty="0"/>
-              <a:t>The test code was over-coupled</a:t>
-            </a:r>
-            <a:br>
-              <a:rPr lang="en-GB" dirty="0"/>
-            </a:br>
-            <a:r>
-              <a:rPr lang="en-GB" dirty="0"/>
-              <a:t>A lot of our test code contained a dozen lines of set up for mocking along the lines of:</a:t>
-            </a:r>
-          </a:p>
-          <a:p>
-            <a:r>
-              <a:rPr lang="en-GB" dirty="0" err="1"/>
-              <a:t>database.Expect</a:t>
-            </a:r>
-            <a:r>
-              <a:rPr lang="en-GB" dirty="0"/>
-              <a:t>(“</a:t>
-            </a:r>
-            <a:r>
-              <a:rPr lang="en-GB" dirty="0" err="1"/>
-              <a:t>AddInParameter</a:t>
-            </a:r>
-            <a:r>
-              <a:rPr lang="en-GB" dirty="0"/>
-              <a:t>”, </a:t>
-            </a:r>
-            <a:r>
-              <a:rPr lang="en-GB" dirty="0" err="1"/>
-              <a:t>dbCommand.MockInstance</a:t>
-            </a:r>
-            <a:r>
-              <a:rPr lang="en-GB" dirty="0"/>
-              <a:t>, “@Username”, </a:t>
-            </a:r>
-            <a:r>
-              <a:rPr lang="en-GB" dirty="0" err="1"/>
-              <a:t>DbType.String</a:t>
-            </a:r>
-            <a:r>
-              <a:rPr lang="en-GB" dirty="0"/>
-              <a:t>, </a:t>
-            </a:r>
-            <a:r>
-              <a:rPr lang="en-GB" dirty="0" err="1"/>
-              <a:t>person.UserName</a:t>
-            </a:r>
-            <a:r>
-              <a:rPr lang="en-GB" dirty="0"/>
-              <a:t>);</a:t>
-            </a:r>
-            <a:br>
-              <a:rPr lang="en-GB" dirty="0"/>
-            </a:br>
-            <a:r>
-              <a:rPr lang="en-GB" dirty="0" err="1"/>
-              <a:t>database.Expect</a:t>
-            </a:r>
-            <a:r>
-              <a:rPr lang="en-GB" dirty="0"/>
-              <a:t>(“</a:t>
-            </a:r>
-            <a:r>
-              <a:rPr lang="en-GB" dirty="0" err="1"/>
-              <a:t>AddInParameter</a:t>
-            </a:r>
-            <a:r>
-              <a:rPr lang="en-GB" dirty="0"/>
-              <a:t>”, </a:t>
-            </a:r>
-            <a:r>
-              <a:rPr lang="en-GB" dirty="0" err="1"/>
-              <a:t>dbCommand.MockInstance</a:t>
-            </a:r>
-            <a:r>
-              <a:rPr lang="en-GB" dirty="0"/>
-              <a:t>, “@FirstName”, </a:t>
-            </a:r>
-            <a:r>
-              <a:rPr lang="en-GB" dirty="0" err="1"/>
-              <a:t>DbType.String</a:t>
-            </a:r>
-            <a:r>
-              <a:rPr lang="en-GB" dirty="0"/>
-              <a:t>, </a:t>
-            </a:r>
-            <a:r>
-              <a:rPr lang="en-GB" dirty="0" err="1"/>
-              <a:t>person.FirstName</a:t>
-            </a:r>
-            <a:r>
-              <a:rPr lang="en-GB" dirty="0"/>
-              <a:t>);</a:t>
-            </a:r>
-            <a:br>
-              <a:rPr lang="en-GB" dirty="0"/>
-            </a:br>
-            <a:r>
-              <a:rPr lang="en-GB" dirty="0" err="1"/>
-              <a:t>database.Expect</a:t>
-            </a:r>
-            <a:r>
-              <a:rPr lang="en-GB" dirty="0"/>
-              <a:t>(“</a:t>
-            </a:r>
-            <a:r>
-              <a:rPr lang="en-GB" dirty="0" err="1"/>
-              <a:t>AddInParameter</a:t>
-            </a:r>
-            <a:r>
-              <a:rPr lang="en-GB" dirty="0"/>
-              <a:t>”, </a:t>
-            </a:r>
-            <a:r>
-              <a:rPr lang="en-GB" dirty="0" err="1"/>
-              <a:t>dbCommand.MockInstance</a:t>
-            </a:r>
-            <a:r>
-              <a:rPr lang="en-GB" dirty="0"/>
-              <a:t>, “@</a:t>
-            </a:r>
-            <a:r>
-              <a:rPr lang="en-GB" dirty="0" err="1"/>
-              <a:t>MiddleInitial</a:t>
-            </a:r>
-            <a:r>
-              <a:rPr lang="en-GB" dirty="0"/>
-              <a:t>”, </a:t>
-            </a:r>
-            <a:r>
-              <a:rPr lang="en-GB" dirty="0" err="1"/>
-              <a:t>DbType.String</a:t>
-            </a:r>
-            <a:r>
-              <a:rPr lang="en-GB" dirty="0"/>
-              <a:t>, </a:t>
-            </a:r>
-            <a:r>
-              <a:rPr lang="en-GB" dirty="0" err="1"/>
-              <a:t>person.MiddleInitial</a:t>
-            </a:r>
-            <a:r>
-              <a:rPr lang="en-GB" dirty="0"/>
-              <a:t>);</a:t>
-            </a:r>
-            <a:br>
-              <a:rPr lang="en-GB" dirty="0"/>
-            </a:br>
-            <a:r>
-              <a:rPr lang="en-GB" dirty="0" err="1"/>
-              <a:t>database.Expect</a:t>
-            </a:r>
-            <a:r>
-              <a:rPr lang="en-GB" dirty="0"/>
-              <a:t>(“</a:t>
-            </a:r>
-            <a:r>
-              <a:rPr lang="en-GB" dirty="0" err="1"/>
-              <a:t>AddInParameter</a:t>
-            </a:r>
-            <a:r>
-              <a:rPr lang="en-GB" dirty="0"/>
-              <a:t>”, </a:t>
-            </a:r>
-            <a:r>
-              <a:rPr lang="en-GB" dirty="0" err="1"/>
-              <a:t>dbCommand.MockInstance</a:t>
-            </a:r>
-            <a:r>
-              <a:rPr lang="en-GB" dirty="0"/>
-              <a:t>, “@Surname”, </a:t>
-            </a:r>
-            <a:r>
-              <a:rPr lang="en-GB" dirty="0" err="1"/>
-              <a:t>DbType.String</a:t>
-            </a:r>
-            <a:r>
-              <a:rPr lang="en-GB" dirty="0"/>
-              <a:t>, </a:t>
-            </a:r>
-            <a:r>
-              <a:rPr lang="en-GB" dirty="0" err="1"/>
-              <a:t>person.Surname</a:t>
-            </a:r>
-            <a:r>
-              <a:rPr lang="en-GB" dirty="0"/>
-              <a:t>);</a:t>
-            </a:r>
-          </a:p>
-          <a:p>
-            <a:r>
-              <a:rPr lang="en-GB" dirty="0"/>
-              <a:t>The tests are coupled not only to the domain model but the schema, and represented a point of resistance to change for us.</a:t>
-            </a:r>
-          </a:p>
-          <a:p>
-            <a:r>
-              <a:rPr lang="en-GB" b="1" dirty="0"/>
-              <a:t>Tests predicted the implementation rather than letting it evolve through refactoring</a:t>
-            </a:r>
-            <a:br>
-              <a:rPr lang="en-GB" dirty="0"/>
-            </a:br>
-            <a:r>
-              <a:rPr lang="en-GB" dirty="0"/>
-              <a:t>The tests specified the implementation and as such writing the test constrained the implementation. This broke the more normal TDD pattern of make it pass then refactor. Writing the specification for the implementation in the tests is expensive, and error prone.</a:t>
-            </a:r>
-          </a:p>
-          <a:p>
-            <a:r>
-              <a:rPr lang="en-GB" b="1" dirty="0"/>
-              <a:t>Changes to implementation were Shotgun Surgery</a:t>
-            </a:r>
-            <a:br>
-              <a:rPr lang="en-GB" dirty="0"/>
-            </a:br>
-            <a:r>
-              <a:rPr lang="en-GB" dirty="0"/>
-              <a:t>When you change the implementation of a method under test, mocks can break because you now make additional or different calls to the dependent component that is being mocked. For us, if you needed to add an extra parameter to a domain class under our model for example, you had to create the expectation for that parameter in the test. After a while the process of adding a new field became expensive, and the number of changes required to add a new method began to smell of shotgun surgery. The trouble had become that our tests not only specified the inputs and outputs but also how the method under test was implemented: the order and number of calls.</a:t>
-            </a:r>
-          </a:p>
-          <a:p>
-            <a:r>
-              <a:rPr lang="en-GB" dirty="0"/>
-              <a:t>The mocks began to make our software more resistant to change, more sluggish, and this increased the cost to refactoring. As change becomes more expensive, we risked becoming resistant to making it, and we risk starting to build technical debt. A couple of times the tests broke, as developers changed the domain, or changed how we were doing persistence, without changing the test first, because they were frustrated at how it slowed their development. The mocks became an impedance to progress.</a:t>
-            </a:r>
-          </a:p>
-          <a:p>
-            <a:r>
-              <a:rPr lang="en-GB" dirty="0"/>
-              <a:t>Mocks had become, for us, fragile tests.</a:t>
-            </a:r>
-          </a:p>
-          <a:p>
-            <a:r>
-              <a:rPr lang="en-GB" b="1" dirty="0"/>
-              <a:t>Red, Green, Refactor</a:t>
-            </a:r>
-            <a:br>
-              <a:rPr lang="en-GB" dirty="0"/>
-            </a:br>
-            <a:r>
-              <a:rPr lang="en-GB" dirty="0"/>
-              <a:t>Agile methodologies allow a just-in-time design approach because you can refactor existing code at low-cost and risk. Unit tests enable this scenario, because they protect against changes in behaviour of the system under test. You can change the implementation, provided the behaviour remains the same. However when mocks are fragile, and risk becoming an obstacle to change, because they can break even when the behaviour remains consistent they can increase the cost of refactoring. </a:t>
-            </a:r>
-          </a:p>
-          <a:p>
-            <a:r>
-              <a:rPr lang="en-GB" b="1" dirty="0"/>
-              <a:t>Maybe we should have just done integration testing?</a:t>
-            </a:r>
-            <a:br>
-              <a:rPr lang="en-GB" dirty="0"/>
-            </a:br>
-            <a:r>
-              <a:rPr lang="en-GB" dirty="0"/>
-              <a:t>By contrast the effort to check the classes using integration tests turned out to be quite small in this instance, because we only needed to check our ability insert, update, and delete on each mapper. We had gained a lot by removing our dependency on the Db from the domain with the </a:t>
-            </a:r>
-            <a:r>
-              <a:rPr lang="en-GB" dirty="0" err="1"/>
-              <a:t>DataMapper</a:t>
-            </a:r>
-            <a:r>
-              <a:rPr lang="en-GB" dirty="0"/>
-              <a:t>, but our desire to mock out the Db on the implementation of the </a:t>
-            </a:r>
-            <a:r>
-              <a:rPr lang="en-GB" dirty="0" err="1"/>
-              <a:t>DataMapper</a:t>
-            </a:r>
-            <a:r>
-              <a:rPr lang="en-GB" dirty="0"/>
-              <a:t>, looked as though it cost us more than it saved. It was a bridge too far.</a:t>
-            </a:r>
-          </a:p>
-          <a:p>
-            <a:r>
-              <a:rPr lang="en-GB" b="1" dirty="0"/>
-              <a:t>Fragility and Mocks</a:t>
-            </a:r>
-            <a:br>
-              <a:rPr lang="en-GB" dirty="0"/>
-            </a:br>
-            <a:r>
-              <a:rPr lang="en-GB" dirty="0"/>
-              <a:t>When I look around now, I see a lot of people using mocks to replace all their dependencies. My concern is that they will begin to hit the </a:t>
-            </a:r>
-            <a:r>
-              <a:rPr lang="en-GB" dirty="0">
-                <a:hlinkClick r:id="rId10" tooltip="Fragile Test"/>
-              </a:rPr>
-              <a:t>Fragile Test</a:t>
-            </a:r>
-            <a:r>
-              <a:rPr lang="en-GB" dirty="0"/>
-              <a:t> issues that mocks present. Gerard </a:t>
-            </a:r>
-            <a:r>
-              <a:rPr lang="en-GB" dirty="0" err="1"/>
-              <a:t>Meszaros</a:t>
-            </a:r>
-            <a:r>
-              <a:rPr lang="en-GB" dirty="0"/>
-              <a:t> identifies the issues we hit as two specific smells: </a:t>
-            </a:r>
-            <a:r>
-              <a:rPr lang="en-GB" dirty="0">
-                <a:hlinkClick r:id="rId10"/>
-              </a:rPr>
-              <a:t>Overspecified Software</a:t>
-            </a:r>
-            <a:r>
-              <a:rPr lang="en-GB" dirty="0"/>
-              <a:t> and </a:t>
-            </a:r>
-            <a:r>
-              <a:rPr lang="en-GB" dirty="0">
-                <a:hlinkClick r:id="rId10"/>
-              </a:rPr>
-              <a:t>Behaviour Sensitivity</a:t>
-            </a:r>
-            <a:r>
-              <a:rPr lang="en-GB" dirty="0"/>
-              <a:t>.</a:t>
-            </a:r>
-          </a:p>
-          <a:p>
-            <a:r>
-              <a:rPr lang="en-GB" b="1" dirty="0"/>
-              <a:t>Test Doubles</a:t>
-            </a:r>
-            <a:br>
-              <a:rPr lang="en-GB" dirty="0"/>
-            </a:br>
-            <a:r>
-              <a:rPr lang="en-GB" dirty="0"/>
-              <a:t>Gerard </a:t>
-            </a:r>
-            <a:r>
-              <a:rPr lang="en-GB" dirty="0" err="1"/>
-              <a:t>Meszaros</a:t>
-            </a:r>
-            <a:r>
-              <a:rPr lang="en-GB" dirty="0"/>
-              <a:t> classifies any object we use to stand in for another object during a test as a </a:t>
-            </a:r>
-            <a:r>
-              <a:rPr lang="en-GB" dirty="0">
-                <a:hlinkClick r:id="rId11"/>
-              </a:rPr>
-              <a:t>Test Double</a:t>
-            </a:r>
-            <a:r>
-              <a:rPr lang="en-GB" dirty="0"/>
-              <a:t>. It is worth reading what Gerard has to say either on the </a:t>
-            </a:r>
-            <a:r>
-              <a:rPr lang="en-GB" dirty="0">
-                <a:hlinkClick r:id="rId12"/>
-              </a:rPr>
-              <a:t>web site or in his book</a:t>
-            </a:r>
-            <a:r>
-              <a:rPr lang="en-GB" dirty="0"/>
-              <a:t>. The key is to understand that you are replacing a dependency to isolate the object under test from either Indirect Inputs or Indirect Outputs. Mocks are really only a sweet spot for testing indirect outputs. If you have indirect inputs, a </a:t>
-            </a:r>
-            <a:r>
-              <a:rPr lang="en-GB" dirty="0">
-                <a:hlinkClick r:id="rId13"/>
-              </a:rPr>
-              <a:t>Test Stub</a:t>
-            </a:r>
-            <a:r>
-              <a:rPr lang="en-GB" dirty="0"/>
-              <a:t> or </a:t>
-            </a:r>
-            <a:r>
-              <a:rPr lang="en-GB" dirty="0">
-                <a:hlinkClick r:id="rId14"/>
-              </a:rPr>
-              <a:t>Fake Object</a:t>
-            </a:r>
-            <a:r>
-              <a:rPr lang="en-GB" dirty="0"/>
-              <a:t> may be a more maintainable approach than a mock. Even for indirect </a:t>
-            </a:r>
-            <a:r>
-              <a:rPr lang="en-GB" dirty="0" err="1"/>
-              <a:t>ouputs</a:t>
-            </a:r>
-            <a:r>
-              <a:rPr lang="en-GB" dirty="0"/>
-              <a:t> it is worth considering a </a:t>
-            </a:r>
-            <a:r>
-              <a:rPr lang="en-GB" dirty="0">
-                <a:hlinkClick r:id="rId15"/>
-              </a:rPr>
-              <a:t>Test Spy</a:t>
-            </a:r>
-            <a:r>
-              <a:rPr lang="en-GB" dirty="0"/>
-              <a:t> (we find the Self-Shunt variation </a:t>
-            </a:r>
-            <a:r>
-              <a:rPr lang="en-GB" dirty="0" err="1"/>
-              <a:t>particulary</a:t>
-            </a:r>
-            <a:r>
-              <a:rPr lang="en-GB" dirty="0"/>
-              <a:t> simple to use) or </a:t>
-            </a:r>
-            <a:r>
-              <a:rPr lang="en-GB" dirty="0">
-                <a:hlinkClick r:id="rId16"/>
-              </a:rPr>
-              <a:t>Test-Specific Subclass</a:t>
-            </a:r>
-            <a:r>
-              <a:rPr lang="en-GB" dirty="0"/>
-              <a:t> before looking at a mock.</a:t>
-            </a:r>
-          </a:p>
-          <a:p>
-            <a:r>
-              <a:rPr lang="en-GB" b="1" dirty="0"/>
-              <a:t>Switching to fakes and stubs</a:t>
-            </a:r>
-            <a:br>
-              <a:rPr lang="en-GB" dirty="0"/>
-            </a:br>
-            <a:r>
-              <a:rPr lang="en-GB" dirty="0"/>
-              <a:t>Since that project we have weaned ourselves from our mock dependency and try to use what </a:t>
-            </a:r>
-            <a:r>
-              <a:rPr lang="en-GB" dirty="0">
-                <a:hlinkClick r:id="rId17"/>
-              </a:rPr>
-              <a:t>Fowler calls a classicist approach to TDD</a:t>
-            </a:r>
-            <a:r>
-              <a:rPr lang="en-GB" dirty="0"/>
-              <a:t> more. Where we do replace a depended upon component, we try to use the appropriate technique, depending on whether our concern is an indirect input or an indirect output in the dependency. In addition when talking to the outside world we weigh up the point at which the ‘last mile’ should be checked with an </a:t>
-            </a:r>
-            <a:r>
-              <a:rPr lang="en-GB" dirty="0" err="1"/>
-              <a:t>intergration</a:t>
-            </a:r>
-            <a:r>
-              <a:rPr lang="en-GB" dirty="0"/>
-              <a:t> test over a unit test. So while I want to isolate my domain, I may make different </a:t>
-            </a:r>
-            <a:r>
-              <a:rPr lang="en-GB" dirty="0" err="1"/>
-              <a:t>jhdgements</a:t>
-            </a:r>
-            <a:r>
-              <a:rPr lang="en-GB" dirty="0"/>
-              <a:t> in the service layer. Mocking frameworks are powerful, but ‘with great power comes great responsibility’.</a:t>
+              <a:rPr lang="en-US" dirty="0"/>
+              <a:t>When engineers talk about TDD, they often associate it with the idea of a developer writing a unit test.</a:t>
             </a:r>
           </a:p>
           <a:p>
             <a:endParaRPr lang="en-US" dirty="0"/>
+          </a:p>
+          <a:p>
+            <a:r>
+              <a:rPr lang="en-US" dirty="0"/>
+              <a:t>This fallacy has led to many of the problems with how TDD is practiced. </a:t>
+            </a:r>
           </a:p>
         </p:txBody>
       </p:sp>
@@ -3005,7 +1997,7 @@
           <a:p>
             <a:fld id="{8D454BB1-5AB5-DF45-A819-95464E74CBE3}" type="slidenum">
               <a:rPr lang="en-US" smtClean="0"/>
-              <a:t>36</a:t>
+              <a:t>31</a:t>
             </a:fld>
             <a:endParaRPr lang="en-US"/>
           </a:p>
@@ -3014,7 +2006,7 @@
     </p:spTree>
     <p:extLst>
       <p:ext uri="{BB962C8B-B14F-4D97-AF65-F5344CB8AC3E}">
-        <p14:creationId xmlns:p14="http://schemas.microsoft.com/office/powerpoint/2010/main" val="3888147102"/>
+        <p14:creationId xmlns:p14="http://schemas.microsoft.com/office/powerpoint/2010/main" val="508145295"/>
       </p:ext>
     </p:extLst>
   </p:cSld>
@@ -3070,49 +2062,20 @@
           <a:p>
             <a:r>
               <a:rPr lang="en-US" dirty="0"/>
-              <a:t>Kent acknowledge that TDD By Example did not explicitly call out this problem of tests that are sensitive to the structure of the code – his </a:t>
-            </a:r>
-            <a:r>
-              <a:rPr lang="en-US" dirty="0" err="1"/>
-              <a:t>equivalen</a:t>
-            </a:r>
+              <a:t>In fact, Kent only uses the term unit test in this quote, and in a discussion of the problems of acceptance testing. Small-scale test is the alternative to unit test he suggests in the same paragraph. Nearly everywhere else Kent in his book Kent just says ‘test.’</a:t>
+            </a:r>
+          </a:p>
+          <a:p>
+            <a:endParaRPr lang="en-US" dirty="0"/>
+          </a:p>
+          <a:p>
             <a:r>
               <a:rPr lang="en-US" dirty="0"/>
-              <a:t> to </a:t>
-            </a:r>
-            <a:r>
-              <a:rPr lang="en-US" dirty="0" err="1"/>
-              <a:t>Meszaros’s</a:t>
-            </a:r>
-            <a:r>
-              <a:rPr lang="en-US" dirty="0"/>
-              <a:t> fragile test and confusingly behavior-sensitivity. Kent means externally visible behavior, </a:t>
-            </a:r>
-            <a:r>
-              <a:rPr lang="en-US" dirty="0" err="1"/>
-              <a:t>Meszaros</a:t>
-            </a:r>
-            <a:r>
-              <a:rPr lang="en-US" dirty="0"/>
-              <a:t> means unobservable behavior or </a:t>
-            </a:r>
-            <a:r>
-              <a:rPr lang="en-US" dirty="0" err="1"/>
-              <a:t>Kent;s</a:t>
-            </a:r>
-            <a:r>
-              <a:rPr lang="en-US" dirty="0"/>
-              <a:t> structure.</a:t>
+              <a:t>Co-opting the word ‘unit test’ into our lexicon to describe what a developer writes in the TDD process has a number of problems, derived from the association with the principles of classical unit testing.</a:t>
             </a:r>
           </a:p>
           <a:p>
             <a:endParaRPr lang="en-US" dirty="0"/>
-          </a:p>
-          <a:p>
-            <a:r>
-              <a:rPr lang="en-US" dirty="0"/>
-              <a:t>Fragile Tests became the bane of much of testing. Change the contract of a Depended upon Component and spend the next few hours fixing up broken tests. This might be vaguely justifiable for a component we did not control, where the interaction with the third party component was what was under test – although I don’t think that is the way to go – it becomes nonsense when we control both the SUT and DOC</a:t>
-            </a:r>
           </a:p>
           <a:p>
             <a:endParaRPr lang="en-US" dirty="0"/>
@@ -3136,7 +2099,7 @@
           <a:p>
             <a:fld id="{8D454BB1-5AB5-DF45-A819-95464E74CBE3}" type="slidenum">
               <a:rPr lang="en-US" smtClean="0"/>
-              <a:t>37</a:t>
+              <a:t>32</a:t>
             </a:fld>
             <a:endParaRPr lang="en-US"/>
           </a:p>
@@ -3145,7 +2108,7 @@
     </p:spTree>
     <p:extLst>
       <p:ext uri="{BB962C8B-B14F-4D97-AF65-F5344CB8AC3E}">
-        <p14:creationId xmlns:p14="http://schemas.microsoft.com/office/powerpoint/2010/main" val="712344758"/>
+        <p14:creationId xmlns:p14="http://schemas.microsoft.com/office/powerpoint/2010/main" val="277820001"/>
       </p:ext>
     </p:extLst>
   </p:cSld>
@@ -3201,31 +2164,28 @@
           <a:p>
             <a:r>
               <a:rPr lang="en-US" dirty="0"/>
-              <a:t>But when we think about TDD, we must think about it’s cycle: Red-Green-Refactor. If Kent is the father of TDD, Martin Fowler became its godfather with his deeper explanation of </a:t>
-            </a:r>
-            <a:r>
-              <a:rPr lang="en-US" dirty="0" err="1"/>
-              <a:t>refactorings</a:t>
-            </a:r>
+              <a:t>If we assume that TDD uses unit tests, that comes with some constraints that come from classical testing theory.</a:t>
+            </a:r>
+          </a:p>
+          <a:p>
+            <a:endParaRPr lang="en-US" dirty="0"/>
+          </a:p>
+          <a:p>
             <a:r>
               <a:rPr lang="en-US" dirty="0"/>
-              <a:t>  - changing structure without changing the </a:t>
-            </a:r>
-            <a:r>
-              <a:rPr lang="en-US" dirty="0" err="1"/>
-              <a:t>behaviour</a:t>
-            </a:r>
+              <a:t>Unit tests isolate the module. To do that all dependencies of the module are replaced, for the test with a ‘test double’ a stub, fake or mock. The replacement should be predictable, so that we can isolate any failure to the unit under test, not its collaborators</a:t>
+            </a:r>
+          </a:p>
+          <a:p>
             <a:r>
               <a:rPr lang="en-US" dirty="0"/>
-              <a:t>. Refactoring focuses on the implementation details, not on the </a:t>
-            </a:r>
-            <a:r>
-              <a:rPr lang="en-US" dirty="0" err="1"/>
-              <a:t>behaviour</a:t>
-            </a:r>
+              <a:t>Integration tests connect two modules together to determine if they can hook together.</a:t>
+            </a:r>
+          </a:p>
+          <a:p>
             <a:r>
               <a:rPr lang="en-US" dirty="0"/>
-              <a:t> of its external interface.</a:t>
+              <a:t>System tests integrate all the modules and let us run end-to-end.</a:t>
             </a:r>
           </a:p>
           <a:p>
@@ -3234,22 +2194,8 @@
           <a:p>
             <a:r>
               <a:rPr lang="en-US" dirty="0"/>
-              <a:t>Changing the structure of your implementation, should not break any tests, only changing the </a:t>
-            </a:r>
-            <a:r>
-              <a:rPr lang="en-US" dirty="0" err="1"/>
-              <a:t>behaviour</a:t>
-            </a:r>
-            <a:r>
-              <a:rPr lang="en-US" dirty="0"/>
-              <a:t> of the SUT should. Indeed the ability to keep your tests green between steps of the refactoring is what makes refactoring ‘safe’ as opposed to re-engineering which is unsafe as it requires regression. YOUR TESTS SHOULD NOT BREAK DURING REFACTORING.</a:t>
-            </a:r>
-          </a:p>
-          <a:p>
-            <a:endParaRPr lang="en-US" dirty="0"/>
-          </a:p>
-          <a:p>
-            <a:endParaRPr lang="en-US" dirty="0"/>
+              <a:t>Typically, in OO TDD, the module is identified as a class. This means that we end up mocking all of the dependencies of our class</a:t>
+            </a:r>
           </a:p>
         </p:txBody>
       </p:sp>
@@ -3270,7 +2216,7 @@
           <a:p>
             <a:fld id="{8D454BB1-5AB5-DF45-A819-95464E74CBE3}" type="slidenum">
               <a:rPr lang="en-US" smtClean="0"/>
-              <a:t>38</a:t>
+              <a:t>33</a:t>
             </a:fld>
             <a:endParaRPr lang="en-US"/>
           </a:p>
@@ -3279,7 +2225,7 @@
     </p:spTree>
     <p:extLst>
       <p:ext uri="{BB962C8B-B14F-4D97-AF65-F5344CB8AC3E}">
-        <p14:creationId xmlns:p14="http://schemas.microsoft.com/office/powerpoint/2010/main" val="3991526860"/>
+        <p14:creationId xmlns:p14="http://schemas.microsoft.com/office/powerpoint/2010/main" val="2957000693"/>
       </p:ext>
     </p:extLst>
   </p:cSld>
@@ -3333,35 +2279,30 @@
           <a:bodyPr/>
           <a:lstStyle/>
           <a:p>
-            <a:pPr marL="0" marR="0" lvl="0" indent="0" algn="l" defTabSz="914400" rtl="0" eaLnBrk="1" fontAlgn="auto" latinLnBrk="0" hangingPunct="1">
-              <a:lnSpc>
-                <a:spcPct val="100000"/>
-              </a:lnSpc>
-              <a:spcBef>
-                <a:spcPts val="0"/>
-              </a:spcBef>
-              <a:spcAft>
-                <a:spcPts val="0"/>
-              </a:spcAft>
-              <a:buClrTx/>
-              <a:buSzTx/>
-              <a:buFontTx/>
-              <a:buNone/>
-              <a:tabLst/>
-              <a:defRPr/>
-            </a:pPr>
             <a:r>
               <a:rPr lang="en-US" dirty="0"/>
-              <a:t>And this implies that the tests should not need to change, if the </a:t>
+              <a:t>The assertion that we are doing “unit testing’ lead to the privileging of the idea that you should mock all the dependencies of the SUT, in order to isolate it. The cry was ‘defect localization’. We want to know what ‘failed’ and that means only one one test should fail for any given line of code, and if we include dependencies, how we will know it was our code and not a collaborator. So all or our collaborators will behave perfectly.</a:t>
+            </a:r>
+          </a:p>
+          <a:p>
+            <a:endParaRPr lang="en-US" dirty="0"/>
+          </a:p>
+          <a:p>
+            <a:r>
+              <a:rPr lang="en-US" dirty="0"/>
+              <a:t>This idea, which </a:t>
             </a:r>
             <a:r>
               <a:rPr lang="en-US" dirty="0" err="1"/>
-              <a:t>behaviour</a:t>
+              <a:t>Meszaros</a:t>
             </a:r>
             <a:r>
               <a:rPr lang="en-US" dirty="0"/>
-              <a:t> does not change. A refactoring should not change a TDD test. Indeed the TDD test confirms that the behavior remains the same after the refactoring. It is the very heart of how our refactoring is enhanced by tests, and how we are able to refactor after we reach –green, because we have passing tests, as long as the tests keep passing our refactoring breaks nothing.</a:t>
-            </a:r>
+              <a:t> calls Need-Driven Development has all ‘dependencies’ replaced with a mock, often so that we define the interface of the collaborator when implementing the SUT.</a:t>
+            </a:r>
+          </a:p>
+          <a:p>
+            <a:endParaRPr lang="en-US" dirty="0"/>
           </a:p>
           <a:p>
             <a:endParaRPr lang="en-US" dirty="0"/>
@@ -3385,7 +2326,7 @@
           <a:p>
             <a:fld id="{8D454BB1-5AB5-DF45-A819-95464E74CBE3}" type="slidenum">
               <a:rPr lang="en-US" smtClean="0"/>
-              <a:t>39</a:t>
+              <a:t>34</a:t>
             </a:fld>
             <a:endParaRPr lang="en-US"/>
           </a:p>
@@ -3394,7 +2335,7 @@
     </p:spTree>
     <p:extLst>
       <p:ext uri="{BB962C8B-B14F-4D97-AF65-F5344CB8AC3E}">
-        <p14:creationId xmlns:p14="http://schemas.microsoft.com/office/powerpoint/2010/main" val="1206435803"/>
+        <p14:creationId xmlns:p14="http://schemas.microsoft.com/office/powerpoint/2010/main" val="1528262322"/>
       </p:ext>
     </p:extLst>
   </p:cSld>
@@ -3448,14 +2389,229 @@
           <a:bodyPr/>
           <a:lstStyle/>
           <a:p>
+            <a:pPr marL="0" marR="0" lvl="0" indent="0" algn="l" defTabSz="914400" rtl="0" eaLnBrk="1" fontAlgn="auto" latinLnBrk="0" hangingPunct="1">
+              <a:lnSpc>
+                <a:spcPct val="100000"/>
+              </a:lnSpc>
+              <a:spcBef>
+                <a:spcPts val="0"/>
+              </a:spcBef>
+              <a:spcAft>
+                <a:spcPts val="0"/>
+              </a:spcAft>
+              <a:buClrTx/>
+              <a:buSzTx/>
+              <a:buFontTx/>
+              <a:buNone/>
+              <a:tabLst/>
+              <a:defRPr/>
+            </a:pPr>
             <a:r>
               <a:rPr lang="en-US" dirty="0"/>
-              <a:t>Kent addressed this issue in his discussion of TDD with Martin Fowler and DHH in 2014. He discussed the specific problem that developers would often report fragile tests, and when he looked at them, he could see mocks returning mocks, returning mocks. The software was highly coupled to the tests – no wonder it would break tests on any </a:t>
+              <a:t>Our dependency on Inversion of Control containers, over Poor Man’s DI is often due to the complexity caused by our need to inject all of our dependencies over </a:t>
             </a:r>
             <a:r>
               <a:rPr lang="en-US" dirty="0" err="1"/>
-              <a:t>chane</a:t>
-            </a:r>
+              <a:t>newing</a:t>
+            </a:r>
+            <a:r>
+              <a:rPr lang="en-US" dirty="0"/>
+              <a:t> up a dependency in the constructor.</a:t>
+            </a:r>
+          </a:p>
+          <a:p>
+            <a:pPr marL="0" marR="0" lvl="0" indent="0" algn="l" defTabSz="914400" rtl="0" eaLnBrk="1" fontAlgn="auto" latinLnBrk="0" hangingPunct="1">
+              <a:lnSpc>
+                <a:spcPct val="100000"/>
+              </a:lnSpc>
+              <a:spcBef>
+                <a:spcPts val="0"/>
+              </a:spcBef>
+              <a:spcAft>
+                <a:spcPts val="0"/>
+              </a:spcAft>
+              <a:buClrTx/>
+              <a:buSzTx/>
+              <a:buFontTx/>
+              <a:buNone/>
+              <a:tabLst/>
+              <a:defRPr/>
+            </a:pPr>
+            <a:endParaRPr lang="en-US" dirty="0"/>
+          </a:p>
+          <a:p>
+            <a:pPr marL="0" marR="0" lvl="0" indent="0" algn="l" defTabSz="914400" rtl="0" eaLnBrk="1" fontAlgn="auto" latinLnBrk="0" hangingPunct="1">
+              <a:lnSpc>
+                <a:spcPct val="100000"/>
+              </a:lnSpc>
+              <a:spcBef>
+                <a:spcPts val="0"/>
+              </a:spcBef>
+              <a:spcAft>
+                <a:spcPts val="0"/>
+              </a:spcAft>
+              <a:buClrTx/>
+              <a:buSzTx/>
+              <a:buFontTx/>
+              <a:buNone/>
+              <a:tabLst/>
+              <a:defRPr/>
+            </a:pPr>
+            <a:r>
+              <a:rPr lang="en-US" dirty="0"/>
+              <a:t>There are valid times to use injection:</a:t>
+            </a:r>
+          </a:p>
+          <a:p>
+            <a:pPr marL="0" marR="0" lvl="0" indent="0" algn="l" defTabSz="914400" rtl="0" eaLnBrk="1" fontAlgn="auto" latinLnBrk="0" hangingPunct="1">
+              <a:lnSpc>
+                <a:spcPct val="100000"/>
+              </a:lnSpc>
+              <a:spcBef>
+                <a:spcPts val="0"/>
+              </a:spcBef>
+              <a:spcAft>
+                <a:spcPts val="0"/>
+              </a:spcAft>
+              <a:buClrTx/>
+              <a:buSzTx/>
+              <a:buFontTx/>
+              <a:buNone/>
+              <a:tabLst/>
+              <a:defRPr/>
+            </a:pPr>
+            <a:endParaRPr lang="en-US" dirty="0"/>
+          </a:p>
+          <a:p>
+            <a:pPr marL="0" marR="0" lvl="0" indent="0" algn="l" defTabSz="914400" rtl="0" eaLnBrk="1" fontAlgn="auto" latinLnBrk="0" hangingPunct="1">
+              <a:lnSpc>
+                <a:spcPct val="100000"/>
+              </a:lnSpc>
+              <a:spcBef>
+                <a:spcPts val="0"/>
+              </a:spcBef>
+              <a:spcAft>
+                <a:spcPts val="0"/>
+              </a:spcAft>
+              <a:buClrTx/>
+              <a:buSzTx/>
+              <a:buFontTx/>
+              <a:buNone/>
+              <a:tabLst/>
+              <a:defRPr/>
+            </a:pPr>
+            <a:r>
+              <a:rPr lang="en-US" dirty="0"/>
+              <a:t>* The Open-Closed Principle where we want to be closed to modification but open to extension by substituting variations of an interface that represent real run time variation, such as differing rules for an insurance policy</a:t>
+            </a:r>
+          </a:p>
+          <a:p>
+            <a:pPr marL="171450" marR="0" lvl="0" indent="-171450" algn="l" defTabSz="914400" rtl="0" eaLnBrk="1" fontAlgn="auto" latinLnBrk="0" hangingPunct="1">
+              <a:lnSpc>
+                <a:spcPct val="100000"/>
+              </a:lnSpc>
+              <a:spcBef>
+                <a:spcPts val="0"/>
+              </a:spcBef>
+              <a:spcAft>
+                <a:spcPts val="0"/>
+              </a:spcAft>
+              <a:buClrTx/>
+              <a:buSzTx/>
+              <a:buFont typeface="Arial" panose="020B0604020202020204" pitchFamily="34" charset="0"/>
+              <a:buChar char="•"/>
+              <a:tabLst/>
+              <a:defRPr/>
+            </a:pPr>
+            <a:r>
+              <a:rPr lang="en-US" dirty="0"/>
+              <a:t>Where we need to use Dependency Inversion to satisfy the constraints of a layer boundary, such as depend inwards, to allow run-time replacement of what would otherwise be a cyclic dependency</a:t>
+            </a:r>
+          </a:p>
+          <a:p>
+            <a:pPr marL="171450" marR="0" lvl="0" indent="-171450" algn="l" defTabSz="914400" rtl="0" eaLnBrk="1" fontAlgn="auto" latinLnBrk="0" hangingPunct="1">
+              <a:lnSpc>
+                <a:spcPct val="100000"/>
+              </a:lnSpc>
+              <a:spcBef>
+                <a:spcPts val="0"/>
+              </a:spcBef>
+              <a:spcAft>
+                <a:spcPts val="0"/>
+              </a:spcAft>
+              <a:buClrTx/>
+              <a:buSzTx/>
+              <a:buFont typeface="Arial" panose="020B0604020202020204" pitchFamily="34" charset="0"/>
+              <a:buChar char="•"/>
+              <a:tabLst/>
+              <a:defRPr/>
+            </a:pPr>
+            <a:endParaRPr lang="en-US" dirty="0"/>
+          </a:p>
+          <a:p>
+            <a:pPr marL="0" marR="0" lvl="0" indent="0" algn="l" defTabSz="914400" rtl="0" eaLnBrk="1" fontAlgn="auto" latinLnBrk="0" hangingPunct="1">
+              <a:lnSpc>
+                <a:spcPct val="100000"/>
+              </a:lnSpc>
+              <a:spcBef>
+                <a:spcPts val="0"/>
+              </a:spcBef>
+              <a:spcAft>
+                <a:spcPts val="0"/>
+              </a:spcAft>
+              <a:buClrTx/>
+              <a:buSzTx/>
+              <a:buFont typeface="Arial" panose="020B0604020202020204" pitchFamily="34" charset="0"/>
+              <a:buNone/>
+              <a:tabLst/>
+              <a:defRPr/>
+            </a:pPr>
+            <a:r>
+              <a:rPr lang="en-US" dirty="0"/>
+              <a:t>But over-use in our classes simply to make them observable for testing has undesirable side-affects and makes our tests fragile.</a:t>
+            </a:r>
+          </a:p>
+          <a:p>
+            <a:pPr marL="0" marR="0" lvl="0" indent="0" algn="l" defTabSz="914400" rtl="0" eaLnBrk="1" fontAlgn="auto" latinLnBrk="0" hangingPunct="1">
+              <a:lnSpc>
+                <a:spcPct val="100000"/>
+              </a:lnSpc>
+              <a:spcBef>
+                <a:spcPts val="0"/>
+              </a:spcBef>
+              <a:spcAft>
+                <a:spcPts val="0"/>
+              </a:spcAft>
+              <a:buClrTx/>
+              <a:buSzTx/>
+              <a:buFont typeface="Arial" panose="020B0604020202020204" pitchFamily="34" charset="0"/>
+              <a:buNone/>
+              <a:tabLst/>
+              <a:defRPr/>
+            </a:pPr>
+            <a:endParaRPr lang="en-US" dirty="0"/>
+          </a:p>
+          <a:p>
+            <a:pPr marL="0" marR="0" lvl="0" indent="0" algn="l" defTabSz="914400" rtl="0" eaLnBrk="1" fontAlgn="auto" latinLnBrk="0" hangingPunct="1">
+              <a:lnSpc>
+                <a:spcPct val="100000"/>
+              </a:lnSpc>
+              <a:spcBef>
+                <a:spcPts val="0"/>
+              </a:spcBef>
+              <a:spcAft>
+                <a:spcPts val="0"/>
+              </a:spcAft>
+              <a:buClrTx/>
+              <a:buSzTx/>
+              <a:buFont typeface="Arial" panose="020B0604020202020204" pitchFamily="34" charset="0"/>
+              <a:buNone/>
+              <a:tabLst/>
+              <a:defRPr/>
+            </a:pPr>
+            <a:endParaRPr lang="en-US" dirty="0"/>
+          </a:p>
+          <a:p>
             <a:endParaRPr lang="en-US" dirty="0"/>
           </a:p>
         </p:txBody>
@@ -3477,7 +2633,7 @@
           <a:p>
             <a:fld id="{8D454BB1-5AB5-DF45-A819-95464E74CBE3}" type="slidenum">
               <a:rPr lang="en-US" smtClean="0"/>
-              <a:t>40</a:t>
+              <a:t>35</a:t>
             </a:fld>
             <a:endParaRPr lang="en-US"/>
           </a:p>
@@ -3486,7 +2642,7 @@
     </p:spTree>
     <p:extLst>
       <p:ext uri="{BB962C8B-B14F-4D97-AF65-F5344CB8AC3E}">
-        <p14:creationId xmlns:p14="http://schemas.microsoft.com/office/powerpoint/2010/main" val="3293862690"/>
+        <p14:creationId xmlns:p14="http://schemas.microsoft.com/office/powerpoint/2010/main" val="1813953205"/>
       </p:ext>
     </p:extLst>
   </p:cSld>
@@ -3541,48 +2697,738 @@
           <a:lstStyle/>
           <a:p>
             <a:r>
-              <a:rPr lang="en-US" dirty="0"/>
-              <a:t>The XP Community renamed Unit Tests to Developer Tests, for use with TDD, as far back as 2010, and to Programmer Tests in 2013</a:t>
-            </a:r>
-          </a:p>
-          <a:p>
-            <a:endParaRPr lang="en-US" dirty="0"/>
-          </a:p>
-          <a:p>
-            <a:r>
-              <a:rPr lang="en-US" dirty="0"/>
-              <a:t>Under </a:t>
-            </a:r>
-            <a:r>
-              <a:rPr lang="en-US" dirty="0" err="1"/>
-              <a:t>Mezarios’s</a:t>
-            </a:r>
-            <a:r>
-              <a:rPr lang="en-US" dirty="0"/>
-              <a:t> patterns n </a:t>
-            </a:r>
-            <a:r>
-              <a:rPr lang="en-US" dirty="0" err="1"/>
-              <a:t>Xunit</a:t>
-            </a:r>
-            <a:r>
-              <a:rPr lang="en-US" dirty="0"/>
-              <a:t> Patters, Programmer Tests are actually closer to Component Tests than Unit Tests: http://</a:t>
-            </a:r>
-            <a:r>
-              <a:rPr lang="en-US" dirty="0" err="1"/>
-              <a:t>xunitpatterns.com</a:t>
-            </a:r>
-            <a:r>
-              <a:rPr lang="en-US" dirty="0"/>
-              <a:t>/component%20test.html</a:t>
-            </a:r>
-          </a:p>
-          <a:p>
-            <a:endParaRPr lang="en-US" dirty="0"/>
-          </a:p>
-          <a:p>
-            <a:endParaRPr lang="en-US" dirty="0"/>
+              <a:rPr lang="en-GB" b="1" dirty="0"/>
+              <a:t>Mocks and the Dangers of </a:t>
+            </a:r>
+            <a:r>
+              <a:rPr lang="en-GB" b="1" dirty="0" err="1"/>
+              <a:t>Overspecified</a:t>
+            </a:r>
+            <a:r>
+              <a:rPr lang="en-GB" b="1" dirty="0"/>
+              <a:t> Software</a:t>
+            </a:r>
+          </a:p>
+          <a:p>
+            <a:r>
+              <a:rPr lang="en-GB" dirty="0"/>
+              <a:t>Posted by </a:t>
+            </a:r>
+            <a:r>
+              <a:rPr lang="en-GB" dirty="0">
+                <a:hlinkClick r:id="rId3" tooltip="View all posts by Ian Cooper"/>
+              </a:rPr>
+              <a:t>Ian Cooper</a:t>
+            </a:r>
+            <a:r>
+              <a:rPr lang="en-GB" dirty="0"/>
+              <a:t> on </a:t>
+            </a:r>
+            <a:r>
+              <a:rPr lang="en-GB" dirty="0">
+                <a:hlinkClick r:id="rId4" tooltip="9:14 am"/>
+              </a:rPr>
+              <a:t>December 19, 2007</a:t>
+            </a:r>
+            <a:r>
+              <a:rPr lang="en-GB" dirty="0"/>
+              <a:t> </a:t>
+            </a:r>
+          </a:p>
+          <a:p>
+            <a:r>
+              <a:rPr lang="en-GB" dirty="0"/>
+              <a:t>I’ll be back on LINQ architecture after the holidays, but in the meantime, I wanted to share some of the bad, some of the places where we have had bitter experiences.</a:t>
+            </a:r>
+          </a:p>
+          <a:p>
+            <a:r>
+              <a:rPr lang="en-GB" dirty="0"/>
+              <a:t>When </a:t>
+            </a:r>
+            <a:r>
+              <a:rPr lang="en-GB" dirty="0" err="1"/>
+              <a:t>NMock</a:t>
+            </a:r>
+            <a:r>
+              <a:rPr lang="en-GB" dirty="0"/>
+              <a:t> first appeared we embraced the behaviour verification style that it supported. We liked the idea that for ‘unit tests’ we should not interact with other concrete classes. We liked the way that mocks had to derive from interfaces, abstract classes, or override virtual methods. We wanted to depend upon abstractions, not details, and we liked the way that mocks gave us an emergent design that exhibited this quality.</a:t>
+            </a:r>
+          </a:p>
+          <a:p>
+            <a:r>
+              <a:rPr lang="en-GB" dirty="0"/>
+              <a:t>One of our first pushes was against slow tests that talked to the Db. Writing our tests against any kind of shared fixture was painful (note that in </a:t>
+            </a:r>
+            <a:r>
+              <a:rPr lang="en-GB" dirty="0" err="1"/>
+              <a:t>NUnit</a:t>
+            </a:r>
+            <a:r>
+              <a:rPr lang="en-GB" dirty="0"/>
+              <a:t>, </a:t>
+            </a:r>
+            <a:r>
+              <a:rPr lang="en-GB" dirty="0" err="1"/>
+              <a:t>MbUNit</a:t>
+            </a:r>
+            <a:r>
+              <a:rPr lang="en-GB" dirty="0"/>
+              <a:t>, </a:t>
+            </a:r>
+            <a:r>
+              <a:rPr lang="en-GB" dirty="0" err="1"/>
+              <a:t>MSTest</a:t>
+            </a:r>
+            <a:r>
+              <a:rPr lang="en-GB" dirty="0"/>
+              <a:t> et al. class variables are shared state for all tests in the fixture; </a:t>
+            </a:r>
+            <a:r>
+              <a:rPr lang="en-GB" dirty="0">
+                <a:hlinkClick r:id="rId5" tooltip="xUnit"/>
+              </a:rPr>
+              <a:t>xUnit</a:t>
+            </a:r>
+            <a:r>
+              <a:rPr lang="en-GB" dirty="0"/>
+              <a:t> tries to </a:t>
+            </a:r>
+            <a:r>
+              <a:rPr lang="en-GB" dirty="0">
+                <a:hlinkClick r:id="rId6" tooltip="fix nunit"/>
+              </a:rPr>
+              <a:t>fix this</a:t>
+            </a:r>
+            <a:r>
+              <a:rPr lang="en-GB" dirty="0"/>
+              <a:t> but writing tests against shared state in the Db was especially painful. Either tests influenced each other, or we wrote complex setup and tear down code. Even using tricks like </a:t>
+            </a:r>
+            <a:r>
+              <a:rPr lang="en-GB" dirty="0">
+                <a:hlinkClick r:id="rId7" tooltip="oletx"/>
+              </a:rPr>
+              <a:t>OleTx transactions</a:t>
+            </a:r>
+            <a:r>
+              <a:rPr lang="en-GB" dirty="0"/>
+              <a:t> we still had to pre-populate the Db or setup everything each time. And the tests were slow…</a:t>
+            </a:r>
+          </a:p>
+          <a:p>
+            <a:r>
+              <a:rPr lang="en-GB" dirty="0"/>
+              <a:t>So we mocked out our </a:t>
+            </a:r>
+            <a:r>
+              <a:rPr lang="en-GB" dirty="0">
+                <a:hlinkClick r:id="rId8" tooltip="DataMappers"/>
+              </a:rPr>
+              <a:t>DataMappers </a:t>
+            </a:r>
+            <a:r>
+              <a:rPr lang="en-GB" dirty="0"/>
+              <a:t>and, freed from the dependency on the Db, testing our Domain proceeded like a dream.</a:t>
+            </a:r>
+          </a:p>
+          <a:p>
+            <a:r>
+              <a:rPr lang="en-GB" dirty="0"/>
+              <a:t>The project inherited a byzantine legacy Db schema that was not amenable to an mapping via an ORM tool (at least at the state-of-the-art for that time), so we had to roll our own </a:t>
+            </a:r>
+            <a:r>
+              <a:rPr lang="en-GB" dirty="0" err="1"/>
+              <a:t>DataMappers</a:t>
+            </a:r>
+            <a:r>
+              <a:rPr lang="en-GB" dirty="0"/>
+              <a:t>. Due to the limited re-use options outside this context, instead of rolling our own reflection and generics approach, with its attendant complexity, we opted to aim for a solution that we could eventually just code-gen.  Keen to build via TDD, then code-generate once we were sure it worked, we wanted to drive development of our </a:t>
+            </a:r>
+            <a:r>
+              <a:rPr lang="en-GB" dirty="0" err="1"/>
+              <a:t>DataMappers</a:t>
+            </a:r>
+            <a:r>
+              <a:rPr lang="en-GB" dirty="0"/>
+              <a:t> via TDD. Inferring from our wins with mocks in the domain, we expected to be able to gain similar benefits by mocking out our </a:t>
+            </a:r>
+            <a:r>
+              <a:rPr lang="en-GB" dirty="0" err="1"/>
+              <a:t>DataMappers</a:t>
+            </a:r>
+            <a:r>
+              <a:rPr lang="en-GB" dirty="0"/>
+              <a:t> interaction with the Db (</a:t>
+            </a:r>
+            <a:r>
+              <a:rPr lang="en-GB" i="1" dirty="0" err="1"/>
+              <a:t>mea</a:t>
+            </a:r>
+            <a:r>
+              <a:rPr lang="en-GB" i="1" dirty="0"/>
+              <a:t> culpa</a:t>
+            </a:r>
+            <a:r>
+              <a:rPr lang="en-GB" dirty="0"/>
+              <a:t>). </a:t>
+            </a:r>
+          </a:p>
+          <a:p>
+            <a:r>
+              <a:rPr lang="en-GB" dirty="0"/>
+              <a:t>So, to persist, we created an abstraction of the Db, an </a:t>
+            </a:r>
+            <a:r>
+              <a:rPr lang="en-GB" dirty="0" err="1"/>
+              <a:t>IDatabase</a:t>
+            </a:r>
+            <a:r>
+              <a:rPr lang="en-GB" dirty="0"/>
+              <a:t>. Then mocked that </a:t>
+            </a:r>
+            <a:r>
+              <a:rPr lang="en-GB" dirty="0" err="1"/>
+              <a:t>IDatabase</a:t>
+            </a:r>
+            <a:r>
+              <a:rPr lang="en-GB" dirty="0"/>
+              <a:t> in our unit test and created expectations of the behaviour that of our mappers, by expecting calls to the Db to execute </a:t>
+            </a:r>
+            <a:r>
+              <a:rPr lang="en-GB" dirty="0" err="1"/>
+              <a:t>sql</a:t>
+            </a:r>
+            <a:r>
+              <a:rPr lang="en-GB" dirty="0"/>
+              <a:t>. This enabled us to check that we created the stored procedure calls we would expect. To create parameter lists for those procedures we created classes (which we intended to eventually generate) that mapped domain objects into SQL parameters. </a:t>
+            </a:r>
+          </a:p>
+          <a:p>
+            <a:r>
+              <a:rPr lang="en-GB" dirty="0"/>
+              <a:t>To materialize objects back out we created classes (which we would again auto-generate) that gave us the ordinals needed to read the fields from the row corresponding to the class. We used a dependant mapping strategy, so that our domain worked with a </a:t>
+            </a:r>
+            <a:r>
+              <a:rPr lang="en-GB" dirty="0" err="1"/>
+              <a:t>DataMapper</a:t>
+            </a:r>
+            <a:r>
+              <a:rPr lang="en-GB" dirty="0"/>
+              <a:t> for a root class but we loaded any child entities and value objects.</a:t>
+            </a:r>
+          </a:p>
+          <a:p>
+            <a:r>
+              <a:rPr lang="en-GB" dirty="0"/>
+              <a:t>Of course, we still needed integration tests to see if they would actually work, and of course, we found that some of the SQL code we were generating passed unit tests, but failed when run against the Db, but overall we were pretty proud of how we were testing the Db. There were some warnings (and one member of the team expressed doubts) but it seemed to go pretty well. </a:t>
+            </a:r>
+            <a:r>
+              <a:rPr lang="en-GB" i="1" dirty="0"/>
+              <a:t>As an aside, as we were only mapping out a few classes, the pressure to code generate never hit us. Believing that we needed to build 2 or 3 mappers before we would see our mapper design emerge (by refactoring to remove duplication) we never reached the point where we needed to push on from there to code generation to complete our persistence requirements. Simply put, we did not need to persist enough items that the cost of writing code generation became less than the cost of implementing the remaining mappers by hand.</a:t>
+            </a:r>
+            <a:endParaRPr lang="en-GB" dirty="0"/>
+          </a:p>
+          <a:p>
+            <a:r>
+              <a:rPr lang="en-GB" dirty="0"/>
+              <a:t>The problems began to hit us in maintenance (and that can hit quite early on an agile project with frequent releases). We had a number of issues:</a:t>
+            </a:r>
+            <a:br>
+              <a:rPr lang="en-GB" dirty="0"/>
+            </a:br>
+            <a:br>
+              <a:rPr lang="en-GB" b="1" dirty="0"/>
+            </a:br>
+            <a:r>
+              <a:rPr lang="en-GB" b="1" dirty="0"/>
+              <a:t>Mocking tools were not strongly-typed</a:t>
+            </a:r>
+            <a:r>
+              <a:rPr lang="en-GB" dirty="0"/>
+              <a:t> </a:t>
+            </a:r>
+            <a:br>
+              <a:rPr lang="en-GB" dirty="0"/>
+            </a:br>
+            <a:r>
+              <a:rPr lang="en-GB" dirty="0"/>
+              <a:t>At that time the mocking tools just used strings, there was none of the record-and-replay style seen within tools like </a:t>
+            </a:r>
+            <a:r>
+              <a:rPr lang="en-GB" dirty="0">
+                <a:hlinkClick r:id="rId9"/>
+              </a:rPr>
+              <a:t>Rhino Mocks</a:t>
+            </a:r>
+            <a:r>
+              <a:rPr lang="en-GB" dirty="0"/>
+              <a:t>. This is not only important because the compiler can no longer help you find errors, but because refactoring tools stop helping you make changes when a string is the method call. So Rename Method to express intent, became search-and-replace. Unit tests would pass, but integration tests failed, because the names had changed.</a:t>
+            </a:r>
+          </a:p>
+          <a:p>
+            <a:r>
+              <a:rPr lang="en-GB" b="1" dirty="0"/>
+              <a:t>The test code was over-coupled</a:t>
+            </a:r>
+            <a:br>
+              <a:rPr lang="en-GB" dirty="0"/>
+            </a:br>
+            <a:r>
+              <a:rPr lang="en-GB" dirty="0"/>
+              <a:t>A lot of our test code contained a dozen lines of set up for mocking along the lines of:</a:t>
+            </a:r>
+          </a:p>
+          <a:p>
+            <a:r>
+              <a:rPr lang="en-GB" dirty="0" err="1"/>
+              <a:t>database.Expect</a:t>
+            </a:r>
+            <a:r>
+              <a:rPr lang="en-GB" dirty="0"/>
+              <a:t>(“</a:t>
+            </a:r>
+            <a:r>
+              <a:rPr lang="en-GB" dirty="0" err="1"/>
+              <a:t>AddInParameter</a:t>
+            </a:r>
+            <a:r>
+              <a:rPr lang="en-GB" dirty="0"/>
+              <a:t>”, </a:t>
+            </a:r>
+            <a:r>
+              <a:rPr lang="en-GB" dirty="0" err="1"/>
+              <a:t>dbCommand.MockInstance</a:t>
+            </a:r>
+            <a:r>
+              <a:rPr lang="en-GB" dirty="0"/>
+              <a:t>, “@Username”, </a:t>
+            </a:r>
+            <a:r>
+              <a:rPr lang="en-GB" dirty="0" err="1"/>
+              <a:t>DbType.String</a:t>
+            </a:r>
+            <a:r>
+              <a:rPr lang="en-GB" dirty="0"/>
+              <a:t>, </a:t>
+            </a:r>
+            <a:r>
+              <a:rPr lang="en-GB" dirty="0" err="1"/>
+              <a:t>person.UserName</a:t>
+            </a:r>
+            <a:r>
+              <a:rPr lang="en-GB" dirty="0"/>
+              <a:t>);</a:t>
+            </a:r>
+            <a:br>
+              <a:rPr lang="en-GB" dirty="0"/>
+            </a:br>
+            <a:r>
+              <a:rPr lang="en-GB" dirty="0" err="1"/>
+              <a:t>database.Expect</a:t>
+            </a:r>
+            <a:r>
+              <a:rPr lang="en-GB" dirty="0"/>
+              <a:t>(“</a:t>
+            </a:r>
+            <a:r>
+              <a:rPr lang="en-GB" dirty="0" err="1"/>
+              <a:t>AddInParameter</a:t>
+            </a:r>
+            <a:r>
+              <a:rPr lang="en-GB" dirty="0"/>
+              <a:t>”, </a:t>
+            </a:r>
+            <a:r>
+              <a:rPr lang="en-GB" dirty="0" err="1"/>
+              <a:t>dbCommand.MockInstance</a:t>
+            </a:r>
+            <a:r>
+              <a:rPr lang="en-GB" dirty="0"/>
+              <a:t>, “@FirstName”, </a:t>
+            </a:r>
+            <a:r>
+              <a:rPr lang="en-GB" dirty="0" err="1"/>
+              <a:t>DbType.String</a:t>
+            </a:r>
+            <a:r>
+              <a:rPr lang="en-GB" dirty="0"/>
+              <a:t>, </a:t>
+            </a:r>
+            <a:r>
+              <a:rPr lang="en-GB" dirty="0" err="1"/>
+              <a:t>person.FirstName</a:t>
+            </a:r>
+            <a:r>
+              <a:rPr lang="en-GB" dirty="0"/>
+              <a:t>);</a:t>
+            </a:r>
+            <a:br>
+              <a:rPr lang="en-GB" dirty="0"/>
+            </a:br>
+            <a:r>
+              <a:rPr lang="en-GB" dirty="0" err="1"/>
+              <a:t>database.Expect</a:t>
+            </a:r>
+            <a:r>
+              <a:rPr lang="en-GB" dirty="0"/>
+              <a:t>(“</a:t>
+            </a:r>
+            <a:r>
+              <a:rPr lang="en-GB" dirty="0" err="1"/>
+              <a:t>AddInParameter</a:t>
+            </a:r>
+            <a:r>
+              <a:rPr lang="en-GB" dirty="0"/>
+              <a:t>”, </a:t>
+            </a:r>
+            <a:r>
+              <a:rPr lang="en-GB" dirty="0" err="1"/>
+              <a:t>dbCommand.MockInstance</a:t>
+            </a:r>
+            <a:r>
+              <a:rPr lang="en-GB" dirty="0"/>
+              <a:t>, “@</a:t>
+            </a:r>
+            <a:r>
+              <a:rPr lang="en-GB" dirty="0" err="1"/>
+              <a:t>MiddleInitial</a:t>
+            </a:r>
+            <a:r>
+              <a:rPr lang="en-GB" dirty="0"/>
+              <a:t>”, </a:t>
+            </a:r>
+            <a:r>
+              <a:rPr lang="en-GB" dirty="0" err="1"/>
+              <a:t>DbType.String</a:t>
+            </a:r>
+            <a:r>
+              <a:rPr lang="en-GB" dirty="0"/>
+              <a:t>, </a:t>
+            </a:r>
+            <a:r>
+              <a:rPr lang="en-GB" dirty="0" err="1"/>
+              <a:t>person.MiddleInitial</a:t>
+            </a:r>
+            <a:r>
+              <a:rPr lang="en-GB" dirty="0"/>
+              <a:t>);</a:t>
+            </a:r>
+            <a:br>
+              <a:rPr lang="en-GB" dirty="0"/>
+            </a:br>
+            <a:r>
+              <a:rPr lang="en-GB" dirty="0" err="1"/>
+              <a:t>database.Expect</a:t>
+            </a:r>
+            <a:r>
+              <a:rPr lang="en-GB" dirty="0"/>
+              <a:t>(“</a:t>
+            </a:r>
+            <a:r>
+              <a:rPr lang="en-GB" dirty="0" err="1"/>
+              <a:t>AddInParameter</a:t>
+            </a:r>
+            <a:r>
+              <a:rPr lang="en-GB" dirty="0"/>
+              <a:t>”, </a:t>
+            </a:r>
+            <a:r>
+              <a:rPr lang="en-GB" dirty="0" err="1"/>
+              <a:t>dbCommand.MockInstance</a:t>
+            </a:r>
+            <a:r>
+              <a:rPr lang="en-GB" dirty="0"/>
+              <a:t>, “@Surname”, </a:t>
+            </a:r>
+            <a:r>
+              <a:rPr lang="en-GB" dirty="0" err="1"/>
+              <a:t>DbType.String</a:t>
+            </a:r>
+            <a:r>
+              <a:rPr lang="en-GB" dirty="0"/>
+              <a:t>, </a:t>
+            </a:r>
+            <a:r>
+              <a:rPr lang="en-GB" dirty="0" err="1"/>
+              <a:t>person.Surname</a:t>
+            </a:r>
+            <a:r>
+              <a:rPr lang="en-GB" dirty="0"/>
+              <a:t>);</a:t>
+            </a:r>
+          </a:p>
+          <a:p>
+            <a:r>
+              <a:rPr lang="en-GB" dirty="0"/>
+              <a:t>The tests are coupled not only to the domain model but the schema, and represented a point of resistance to change for us.</a:t>
+            </a:r>
+          </a:p>
+          <a:p>
+            <a:r>
+              <a:rPr lang="en-GB" b="1" dirty="0"/>
+              <a:t>Tests predicted the implementation rather than letting it evolve through refactoring</a:t>
+            </a:r>
+            <a:br>
+              <a:rPr lang="en-GB" dirty="0"/>
+            </a:br>
+            <a:r>
+              <a:rPr lang="en-GB" dirty="0"/>
+              <a:t>The tests specified the implementation and as such writing the test constrained the implementation. This broke the more normal TDD pattern of make it pass then refactor. Writing the specification for the implementation in the tests is expensive, and error prone.</a:t>
+            </a:r>
+          </a:p>
+          <a:p>
+            <a:r>
+              <a:rPr lang="en-GB" b="1" dirty="0"/>
+              <a:t>Changes to implementation were Shotgun Surgery</a:t>
+            </a:r>
+            <a:br>
+              <a:rPr lang="en-GB" dirty="0"/>
+            </a:br>
+            <a:r>
+              <a:rPr lang="en-GB" dirty="0"/>
+              <a:t>When you change the implementation of a method under test, mocks can break because you now make additional or different calls to the dependent component that is being mocked. For us, if you needed to add an extra parameter to a domain class under our model for example, you had to create the expectation for that parameter in the test. After a while the process of adding a new field became expensive, and the number of changes required to add a new method began to smell of shotgun surgery. The trouble had become that our tests not only specified the inputs and outputs but also how the method under test was implemented: the order and number of calls.</a:t>
+            </a:r>
+          </a:p>
+          <a:p>
+            <a:r>
+              <a:rPr lang="en-GB" dirty="0"/>
+              <a:t>The mocks began to make our software more resistant to change, more sluggish, and this increased the cost to refactoring. As change becomes more expensive, we risked becoming resistant to making it, and we risk starting to build technical debt. A couple of times the tests broke, as developers changed the domain, or changed how we were doing persistence, without changing the test first, because they were frustrated at how it slowed their development. The mocks became an impedance to progress.</a:t>
+            </a:r>
+          </a:p>
+          <a:p>
+            <a:r>
+              <a:rPr lang="en-GB" dirty="0"/>
+              <a:t>Mocks had become, for us, fragile tests.</a:t>
+            </a:r>
+          </a:p>
+          <a:p>
+            <a:r>
+              <a:rPr lang="en-GB" b="1" dirty="0"/>
+              <a:t>Red, Green, Refactor</a:t>
+            </a:r>
+            <a:br>
+              <a:rPr lang="en-GB" dirty="0"/>
+            </a:br>
+            <a:r>
+              <a:rPr lang="en-GB" dirty="0"/>
+              <a:t>Agile methodologies allow a just-in-time design approach because you can refactor existing code at low-cost and risk. Unit tests enable this scenario, because they protect against changes in behaviour of the system under test. You can change the implementation, provided the behaviour remains the same. However when mocks are fragile, and risk becoming an obstacle to change, because they can break even when the behaviour remains consistent they can increase the cost of refactoring. </a:t>
+            </a:r>
+          </a:p>
+          <a:p>
+            <a:r>
+              <a:rPr lang="en-GB" b="1" dirty="0"/>
+              <a:t>Maybe we should have just done integration testing?</a:t>
+            </a:r>
+            <a:br>
+              <a:rPr lang="en-GB" dirty="0"/>
+            </a:br>
+            <a:r>
+              <a:rPr lang="en-GB" dirty="0"/>
+              <a:t>By contrast the effort to check the classes using integration tests turned out to be quite small in this instance, because we only needed to check our ability insert, update, and delete on each mapper. We had gained a lot by removing our dependency on the Db from the domain with the </a:t>
+            </a:r>
+            <a:r>
+              <a:rPr lang="en-GB" dirty="0" err="1"/>
+              <a:t>DataMapper</a:t>
+            </a:r>
+            <a:r>
+              <a:rPr lang="en-GB" dirty="0"/>
+              <a:t>, but our desire to mock out the Db on the implementation of the </a:t>
+            </a:r>
+            <a:r>
+              <a:rPr lang="en-GB" dirty="0" err="1"/>
+              <a:t>DataMapper</a:t>
+            </a:r>
+            <a:r>
+              <a:rPr lang="en-GB" dirty="0"/>
+              <a:t>, looked as though it cost us more than it saved. It was a bridge too far.</a:t>
+            </a:r>
+          </a:p>
+          <a:p>
+            <a:r>
+              <a:rPr lang="en-GB" b="1" dirty="0"/>
+              <a:t>Fragility and Mocks</a:t>
+            </a:r>
+            <a:br>
+              <a:rPr lang="en-GB" dirty="0"/>
+            </a:br>
+            <a:r>
+              <a:rPr lang="en-GB" dirty="0"/>
+              <a:t>When I look around now, I see a lot of people using mocks to replace all their dependencies. My concern is that they will begin to hit the </a:t>
+            </a:r>
+            <a:r>
+              <a:rPr lang="en-GB" dirty="0">
+                <a:hlinkClick r:id="rId10" tooltip="Fragile Test"/>
+              </a:rPr>
+              <a:t>Fragile Test</a:t>
+            </a:r>
+            <a:r>
+              <a:rPr lang="en-GB" dirty="0"/>
+              <a:t> issues that mocks present. Gerard </a:t>
+            </a:r>
+            <a:r>
+              <a:rPr lang="en-GB" dirty="0" err="1"/>
+              <a:t>Meszaros</a:t>
+            </a:r>
+            <a:r>
+              <a:rPr lang="en-GB" dirty="0"/>
+              <a:t> identifies the issues we hit as two specific smells: </a:t>
+            </a:r>
+            <a:r>
+              <a:rPr lang="en-GB" dirty="0">
+                <a:hlinkClick r:id="rId10"/>
+              </a:rPr>
+              <a:t>Overspecified Software</a:t>
+            </a:r>
+            <a:r>
+              <a:rPr lang="en-GB" dirty="0"/>
+              <a:t> and </a:t>
+            </a:r>
+            <a:r>
+              <a:rPr lang="en-GB" dirty="0">
+                <a:hlinkClick r:id="rId10"/>
+              </a:rPr>
+              <a:t>Behaviour Sensitivity</a:t>
+            </a:r>
+            <a:r>
+              <a:rPr lang="en-GB" dirty="0"/>
+              <a:t>.</a:t>
+            </a:r>
+          </a:p>
+          <a:p>
+            <a:r>
+              <a:rPr lang="en-GB" b="1" dirty="0"/>
+              <a:t>Test Doubles</a:t>
+            </a:r>
+            <a:br>
+              <a:rPr lang="en-GB" dirty="0"/>
+            </a:br>
+            <a:r>
+              <a:rPr lang="en-GB" dirty="0"/>
+              <a:t>Gerard </a:t>
+            </a:r>
+            <a:r>
+              <a:rPr lang="en-GB" dirty="0" err="1"/>
+              <a:t>Meszaros</a:t>
+            </a:r>
+            <a:r>
+              <a:rPr lang="en-GB" dirty="0"/>
+              <a:t> classifies any object we use to stand in for another object during a test as a </a:t>
+            </a:r>
+            <a:r>
+              <a:rPr lang="en-GB" dirty="0">
+                <a:hlinkClick r:id="rId11"/>
+              </a:rPr>
+              <a:t>Test Double</a:t>
+            </a:r>
+            <a:r>
+              <a:rPr lang="en-GB" dirty="0"/>
+              <a:t>. It is worth reading what Gerard has to say either on the </a:t>
+            </a:r>
+            <a:r>
+              <a:rPr lang="en-GB" dirty="0">
+                <a:hlinkClick r:id="rId12"/>
+              </a:rPr>
+              <a:t>web site or in his book</a:t>
+            </a:r>
+            <a:r>
+              <a:rPr lang="en-GB" dirty="0"/>
+              <a:t>. The key is to understand that you are replacing a dependency to isolate the object under test from either Indirect Inputs or Indirect Outputs. Mocks are really only a sweet spot for testing indirect outputs. If you have indirect inputs, a </a:t>
+            </a:r>
+            <a:r>
+              <a:rPr lang="en-GB" dirty="0">
+                <a:hlinkClick r:id="rId13"/>
+              </a:rPr>
+              <a:t>Test Stub</a:t>
+            </a:r>
+            <a:r>
+              <a:rPr lang="en-GB" dirty="0"/>
+              <a:t> or </a:t>
+            </a:r>
+            <a:r>
+              <a:rPr lang="en-GB" dirty="0">
+                <a:hlinkClick r:id="rId14"/>
+              </a:rPr>
+              <a:t>Fake Object</a:t>
+            </a:r>
+            <a:r>
+              <a:rPr lang="en-GB" dirty="0"/>
+              <a:t> may be a more maintainable approach than a mock. Even for indirect </a:t>
+            </a:r>
+            <a:r>
+              <a:rPr lang="en-GB" dirty="0" err="1"/>
+              <a:t>ouputs</a:t>
+            </a:r>
+            <a:r>
+              <a:rPr lang="en-GB" dirty="0"/>
+              <a:t> it is worth considering a </a:t>
+            </a:r>
+            <a:r>
+              <a:rPr lang="en-GB" dirty="0">
+                <a:hlinkClick r:id="rId15"/>
+              </a:rPr>
+              <a:t>Test Spy</a:t>
+            </a:r>
+            <a:r>
+              <a:rPr lang="en-GB" dirty="0"/>
+              <a:t> (we find the Self-Shunt variation </a:t>
+            </a:r>
+            <a:r>
+              <a:rPr lang="en-GB" dirty="0" err="1"/>
+              <a:t>particulary</a:t>
+            </a:r>
+            <a:r>
+              <a:rPr lang="en-GB" dirty="0"/>
+              <a:t> simple to use) or </a:t>
+            </a:r>
+            <a:r>
+              <a:rPr lang="en-GB" dirty="0">
+                <a:hlinkClick r:id="rId16"/>
+              </a:rPr>
+              <a:t>Test-Specific Subclass</a:t>
+            </a:r>
+            <a:r>
+              <a:rPr lang="en-GB" dirty="0"/>
+              <a:t> before looking at a mock.</a:t>
+            </a:r>
+          </a:p>
+          <a:p>
+            <a:r>
+              <a:rPr lang="en-GB" b="1" dirty="0"/>
+              <a:t>Switching to fakes and stubs</a:t>
+            </a:r>
+            <a:br>
+              <a:rPr lang="en-GB" dirty="0"/>
+            </a:br>
+            <a:r>
+              <a:rPr lang="en-GB" dirty="0"/>
+              <a:t>Since that project we have weaned ourselves from our mock dependency and try to use what </a:t>
+            </a:r>
+            <a:r>
+              <a:rPr lang="en-GB" dirty="0">
+                <a:hlinkClick r:id="rId17"/>
+              </a:rPr>
+              <a:t>Fowler calls a classicist approach to TDD</a:t>
+            </a:r>
+            <a:r>
+              <a:rPr lang="en-GB" dirty="0"/>
+              <a:t> more. Where we do replace a depended upon component, we try to use the appropriate technique, depending on whether our concern is an indirect input or an indirect output in the dependency. In addition when talking to the outside world we weigh up the point at which the ‘last mile’ should be checked with an </a:t>
+            </a:r>
+            <a:r>
+              <a:rPr lang="en-GB" dirty="0" err="1"/>
+              <a:t>intergration</a:t>
+            </a:r>
+            <a:r>
+              <a:rPr lang="en-GB" dirty="0"/>
+              <a:t> test over a unit test. So while I want to isolate my domain, I may make different </a:t>
+            </a:r>
+            <a:r>
+              <a:rPr lang="en-GB" dirty="0" err="1"/>
+              <a:t>jhdgements</a:t>
+            </a:r>
+            <a:r>
+              <a:rPr lang="en-GB" dirty="0"/>
+              <a:t> in the service layer. Mocking frameworks are powerful, but ‘with great power comes great responsibility’.</a:t>
+            </a:r>
           </a:p>
           <a:p>
             <a:endParaRPr lang="en-US" dirty="0"/>
@@ -3606,7 +3452,7 @@
           <a:p>
             <a:fld id="{8D454BB1-5AB5-DF45-A819-95464E74CBE3}" type="slidenum">
               <a:rPr lang="en-US" smtClean="0"/>
-              <a:t>41</a:t>
+              <a:t>36</a:t>
             </a:fld>
             <a:endParaRPr lang="en-US"/>
           </a:p>
@@ -3615,7 +3461,7 @@
     </p:spTree>
     <p:extLst>
       <p:ext uri="{BB962C8B-B14F-4D97-AF65-F5344CB8AC3E}">
-        <p14:creationId xmlns:p14="http://schemas.microsoft.com/office/powerpoint/2010/main" val="2701567593"/>
+        <p14:creationId xmlns:p14="http://schemas.microsoft.com/office/powerpoint/2010/main" val="3888147102"/>
       </p:ext>
     </p:extLst>
   </p:cSld>
@@ -3671,14 +3517,49 @@
           <a:p>
             <a:r>
               <a:rPr lang="en-US" dirty="0"/>
-              <a:t>This is really just a summary: TDD tests are small-scale, programmer tests, where failure just indicates that the last edit is suspect. We can revert the change to remove the error. Defect localization is by change/edit.</a:t>
+              <a:t>Kent acknowledge that TDD By Example did not explicitly call out this problem of tests that are sensitive to the structure of the code – his </a:t>
+            </a:r>
+            <a:r>
+              <a:rPr lang="en-US" dirty="0" err="1"/>
+              <a:t>equivalen</a:t>
+            </a:r>
+            <a:r>
+              <a:rPr lang="en-US" dirty="0"/>
+              <a:t> to </a:t>
+            </a:r>
+            <a:r>
+              <a:rPr lang="en-US" dirty="0" err="1"/>
+              <a:t>Meszaros’s</a:t>
+            </a:r>
+            <a:r>
+              <a:rPr lang="en-US" dirty="0"/>
+              <a:t> fragile test and confusingly behavior-sensitivity. Kent means externally visible behavior, </a:t>
+            </a:r>
+            <a:r>
+              <a:rPr lang="en-US" dirty="0" err="1"/>
+              <a:t>Meszaros</a:t>
+            </a:r>
+            <a:r>
+              <a:rPr lang="en-US" dirty="0"/>
+              <a:t> means unobservable behavior or </a:t>
+            </a:r>
+            <a:r>
+              <a:rPr lang="en-US" dirty="0" err="1"/>
+              <a:t>Kent;s</a:t>
+            </a:r>
+            <a:r>
+              <a:rPr lang="en-US" dirty="0"/>
+              <a:t> structure.</a:t>
             </a:r>
           </a:p>
           <a:p>
             <a:endParaRPr lang="en-US" dirty="0"/>
           </a:p>
           <a:p>
-            <a:endParaRPr lang="en-US" dirty="0"/>
+            <a:r>
+              <a:rPr lang="en-US" dirty="0"/>
+              <a:t>Fragile Tests became the bane of much of testing. Change the contract of a Depended upon Component and spend the next few hours fixing up broken tests. This might be vaguely justifiable for a component we did not control, where the interaction with the third party component was what was under test – although I don’t think that is the way to go – it becomes nonsense when we control both the SUT and DOC</a:t>
+            </a:r>
           </a:p>
           <a:p>
             <a:endParaRPr lang="en-US" dirty="0"/>
@@ -3702,7 +3583,7 @@
           <a:p>
             <a:fld id="{8D454BB1-5AB5-DF45-A819-95464E74CBE3}" type="slidenum">
               <a:rPr lang="en-US" smtClean="0"/>
-              <a:t>42</a:t>
+              <a:t>37</a:t>
             </a:fld>
             <a:endParaRPr lang="en-US"/>
           </a:p>
@@ -3711,7 +3592,7 @@
     </p:spTree>
     <p:extLst>
       <p:ext uri="{BB962C8B-B14F-4D97-AF65-F5344CB8AC3E}">
-        <p14:creationId xmlns:p14="http://schemas.microsoft.com/office/powerpoint/2010/main" val="546899365"/>
+        <p14:creationId xmlns:p14="http://schemas.microsoft.com/office/powerpoint/2010/main" val="712344758"/>
       </p:ext>
     </p:extLst>
   </p:cSld>
@@ -3765,7 +3646,38 @@
           <a:bodyPr/>
           <a:lstStyle/>
           <a:p>
-            <a:endParaRPr lang="en-US" dirty="0"/>
+            <a:r>
+              <a:rPr lang="en-US" dirty="0"/>
+              <a:t>Talk about personal history with TDD, </a:t>
+            </a:r>
+            <a:r>
+              <a:rPr lang="en-US" dirty="0" err="1"/>
+              <a:t>frx</a:t>
+            </a:r>
+            <a:r>
+              <a:rPr lang="en-US" dirty="0"/>
+              <a:t> Benjamin Mitchell</a:t>
+            </a:r>
+          </a:p>
+          <a:p>
+            <a:r>
+              <a:rPr lang="en-US" dirty="0"/>
+              <a:t>Talk about Test Infected</a:t>
+            </a:r>
+          </a:p>
+          <a:p>
+            <a:r>
+              <a:rPr lang="en-US" dirty="0"/>
+              <a:t>Story about senior developer who could not ‘see’ and attempts to persuade them. Drinking the ‘</a:t>
+            </a:r>
+            <a:r>
+              <a:rPr lang="en-US" dirty="0" err="1"/>
+              <a:t>kool</a:t>
+            </a:r>
+            <a:r>
+              <a:rPr lang="en-US" dirty="0"/>
+              <a:t> aid’</a:t>
+            </a:r>
           </a:p>
         </p:txBody>
       </p:sp>
@@ -3786,7 +3698,7 @@
           <a:p>
             <a:fld id="{8D454BB1-5AB5-DF45-A819-95464E74CBE3}" type="slidenum">
               <a:rPr lang="en-US" smtClean="0"/>
-              <a:t>8</a:t>
+              <a:t>6</a:t>
             </a:fld>
             <a:endParaRPr lang="en-US"/>
           </a:p>
@@ -3795,7 +3707,7 @@
     </p:spTree>
     <p:extLst>
       <p:ext uri="{BB962C8B-B14F-4D97-AF65-F5344CB8AC3E}">
-        <p14:creationId xmlns:p14="http://schemas.microsoft.com/office/powerpoint/2010/main" val="1356472686"/>
+        <p14:creationId xmlns:p14="http://schemas.microsoft.com/office/powerpoint/2010/main" val="1777259871"/>
       </p:ext>
     </p:extLst>
   </p:cSld>
@@ -3851,7 +3763,31 @@
           <a:p>
             <a:r>
               <a:rPr lang="en-US" dirty="0"/>
-              <a:t>It is the test fixture that is the unit of isolation, not the ‘system under test’. We don’t want to tests to break each other.</a:t>
+              <a:t>But when we think about TDD, we must think about it’s cycle: Red-Green-Refactor. If Kent is the father of TDD, Martin Fowler became its godfather with his deeper explanation of </a:t>
+            </a:r>
+            <a:r>
+              <a:rPr lang="en-US" dirty="0" err="1"/>
+              <a:t>refactorings</a:t>
+            </a:r>
+            <a:r>
+              <a:rPr lang="en-US" dirty="0"/>
+              <a:t>  - changing structure without changing the </a:t>
+            </a:r>
+            <a:r>
+              <a:rPr lang="en-US" dirty="0" err="1"/>
+              <a:t>behaviour</a:t>
+            </a:r>
+            <a:r>
+              <a:rPr lang="en-US" dirty="0"/>
+              <a:t>. Refactoring focuses on the implementation details, not on the </a:t>
+            </a:r>
+            <a:r>
+              <a:rPr lang="en-US" dirty="0" err="1"/>
+              <a:t>behaviour</a:t>
+            </a:r>
+            <a:r>
+              <a:rPr lang="en-US" dirty="0"/>
+              <a:t> of its external interface.</a:t>
             </a:r>
           </a:p>
           <a:p>
@@ -3860,16 +3796,15 @@
           <a:p>
             <a:r>
               <a:rPr lang="en-US" dirty="0"/>
-              <a:t>This is the major constrained on so called shared fixture elements: file systems, databases etc. One test can impact another test running against a shared resource. This may create the conditions to replace with a mock or test-double so as to free up from a shared fixture</a:t>
-            </a:r>
-          </a:p>
-          <a:p>
-            <a:endParaRPr lang="en-US" dirty="0"/>
-          </a:p>
-          <a:p>
+              <a:t>Changing the structure of your implementation, should not break any tests, only changing the </a:t>
+            </a:r>
+            <a:r>
+              <a:rPr lang="en-US" dirty="0" err="1"/>
+              <a:t>behaviour</a:t>
+            </a:r>
             <a:r>
               <a:rPr lang="en-US" dirty="0"/>
-              <a:t>Tests need to be fast, and run independently and in-parallel</a:t>
+              <a:t> of the SUT should. Indeed the ability to keep your tests green between steps of the refactoring is what makes refactoring ‘safe’ as opposed to re-engineering which is unsafe as it requires regression. YOUR TESTS SHOULD NOT BREAK DURING REFACTORING.</a:t>
             </a:r>
           </a:p>
           <a:p>
@@ -3897,7 +3832,7 @@
           <a:p>
             <a:fld id="{8D454BB1-5AB5-DF45-A819-95464E74CBE3}" type="slidenum">
               <a:rPr lang="en-US" smtClean="0"/>
-              <a:t>43</a:t>
+              <a:t>38</a:t>
             </a:fld>
             <a:endParaRPr lang="en-US"/>
           </a:p>
@@ -3906,7 +3841,7 @@
     </p:spTree>
     <p:extLst>
       <p:ext uri="{BB962C8B-B14F-4D97-AF65-F5344CB8AC3E}">
-        <p14:creationId xmlns:p14="http://schemas.microsoft.com/office/powerpoint/2010/main" val="1019445297"/>
+        <p14:creationId xmlns:p14="http://schemas.microsoft.com/office/powerpoint/2010/main" val="3991526860"/>
       </p:ext>
     </p:extLst>
   </p:cSld>
@@ -3960,33 +3895,34 @@
           <a:bodyPr/>
           <a:lstStyle/>
           <a:p>
-            <a:pPr marL="457200" indent="-457200">
-              <a:buFont typeface="Arial" panose="020B0604020202020204" pitchFamily="34" charset="0"/>
-              <a:buChar char="•"/>
+            <a:pPr marL="0" marR="0" lvl="0" indent="0" algn="l" defTabSz="914400" rtl="0" eaLnBrk="1" fontAlgn="auto" latinLnBrk="0" hangingPunct="1">
+              <a:lnSpc>
+                <a:spcPct val="100000"/>
+              </a:lnSpc>
+              <a:spcBef>
+                <a:spcPts val="0"/>
+              </a:spcBef>
+              <a:spcAft>
+                <a:spcPts val="0"/>
+              </a:spcAft>
+              <a:buClrTx/>
+              <a:buSzTx/>
+              <a:buFontTx/>
+              <a:buNone/>
+              <a:tabLst/>
+              <a:defRPr/>
             </a:pPr>
             <a:r>
-              <a:rPr lang="en-US" sz="1200" dirty="0"/>
-              <a:t>Test isolation i.e. difficult to run in parallel or isolation</a:t>
-            </a:r>
-          </a:p>
-          <a:p>
-            <a:pPr marL="457200" indent="-457200">
-              <a:buFont typeface="Arial" panose="020B0604020202020204" pitchFamily="34" charset="0"/>
-              <a:buChar char="•"/>
-            </a:pPr>
-            <a:r>
-              <a:rPr lang="en-US" sz="1200" dirty="0"/>
-              <a:t>Test speed i.e. dependency is slow</a:t>
-            </a:r>
-          </a:p>
-          <a:p>
-            <a:pPr marL="457200" indent="-457200">
-              <a:buFont typeface="Arial" panose="020B0604020202020204" pitchFamily="34" charset="0"/>
-              <a:buChar char="•"/>
-            </a:pPr>
-            <a:r>
-              <a:rPr lang="en-US" sz="1200" dirty="0"/>
-              <a:t>Fragile Test i.e. dependency causes test to break frequently due to timing issues (often slow test too)</a:t>
+              <a:rPr lang="en-US" dirty="0"/>
+              <a:t>And this implies that the tests should not need to change, if the </a:t>
+            </a:r>
+            <a:r>
+              <a:rPr lang="en-US" dirty="0" err="1"/>
+              <a:t>behaviour</a:t>
+            </a:r>
+            <a:r>
+              <a:rPr lang="en-US" dirty="0"/>
+              <a:t> does not change. A refactoring should not change a TDD test. Indeed the TDD test confirms that the behavior remains the same after the refactoring. It is the very heart of how our refactoring is enhanced by tests, and how we are able to refactor after we reach –green, because we have passing tests, as long as the tests keep passing our refactoring breaks nothing.</a:t>
             </a:r>
           </a:p>
           <a:p>
@@ -4011,7 +3947,7 @@
           <a:p>
             <a:fld id="{8D454BB1-5AB5-DF45-A819-95464E74CBE3}" type="slidenum">
               <a:rPr lang="en-US" smtClean="0"/>
-              <a:t>44</a:t>
+              <a:t>39</a:t>
             </a:fld>
             <a:endParaRPr lang="en-US"/>
           </a:p>
@@ -4020,7 +3956,7 @@
     </p:spTree>
     <p:extLst>
       <p:ext uri="{BB962C8B-B14F-4D97-AF65-F5344CB8AC3E}">
-        <p14:creationId xmlns:p14="http://schemas.microsoft.com/office/powerpoint/2010/main" val="225082042"/>
+        <p14:creationId xmlns:p14="http://schemas.microsoft.com/office/powerpoint/2010/main" val="1206435803"/>
       </p:ext>
     </p:extLst>
   </p:cSld>
@@ -4076,37 +4012,12 @@
           <a:p>
             <a:r>
               <a:rPr lang="en-US" dirty="0"/>
-              <a:t>By function here, we mean instance method, class method, stand alone function etc. The scope is irrelevant.</a:t>
-            </a:r>
-          </a:p>
-          <a:p>
-            <a:endParaRPr lang="en-US" dirty="0"/>
-          </a:p>
-          <a:p>
-            <a:r>
-              <a:rPr lang="en-US" dirty="0"/>
-              <a:t>Our concern is what triggers writing a test? It is often expressed that before you write a new function at any scope, you should write a test.</a:t>
-            </a:r>
-          </a:p>
-          <a:p>
-            <a:endParaRPr lang="en-US" dirty="0"/>
-          </a:p>
-          <a:p>
-            <a:r>
-              <a:rPr lang="en-US" dirty="0"/>
-              <a:t>A lot of tutorials encourage you to write a new test for any new method that you write.</a:t>
-            </a:r>
-          </a:p>
-          <a:p>
-            <a:endParaRPr lang="en-US" dirty="0"/>
-          </a:p>
-          <a:p>
-            <a:endParaRPr lang="en-US" dirty="0"/>
-          </a:p>
-          <a:p>
-            <a:endParaRPr lang="en-US" dirty="0"/>
-          </a:p>
-          <a:p>
+              <a:t>Kent addressed this issue in his discussion of TDD with Martin Fowler and DHH in 2014. He discussed the specific problem that developers would often report fragile tests, and when he looked at them, he could see mocks returning mocks, returning mocks. The software was highly coupled to the tests – no wonder it would break tests on any </a:t>
+            </a:r>
+            <a:r>
+              <a:rPr lang="en-US" dirty="0" err="1"/>
+              <a:t>chane</a:t>
+            </a:r>
             <a:endParaRPr lang="en-US" dirty="0"/>
           </a:p>
         </p:txBody>
@@ -4128,7 +4039,7 @@
           <a:p>
             <a:fld id="{8D454BB1-5AB5-DF45-A819-95464E74CBE3}" type="slidenum">
               <a:rPr lang="en-US" smtClean="0"/>
-              <a:t>45</a:t>
+              <a:t>40</a:t>
             </a:fld>
             <a:endParaRPr lang="en-US"/>
           </a:p>
@@ -4137,7 +4048,7 @@
     </p:spTree>
     <p:extLst>
       <p:ext uri="{BB962C8B-B14F-4D97-AF65-F5344CB8AC3E}">
-        <p14:creationId xmlns:p14="http://schemas.microsoft.com/office/powerpoint/2010/main" val="2087760360"/>
+        <p14:creationId xmlns:p14="http://schemas.microsoft.com/office/powerpoint/2010/main" val="3293862690"/>
       </p:ext>
     </p:extLst>
   </p:cSld>
@@ -4193,8 +4104,50 @@
           <a:p>
             <a:r>
               <a:rPr lang="en-US" dirty="0"/>
-              <a:t>Remember that we said we: don’t do ATDD. If we don’t separate out ATDD we can refocus on the acceptance criteria for a story driving our TDD practice instead. We have a requirement in the form of a user story, or if we prefer an agile use case, one that is elaborated later. It is the requirements for that which drive our TDD practice</a:t>
-            </a:r>
+              <a:t>The XP Community renamed Unit Tests to Developer Tests, for use with TDD, as far back as 2010, and to Programmer Tests in 2013</a:t>
+            </a:r>
+          </a:p>
+          <a:p>
+            <a:endParaRPr lang="en-US" dirty="0"/>
+          </a:p>
+          <a:p>
+            <a:r>
+              <a:rPr lang="en-US" dirty="0"/>
+              <a:t>Under </a:t>
+            </a:r>
+            <a:r>
+              <a:rPr lang="en-US" dirty="0" err="1"/>
+              <a:t>Mezarios’s</a:t>
+            </a:r>
+            <a:r>
+              <a:rPr lang="en-US" dirty="0"/>
+              <a:t> patterns n </a:t>
+            </a:r>
+            <a:r>
+              <a:rPr lang="en-US" dirty="0" err="1"/>
+              <a:t>Xunit</a:t>
+            </a:r>
+            <a:r>
+              <a:rPr lang="en-US" dirty="0"/>
+              <a:t> Patters, Programmer Tests are actually closer to Component Tests than Unit Tests: http://</a:t>
+            </a:r>
+            <a:r>
+              <a:rPr lang="en-US" dirty="0" err="1"/>
+              <a:t>xunitpatterns.com</a:t>
+            </a:r>
+            <a:r>
+              <a:rPr lang="en-US" dirty="0"/>
+              <a:t>/component%20test.html</a:t>
+            </a:r>
+          </a:p>
+          <a:p>
+            <a:endParaRPr lang="en-US" dirty="0"/>
+          </a:p>
+          <a:p>
+            <a:endParaRPr lang="en-US" dirty="0"/>
+          </a:p>
+          <a:p>
+            <a:endParaRPr lang="en-US" dirty="0"/>
           </a:p>
         </p:txBody>
       </p:sp>
@@ -4215,7 +4168,7 @@
           <a:p>
             <a:fld id="{8D454BB1-5AB5-DF45-A819-95464E74CBE3}" type="slidenum">
               <a:rPr lang="en-US" smtClean="0"/>
-              <a:t>46</a:t>
+              <a:t>41</a:t>
             </a:fld>
             <a:endParaRPr lang="en-US"/>
           </a:p>
@@ -4224,7 +4177,7 @@
     </p:spTree>
     <p:extLst>
       <p:ext uri="{BB962C8B-B14F-4D97-AF65-F5344CB8AC3E}">
-        <p14:creationId xmlns:p14="http://schemas.microsoft.com/office/powerpoint/2010/main" val="2052731228"/>
+        <p14:creationId xmlns:p14="http://schemas.microsoft.com/office/powerpoint/2010/main" val="2701567593"/>
       </p:ext>
     </p:extLst>
   </p:cSld>
@@ -4280,26 +4233,14 @@
           <a:p>
             <a:r>
               <a:rPr lang="en-US" dirty="0"/>
-              <a:t>This is an example that Kent gives in TDD by example. It is literally an example of the requirement that drives testing.</a:t>
+              <a:t>This is really just a summary: TDD tests are small-scale, programmer tests, where failure just indicates that the last edit is suspect. We can revert the change to remove the error. Defect localization is by change/edit.</a:t>
             </a:r>
           </a:p>
           <a:p>
             <a:endParaRPr lang="en-US" dirty="0"/>
           </a:p>
           <a:p>
-            <a:r>
-              <a:rPr lang="en-US" dirty="0"/>
-              <a:t>We could rephrase it using a GWT syntax</a:t>
-            </a:r>
-          </a:p>
-          <a:p>
             <a:endParaRPr lang="en-US" dirty="0"/>
-          </a:p>
-          <a:p>
-            <a:r>
-              <a:rPr lang="en-US" dirty="0"/>
-              <a:t>Given I have two amounts of different currencies and an exchange rate table when I add the two currencies together I should be able to get a result in one of the currencies</a:t>
-            </a:r>
           </a:p>
           <a:p>
             <a:endParaRPr lang="en-US" dirty="0"/>
@@ -4323,7 +4264,7 @@
           <a:p>
             <a:fld id="{8D454BB1-5AB5-DF45-A819-95464E74CBE3}" type="slidenum">
               <a:rPr lang="en-US" smtClean="0"/>
-              <a:t>47</a:t>
+              <a:t>42</a:t>
             </a:fld>
             <a:endParaRPr lang="en-US"/>
           </a:p>
@@ -4332,7 +4273,7 @@
     </p:spTree>
     <p:extLst>
       <p:ext uri="{BB962C8B-B14F-4D97-AF65-F5344CB8AC3E}">
-        <p14:creationId xmlns:p14="http://schemas.microsoft.com/office/powerpoint/2010/main" val="2062210115"/>
+        <p14:creationId xmlns:p14="http://schemas.microsoft.com/office/powerpoint/2010/main" val="546899365"/>
       </p:ext>
     </p:extLst>
   </p:cSld>
@@ -4388,15 +4329,16 @@
           <a:p>
             <a:r>
               <a:rPr lang="en-US" dirty="0"/>
-              <a:t>Out test are focused on moving towards completion of the use case or user story. We drive incrementally and iteratively toward the expression of that </a:t>
-            </a:r>
-            <a:r>
-              <a:rPr lang="en-US" dirty="0" err="1"/>
-              <a:t>behaviour</a:t>
-            </a:r>
+              <a:t>It is the test fixture that is the unit of isolation, not the ‘system under test’. We don’t want to tests to break each other.</a:t>
+            </a:r>
+          </a:p>
+          <a:p>
+            <a:endParaRPr lang="en-US" dirty="0"/>
+          </a:p>
+          <a:p>
             <a:r>
               <a:rPr lang="en-US" dirty="0"/>
-              <a:t> in our tests.</a:t>
+              <a:t>This is the major constrained on so called shared fixture elements: file systems, databases etc. One test can impact another test running against a shared resource. This may create the conditions to replace with a mock or test-double so as to free up from a shared fixture</a:t>
             </a:r>
           </a:p>
           <a:p>
@@ -4405,26 +4347,14 @@
           <a:p>
             <a:r>
               <a:rPr lang="en-US" dirty="0"/>
-              <a:t>Does that require a single method on a class, or a single function? Perhaps. But it might require many collaborating objects. We use tests to find out.</a:t>
+              <a:t>Tests need to be fast, and run independently and in-parallel</a:t>
             </a:r>
           </a:p>
           <a:p>
             <a:endParaRPr lang="en-US" dirty="0"/>
           </a:p>
           <a:p>
-            <a:r>
-              <a:rPr lang="en-US" dirty="0"/>
-              <a:t>They are programmer tests, so the SUT required does not have to be an isolated class, method of function. We can test at whatever level is appropriate.</a:t>
-            </a:r>
-          </a:p>
-          <a:p>
             <a:endParaRPr lang="en-US" dirty="0"/>
-          </a:p>
-          <a:p>
-            <a:r>
-              <a:rPr lang="en-US" dirty="0"/>
-              <a:t>The requirement is what matters and we go up and down in viewpoint as required, to get the requirement under test.</a:t>
-            </a:r>
           </a:p>
         </p:txBody>
       </p:sp>
@@ -4445,7 +4375,7 @@
           <a:p>
             <a:fld id="{8D454BB1-5AB5-DF45-A819-95464E74CBE3}" type="slidenum">
               <a:rPr lang="en-US" smtClean="0"/>
-              <a:t>48</a:t>
+              <a:t>43</a:t>
             </a:fld>
             <a:endParaRPr lang="en-US"/>
           </a:p>
@@ -4454,7 +4384,7 @@
     </p:spTree>
     <p:extLst>
       <p:ext uri="{BB962C8B-B14F-4D97-AF65-F5344CB8AC3E}">
-        <p14:creationId xmlns:p14="http://schemas.microsoft.com/office/powerpoint/2010/main" val="429662713"/>
+        <p14:creationId xmlns:p14="http://schemas.microsoft.com/office/powerpoint/2010/main" val="1019445297"/>
       </p:ext>
     </p:extLst>
   </p:cSld>
@@ -4508,19 +4438,37 @@
           <a:bodyPr/>
           <a:lstStyle/>
           <a:p>
-            <a:r>
-              <a:rPr lang="en-US" dirty="0"/>
-              <a:t>Dan North’s famous name change originally related to this observation, that what Kent was doing was driving development through iterations of the behavior of the system, not through iterations of the implementation of the system.</a:t>
+            <a:pPr marL="457200" indent="-457200">
+              <a:buFont typeface="Arial" panose="020B0604020202020204" pitchFamily="34" charset="0"/>
+              <a:buChar char="•"/>
+            </a:pPr>
+            <a:r>
+              <a:rPr lang="en-US" sz="1200" dirty="0"/>
+              <a:t>Test isolation i.e. difficult to run in parallel or isolation</a:t>
+            </a:r>
+          </a:p>
+          <a:p>
+            <a:pPr marL="457200" indent="-457200">
+              <a:buFont typeface="Arial" panose="020B0604020202020204" pitchFamily="34" charset="0"/>
+              <a:buChar char="•"/>
+            </a:pPr>
+            <a:r>
+              <a:rPr lang="en-US" sz="1200" dirty="0"/>
+              <a:t>Test speed i.e. dependency is slow</a:t>
+            </a:r>
+          </a:p>
+          <a:p>
+            <a:pPr marL="457200" indent="-457200">
+              <a:buFont typeface="Arial" panose="020B0604020202020204" pitchFamily="34" charset="0"/>
+              <a:buChar char="•"/>
+            </a:pPr>
+            <a:r>
+              <a:rPr lang="en-US" sz="1200" dirty="0"/>
+              <a:t>Fragile Test i.e. dependency causes test to break frequently due to timing issues (often slow test too)</a:t>
             </a:r>
           </a:p>
           <a:p>
             <a:endParaRPr lang="en-US" dirty="0"/>
-          </a:p>
-          <a:p>
-            <a:r>
-              <a:rPr lang="en-US" dirty="0"/>
-              <a:t>For this reason he rephrased TDD as BDD</a:t>
-            </a:r>
           </a:p>
         </p:txBody>
       </p:sp>
@@ -4541,7 +4489,7 @@
           <a:p>
             <a:fld id="{8D454BB1-5AB5-DF45-A819-95464E74CBE3}" type="slidenum">
               <a:rPr lang="en-US" smtClean="0"/>
-              <a:t>49</a:t>
+              <a:t>44</a:t>
             </a:fld>
             <a:endParaRPr lang="en-US"/>
           </a:p>
@@ -4550,7 +4498,7 @@
     </p:spTree>
     <p:extLst>
       <p:ext uri="{BB962C8B-B14F-4D97-AF65-F5344CB8AC3E}">
-        <p14:creationId xmlns:p14="http://schemas.microsoft.com/office/powerpoint/2010/main" val="548040384"/>
+        <p14:creationId xmlns:p14="http://schemas.microsoft.com/office/powerpoint/2010/main" val="225082042"/>
       </p:ext>
     </p:extLst>
   </p:cSld>
@@ -4604,6 +4552,39 @@
           <a:bodyPr/>
           <a:lstStyle/>
           <a:p>
+            <a:r>
+              <a:rPr lang="en-US" dirty="0"/>
+              <a:t>By function here, we mean instance method, class method, stand alone function etc. The scope is irrelevant.</a:t>
+            </a:r>
+          </a:p>
+          <a:p>
+            <a:endParaRPr lang="en-US" dirty="0"/>
+          </a:p>
+          <a:p>
+            <a:r>
+              <a:rPr lang="en-US" dirty="0"/>
+              <a:t>Our concern is what triggers writing a test? It is often expressed that before you write a new function at any scope, you should write a test.</a:t>
+            </a:r>
+          </a:p>
+          <a:p>
+            <a:endParaRPr lang="en-US" dirty="0"/>
+          </a:p>
+          <a:p>
+            <a:r>
+              <a:rPr lang="en-US" dirty="0"/>
+              <a:t>A lot of tutorials encourage you to write a new test for any new method that you write.</a:t>
+            </a:r>
+          </a:p>
+          <a:p>
+            <a:endParaRPr lang="en-US" dirty="0"/>
+          </a:p>
+          <a:p>
+            <a:endParaRPr lang="en-US" dirty="0"/>
+          </a:p>
+          <a:p>
+            <a:endParaRPr lang="en-US" dirty="0"/>
+          </a:p>
+          <a:p>
             <a:endParaRPr lang="en-US" dirty="0"/>
           </a:p>
         </p:txBody>
@@ -4625,7 +4606,7 @@
           <a:p>
             <a:fld id="{8D454BB1-5AB5-DF45-A819-95464E74CBE3}" type="slidenum">
               <a:rPr lang="en-US" smtClean="0"/>
-              <a:t>50</a:t>
+              <a:t>45</a:t>
             </a:fld>
             <a:endParaRPr lang="en-US"/>
           </a:p>
@@ -4634,7 +4615,7 @@
     </p:spTree>
     <p:extLst>
       <p:ext uri="{BB962C8B-B14F-4D97-AF65-F5344CB8AC3E}">
-        <p14:creationId xmlns:p14="http://schemas.microsoft.com/office/powerpoint/2010/main" val="3093505985"/>
+        <p14:creationId xmlns:p14="http://schemas.microsoft.com/office/powerpoint/2010/main" val="2087760360"/>
       </p:ext>
     </p:extLst>
   </p:cSld>
@@ -4688,10 +4669,10 @@
           <a:bodyPr/>
           <a:lstStyle/>
           <a:p>
-            <a:endParaRPr lang="en-US" dirty="0"/>
-          </a:p>
-          <a:p>
-            <a:endParaRPr lang="en-US" dirty="0"/>
+            <a:r>
+              <a:rPr lang="en-US" dirty="0"/>
+              <a:t>Remember that we said we: don’t do ATDD. If we don’t separate out ATDD we can refocus on the acceptance criteria for a story driving our TDD practice instead. We have a requirement in the form of a user story, or if we prefer an agile use case, one that is elaborated later. It is the requirements for that which drive our TDD practice</a:t>
+            </a:r>
           </a:p>
         </p:txBody>
       </p:sp>
@@ -4712,7 +4693,7 @@
           <a:p>
             <a:fld id="{8D454BB1-5AB5-DF45-A819-95464E74CBE3}" type="slidenum">
               <a:rPr lang="en-US" smtClean="0"/>
-              <a:t>51</a:t>
+              <a:t>46</a:t>
             </a:fld>
             <a:endParaRPr lang="en-US"/>
           </a:p>
@@ -4721,7 +4702,7 @@
     </p:spTree>
     <p:extLst>
       <p:ext uri="{BB962C8B-B14F-4D97-AF65-F5344CB8AC3E}">
-        <p14:creationId xmlns:p14="http://schemas.microsoft.com/office/powerpoint/2010/main" val="3168488165"/>
+        <p14:creationId xmlns:p14="http://schemas.microsoft.com/office/powerpoint/2010/main" val="2052731228"/>
       </p:ext>
     </p:extLst>
   </p:cSld>
@@ -4775,7 +4756,28 @@
           <a:bodyPr/>
           <a:lstStyle/>
           <a:p>
+            <a:r>
+              <a:rPr lang="en-US" dirty="0"/>
+              <a:t>This is an example that Kent gives in TDD by example. It is literally an example of the requirement that drives testing.</a:t>
+            </a:r>
+          </a:p>
+          <a:p>
             <a:endParaRPr lang="en-US" dirty="0"/>
+          </a:p>
+          <a:p>
+            <a:r>
+              <a:rPr lang="en-US" dirty="0"/>
+              <a:t>We could rephrase it using a GWT syntax</a:t>
+            </a:r>
+          </a:p>
+          <a:p>
+            <a:endParaRPr lang="en-US" dirty="0"/>
+          </a:p>
+          <a:p>
+            <a:r>
+              <a:rPr lang="en-US" dirty="0"/>
+              <a:t>Given I have two amounts of different currencies and an exchange rate table when I add the two currencies together I should be able to get a result in one of the currencies</a:t>
+            </a:r>
           </a:p>
           <a:p>
             <a:endParaRPr lang="en-US" dirty="0"/>
@@ -4799,7 +4801,7 @@
           <a:p>
             <a:fld id="{8D454BB1-5AB5-DF45-A819-95464E74CBE3}" type="slidenum">
               <a:rPr lang="en-US" smtClean="0"/>
-              <a:t>52</a:t>
+              <a:t>47</a:t>
             </a:fld>
             <a:endParaRPr lang="en-US"/>
           </a:p>
@@ -4808,7 +4810,7 @@
     </p:spTree>
     <p:extLst>
       <p:ext uri="{BB962C8B-B14F-4D97-AF65-F5344CB8AC3E}">
-        <p14:creationId xmlns:p14="http://schemas.microsoft.com/office/powerpoint/2010/main" val="4212357838"/>
+        <p14:creationId xmlns:p14="http://schemas.microsoft.com/office/powerpoint/2010/main" val="2062210115"/>
       </p:ext>
     </p:extLst>
   </p:cSld>
@@ -4862,7 +4864,37 @@
           <a:bodyPr/>
           <a:lstStyle/>
           <a:p>
+            <a:r>
+              <a:rPr lang="en-US" dirty="0"/>
+              <a:t>Context of organization comparing Agile and Waterfall led by different principal engineers</a:t>
+            </a:r>
+          </a:p>
+          <a:p>
             <a:endParaRPr lang="en-US" dirty="0"/>
+          </a:p>
+          <a:p>
+            <a:r>
+              <a:rPr lang="en-US" dirty="0"/>
+              <a:t>Story about successful backend project, zero defects, but increased cost – seen as success, but 3:1 test to code ratio. Is that right? Community says yes.</a:t>
+            </a:r>
+          </a:p>
+          <a:p>
+            <a:endParaRPr lang="en-US" dirty="0"/>
+          </a:p>
+          <a:p>
+            <a:r>
+              <a:rPr lang="en-US" dirty="0"/>
+              <a:t>Project Managers asked to skip the tests, but we had well tried arguments like “it’s compilation” or. “rework”</a:t>
+            </a:r>
+          </a:p>
+          <a:p>
+            <a:endParaRPr lang="en-US" dirty="0"/>
+          </a:p>
+          <a:p>
+            <a:r>
+              <a:rPr lang="en-US" dirty="0"/>
+              <a:t>But we were slower due to the volume of tests</a:t>
+            </a:r>
           </a:p>
         </p:txBody>
       </p:sp>
@@ -4883,7 +4915,7 @@
           <a:p>
             <a:fld id="{8D454BB1-5AB5-DF45-A819-95464E74CBE3}" type="slidenum">
               <a:rPr lang="en-US" smtClean="0"/>
-              <a:t>17</a:t>
+              <a:t>7</a:t>
             </a:fld>
             <a:endParaRPr lang="en-US"/>
           </a:p>
@@ -4892,7 +4924,7 @@
     </p:spTree>
     <p:extLst>
       <p:ext uri="{BB962C8B-B14F-4D97-AF65-F5344CB8AC3E}">
-        <p14:creationId xmlns:p14="http://schemas.microsoft.com/office/powerpoint/2010/main" val="4061187214"/>
+        <p14:creationId xmlns:p14="http://schemas.microsoft.com/office/powerpoint/2010/main" val="2258017798"/>
       </p:ext>
     </p:extLst>
   </p:cSld>
@@ -4946,10 +4978,45 @@
           <a:bodyPr/>
           <a:lstStyle/>
           <a:p>
+            <a:r>
+              <a:rPr lang="en-US" dirty="0"/>
+              <a:t>Out test are focused on moving towards completion of the use case or user story. We drive incrementally and iteratively toward the expression of that </a:t>
+            </a:r>
+            <a:r>
+              <a:rPr lang="en-US" dirty="0" err="1"/>
+              <a:t>behaviour</a:t>
+            </a:r>
+            <a:r>
+              <a:rPr lang="en-US" dirty="0"/>
+              <a:t> in our tests.</a:t>
+            </a:r>
+          </a:p>
+          <a:p>
             <a:endParaRPr lang="en-US" dirty="0"/>
           </a:p>
           <a:p>
+            <a:r>
+              <a:rPr lang="en-US" dirty="0"/>
+              <a:t>Does that require a single method on a class, or a single function? Perhaps. But it might require many collaborating objects. We use tests to find out.</a:t>
+            </a:r>
+          </a:p>
+          <a:p>
             <a:endParaRPr lang="en-US" dirty="0"/>
+          </a:p>
+          <a:p>
+            <a:r>
+              <a:rPr lang="en-US" dirty="0"/>
+              <a:t>They are programmer tests, so the SUT required does not have to be an isolated class, method of function. We can test at whatever level is appropriate.</a:t>
+            </a:r>
+          </a:p>
+          <a:p>
+            <a:endParaRPr lang="en-US" dirty="0"/>
+          </a:p>
+          <a:p>
+            <a:r>
+              <a:rPr lang="en-US" dirty="0"/>
+              <a:t>The requirement is what matters and we go up and down in viewpoint as required, to get the requirement under test.</a:t>
+            </a:r>
           </a:p>
         </p:txBody>
       </p:sp>
@@ -4970,7 +5037,7 @@
           <a:p>
             <a:fld id="{8D454BB1-5AB5-DF45-A819-95464E74CBE3}" type="slidenum">
               <a:rPr lang="en-US" smtClean="0"/>
-              <a:t>53</a:t>
+              <a:t>48</a:t>
             </a:fld>
             <a:endParaRPr lang="en-US"/>
           </a:p>
@@ -4979,7 +5046,7 @@
     </p:spTree>
     <p:extLst>
       <p:ext uri="{BB962C8B-B14F-4D97-AF65-F5344CB8AC3E}">
-        <p14:creationId xmlns:p14="http://schemas.microsoft.com/office/powerpoint/2010/main" val="648677132"/>
+        <p14:creationId xmlns:p14="http://schemas.microsoft.com/office/powerpoint/2010/main" val="429662713"/>
       </p:ext>
     </p:extLst>
   </p:cSld>
@@ -5033,10 +5100,19 @@
           <a:bodyPr/>
           <a:lstStyle/>
           <a:p>
+            <a:r>
+              <a:rPr lang="en-US" dirty="0"/>
+              <a:t>Dan North’s famous name change originally related to this observation, that what Kent was doing was driving development through iterations of the behavior of the system, not through iterations of the implementation of the system.</a:t>
+            </a:r>
+          </a:p>
+          <a:p>
             <a:endParaRPr lang="en-US" dirty="0"/>
           </a:p>
           <a:p>
-            <a:endParaRPr lang="en-US" dirty="0"/>
+            <a:r>
+              <a:rPr lang="en-US" dirty="0"/>
+              <a:t>For this reason he rephrased TDD as BDD</a:t>
+            </a:r>
           </a:p>
         </p:txBody>
       </p:sp>
@@ -5057,7 +5133,7 @@
           <a:p>
             <a:fld id="{8D454BB1-5AB5-DF45-A819-95464E74CBE3}" type="slidenum">
               <a:rPr lang="en-US" smtClean="0"/>
-              <a:t>54</a:t>
+              <a:t>49</a:t>
             </a:fld>
             <a:endParaRPr lang="en-US"/>
           </a:p>
@@ -5066,7 +5142,7 @@
     </p:spTree>
     <p:extLst>
       <p:ext uri="{BB962C8B-B14F-4D97-AF65-F5344CB8AC3E}">
-        <p14:creationId xmlns:p14="http://schemas.microsoft.com/office/powerpoint/2010/main" val="2094239590"/>
+        <p14:creationId xmlns:p14="http://schemas.microsoft.com/office/powerpoint/2010/main" val="548040384"/>
       </p:ext>
     </p:extLst>
   </p:cSld>
@@ -5122,9 +5198,6 @@
           <a:p>
             <a:endParaRPr lang="en-US" dirty="0"/>
           </a:p>
-          <a:p>
-            <a:endParaRPr lang="en-US" dirty="0"/>
-          </a:p>
         </p:txBody>
       </p:sp>
       <p:sp>
@@ -5144,7 +5217,7 @@
           <a:p>
             <a:fld id="{8D454BB1-5AB5-DF45-A819-95464E74CBE3}" type="slidenum">
               <a:rPr lang="en-US" smtClean="0"/>
-              <a:t>55</a:t>
+              <a:t>50</a:t>
             </a:fld>
             <a:endParaRPr lang="en-US"/>
           </a:p>
@@ -5153,7 +5226,7 @@
     </p:spTree>
     <p:extLst>
       <p:ext uri="{BB962C8B-B14F-4D97-AF65-F5344CB8AC3E}">
-        <p14:creationId xmlns:p14="http://schemas.microsoft.com/office/powerpoint/2010/main" val="3749570445"/>
+        <p14:creationId xmlns:p14="http://schemas.microsoft.com/office/powerpoint/2010/main" val="3093505985"/>
       </p:ext>
     </p:extLst>
   </p:cSld>
@@ -5209,6 +5282,9 @@
           <a:p>
             <a:endParaRPr lang="en-US" dirty="0"/>
           </a:p>
+          <a:p>
+            <a:endParaRPr lang="en-US" dirty="0"/>
+          </a:p>
         </p:txBody>
       </p:sp>
       <p:sp>
@@ -5228,7 +5304,7 @@
           <a:p>
             <a:fld id="{8D454BB1-5AB5-DF45-A819-95464E74CBE3}" type="slidenum">
               <a:rPr lang="en-US" smtClean="0"/>
-              <a:t>58</a:t>
+              <a:t>51</a:t>
             </a:fld>
             <a:endParaRPr lang="en-US"/>
           </a:p>
@@ -5237,7 +5313,7 @@
     </p:spTree>
     <p:extLst>
       <p:ext uri="{BB962C8B-B14F-4D97-AF65-F5344CB8AC3E}">
-        <p14:creationId xmlns:p14="http://schemas.microsoft.com/office/powerpoint/2010/main" val="3902355123"/>
+        <p14:creationId xmlns:p14="http://schemas.microsoft.com/office/powerpoint/2010/main" val="3168488165"/>
       </p:ext>
     </p:extLst>
   </p:cSld>
@@ -5288,44 +5364,13 @@
         </p:nvSpPr>
         <p:spPr/>
         <p:txBody>
-          <a:bodyPr>
-            <a:normAutofit/>
-          </a:bodyPr>
-          <a:lstStyle/>
-          <a:p>
-            <a:r>
-              <a:rPr lang="en-US" dirty="0"/>
-              <a:t>Write a test: We work Test First. Always.</a:t>
-            </a:r>
-          </a:p>
-          <a:p>
-            <a:r>
-              <a:rPr lang="en-US" dirty="0"/>
-              <a:t>Make it Compile: Get the test to the</a:t>
-            </a:r>
-            <a:r>
-              <a:rPr lang="en-US" baseline="0" dirty="0"/>
-              <a:t> point of compilation, with stubbed implementations on the SUT</a:t>
-            </a:r>
-          </a:p>
-          <a:p>
-            <a:r>
-              <a:rPr lang="en-US" baseline="0" dirty="0"/>
-              <a:t>Run to see that it fails: The only control for a test is a failing test. Remove false positives.</a:t>
-            </a:r>
-          </a:p>
-          <a:p>
-            <a:r>
-              <a:rPr lang="en-US" baseline="0" dirty="0"/>
-              <a:t>Make it run: Do the simplest thing you can to implement. Don’t strive for clean code here.</a:t>
-            </a:r>
-          </a:p>
-          <a:p>
-            <a:r>
-              <a:rPr lang="en-US" baseline="0" dirty="0"/>
-              <a:t>Remove duplication: Now refactor to clean code.</a:t>
-            </a:r>
-            <a:endParaRPr lang="en-GB" dirty="0"/>
+          <a:bodyPr/>
+          <a:lstStyle/>
+          <a:p>
+            <a:endParaRPr lang="en-US" dirty="0"/>
+          </a:p>
+          <a:p>
+            <a:endParaRPr lang="en-US" dirty="0"/>
           </a:p>
         </p:txBody>
       </p:sp>
@@ -5336,7 +5381,7 @@
             <a:spLocks noGrp="1"/>
           </p:cNvSpPr>
           <p:nvPr>
-            <p:ph type="sldNum" sz="quarter" idx="10"/>
+            <p:ph type="sldNum" sz="quarter" idx="5"/>
           </p:nvPr>
         </p:nvSpPr>
         <p:spPr/>
@@ -5344,19 +5389,18 @@
           <a:bodyPr/>
           <a:lstStyle/>
           <a:p>
-            <a:fld id="{F66C4C5A-655F-4C9D-B92A-07E1070CBF6B}" type="slidenum">
-              <a:rPr lang="en-GB" smtClean="0"/>
-              <a:pPr/>
-              <a:t>59</a:t>
+            <a:fld id="{8D454BB1-5AB5-DF45-A819-95464E74CBE3}" type="slidenum">
+              <a:rPr lang="en-US" smtClean="0"/>
+              <a:t>52</a:t>
             </a:fld>
-            <a:endParaRPr lang="en-GB"/>
+            <a:endParaRPr lang="en-US"/>
           </a:p>
         </p:txBody>
       </p:sp>
     </p:spTree>
     <p:extLst>
       <p:ext uri="{BB962C8B-B14F-4D97-AF65-F5344CB8AC3E}">
-        <p14:creationId xmlns:p14="http://schemas.microsoft.com/office/powerpoint/2010/main" val="917012046"/>
+        <p14:creationId xmlns:p14="http://schemas.microsoft.com/office/powerpoint/2010/main" val="4212357838"/>
       </p:ext>
     </p:extLst>
   </p:cSld>
@@ -5407,68 +5451,13 @@
         </p:nvSpPr>
         <p:spPr/>
         <p:txBody>
-          <a:bodyPr>
-            <a:normAutofit fontScale="92500" lnSpcReduction="20000"/>
-          </a:bodyPr>
-          <a:lstStyle/>
-          <a:p>
-            <a:r>
-              <a:rPr lang="en-GB" dirty="0"/>
-              <a:t>Make it run. Quickly getting that bar to go to green dominates everything else. If a clean, simple solution is obvious, then type it in. If the clean, simple solution is obvious but it will take you a minute, then make a note of it and get back to the main problem, which is getting the bar green in seconds. </a:t>
-            </a:r>
-          </a:p>
-          <a:p>
-            <a:endParaRPr lang="en-GB" dirty="0"/>
-          </a:p>
-          <a:p>
-            <a:r>
-              <a:rPr lang="en-GB" dirty="0"/>
-              <a:t>This shift in aesthetics is hard for some experienced software engineers. They only know how to follow the rules of good engineering. Quick green excuses all sins. But only for a moment.</a:t>
-            </a:r>
-          </a:p>
-          <a:p>
-            <a:endParaRPr lang="en-GB" dirty="0"/>
-          </a:p>
-          <a:p>
-            <a:r>
-              <a:rPr lang="en-GB" dirty="0"/>
-              <a:t>The goal is clean code that works (thanks to Ron Jeffries for this pithy summary). Clean code that</a:t>
-            </a:r>
-            <a:r>
-              <a:rPr lang="en-GB" baseline="0" dirty="0"/>
-              <a:t> </a:t>
-            </a:r>
-            <a:r>
-              <a:rPr lang="en-GB" dirty="0"/>
-              <a:t>works is out of the reach of even the best programmers some of the time, and out of the reach of most programmers (like me) most of the time. Divide and conquer, baby. First we'll solve the “that works” part of the problem. Then we'll solve the “clean code” part. This is the opposite of architecture-driven development, where you solve “clean code” first, then scramble around trying to integrate into the design the things you learn as you solve the “that works” problem.</a:t>
-            </a:r>
-          </a:p>
-          <a:p>
-            <a:endParaRPr lang="en-GB" dirty="0"/>
-          </a:p>
-          <a:p>
-            <a:r>
-              <a:rPr lang="en-GB" dirty="0"/>
-              <a:t>--------</a:t>
-            </a:r>
-          </a:p>
-          <a:p>
-            <a:r>
-              <a:rPr lang="en-GB" dirty="0"/>
-              <a:t>The different phases have different purposes. They call for different styles of solution, different aesthetic viewpoints. The first three phases need to go by quickly, so we get to a known state with the new functionality. We can commit any number of sins to get there, because speed trumps design, just for that brief moment.</a:t>
-            </a:r>
-          </a:p>
-          <a:p>
-            <a:endParaRPr lang="en-GB" dirty="0"/>
-          </a:p>
-          <a:p>
-            <a:r>
-              <a:rPr lang="en-GB" dirty="0"/>
-              <a:t>Now I'm worried. I've given you a license to abandon all the principles of good design. Off you go to your teams—“Kent says all that design stuff doesn't matter.” Halt. The cycle is not complete. A four-legged Aeron chair falls over. The first four steps of the cycle won't work without the fifth. Good design at good times. Make it run, make it right.</a:t>
-            </a:r>
-          </a:p>
-          <a:p>
-            <a:endParaRPr lang="en-GB" dirty="0"/>
+          <a:bodyPr/>
+          <a:lstStyle/>
+          <a:p>
+            <a:endParaRPr lang="en-US" dirty="0"/>
+          </a:p>
+          <a:p>
+            <a:endParaRPr lang="en-US" dirty="0"/>
           </a:p>
         </p:txBody>
       </p:sp>
@@ -5479,7 +5468,7 @@
             <a:spLocks noGrp="1"/>
           </p:cNvSpPr>
           <p:nvPr>
-            <p:ph type="sldNum" sz="quarter" idx="10"/>
+            <p:ph type="sldNum" sz="quarter" idx="5"/>
           </p:nvPr>
         </p:nvSpPr>
         <p:spPr/>
@@ -5487,19 +5476,18 @@
           <a:bodyPr/>
           <a:lstStyle/>
           <a:p>
-            <a:fld id="{F66C4C5A-655F-4C9D-B92A-07E1070CBF6B}" type="slidenum">
-              <a:rPr lang="en-GB" smtClean="0"/>
-              <a:pPr/>
-              <a:t>61</a:t>
+            <a:fld id="{8D454BB1-5AB5-DF45-A819-95464E74CBE3}" type="slidenum">
+              <a:rPr lang="en-US" smtClean="0"/>
+              <a:t>53</a:t>
             </a:fld>
-            <a:endParaRPr lang="en-GB"/>
+            <a:endParaRPr lang="en-US"/>
           </a:p>
         </p:txBody>
       </p:sp>
     </p:spTree>
     <p:extLst>
       <p:ext uri="{BB962C8B-B14F-4D97-AF65-F5344CB8AC3E}">
-        <p14:creationId xmlns:p14="http://schemas.microsoft.com/office/powerpoint/2010/main" val="4222238192"/>
+        <p14:creationId xmlns:p14="http://schemas.microsoft.com/office/powerpoint/2010/main" val="648677132"/>
       </p:ext>
     </p:extLst>
   </p:cSld>
@@ -5555,6 +5543,9 @@
           <a:p>
             <a:endParaRPr lang="en-US" dirty="0"/>
           </a:p>
+          <a:p>
+            <a:endParaRPr lang="en-US" dirty="0"/>
+          </a:p>
         </p:txBody>
       </p:sp>
       <p:sp>
@@ -5574,7 +5565,7 @@
           <a:p>
             <a:fld id="{8D454BB1-5AB5-DF45-A819-95464E74CBE3}" type="slidenum">
               <a:rPr lang="en-US" smtClean="0"/>
-              <a:t>63</a:t>
+              <a:t>54</a:t>
             </a:fld>
             <a:endParaRPr lang="en-US"/>
           </a:p>
@@ -5583,7 +5574,7 @@
     </p:spTree>
     <p:extLst>
       <p:ext uri="{BB962C8B-B14F-4D97-AF65-F5344CB8AC3E}">
-        <p14:creationId xmlns:p14="http://schemas.microsoft.com/office/powerpoint/2010/main" val="4106603760"/>
+        <p14:creationId xmlns:p14="http://schemas.microsoft.com/office/powerpoint/2010/main" val="2094239590"/>
       </p:ext>
     </p:extLst>
   </p:cSld>
@@ -5637,45 +5628,6 @@
           <a:bodyPr/>
           <a:lstStyle/>
           <a:p>
-            <a:r>
-              <a:rPr lang="en-US" dirty="0"/>
-              <a:t>There are the ‘moves’ you can make in the red step, to get the next test to pass in order of priority. Always make the simplest move that you can.</a:t>
-            </a:r>
-          </a:p>
-          <a:p>
-            <a:endParaRPr lang="en-US" dirty="0"/>
-          </a:p>
-          <a:p>
-            <a:r>
-              <a:rPr lang="en-US" dirty="0"/>
-              <a:t>This may also drive the question of ‘what test do I write next?’ one that makes the simplest next move.</a:t>
-            </a:r>
-          </a:p>
-          <a:p>
-            <a:endParaRPr lang="en-US" dirty="0"/>
-          </a:p>
-          <a:p>
-            <a:r>
-              <a:rPr lang="en-US" dirty="0"/>
-              <a:t>“</a:t>
-            </a:r>
-            <a:r>
-              <a:rPr lang="en-GB" dirty="0" err="1"/>
-              <a:t>ransformations</a:t>
-            </a:r>
-            <a:r>
-              <a:rPr lang="en-GB" dirty="0"/>
-              <a:t> on the top of the list should be preferred to those that are lower. It is better (or simpler) to change a constant into a variable than it is to add an if statement. So when making a test pass, you try to do so with transformations that are simpler (higher on the list) than those that are more complex. </a:t>
-            </a:r>
-            <a:r>
-              <a:rPr lang="en-US" dirty="0"/>
-              <a:t>”</a:t>
-            </a:r>
-          </a:p>
-          <a:p>
-            <a:endParaRPr lang="en-US" dirty="0"/>
-          </a:p>
-          <a:p>
             <a:endParaRPr lang="en-US" dirty="0"/>
           </a:p>
           <a:p>
@@ -5700,7 +5652,7 @@
           <a:p>
             <a:fld id="{8D454BB1-5AB5-DF45-A819-95464E74CBE3}" type="slidenum">
               <a:rPr lang="en-US" smtClean="0"/>
-              <a:t>64</a:t>
+              <a:t>55</a:t>
             </a:fld>
             <a:endParaRPr lang="en-US"/>
           </a:p>
@@ -5709,7 +5661,7 @@
     </p:spTree>
     <p:extLst>
       <p:ext uri="{BB962C8B-B14F-4D97-AF65-F5344CB8AC3E}">
-        <p14:creationId xmlns:p14="http://schemas.microsoft.com/office/powerpoint/2010/main" val="1991084786"/>
+        <p14:creationId xmlns:p14="http://schemas.microsoft.com/office/powerpoint/2010/main" val="3749570445"/>
       </p:ext>
     </p:extLst>
   </p:cSld>
@@ -5763,7 +5715,6 @@
           <a:bodyPr/>
           <a:lstStyle/>
           <a:p>
-            <a:pPr algn="ctr"/>
             <a:endParaRPr lang="en-US" dirty="0"/>
           </a:p>
         </p:txBody>
@@ -5785,7 +5736,7 @@
           <a:p>
             <a:fld id="{8D454BB1-5AB5-DF45-A819-95464E74CBE3}" type="slidenum">
               <a:rPr lang="en-US" smtClean="0"/>
-              <a:t>65</a:t>
+              <a:t>58</a:t>
             </a:fld>
             <a:endParaRPr lang="en-US"/>
           </a:p>
@@ -5794,7 +5745,7 @@
     </p:spTree>
     <p:extLst>
       <p:ext uri="{BB962C8B-B14F-4D97-AF65-F5344CB8AC3E}">
-        <p14:creationId xmlns:p14="http://schemas.microsoft.com/office/powerpoint/2010/main" val="4210591357"/>
+        <p14:creationId xmlns:p14="http://schemas.microsoft.com/office/powerpoint/2010/main" val="3902355123"/>
       </p:ext>
     </p:extLst>
   </p:cSld>
@@ -5846,474 +5797,42 @@
         <p:spPr/>
         <p:txBody>
           <a:bodyPr>
-            <a:normAutofit fontScale="77500" lnSpcReduction="20000"/>
+            <a:normAutofit/>
           </a:bodyPr>
           <a:lstStyle/>
           <a:p>
-            <a:pPr marL="0" marR="0" indent="0" algn="l" defTabSz="914400" rtl="0" eaLnBrk="1" fontAlgn="auto" latinLnBrk="0" hangingPunct="1">
-              <a:lnSpc>
-                <a:spcPct val="100000"/>
-              </a:lnSpc>
-              <a:spcBef>
-                <a:spcPts val="0"/>
-              </a:spcBef>
-              <a:spcAft>
-                <a:spcPts val="0"/>
-              </a:spcAft>
-              <a:buClrTx/>
-              <a:buSzTx/>
-              <a:buFontTx/>
-              <a:buNone/>
-              <a:tabLst/>
-              <a:defRPr/>
-            </a:pPr>
-            <a:r>
-              <a:rPr lang="en-GB" sz="1200" b="0" i="0" kern="1200" dirty="0">
-                <a:solidFill>
-                  <a:schemeClr val="tx1"/>
-                </a:solidFill>
-                <a:latin typeface="+mn-lt"/>
-                <a:ea typeface="+mn-ea"/>
-                <a:cs typeface="+mn-cs"/>
-              </a:rPr>
-              <a:t>Now there is an important implication here that is often overlooked. We don’t have to write tests for the classes that we refactor out through that last step. They will be internal to our implementation, and are already covered by the first test. We do not need to add new tests for the next level – unless we feel we do not know how to navigate to the next step.</a:t>
-            </a:r>
-          </a:p>
-          <a:p>
-            <a:pPr marL="0" marR="0" indent="0" algn="l" defTabSz="914400" rtl="0" eaLnBrk="1" fontAlgn="auto" latinLnBrk="0" hangingPunct="1">
-              <a:lnSpc>
-                <a:spcPct val="100000"/>
-              </a:lnSpc>
-              <a:spcBef>
-                <a:spcPts val="0"/>
-              </a:spcBef>
-              <a:spcAft>
-                <a:spcPts val="0"/>
-              </a:spcAft>
-              <a:buClrTx/>
-              <a:buSzTx/>
-              <a:buFontTx/>
-              <a:buNone/>
-              <a:tabLst/>
-              <a:defRPr/>
-            </a:pPr>
-            <a:endParaRPr lang="en-US" sz="1200" b="0" i="0" kern="1200" dirty="0">
-              <a:solidFill>
-                <a:schemeClr val="tx1"/>
-              </a:solidFill>
-              <a:latin typeface="+mn-lt"/>
-              <a:ea typeface="+mn-ea"/>
-              <a:cs typeface="+mn-cs"/>
-            </a:endParaRPr>
-          </a:p>
-          <a:p>
-            <a:pPr marL="0" marR="0" indent="0" algn="l" defTabSz="914400" rtl="0" eaLnBrk="1" fontAlgn="auto" latinLnBrk="0" hangingPunct="1">
-              <a:lnSpc>
-                <a:spcPct val="100000"/>
-              </a:lnSpc>
-              <a:spcBef>
-                <a:spcPts val="0"/>
-              </a:spcBef>
-              <a:spcAft>
-                <a:spcPts val="0"/>
-              </a:spcAft>
-              <a:buClrTx/>
-              <a:buSzTx/>
-              <a:buFontTx/>
-              <a:buNone/>
-              <a:tabLst/>
-              <a:defRPr/>
-            </a:pPr>
-            <a:r>
-              <a:rPr lang="en-US" sz="1200" b="0" i="0" kern="1200" dirty="0">
-                <a:solidFill>
-                  <a:schemeClr val="tx1"/>
-                </a:solidFill>
-                <a:latin typeface="+mn-lt"/>
-                <a:ea typeface="+mn-ea"/>
-                <a:cs typeface="+mn-cs"/>
-              </a:rPr>
-              <a:t>One issue here is the difference between </a:t>
-            </a:r>
-            <a:r>
-              <a:rPr lang="en-US" sz="1200" b="0" i="0" kern="1200" baseline="0" dirty="0">
-                <a:solidFill>
-                  <a:schemeClr val="tx1"/>
-                </a:solidFill>
-                <a:latin typeface="+mn-lt"/>
-                <a:ea typeface="+mn-ea"/>
-                <a:cs typeface="+mn-cs"/>
-              </a:rPr>
-              <a:t>refactoring into objects and introducing collaborators, that we potentially should be replacing with a test double (see later) for the test. If we introduce another public class it is probably a collaborator which we ought to consider might need to be replaced with a test double. We don’t want to write new tests to implement it at this stage. Instead we just want to check the outputs to that class.</a:t>
-            </a:r>
-          </a:p>
-          <a:p>
-            <a:pPr marL="0" marR="0" indent="0" algn="l" defTabSz="914400" rtl="0" eaLnBrk="1" fontAlgn="auto" latinLnBrk="0" hangingPunct="1">
-              <a:lnSpc>
-                <a:spcPct val="100000"/>
-              </a:lnSpc>
-              <a:spcBef>
-                <a:spcPts val="0"/>
-              </a:spcBef>
-              <a:spcAft>
-                <a:spcPts val="0"/>
-              </a:spcAft>
-              <a:buClrTx/>
-              <a:buSzTx/>
-              <a:buFontTx/>
-              <a:buNone/>
-              <a:tabLst/>
-              <a:defRPr/>
-            </a:pPr>
-            <a:endParaRPr lang="en-US" sz="1200" b="0" i="0" kern="1200" baseline="0" dirty="0">
-              <a:solidFill>
-                <a:schemeClr val="tx1"/>
-              </a:solidFill>
-              <a:latin typeface="+mn-lt"/>
-              <a:ea typeface="+mn-ea"/>
-              <a:cs typeface="+mn-cs"/>
-            </a:endParaRPr>
-          </a:p>
-          <a:p>
-            <a:pPr marL="0" marR="0" indent="0" algn="l" defTabSz="914400" rtl="0" eaLnBrk="1" fontAlgn="auto" latinLnBrk="0" hangingPunct="1">
-              <a:lnSpc>
-                <a:spcPct val="100000"/>
-              </a:lnSpc>
-              <a:spcBef>
-                <a:spcPts val="0"/>
-              </a:spcBef>
-              <a:spcAft>
-                <a:spcPts val="0"/>
-              </a:spcAft>
-              <a:buClrTx/>
-              <a:buSzTx/>
-              <a:buFontTx/>
-              <a:buNone/>
-              <a:tabLst/>
-              <a:defRPr/>
-            </a:pPr>
-            <a:r>
-              <a:rPr lang="en-US" sz="1200" b="0" i="0" kern="1200" baseline="0" dirty="0">
-                <a:solidFill>
-                  <a:schemeClr val="tx1"/>
-                </a:solidFill>
-                <a:latin typeface="+mn-lt"/>
-                <a:ea typeface="+mn-ea"/>
-                <a:cs typeface="+mn-cs"/>
-              </a:rPr>
-              <a:t>Note that the easy way to test this assertion is that when we refactor we only change implementation details not public contracts. If we introduce a new public contract we may want to replace it with a test.</a:t>
-            </a:r>
-          </a:p>
-          <a:p>
-            <a:pPr marL="0" marR="0" indent="0" algn="l" defTabSz="914400" rtl="0" eaLnBrk="1" fontAlgn="auto" latinLnBrk="0" hangingPunct="1">
-              <a:lnSpc>
-                <a:spcPct val="100000"/>
-              </a:lnSpc>
-              <a:spcBef>
-                <a:spcPts val="0"/>
-              </a:spcBef>
-              <a:spcAft>
-                <a:spcPts val="0"/>
-              </a:spcAft>
-              <a:buClrTx/>
-              <a:buSzTx/>
-              <a:buFontTx/>
-              <a:buNone/>
-              <a:tabLst/>
-              <a:defRPr/>
-            </a:pPr>
-            <a:endParaRPr lang="en-US" sz="1200" b="0" i="0" kern="1200" baseline="0" dirty="0">
-              <a:solidFill>
-                <a:schemeClr val="tx1"/>
-              </a:solidFill>
-              <a:latin typeface="+mn-lt"/>
-              <a:ea typeface="+mn-ea"/>
-              <a:cs typeface="+mn-cs"/>
-            </a:endParaRPr>
-          </a:p>
-          <a:p>
-            <a:pPr marL="0" marR="0" indent="0" algn="l" defTabSz="914400" rtl="0" eaLnBrk="1" fontAlgn="auto" latinLnBrk="0" hangingPunct="1">
-              <a:lnSpc>
-                <a:spcPct val="100000"/>
-              </a:lnSpc>
-              <a:spcBef>
-                <a:spcPts val="0"/>
-              </a:spcBef>
-              <a:spcAft>
-                <a:spcPts val="0"/>
-              </a:spcAft>
-              <a:buClrTx/>
-              <a:buSzTx/>
-              <a:buFontTx/>
-              <a:buNone/>
-              <a:tabLst/>
-              <a:defRPr/>
-            </a:pPr>
-            <a:r>
-              <a:rPr lang="en-US" sz="1200" b="0" i="0" kern="1200" baseline="0" dirty="0">
-                <a:solidFill>
-                  <a:schemeClr val="tx1"/>
-                </a:solidFill>
-                <a:latin typeface="+mn-lt"/>
-                <a:ea typeface="+mn-ea"/>
-                <a:cs typeface="+mn-cs"/>
-              </a:rPr>
-              <a:t>Another corollary is that what we have our test green we should not need alter our test for changes to the implementation. If we suddenly need to introduce new public objects, it implies that our test is wrong and we have missed a collaborator.</a:t>
-            </a:r>
-          </a:p>
-          <a:p>
-            <a:pPr marL="0" marR="0" indent="0" algn="l" defTabSz="914400" rtl="0" eaLnBrk="1" fontAlgn="auto" latinLnBrk="0" hangingPunct="1">
-              <a:lnSpc>
-                <a:spcPct val="100000"/>
-              </a:lnSpc>
-              <a:spcBef>
-                <a:spcPts val="0"/>
-              </a:spcBef>
-              <a:spcAft>
-                <a:spcPts val="0"/>
-              </a:spcAft>
-              <a:buClrTx/>
-              <a:buSzTx/>
-              <a:buFontTx/>
-              <a:buNone/>
-              <a:tabLst/>
-              <a:defRPr/>
-            </a:pPr>
-            <a:endParaRPr lang="en-US" sz="1200" b="0" i="0" kern="1200" baseline="0" dirty="0">
-              <a:solidFill>
-                <a:schemeClr val="tx1"/>
-              </a:solidFill>
-              <a:latin typeface="+mn-lt"/>
-              <a:ea typeface="+mn-ea"/>
-              <a:cs typeface="+mn-cs"/>
-            </a:endParaRPr>
-          </a:p>
-          <a:p>
-            <a:pPr marL="0" marR="0" indent="0" algn="l" defTabSz="914400" rtl="0" eaLnBrk="1" fontAlgn="auto" latinLnBrk="0" hangingPunct="1">
-              <a:lnSpc>
-                <a:spcPct val="100000"/>
-              </a:lnSpc>
-              <a:spcBef>
-                <a:spcPts val="0"/>
-              </a:spcBef>
-              <a:spcAft>
-                <a:spcPts val="0"/>
-              </a:spcAft>
-              <a:buClrTx/>
-              <a:buSzTx/>
-              <a:buFontTx/>
-              <a:buNone/>
-              <a:tabLst/>
-              <a:defRPr/>
-            </a:pPr>
-            <a:r>
-              <a:rPr lang="en-US" sz="1200" b="0" i="0" kern="1200" baseline="0" dirty="0">
-                <a:solidFill>
-                  <a:schemeClr val="tx1"/>
-                </a:solidFill>
-                <a:latin typeface="+mn-lt"/>
-                <a:ea typeface="+mn-ea"/>
-                <a:cs typeface="+mn-cs"/>
-              </a:rPr>
-              <a:t>Be careful with this, you need to consider what is public. Really only our adapters need to be public, but we often make top level domain objects public too for reasons of packaging, such as aggregates. Don’t bother to mock the public domain object if the only caller is the adapter. You are probably mocking everything else in the adapter anyway, and the adapter is simply providing a way for your port – tests in this instance – but framework code in the production system to access your code. In addition, in a domain model, instead of directly calling another aggregate we often prefer to raise an event, because we exit a consistency boundary, and also need to load new state from the Db. In this  case you are not checking that you call another role, but that you raise a message correctly. However, it is likely you will mock this event being raised.</a:t>
-            </a:r>
-          </a:p>
-          <a:p>
-            <a:pPr marL="0" marR="0" indent="0" algn="l" defTabSz="914400" rtl="0" eaLnBrk="1" fontAlgn="auto" latinLnBrk="0" hangingPunct="1">
-              <a:lnSpc>
-                <a:spcPct val="100000"/>
-              </a:lnSpc>
-              <a:spcBef>
-                <a:spcPts val="0"/>
-              </a:spcBef>
-              <a:spcAft>
-                <a:spcPts val="0"/>
-              </a:spcAft>
-              <a:buClrTx/>
-              <a:buSzTx/>
-              <a:buFontTx/>
-              <a:buNone/>
-              <a:tabLst/>
-              <a:defRPr/>
-            </a:pPr>
-            <a:endParaRPr lang="en-US" sz="1200" b="0" i="0" kern="1200" baseline="0" dirty="0">
-              <a:solidFill>
-                <a:schemeClr val="tx1"/>
-              </a:solidFill>
-              <a:latin typeface="+mn-lt"/>
-              <a:ea typeface="+mn-ea"/>
-              <a:cs typeface="+mn-cs"/>
-            </a:endParaRPr>
-          </a:p>
-          <a:p>
-            <a:pPr marL="0" marR="0" indent="0" algn="l" defTabSz="914400" rtl="0" eaLnBrk="1" fontAlgn="auto" latinLnBrk="0" hangingPunct="1">
-              <a:lnSpc>
-                <a:spcPct val="100000"/>
-              </a:lnSpc>
-              <a:spcBef>
-                <a:spcPts val="0"/>
-              </a:spcBef>
-              <a:spcAft>
-                <a:spcPts val="0"/>
-              </a:spcAft>
-              <a:buClrTx/>
-              <a:buSzTx/>
-              <a:buFontTx/>
-              <a:buNone/>
-              <a:tabLst/>
-              <a:defRPr/>
-            </a:pPr>
-            <a:r>
-              <a:rPr lang="en-US" sz="1200" b="0" i="0" kern="1200" baseline="0" dirty="0">
-                <a:solidFill>
-                  <a:schemeClr val="tx1"/>
-                </a:solidFill>
-                <a:latin typeface="+mn-lt"/>
-                <a:ea typeface="+mn-ea"/>
-                <a:cs typeface="+mn-cs"/>
-              </a:rPr>
-              <a:t>Be wary of making things public. Again this is a dependency issue. Anything that is public has dependencies. Dependencies resist change and anything that makes it harder to change our software makes it brittle and can lead to Banyan Tree or Big Ball of Mud anti-patterns</a:t>
-            </a:r>
-          </a:p>
-          <a:p>
-            <a:pPr marL="0" marR="0" indent="0" algn="l" defTabSz="914400" rtl="0" eaLnBrk="1" fontAlgn="auto" latinLnBrk="0" hangingPunct="1">
-              <a:lnSpc>
-                <a:spcPct val="100000"/>
-              </a:lnSpc>
-              <a:spcBef>
-                <a:spcPts val="0"/>
-              </a:spcBef>
-              <a:spcAft>
-                <a:spcPts val="0"/>
-              </a:spcAft>
-              <a:buClrTx/>
-              <a:buSzTx/>
-              <a:buFontTx/>
-              <a:buNone/>
-              <a:tabLst/>
-              <a:defRPr/>
-            </a:pPr>
-            <a:endParaRPr lang="en-US" sz="1200" b="0" i="0" kern="1200" baseline="0" dirty="0">
-              <a:solidFill>
-                <a:schemeClr val="tx1"/>
-              </a:solidFill>
-              <a:latin typeface="+mn-lt"/>
-              <a:ea typeface="+mn-ea"/>
-              <a:cs typeface="+mn-cs"/>
-            </a:endParaRPr>
-          </a:p>
-          <a:p>
-            <a:pPr marL="0" marR="0" indent="0" algn="l" defTabSz="914400" rtl="0" eaLnBrk="1" fontAlgn="auto" latinLnBrk="0" hangingPunct="1">
-              <a:lnSpc>
-                <a:spcPct val="100000"/>
-              </a:lnSpc>
-              <a:spcBef>
-                <a:spcPts val="0"/>
-              </a:spcBef>
-              <a:spcAft>
-                <a:spcPts val="0"/>
-              </a:spcAft>
-              <a:buClrTx/>
-              <a:buSzTx/>
-              <a:buFontTx/>
-              <a:buNone/>
-              <a:tabLst/>
-              <a:defRPr/>
-            </a:pPr>
-            <a:r>
-              <a:rPr lang="en-US" sz="1200" b="0" i="0" kern="1200" baseline="0" dirty="0">
-                <a:solidFill>
-                  <a:schemeClr val="tx1"/>
-                </a:solidFill>
-                <a:latin typeface="+mn-lt"/>
-                <a:ea typeface="+mn-ea"/>
-                <a:cs typeface="+mn-cs"/>
-              </a:rPr>
-              <a:t>Refactor to patterns, keep implementations private, test the public contract only.</a:t>
-            </a:r>
-          </a:p>
-          <a:p>
-            <a:pPr marL="0" marR="0" indent="0" algn="l" defTabSz="914400" rtl="0" eaLnBrk="1" fontAlgn="auto" latinLnBrk="0" hangingPunct="1">
-              <a:lnSpc>
-                <a:spcPct val="100000"/>
-              </a:lnSpc>
-              <a:spcBef>
-                <a:spcPts val="0"/>
-              </a:spcBef>
-              <a:spcAft>
-                <a:spcPts val="0"/>
-              </a:spcAft>
-              <a:buClrTx/>
-              <a:buSzTx/>
-              <a:buFontTx/>
-              <a:buNone/>
-              <a:tabLst/>
-              <a:defRPr/>
-            </a:pPr>
-            <a:endParaRPr lang="en-US" sz="1200" b="0" i="0" kern="1200" baseline="0" dirty="0">
-              <a:solidFill>
-                <a:schemeClr val="tx1"/>
-              </a:solidFill>
-              <a:latin typeface="+mn-lt"/>
-              <a:ea typeface="+mn-ea"/>
-              <a:cs typeface="+mn-cs"/>
-            </a:endParaRPr>
-          </a:p>
-          <a:p>
-            <a:pPr marL="0" marR="0" indent="0" algn="l" defTabSz="914400" rtl="0" eaLnBrk="1" fontAlgn="auto" latinLnBrk="0" hangingPunct="1">
-              <a:lnSpc>
-                <a:spcPct val="100000"/>
-              </a:lnSpc>
-              <a:spcBef>
-                <a:spcPts val="0"/>
-              </a:spcBef>
-              <a:spcAft>
-                <a:spcPts val="0"/>
-              </a:spcAft>
-              <a:buClrTx/>
-              <a:buSzTx/>
-              <a:buFontTx/>
-              <a:buNone/>
-              <a:tabLst/>
-              <a:defRPr/>
-            </a:pPr>
-            <a:endParaRPr lang="en-US" sz="1200" b="0" i="0" kern="1200" baseline="0" dirty="0">
-              <a:solidFill>
-                <a:schemeClr val="tx1"/>
-              </a:solidFill>
-              <a:latin typeface="+mn-lt"/>
-              <a:ea typeface="+mn-ea"/>
-              <a:cs typeface="+mn-cs"/>
-            </a:endParaRPr>
-          </a:p>
-          <a:p>
-            <a:pPr marL="0" marR="0" indent="0" algn="l" defTabSz="914400" rtl="0" eaLnBrk="1" fontAlgn="auto" latinLnBrk="0" hangingPunct="1">
-              <a:lnSpc>
-                <a:spcPct val="100000"/>
-              </a:lnSpc>
-              <a:spcBef>
-                <a:spcPts val="0"/>
-              </a:spcBef>
-              <a:spcAft>
-                <a:spcPts val="0"/>
-              </a:spcAft>
-              <a:buClrTx/>
-              <a:buSzTx/>
-              <a:buFontTx/>
-              <a:buNone/>
-              <a:tabLst/>
-              <a:defRPr/>
-            </a:pPr>
-            <a:endParaRPr lang="en-GB" sz="1200" b="0" i="0" kern="1200" dirty="0">
-              <a:solidFill>
-                <a:schemeClr val="tx1"/>
-              </a:solidFill>
-              <a:latin typeface="+mn-lt"/>
-              <a:ea typeface="+mn-ea"/>
-              <a:cs typeface="+mn-cs"/>
-            </a:endParaRPr>
-          </a:p>
-          <a:p>
+            <a:r>
+              <a:rPr lang="en-US" dirty="0"/>
+              <a:t>Write a test: We work Test First. Always.</a:t>
+            </a:r>
+          </a:p>
+          <a:p>
+            <a:r>
+              <a:rPr lang="en-US" dirty="0"/>
+              <a:t>Make it Compile: Get the test to the</a:t>
+            </a:r>
+            <a:r>
+              <a:rPr lang="en-US" baseline="0" dirty="0"/>
+              <a:t> point of compilation, with stubbed implementations on the SUT</a:t>
+            </a:r>
+          </a:p>
+          <a:p>
+            <a:r>
+              <a:rPr lang="en-US" baseline="0" dirty="0"/>
+              <a:t>Run to see that it fails: The only control for a test is a failing test. Remove false positives.</a:t>
+            </a:r>
+          </a:p>
+          <a:p>
+            <a:r>
+              <a:rPr lang="en-US" baseline="0" dirty="0"/>
+              <a:t>Make it run: Do the simplest thing you can to implement. Don’t strive for clean code here.</a:t>
+            </a:r>
+          </a:p>
+          <a:p>
+            <a:r>
+              <a:rPr lang="en-US" baseline="0" dirty="0"/>
+              <a:t>Remove duplication: Now refactor to clean code.</a:t>
+            </a:r>
             <a:endParaRPr lang="en-GB" dirty="0"/>
           </a:p>
         </p:txBody>
@@ -6336,7 +5855,7 @@
             <a:fld id="{F66C4C5A-655F-4C9D-B92A-07E1070CBF6B}" type="slidenum">
               <a:rPr lang="en-GB" smtClean="0"/>
               <a:pPr/>
-              <a:t>66</a:t>
+              <a:t>59</a:t>
             </a:fld>
             <a:endParaRPr lang="en-GB"/>
           </a:p>
@@ -6345,7 +5864,7 @@
     </p:spTree>
     <p:extLst>
       <p:ext uri="{BB962C8B-B14F-4D97-AF65-F5344CB8AC3E}">
-        <p14:creationId xmlns:p14="http://schemas.microsoft.com/office/powerpoint/2010/main" val="3842668985"/>
+        <p14:creationId xmlns:p14="http://schemas.microsoft.com/office/powerpoint/2010/main" val="917012046"/>
       </p:ext>
     </p:extLst>
   </p:cSld>
@@ -6399,6 +5918,62 @@
           <a:bodyPr/>
           <a:lstStyle/>
           <a:p>
+            <a:r>
+              <a:rPr lang="en-US" dirty="0"/>
+              <a:t>Story about building an ORM. Outline shared DB issue of complexity that needed ACL to allow </a:t>
+            </a:r>
+            <a:r>
+              <a:rPr lang="en-US" dirty="0" err="1"/>
+              <a:t>devs</a:t>
+            </a:r>
+            <a:r>
+              <a:rPr lang="en-US" dirty="0"/>
+              <a:t> to practice DDD. DBA governance strict, teams all have their own SPs for accessing any of the shared tables to localize defects. DBA rule, </a:t>
+            </a:r>
+            <a:r>
+              <a:rPr lang="en-US" dirty="0" err="1"/>
+              <a:t>devs</a:t>
+            </a:r>
+            <a:r>
+              <a:rPr lang="en-US" dirty="0"/>
+              <a:t> just provide UK for it</a:t>
+            </a:r>
+          </a:p>
+          <a:p>
+            <a:endParaRPr lang="en-US" dirty="0"/>
+          </a:p>
+          <a:p>
+            <a:r>
+              <a:rPr lang="en-US" dirty="0"/>
+              <a:t>ORMs on the rise, but we could not use in this context. We wrote our own Data Mapper, to act as an ACL and ‘hide’ the DB details from </a:t>
+            </a:r>
+            <a:r>
+              <a:rPr lang="en-US" dirty="0" err="1"/>
+              <a:t>devs</a:t>
+            </a:r>
+            <a:r>
+              <a:rPr lang="en-US" dirty="0"/>
+              <a:t>. All SP calls mocked, gave us correctness</a:t>
+            </a:r>
+          </a:p>
+          <a:p>
+            <a:endParaRPr lang="en-US" dirty="0"/>
+          </a:p>
+          <a:p>
+            <a:r>
+              <a:rPr lang="en-US" dirty="0"/>
+              <a:t>Impossible to change, as each change results in hundreds of broken tests, </a:t>
+            </a:r>
+            <a:r>
+              <a:rPr lang="en-US" dirty="0" err="1"/>
+              <a:t>devs</a:t>
+            </a:r>
+            <a:r>
+              <a:rPr lang="en-US" dirty="0"/>
+              <a:t> adopt workarounds</a:t>
+            </a:r>
+          </a:p>
+          <a:p>
             <a:endParaRPr lang="en-US" dirty="0"/>
           </a:p>
           <a:p>
@@ -6423,7 +5998,7 @@
           <a:p>
             <a:fld id="{8D454BB1-5AB5-DF45-A819-95464E74CBE3}" type="slidenum">
               <a:rPr lang="en-US" smtClean="0"/>
-              <a:t>18</a:t>
+              <a:t>8</a:t>
             </a:fld>
             <a:endParaRPr lang="en-US"/>
           </a:p>
@@ -6432,7 +6007,7 @@
     </p:spTree>
     <p:extLst>
       <p:ext uri="{BB962C8B-B14F-4D97-AF65-F5344CB8AC3E}">
-        <p14:creationId xmlns:p14="http://schemas.microsoft.com/office/powerpoint/2010/main" val="630858651"/>
+        <p14:creationId xmlns:p14="http://schemas.microsoft.com/office/powerpoint/2010/main" val="1356472686"/>
       </p:ext>
     </p:extLst>
   </p:cSld>
@@ -6484,25 +6059,63 @@
         <p:spPr/>
         <p:txBody>
           <a:bodyPr>
-            <a:normAutofit/>
+            <a:normAutofit fontScale="92500" lnSpcReduction="20000"/>
           </a:bodyPr>
           <a:lstStyle/>
           <a:p>
             <a:r>
-              <a:rPr lang="en-US" dirty="0"/>
-              <a:t>Kent Beck’s Table from</a:t>
-            </a:r>
-            <a:r>
-              <a:rPr lang="en-US" baseline="0" dirty="0"/>
-              <a:t> Test Driven Development</a:t>
-            </a:r>
-            <a:r>
-              <a:rPr lang="en-US" dirty="0"/>
-              <a:t> showing that patterns are targets</a:t>
-            </a:r>
-            <a:r>
-              <a:rPr lang="en-US" baseline="0" dirty="0"/>
-              <a:t> of the refactoring step</a:t>
+              <a:rPr lang="en-GB" dirty="0"/>
+              <a:t>Make it run. Quickly getting that bar to go to green dominates everything else. If a clean, simple solution is obvious, then type it in. If the clean, simple solution is obvious but it will take you a minute, then make a note of it and get back to the main problem, which is getting the bar green in seconds. </a:t>
+            </a:r>
+          </a:p>
+          <a:p>
+            <a:endParaRPr lang="en-GB" dirty="0"/>
+          </a:p>
+          <a:p>
+            <a:r>
+              <a:rPr lang="en-GB" dirty="0"/>
+              <a:t>This shift in aesthetics is hard for some experienced software engineers. They only know how to follow the rules of good engineering. Quick green excuses all sins. But only for a moment.</a:t>
+            </a:r>
+          </a:p>
+          <a:p>
+            <a:endParaRPr lang="en-GB" dirty="0"/>
+          </a:p>
+          <a:p>
+            <a:r>
+              <a:rPr lang="en-GB" dirty="0"/>
+              <a:t>The goal is clean code that works (thanks to Ron Jeffries for this pithy summary). Clean code that</a:t>
+            </a:r>
+            <a:r>
+              <a:rPr lang="en-GB" baseline="0" dirty="0"/>
+              <a:t> </a:t>
+            </a:r>
+            <a:r>
+              <a:rPr lang="en-GB" dirty="0"/>
+              <a:t>works is out of the reach of even the best programmers some of the time, and out of the reach of most programmers (like me) most of the time. Divide and conquer, baby. First we'll solve the “that works” part of the problem. Then we'll solve the “clean code” part. This is the opposite of architecture-driven development, where you solve “clean code” first, then scramble around trying to integrate into the design the things you learn as you solve the “that works” problem.</a:t>
+            </a:r>
+          </a:p>
+          <a:p>
+            <a:endParaRPr lang="en-GB" dirty="0"/>
+          </a:p>
+          <a:p>
+            <a:r>
+              <a:rPr lang="en-GB" dirty="0"/>
+              <a:t>--------</a:t>
+            </a:r>
+          </a:p>
+          <a:p>
+            <a:r>
+              <a:rPr lang="en-GB" dirty="0"/>
+              <a:t>The different phases have different purposes. They call for different styles of solution, different aesthetic viewpoints. The first three phases need to go by quickly, so we get to a known state with the new functionality. We can commit any number of sins to get there, because speed trumps design, just for that brief moment.</a:t>
+            </a:r>
+          </a:p>
+          <a:p>
+            <a:endParaRPr lang="en-GB" dirty="0"/>
+          </a:p>
+          <a:p>
+            <a:r>
+              <a:rPr lang="en-GB" dirty="0"/>
+              <a:t>Now I'm worried. I've given you a license to abandon all the principles of good design. Off you go to your teams—“Kent says all that design stuff doesn't matter.” Halt. The cycle is not complete. A four-legged Aeron chair falls over. The first four steps of the cycle won't work without the fifth. Good design at good times. Make it run, make it right.</a:t>
             </a:r>
           </a:p>
           <a:p>
@@ -6528,7 +6141,7 @@
             <a:fld id="{F66C4C5A-655F-4C9D-B92A-07E1070CBF6B}" type="slidenum">
               <a:rPr lang="en-GB" smtClean="0"/>
               <a:pPr/>
-              <a:t>67</a:t>
+              <a:t>61</a:t>
             </a:fld>
             <a:endParaRPr lang="en-GB"/>
           </a:p>
@@ -6537,7 +6150,7 @@
     </p:spTree>
     <p:extLst>
       <p:ext uri="{BB962C8B-B14F-4D97-AF65-F5344CB8AC3E}">
-        <p14:creationId xmlns:p14="http://schemas.microsoft.com/office/powerpoint/2010/main" val="1471684293"/>
+        <p14:creationId xmlns:p14="http://schemas.microsoft.com/office/powerpoint/2010/main" val="4222238192"/>
       </p:ext>
     </p:extLst>
   </p:cSld>
@@ -6593,15 +6206,6 @@
           <a:p>
             <a:endParaRPr lang="en-US" dirty="0"/>
           </a:p>
-          <a:p>
-            <a:endParaRPr lang="en-US" dirty="0"/>
-          </a:p>
-          <a:p>
-            <a:endParaRPr lang="en-US" dirty="0"/>
-          </a:p>
-          <a:p>
-            <a:endParaRPr lang="en-US" dirty="0"/>
-          </a:p>
         </p:txBody>
       </p:sp>
       <p:sp>
@@ -6621,7 +6225,7 @@
           <a:p>
             <a:fld id="{8D454BB1-5AB5-DF45-A819-95464E74CBE3}" type="slidenum">
               <a:rPr lang="en-US" smtClean="0"/>
-              <a:t>69</a:t>
+              <a:t>63</a:t>
             </a:fld>
             <a:endParaRPr lang="en-US"/>
           </a:p>
@@ -6630,7 +6234,7 @@
     </p:spTree>
     <p:extLst>
       <p:ext uri="{BB962C8B-B14F-4D97-AF65-F5344CB8AC3E}">
-        <p14:creationId xmlns:p14="http://schemas.microsoft.com/office/powerpoint/2010/main" val="2918468364"/>
+        <p14:creationId xmlns:p14="http://schemas.microsoft.com/office/powerpoint/2010/main" val="4106603760"/>
       </p:ext>
     </p:extLst>
   </p:cSld>
@@ -6681,14 +6285,12 @@
         </p:nvSpPr>
         <p:spPr/>
         <p:txBody>
-          <a:bodyPr>
-            <a:normAutofit fontScale="77500" lnSpcReduction="20000"/>
-          </a:bodyPr>
+          <a:bodyPr/>
           <a:lstStyle/>
           <a:p>
             <a:r>
               <a:rPr lang="en-US" dirty="0"/>
-              <a:t>How large should your steps be?</a:t>
+              <a:t>There are the ‘moves’ you can make in the red step, to get the next test to pass in order of priority. Always make the simplest move that you can.</a:t>
             </a:r>
           </a:p>
           <a:p>
@@ -6697,7 +6299,7 @@
           <a:p>
             <a:r>
               <a:rPr lang="en-US" dirty="0"/>
-              <a:t>There are really two questions lurking here:</a:t>
+              <a:t>This may also drive the question of ‘what test do I write next?’ one that makes the simplest next move.</a:t>
             </a:r>
           </a:p>
           <a:p>
@@ -6706,79 +6308,30 @@
           <a:p>
             <a:r>
               <a:rPr lang="en-US" dirty="0"/>
-              <a:t>How much ground should each test cover?</a:t>
+              <a:t>“</a:t>
+            </a:r>
+            <a:r>
+              <a:rPr lang="en-GB" dirty="0" err="1"/>
+              <a:t>ransformations</a:t>
+            </a:r>
+            <a:r>
+              <a:rPr lang="en-GB" dirty="0"/>
+              <a:t> on the top of the list should be preferred to those that are lower. It is better (or simpler) to change a constant into a variable than it is to add an if statement. So when making a test pass, you try to do so with transformations that are simpler (higher on the list) than those that are more complex. </a:t>
+            </a:r>
+            <a:r>
+              <a:rPr lang="en-US" dirty="0"/>
+              <a:t>”</a:t>
             </a:r>
           </a:p>
           <a:p>
             <a:endParaRPr lang="en-US" dirty="0"/>
           </a:p>
           <a:p>
-            <a:r>
-              <a:rPr lang="en-US" dirty="0"/>
-              <a:t>How many intermediate stages should you go through as you refactor?</a:t>
-            </a:r>
-          </a:p>
-          <a:p>
             <a:endParaRPr lang="en-US" dirty="0"/>
           </a:p>
           <a:p>
-            <a:r>
-              <a:rPr lang="en-US" dirty="0"/>
-              <a:t>You could write the tests so they each encouraged the addition of a single line of logic and a handful of </a:t>
-            </a:r>
-            <a:r>
-              <a:rPr lang="en-US" dirty="0" err="1"/>
-              <a:t>refactorings</a:t>
-            </a:r>
-            <a:r>
-              <a:rPr lang="en-US" dirty="0"/>
-              <a:t>. You could write the tests so they each encouraged the addition of hundreds of lines of logic and hours of refactoring. Which should you do?</a:t>
-            </a:r>
-          </a:p>
-          <a:p>
             <a:endParaRPr lang="en-US" dirty="0"/>
           </a:p>
-          <a:p>
-            <a:r>
-              <a:rPr lang="en-US" dirty="0"/>
-              <a:t>Part of the answer is that you should be able to do either. The tendency of Test-Driven Developers over time is clear, though—smaller steps. However, folks are experimenting with driving development from application-level tests, either alone or in conjunction with the programmer-level tests we've been writing.</a:t>
-            </a:r>
-          </a:p>
-          <a:p>
-            <a:endParaRPr lang="en-US" dirty="0"/>
-          </a:p>
-          <a:p>
-            <a:r>
-              <a:rPr lang="en-US" dirty="0"/>
-              <a:t>At first when you refactor, you should be prepared to take lots of little tiny steps. Manual refactoring is prone to error, and the more errors you make and only catch later, the less likely you are to refactor. Once you've done a refactoring 20 times by hand in little tiny steps, experiment with leaving out some of the steps.</a:t>
-            </a:r>
-          </a:p>
-          <a:p>
-            <a:endParaRPr lang="en-US" dirty="0"/>
-          </a:p>
-          <a:p>
-            <a:r>
-              <a:rPr lang="en-US" dirty="0"/>
-              <a:t>Automated refactoring accelerates refactoring enormously. What would have taken you 20 manual steps now becomes a single menu item. An order of magnitude change in quantity generally constitutes a change in quality, and this is true of automated refactoring. When you know you have the support of an excellent tool, you become much more aggressive in your </a:t>
-            </a:r>
-            <a:r>
-              <a:rPr lang="en-US" dirty="0" err="1"/>
-              <a:t>refactorings</a:t>
-            </a:r>
-            <a:r>
-              <a:rPr lang="en-US" dirty="0"/>
-              <a:t>, trying many more experiments to see how the code wants to be structured.</a:t>
-            </a:r>
-          </a:p>
-          <a:p>
-            <a:endParaRPr lang="en-US" dirty="0"/>
-          </a:p>
-          <a:p>
-            <a:r>
-              <a:rPr lang="en-US" dirty="0"/>
-              <a:t>The Refactoring Browser for Smalltalk is as I write still the best refactoring tool available. Java refactoring support is appearing in many Java IDEs, and refactoring support is sure to spread quickly to other languages and environments.</a:t>
-            </a:r>
-          </a:p>
         </p:txBody>
       </p:sp>
       <p:sp>
@@ -6788,7 +6341,7 @@
             <a:spLocks noGrp="1"/>
           </p:cNvSpPr>
           <p:nvPr>
-            <p:ph type="sldNum" sz="quarter" idx="10"/>
+            <p:ph type="sldNum" sz="quarter" idx="5"/>
           </p:nvPr>
         </p:nvSpPr>
         <p:spPr/>
@@ -6796,19 +6349,18 @@
           <a:bodyPr/>
           <a:lstStyle/>
           <a:p>
-            <a:fld id="{F66C4C5A-655F-4C9D-B92A-07E1070CBF6B}" type="slidenum">
-              <a:rPr lang="en-GB" smtClean="0"/>
-              <a:pPr/>
-              <a:t>70</a:t>
+            <a:fld id="{8D454BB1-5AB5-DF45-A819-95464E74CBE3}" type="slidenum">
+              <a:rPr lang="en-US" smtClean="0"/>
+              <a:t>64</a:t>
             </a:fld>
-            <a:endParaRPr lang="en-GB"/>
+            <a:endParaRPr lang="en-US"/>
           </a:p>
         </p:txBody>
       </p:sp>
     </p:spTree>
     <p:extLst>
       <p:ext uri="{BB962C8B-B14F-4D97-AF65-F5344CB8AC3E}">
-        <p14:creationId xmlns:p14="http://schemas.microsoft.com/office/powerpoint/2010/main" val="1687690662"/>
+        <p14:creationId xmlns:p14="http://schemas.microsoft.com/office/powerpoint/2010/main" val="1991084786"/>
       </p:ext>
     </p:extLst>
   </p:cSld>
@@ -6862,6 +6414,7 @@
           <a:bodyPr/>
           <a:lstStyle/>
           <a:p>
+            <a:pPr algn="ctr"/>
             <a:endParaRPr lang="en-US" dirty="0"/>
           </a:p>
         </p:txBody>
@@ -6883,7 +6436,7 @@
           <a:p>
             <a:fld id="{8D454BB1-5AB5-DF45-A819-95464E74CBE3}" type="slidenum">
               <a:rPr lang="en-US" smtClean="0"/>
-              <a:t>71</a:t>
+              <a:t>65</a:t>
             </a:fld>
             <a:endParaRPr lang="en-US"/>
           </a:p>
@@ -6892,7 +6445,7 @@
     </p:spTree>
     <p:extLst>
       <p:ext uri="{BB962C8B-B14F-4D97-AF65-F5344CB8AC3E}">
-        <p14:creationId xmlns:p14="http://schemas.microsoft.com/office/powerpoint/2010/main" val="2715245171"/>
+        <p14:creationId xmlns:p14="http://schemas.microsoft.com/office/powerpoint/2010/main" val="4210591357"/>
       </p:ext>
     </p:extLst>
   </p:cSld>
@@ -6943,43 +6496,507 @@
         </p:nvSpPr>
         <p:spPr/>
         <p:txBody>
+          <a:bodyPr>
+            <a:normAutofit fontScale="77500" lnSpcReduction="20000"/>
+          </a:bodyPr>
+          <a:lstStyle/>
+          <a:p>
+            <a:pPr marL="0" marR="0" indent="0" algn="l" defTabSz="914400" rtl="0" eaLnBrk="1" fontAlgn="auto" latinLnBrk="0" hangingPunct="1">
+              <a:lnSpc>
+                <a:spcPct val="100000"/>
+              </a:lnSpc>
+              <a:spcBef>
+                <a:spcPts val="0"/>
+              </a:spcBef>
+              <a:spcAft>
+                <a:spcPts val="0"/>
+              </a:spcAft>
+              <a:buClrTx/>
+              <a:buSzTx/>
+              <a:buFontTx/>
+              <a:buNone/>
+              <a:tabLst/>
+              <a:defRPr/>
+            </a:pPr>
+            <a:r>
+              <a:rPr lang="en-GB" sz="1200" b="0" i="0" kern="1200" dirty="0">
+                <a:solidFill>
+                  <a:schemeClr val="tx1"/>
+                </a:solidFill>
+                <a:latin typeface="+mn-lt"/>
+                <a:ea typeface="+mn-ea"/>
+                <a:cs typeface="+mn-cs"/>
+              </a:rPr>
+              <a:t>Now there is an important implication here that is often overlooked. We don’t have to write tests for the classes that we refactor out through that last step. They will be internal to our implementation, and are already covered by the first test. We do not need to add new tests for the next level – unless we feel we do not know how to navigate to the next step.</a:t>
+            </a:r>
+          </a:p>
+          <a:p>
+            <a:pPr marL="0" marR="0" indent="0" algn="l" defTabSz="914400" rtl="0" eaLnBrk="1" fontAlgn="auto" latinLnBrk="0" hangingPunct="1">
+              <a:lnSpc>
+                <a:spcPct val="100000"/>
+              </a:lnSpc>
+              <a:spcBef>
+                <a:spcPts val="0"/>
+              </a:spcBef>
+              <a:spcAft>
+                <a:spcPts val="0"/>
+              </a:spcAft>
+              <a:buClrTx/>
+              <a:buSzTx/>
+              <a:buFontTx/>
+              <a:buNone/>
+              <a:tabLst/>
+              <a:defRPr/>
+            </a:pPr>
+            <a:endParaRPr lang="en-US" sz="1200" b="0" i="0" kern="1200" dirty="0">
+              <a:solidFill>
+                <a:schemeClr val="tx1"/>
+              </a:solidFill>
+              <a:latin typeface="+mn-lt"/>
+              <a:ea typeface="+mn-ea"/>
+              <a:cs typeface="+mn-cs"/>
+            </a:endParaRPr>
+          </a:p>
+          <a:p>
+            <a:pPr marL="0" marR="0" indent="0" algn="l" defTabSz="914400" rtl="0" eaLnBrk="1" fontAlgn="auto" latinLnBrk="0" hangingPunct="1">
+              <a:lnSpc>
+                <a:spcPct val="100000"/>
+              </a:lnSpc>
+              <a:spcBef>
+                <a:spcPts val="0"/>
+              </a:spcBef>
+              <a:spcAft>
+                <a:spcPts val="0"/>
+              </a:spcAft>
+              <a:buClrTx/>
+              <a:buSzTx/>
+              <a:buFontTx/>
+              <a:buNone/>
+              <a:tabLst/>
+              <a:defRPr/>
+            </a:pPr>
+            <a:r>
+              <a:rPr lang="en-US" sz="1200" b="0" i="0" kern="1200" dirty="0">
+                <a:solidFill>
+                  <a:schemeClr val="tx1"/>
+                </a:solidFill>
+                <a:latin typeface="+mn-lt"/>
+                <a:ea typeface="+mn-ea"/>
+                <a:cs typeface="+mn-cs"/>
+              </a:rPr>
+              <a:t>One issue here is the difference between </a:t>
+            </a:r>
+            <a:r>
+              <a:rPr lang="en-US" sz="1200" b="0" i="0" kern="1200" baseline="0" dirty="0">
+                <a:solidFill>
+                  <a:schemeClr val="tx1"/>
+                </a:solidFill>
+                <a:latin typeface="+mn-lt"/>
+                <a:ea typeface="+mn-ea"/>
+                <a:cs typeface="+mn-cs"/>
+              </a:rPr>
+              <a:t>refactoring into objects and introducing collaborators, that we potentially should be replacing with a test double (see later) for the test. If we introduce another public class it is probably a collaborator which we ought to consider might need to be replaced with a test double. We don’t want to write new tests to implement it at this stage. Instead we just want to check the outputs to that class.</a:t>
+            </a:r>
+          </a:p>
+          <a:p>
+            <a:pPr marL="0" marR="0" indent="0" algn="l" defTabSz="914400" rtl="0" eaLnBrk="1" fontAlgn="auto" latinLnBrk="0" hangingPunct="1">
+              <a:lnSpc>
+                <a:spcPct val="100000"/>
+              </a:lnSpc>
+              <a:spcBef>
+                <a:spcPts val="0"/>
+              </a:spcBef>
+              <a:spcAft>
+                <a:spcPts val="0"/>
+              </a:spcAft>
+              <a:buClrTx/>
+              <a:buSzTx/>
+              <a:buFontTx/>
+              <a:buNone/>
+              <a:tabLst/>
+              <a:defRPr/>
+            </a:pPr>
+            <a:endParaRPr lang="en-US" sz="1200" b="0" i="0" kern="1200" baseline="0" dirty="0">
+              <a:solidFill>
+                <a:schemeClr val="tx1"/>
+              </a:solidFill>
+              <a:latin typeface="+mn-lt"/>
+              <a:ea typeface="+mn-ea"/>
+              <a:cs typeface="+mn-cs"/>
+            </a:endParaRPr>
+          </a:p>
+          <a:p>
+            <a:pPr marL="0" marR="0" indent="0" algn="l" defTabSz="914400" rtl="0" eaLnBrk="1" fontAlgn="auto" latinLnBrk="0" hangingPunct="1">
+              <a:lnSpc>
+                <a:spcPct val="100000"/>
+              </a:lnSpc>
+              <a:spcBef>
+                <a:spcPts val="0"/>
+              </a:spcBef>
+              <a:spcAft>
+                <a:spcPts val="0"/>
+              </a:spcAft>
+              <a:buClrTx/>
+              <a:buSzTx/>
+              <a:buFontTx/>
+              <a:buNone/>
+              <a:tabLst/>
+              <a:defRPr/>
+            </a:pPr>
+            <a:r>
+              <a:rPr lang="en-US" sz="1200" b="0" i="0" kern="1200" baseline="0" dirty="0">
+                <a:solidFill>
+                  <a:schemeClr val="tx1"/>
+                </a:solidFill>
+                <a:latin typeface="+mn-lt"/>
+                <a:ea typeface="+mn-ea"/>
+                <a:cs typeface="+mn-cs"/>
+              </a:rPr>
+              <a:t>Note that the easy way to test this assertion is that when we refactor we only change implementation details not public contracts. If we introduce a new public contract we may want to replace it with a test.</a:t>
+            </a:r>
+          </a:p>
+          <a:p>
+            <a:pPr marL="0" marR="0" indent="0" algn="l" defTabSz="914400" rtl="0" eaLnBrk="1" fontAlgn="auto" latinLnBrk="0" hangingPunct="1">
+              <a:lnSpc>
+                <a:spcPct val="100000"/>
+              </a:lnSpc>
+              <a:spcBef>
+                <a:spcPts val="0"/>
+              </a:spcBef>
+              <a:spcAft>
+                <a:spcPts val="0"/>
+              </a:spcAft>
+              <a:buClrTx/>
+              <a:buSzTx/>
+              <a:buFontTx/>
+              <a:buNone/>
+              <a:tabLst/>
+              <a:defRPr/>
+            </a:pPr>
+            <a:endParaRPr lang="en-US" sz="1200" b="0" i="0" kern="1200" baseline="0" dirty="0">
+              <a:solidFill>
+                <a:schemeClr val="tx1"/>
+              </a:solidFill>
+              <a:latin typeface="+mn-lt"/>
+              <a:ea typeface="+mn-ea"/>
+              <a:cs typeface="+mn-cs"/>
+            </a:endParaRPr>
+          </a:p>
+          <a:p>
+            <a:pPr marL="0" marR="0" indent="0" algn="l" defTabSz="914400" rtl="0" eaLnBrk="1" fontAlgn="auto" latinLnBrk="0" hangingPunct="1">
+              <a:lnSpc>
+                <a:spcPct val="100000"/>
+              </a:lnSpc>
+              <a:spcBef>
+                <a:spcPts val="0"/>
+              </a:spcBef>
+              <a:spcAft>
+                <a:spcPts val="0"/>
+              </a:spcAft>
+              <a:buClrTx/>
+              <a:buSzTx/>
+              <a:buFontTx/>
+              <a:buNone/>
+              <a:tabLst/>
+              <a:defRPr/>
+            </a:pPr>
+            <a:r>
+              <a:rPr lang="en-US" sz="1200" b="0" i="0" kern="1200" baseline="0" dirty="0">
+                <a:solidFill>
+                  <a:schemeClr val="tx1"/>
+                </a:solidFill>
+                <a:latin typeface="+mn-lt"/>
+                <a:ea typeface="+mn-ea"/>
+                <a:cs typeface="+mn-cs"/>
+              </a:rPr>
+              <a:t>Another corollary is that what we have our test green we should not need alter our test for changes to the implementation. If we suddenly need to introduce new public objects, it implies that our test is wrong and we have missed a collaborator.</a:t>
+            </a:r>
+          </a:p>
+          <a:p>
+            <a:pPr marL="0" marR="0" indent="0" algn="l" defTabSz="914400" rtl="0" eaLnBrk="1" fontAlgn="auto" latinLnBrk="0" hangingPunct="1">
+              <a:lnSpc>
+                <a:spcPct val="100000"/>
+              </a:lnSpc>
+              <a:spcBef>
+                <a:spcPts val="0"/>
+              </a:spcBef>
+              <a:spcAft>
+                <a:spcPts val="0"/>
+              </a:spcAft>
+              <a:buClrTx/>
+              <a:buSzTx/>
+              <a:buFontTx/>
+              <a:buNone/>
+              <a:tabLst/>
+              <a:defRPr/>
+            </a:pPr>
+            <a:endParaRPr lang="en-US" sz="1200" b="0" i="0" kern="1200" baseline="0" dirty="0">
+              <a:solidFill>
+                <a:schemeClr val="tx1"/>
+              </a:solidFill>
+              <a:latin typeface="+mn-lt"/>
+              <a:ea typeface="+mn-ea"/>
+              <a:cs typeface="+mn-cs"/>
+            </a:endParaRPr>
+          </a:p>
+          <a:p>
+            <a:pPr marL="0" marR="0" indent="0" algn="l" defTabSz="914400" rtl="0" eaLnBrk="1" fontAlgn="auto" latinLnBrk="0" hangingPunct="1">
+              <a:lnSpc>
+                <a:spcPct val="100000"/>
+              </a:lnSpc>
+              <a:spcBef>
+                <a:spcPts val="0"/>
+              </a:spcBef>
+              <a:spcAft>
+                <a:spcPts val="0"/>
+              </a:spcAft>
+              <a:buClrTx/>
+              <a:buSzTx/>
+              <a:buFontTx/>
+              <a:buNone/>
+              <a:tabLst/>
+              <a:defRPr/>
+            </a:pPr>
+            <a:r>
+              <a:rPr lang="en-US" sz="1200" b="0" i="0" kern="1200" baseline="0" dirty="0">
+                <a:solidFill>
+                  <a:schemeClr val="tx1"/>
+                </a:solidFill>
+                <a:latin typeface="+mn-lt"/>
+                <a:ea typeface="+mn-ea"/>
+                <a:cs typeface="+mn-cs"/>
+              </a:rPr>
+              <a:t>Be careful with this, you need to consider what is public. Really only our adapters need to be public, but we often make top level domain objects public too for reasons of packaging, such as aggregates. Don’t bother to mock the public domain object if the only caller is the adapter. You are probably mocking everything else in the adapter anyway, and the adapter is simply providing a way for your port – tests in this instance – but framework code in the production system to access your code. In addition, in a domain model, instead of directly calling another aggregate we often prefer to raise an event, because we exit a consistency boundary, and also need to load new state from the Db. In this  case you are not checking that you call another role, but that you raise a message correctly. However, it is likely you will mock this event being raised.</a:t>
+            </a:r>
+          </a:p>
+          <a:p>
+            <a:pPr marL="0" marR="0" indent="0" algn="l" defTabSz="914400" rtl="0" eaLnBrk="1" fontAlgn="auto" latinLnBrk="0" hangingPunct="1">
+              <a:lnSpc>
+                <a:spcPct val="100000"/>
+              </a:lnSpc>
+              <a:spcBef>
+                <a:spcPts val="0"/>
+              </a:spcBef>
+              <a:spcAft>
+                <a:spcPts val="0"/>
+              </a:spcAft>
+              <a:buClrTx/>
+              <a:buSzTx/>
+              <a:buFontTx/>
+              <a:buNone/>
+              <a:tabLst/>
+              <a:defRPr/>
+            </a:pPr>
+            <a:endParaRPr lang="en-US" sz="1200" b="0" i="0" kern="1200" baseline="0" dirty="0">
+              <a:solidFill>
+                <a:schemeClr val="tx1"/>
+              </a:solidFill>
+              <a:latin typeface="+mn-lt"/>
+              <a:ea typeface="+mn-ea"/>
+              <a:cs typeface="+mn-cs"/>
+            </a:endParaRPr>
+          </a:p>
+          <a:p>
+            <a:pPr marL="0" marR="0" indent="0" algn="l" defTabSz="914400" rtl="0" eaLnBrk="1" fontAlgn="auto" latinLnBrk="0" hangingPunct="1">
+              <a:lnSpc>
+                <a:spcPct val="100000"/>
+              </a:lnSpc>
+              <a:spcBef>
+                <a:spcPts val="0"/>
+              </a:spcBef>
+              <a:spcAft>
+                <a:spcPts val="0"/>
+              </a:spcAft>
+              <a:buClrTx/>
+              <a:buSzTx/>
+              <a:buFontTx/>
+              <a:buNone/>
+              <a:tabLst/>
+              <a:defRPr/>
+            </a:pPr>
+            <a:r>
+              <a:rPr lang="en-US" sz="1200" b="0" i="0" kern="1200" baseline="0" dirty="0">
+                <a:solidFill>
+                  <a:schemeClr val="tx1"/>
+                </a:solidFill>
+                <a:latin typeface="+mn-lt"/>
+                <a:ea typeface="+mn-ea"/>
+                <a:cs typeface="+mn-cs"/>
+              </a:rPr>
+              <a:t>Be wary of making things public. Again this is a dependency issue. Anything that is public has dependencies. Dependencies resist change and anything that makes it harder to change our software makes it brittle and can lead to Banyan Tree or Big Ball of Mud anti-patterns</a:t>
+            </a:r>
+          </a:p>
+          <a:p>
+            <a:pPr marL="0" marR="0" indent="0" algn="l" defTabSz="914400" rtl="0" eaLnBrk="1" fontAlgn="auto" latinLnBrk="0" hangingPunct="1">
+              <a:lnSpc>
+                <a:spcPct val="100000"/>
+              </a:lnSpc>
+              <a:spcBef>
+                <a:spcPts val="0"/>
+              </a:spcBef>
+              <a:spcAft>
+                <a:spcPts val="0"/>
+              </a:spcAft>
+              <a:buClrTx/>
+              <a:buSzTx/>
+              <a:buFontTx/>
+              <a:buNone/>
+              <a:tabLst/>
+              <a:defRPr/>
+            </a:pPr>
+            <a:endParaRPr lang="en-US" sz="1200" b="0" i="0" kern="1200" baseline="0" dirty="0">
+              <a:solidFill>
+                <a:schemeClr val="tx1"/>
+              </a:solidFill>
+              <a:latin typeface="+mn-lt"/>
+              <a:ea typeface="+mn-ea"/>
+              <a:cs typeface="+mn-cs"/>
+            </a:endParaRPr>
+          </a:p>
+          <a:p>
+            <a:pPr marL="0" marR="0" indent="0" algn="l" defTabSz="914400" rtl="0" eaLnBrk="1" fontAlgn="auto" latinLnBrk="0" hangingPunct="1">
+              <a:lnSpc>
+                <a:spcPct val="100000"/>
+              </a:lnSpc>
+              <a:spcBef>
+                <a:spcPts val="0"/>
+              </a:spcBef>
+              <a:spcAft>
+                <a:spcPts val="0"/>
+              </a:spcAft>
+              <a:buClrTx/>
+              <a:buSzTx/>
+              <a:buFontTx/>
+              <a:buNone/>
+              <a:tabLst/>
+              <a:defRPr/>
+            </a:pPr>
+            <a:r>
+              <a:rPr lang="en-US" sz="1200" b="0" i="0" kern="1200" baseline="0" dirty="0">
+                <a:solidFill>
+                  <a:schemeClr val="tx1"/>
+                </a:solidFill>
+                <a:latin typeface="+mn-lt"/>
+                <a:ea typeface="+mn-ea"/>
+                <a:cs typeface="+mn-cs"/>
+              </a:rPr>
+              <a:t>Refactor to patterns, keep implementations private, test the public contract only.</a:t>
+            </a:r>
+          </a:p>
+          <a:p>
+            <a:pPr marL="0" marR="0" indent="0" algn="l" defTabSz="914400" rtl="0" eaLnBrk="1" fontAlgn="auto" latinLnBrk="0" hangingPunct="1">
+              <a:lnSpc>
+                <a:spcPct val="100000"/>
+              </a:lnSpc>
+              <a:spcBef>
+                <a:spcPts val="0"/>
+              </a:spcBef>
+              <a:spcAft>
+                <a:spcPts val="0"/>
+              </a:spcAft>
+              <a:buClrTx/>
+              <a:buSzTx/>
+              <a:buFontTx/>
+              <a:buNone/>
+              <a:tabLst/>
+              <a:defRPr/>
+            </a:pPr>
+            <a:endParaRPr lang="en-US" sz="1200" b="0" i="0" kern="1200" baseline="0" dirty="0">
+              <a:solidFill>
+                <a:schemeClr val="tx1"/>
+              </a:solidFill>
+              <a:latin typeface="+mn-lt"/>
+              <a:ea typeface="+mn-ea"/>
+              <a:cs typeface="+mn-cs"/>
+            </a:endParaRPr>
+          </a:p>
+          <a:p>
+            <a:pPr marL="0" marR="0" indent="0" algn="l" defTabSz="914400" rtl="0" eaLnBrk="1" fontAlgn="auto" latinLnBrk="0" hangingPunct="1">
+              <a:lnSpc>
+                <a:spcPct val="100000"/>
+              </a:lnSpc>
+              <a:spcBef>
+                <a:spcPts val="0"/>
+              </a:spcBef>
+              <a:spcAft>
+                <a:spcPts val="0"/>
+              </a:spcAft>
+              <a:buClrTx/>
+              <a:buSzTx/>
+              <a:buFontTx/>
+              <a:buNone/>
+              <a:tabLst/>
+              <a:defRPr/>
+            </a:pPr>
+            <a:endParaRPr lang="en-US" sz="1200" b="0" i="0" kern="1200" baseline="0" dirty="0">
+              <a:solidFill>
+                <a:schemeClr val="tx1"/>
+              </a:solidFill>
+              <a:latin typeface="+mn-lt"/>
+              <a:ea typeface="+mn-ea"/>
+              <a:cs typeface="+mn-cs"/>
+            </a:endParaRPr>
+          </a:p>
+          <a:p>
+            <a:pPr marL="0" marR="0" indent="0" algn="l" defTabSz="914400" rtl="0" eaLnBrk="1" fontAlgn="auto" latinLnBrk="0" hangingPunct="1">
+              <a:lnSpc>
+                <a:spcPct val="100000"/>
+              </a:lnSpc>
+              <a:spcBef>
+                <a:spcPts val="0"/>
+              </a:spcBef>
+              <a:spcAft>
+                <a:spcPts val="0"/>
+              </a:spcAft>
+              <a:buClrTx/>
+              <a:buSzTx/>
+              <a:buFontTx/>
+              <a:buNone/>
+              <a:tabLst/>
+              <a:defRPr/>
+            </a:pPr>
+            <a:endParaRPr lang="en-GB" sz="1200" b="0" i="0" kern="1200" dirty="0">
+              <a:solidFill>
+                <a:schemeClr val="tx1"/>
+              </a:solidFill>
+              <a:latin typeface="+mn-lt"/>
+              <a:ea typeface="+mn-ea"/>
+              <a:cs typeface="+mn-cs"/>
+            </a:endParaRPr>
+          </a:p>
+          <a:p>
+            <a:endParaRPr lang="en-GB" dirty="0"/>
+          </a:p>
+        </p:txBody>
+      </p:sp>
+      <p:sp>
+        <p:nvSpPr>
+          <p:cNvPr id="4" name="Slide Number Placeholder 3"/>
+          <p:cNvSpPr>
+            <a:spLocks noGrp="1"/>
+          </p:cNvSpPr>
+          <p:nvPr>
+            <p:ph type="sldNum" sz="quarter" idx="10"/>
+          </p:nvPr>
+        </p:nvSpPr>
+        <p:spPr/>
+        <p:txBody>
           <a:bodyPr/>
           <a:lstStyle/>
           <a:p>
-            <a:endParaRPr lang="en-US" dirty="0"/>
-          </a:p>
-          <a:p>
-            <a:endParaRPr lang="en-US" dirty="0"/>
-          </a:p>
-        </p:txBody>
-      </p:sp>
-      <p:sp>
-        <p:nvSpPr>
-          <p:cNvPr id="4" name="Slide Number Placeholder 3"/>
-          <p:cNvSpPr>
-            <a:spLocks noGrp="1"/>
-          </p:cNvSpPr>
-          <p:nvPr>
-            <p:ph type="sldNum" sz="quarter" idx="5"/>
-          </p:nvPr>
-        </p:nvSpPr>
-        <p:spPr/>
-        <p:txBody>
-          <a:bodyPr/>
-          <a:lstStyle/>
-          <a:p>
-            <a:fld id="{8D454BB1-5AB5-DF45-A819-95464E74CBE3}" type="slidenum">
-              <a:rPr lang="en-US" smtClean="0"/>
-              <a:t>72</a:t>
+            <a:fld id="{F66C4C5A-655F-4C9D-B92A-07E1070CBF6B}" type="slidenum">
+              <a:rPr lang="en-GB" smtClean="0"/>
+              <a:pPr/>
+              <a:t>66</a:t>
             </a:fld>
-            <a:endParaRPr lang="en-US"/>
+            <a:endParaRPr lang="en-GB"/>
           </a:p>
         </p:txBody>
       </p:sp>
     </p:spTree>
     <p:extLst>
       <p:ext uri="{BB962C8B-B14F-4D97-AF65-F5344CB8AC3E}">
-        <p14:creationId xmlns:p14="http://schemas.microsoft.com/office/powerpoint/2010/main" val="139538512"/>
+        <p14:creationId xmlns:p14="http://schemas.microsoft.com/office/powerpoint/2010/main" val="3842668985"/>
       </p:ext>
     </p:extLst>
   </p:cSld>
@@ -7030,40 +7047,61 @@
         </p:nvSpPr>
         <p:spPr/>
         <p:txBody>
+          <a:bodyPr>
+            <a:normAutofit/>
+          </a:bodyPr>
+          <a:lstStyle/>
+          <a:p>
+            <a:r>
+              <a:rPr lang="en-US" dirty="0"/>
+              <a:t>Kent Beck’s Table from</a:t>
+            </a:r>
+            <a:r>
+              <a:rPr lang="en-US" baseline="0" dirty="0"/>
+              <a:t> Test Driven Development</a:t>
+            </a:r>
+            <a:r>
+              <a:rPr lang="en-US" dirty="0"/>
+              <a:t> showing that patterns are targets</a:t>
+            </a:r>
+            <a:r>
+              <a:rPr lang="en-US" baseline="0" dirty="0"/>
+              <a:t> of the refactoring step</a:t>
+            </a:r>
+          </a:p>
+          <a:p>
+            <a:endParaRPr lang="en-GB" dirty="0"/>
+          </a:p>
+        </p:txBody>
+      </p:sp>
+      <p:sp>
+        <p:nvSpPr>
+          <p:cNvPr id="4" name="Slide Number Placeholder 3"/>
+          <p:cNvSpPr>
+            <a:spLocks noGrp="1"/>
+          </p:cNvSpPr>
+          <p:nvPr>
+            <p:ph type="sldNum" sz="quarter" idx="10"/>
+          </p:nvPr>
+        </p:nvSpPr>
+        <p:spPr/>
+        <p:txBody>
           <a:bodyPr/>
           <a:lstStyle/>
           <a:p>
-            <a:endParaRPr lang="en-US" dirty="0"/>
-          </a:p>
-        </p:txBody>
-      </p:sp>
-      <p:sp>
-        <p:nvSpPr>
-          <p:cNvPr id="4" name="Slide Number Placeholder 3"/>
-          <p:cNvSpPr>
-            <a:spLocks noGrp="1"/>
-          </p:cNvSpPr>
-          <p:nvPr>
-            <p:ph type="sldNum" sz="quarter" idx="5"/>
-          </p:nvPr>
-        </p:nvSpPr>
-        <p:spPr/>
-        <p:txBody>
-          <a:bodyPr/>
-          <a:lstStyle/>
-          <a:p>
-            <a:fld id="{8D454BB1-5AB5-DF45-A819-95464E74CBE3}" type="slidenum">
-              <a:rPr lang="en-US" smtClean="0"/>
-              <a:t>73</a:t>
+            <a:fld id="{F66C4C5A-655F-4C9D-B92A-07E1070CBF6B}" type="slidenum">
+              <a:rPr lang="en-GB" smtClean="0"/>
+              <a:pPr/>
+              <a:t>67</a:t>
             </a:fld>
-            <a:endParaRPr lang="en-US"/>
+            <a:endParaRPr lang="en-GB"/>
           </a:p>
         </p:txBody>
       </p:sp>
     </p:spTree>
     <p:extLst>
       <p:ext uri="{BB962C8B-B14F-4D97-AF65-F5344CB8AC3E}">
-        <p14:creationId xmlns:p14="http://schemas.microsoft.com/office/powerpoint/2010/main" val="3468541931"/>
+        <p14:creationId xmlns:p14="http://schemas.microsoft.com/office/powerpoint/2010/main" val="1471684293"/>
       </p:ext>
     </p:extLst>
   </p:cSld>
@@ -7119,6 +7157,15 @@
           <a:p>
             <a:endParaRPr lang="en-US" dirty="0"/>
           </a:p>
+          <a:p>
+            <a:endParaRPr lang="en-US" dirty="0"/>
+          </a:p>
+          <a:p>
+            <a:endParaRPr lang="en-US" dirty="0"/>
+          </a:p>
+          <a:p>
+            <a:endParaRPr lang="en-US" dirty="0"/>
+          </a:p>
         </p:txBody>
       </p:sp>
       <p:sp>
@@ -7138,7 +7185,7 @@
           <a:p>
             <a:fld id="{8D454BB1-5AB5-DF45-A819-95464E74CBE3}" type="slidenum">
               <a:rPr lang="en-US" smtClean="0"/>
-              <a:t>76</a:t>
+              <a:t>69</a:t>
             </a:fld>
             <a:endParaRPr lang="en-US"/>
           </a:p>
@@ -7147,7 +7194,7 @@
     </p:spTree>
     <p:extLst>
       <p:ext uri="{BB962C8B-B14F-4D97-AF65-F5344CB8AC3E}">
-        <p14:creationId xmlns:p14="http://schemas.microsoft.com/office/powerpoint/2010/main" val="113893183"/>
+        <p14:creationId xmlns:p14="http://schemas.microsoft.com/office/powerpoint/2010/main" val="2918468364"/>
       </p:ext>
     </p:extLst>
   </p:cSld>
@@ -7198,77 +7245,134 @@
         </p:nvSpPr>
         <p:spPr/>
         <p:txBody>
+          <a:bodyPr>
+            <a:normAutofit fontScale="77500" lnSpcReduction="20000"/>
+          </a:bodyPr>
+          <a:lstStyle/>
+          <a:p>
+            <a:r>
+              <a:rPr lang="en-US" dirty="0"/>
+              <a:t>How large should your steps be?</a:t>
+            </a:r>
+          </a:p>
+          <a:p>
+            <a:endParaRPr lang="en-US" dirty="0"/>
+          </a:p>
+          <a:p>
+            <a:r>
+              <a:rPr lang="en-US" dirty="0"/>
+              <a:t>There are really two questions lurking here:</a:t>
+            </a:r>
+          </a:p>
+          <a:p>
+            <a:endParaRPr lang="en-US" dirty="0"/>
+          </a:p>
+          <a:p>
+            <a:r>
+              <a:rPr lang="en-US" dirty="0"/>
+              <a:t>How much ground should each test cover?</a:t>
+            </a:r>
+          </a:p>
+          <a:p>
+            <a:endParaRPr lang="en-US" dirty="0"/>
+          </a:p>
+          <a:p>
+            <a:r>
+              <a:rPr lang="en-US" dirty="0"/>
+              <a:t>How many intermediate stages should you go through as you refactor?</a:t>
+            </a:r>
+          </a:p>
+          <a:p>
+            <a:endParaRPr lang="en-US" dirty="0"/>
+          </a:p>
+          <a:p>
+            <a:r>
+              <a:rPr lang="en-US" dirty="0"/>
+              <a:t>You could write the tests so they each encouraged the addition of a single line of logic and a handful of </a:t>
+            </a:r>
+            <a:r>
+              <a:rPr lang="en-US" dirty="0" err="1"/>
+              <a:t>refactorings</a:t>
+            </a:r>
+            <a:r>
+              <a:rPr lang="en-US" dirty="0"/>
+              <a:t>. You could write the tests so they each encouraged the addition of hundreds of lines of logic and hours of refactoring. Which should you do?</a:t>
+            </a:r>
+          </a:p>
+          <a:p>
+            <a:endParaRPr lang="en-US" dirty="0"/>
+          </a:p>
+          <a:p>
+            <a:r>
+              <a:rPr lang="en-US" dirty="0"/>
+              <a:t>Part of the answer is that you should be able to do either. The tendency of Test-Driven Developers over time is clear, though—smaller steps. However, folks are experimenting with driving development from application-level tests, either alone or in conjunction with the programmer-level tests we've been writing.</a:t>
+            </a:r>
+          </a:p>
+          <a:p>
+            <a:endParaRPr lang="en-US" dirty="0"/>
+          </a:p>
+          <a:p>
+            <a:r>
+              <a:rPr lang="en-US" dirty="0"/>
+              <a:t>At first when you refactor, you should be prepared to take lots of little tiny steps. Manual refactoring is prone to error, and the more errors you make and only catch later, the less likely you are to refactor. Once you've done a refactoring 20 times by hand in little tiny steps, experiment with leaving out some of the steps.</a:t>
+            </a:r>
+          </a:p>
+          <a:p>
+            <a:endParaRPr lang="en-US" dirty="0"/>
+          </a:p>
+          <a:p>
+            <a:r>
+              <a:rPr lang="en-US" dirty="0"/>
+              <a:t>Automated refactoring accelerates refactoring enormously. What would have taken you 20 manual steps now becomes a single menu item. An order of magnitude change in quantity generally constitutes a change in quality, and this is true of automated refactoring. When you know you have the support of an excellent tool, you become much more aggressive in your </a:t>
+            </a:r>
+            <a:r>
+              <a:rPr lang="en-US" dirty="0" err="1"/>
+              <a:t>refactorings</a:t>
+            </a:r>
+            <a:r>
+              <a:rPr lang="en-US" dirty="0"/>
+              <a:t>, trying many more experiments to see how the code wants to be structured.</a:t>
+            </a:r>
+          </a:p>
+          <a:p>
+            <a:endParaRPr lang="en-US" dirty="0"/>
+          </a:p>
+          <a:p>
+            <a:r>
+              <a:rPr lang="en-US" dirty="0"/>
+              <a:t>The Refactoring Browser for Smalltalk is as I write still the best refactoring tool available. Java refactoring support is appearing in many Java IDEs, and refactoring support is sure to spread quickly to other languages and environments.</a:t>
+            </a:r>
+          </a:p>
+        </p:txBody>
+      </p:sp>
+      <p:sp>
+        <p:nvSpPr>
+          <p:cNvPr id="4" name="Slide Number Placeholder 3"/>
+          <p:cNvSpPr>
+            <a:spLocks noGrp="1"/>
+          </p:cNvSpPr>
+          <p:nvPr>
+            <p:ph type="sldNum" sz="quarter" idx="10"/>
+          </p:nvPr>
+        </p:nvSpPr>
+        <p:spPr/>
+        <p:txBody>
           <a:bodyPr/>
           <a:lstStyle/>
           <a:p>
-            <a:r>
-              <a:rPr lang="en-US" dirty="0"/>
-              <a:t>The</a:t>
-            </a:r>
-            <a:r>
-              <a:rPr lang="en-US" baseline="0" dirty="0"/>
-              <a:t> Request Model is a pure data structure, it has no behavior. It comes through the boundary and it reaches the Interactor, that is named not Interactor, but for the use case. The Interactor goes and finds the Entities, calls the appropriate methods, and then gathers the Response Model from the data.</a:t>
-            </a:r>
-          </a:p>
-          <a:p>
-            <a:endParaRPr lang="en-US" baseline="0" dirty="0"/>
-          </a:p>
-          <a:p>
-            <a:r>
-              <a:rPr lang="en-US" baseline="0" dirty="0"/>
-              <a:t>It sounds like HTTP Request-Response, but there is no HTTP.</a:t>
-            </a:r>
-          </a:p>
-          <a:p>
-            <a:endParaRPr lang="en-US" baseline="0" dirty="0"/>
-          </a:p>
-          <a:p>
-            <a:r>
-              <a:rPr lang="en-US" baseline="0" dirty="0"/>
-              <a:t>To Test: Create the Interactor, Create The Request Model, Run the Interactor and check the Response Model.</a:t>
-            </a:r>
-          </a:p>
-          <a:p>
-            <a:endParaRPr lang="en-US" baseline="0" dirty="0"/>
-          </a:p>
-          <a:p>
-            <a:r>
-              <a:rPr lang="en-US" baseline="0" dirty="0"/>
-              <a:t>You have no dependency on the delivery mechanism. In fact the delivery mechanism depends on you, the application controller, which is your plugin into the framework and implements an interface</a:t>
-            </a:r>
-          </a:p>
-          <a:p>
-            <a:endParaRPr lang="en-US" dirty="0"/>
-          </a:p>
-        </p:txBody>
-      </p:sp>
-      <p:sp>
-        <p:nvSpPr>
-          <p:cNvPr id="4" name="Slide Number Placeholder 3"/>
-          <p:cNvSpPr>
-            <a:spLocks noGrp="1"/>
-          </p:cNvSpPr>
-          <p:nvPr>
-            <p:ph type="sldNum" sz="quarter" idx="10"/>
-          </p:nvPr>
-        </p:nvSpPr>
-        <p:spPr/>
-        <p:txBody>
-          <a:bodyPr/>
-          <a:lstStyle/>
-          <a:p>
-            <a:fld id="{FEF15FA6-EB56-764B-9424-765F853645DC}" type="slidenum">
-              <a:rPr lang="en-US" smtClean="0"/>
-              <a:t>77</a:t>
+            <a:fld id="{F66C4C5A-655F-4C9D-B92A-07E1070CBF6B}" type="slidenum">
+              <a:rPr lang="en-GB" smtClean="0"/>
+              <a:pPr/>
+              <a:t>70</a:t>
             </a:fld>
-            <a:endParaRPr lang="en-US"/>
+            <a:endParaRPr lang="en-GB"/>
           </a:p>
         </p:txBody>
       </p:sp>
     </p:spTree>
     <p:extLst>
       <p:ext uri="{BB962C8B-B14F-4D97-AF65-F5344CB8AC3E}">
-        <p14:creationId xmlns:p14="http://schemas.microsoft.com/office/powerpoint/2010/main" val="581226922"/>
+        <p14:creationId xmlns:p14="http://schemas.microsoft.com/office/powerpoint/2010/main" val="1687690662"/>
       </p:ext>
     </p:extLst>
   </p:cSld>
@@ -7322,10 +7426,7 @@
           <a:bodyPr/>
           <a:lstStyle/>
           <a:p>
-            <a:r>
-              <a:rPr lang="en-US" dirty="0"/>
-              <a:t>This is the use case it is where we drive code</a:t>
-            </a:r>
+            <a:endParaRPr lang="en-US" dirty="0"/>
           </a:p>
         </p:txBody>
       </p:sp>
@@ -7346,7 +7447,7 @@
           <a:p>
             <a:fld id="{8D454BB1-5AB5-DF45-A819-95464E74CBE3}" type="slidenum">
               <a:rPr lang="en-US" smtClean="0"/>
-              <a:t>78</a:t>
+              <a:t>71</a:t>
             </a:fld>
             <a:endParaRPr lang="en-US"/>
           </a:p>
@@ -7355,7 +7456,7 @@
     </p:spTree>
     <p:extLst>
       <p:ext uri="{BB962C8B-B14F-4D97-AF65-F5344CB8AC3E}">
-        <p14:creationId xmlns:p14="http://schemas.microsoft.com/office/powerpoint/2010/main" val="3703984217"/>
+        <p14:creationId xmlns:p14="http://schemas.microsoft.com/office/powerpoint/2010/main" val="2715245171"/>
       </p:ext>
     </p:extLst>
   </p:cSld>
@@ -7409,18 +7510,11 @@
           <a:bodyPr/>
           <a:lstStyle/>
           <a:p>
-            <a:r>
-              <a:rPr lang="en-US" dirty="0"/>
-              <a:t>How do we talk to the Db. We implement the interface with a concrete</a:t>
-            </a:r>
-            <a:r>
-              <a:rPr lang="en-US" baseline="0" dirty="0"/>
-              <a:t> boundary component that talks to the DB</a:t>
-            </a:r>
-          </a:p>
-          <a:p>
             <a:endParaRPr lang="en-US" dirty="0"/>
           </a:p>
+          <a:p>
+            <a:endParaRPr lang="en-US" dirty="0"/>
+          </a:p>
         </p:txBody>
       </p:sp>
       <p:sp>
@@ -7430,7 +7524,7 @@
             <a:spLocks noGrp="1"/>
           </p:cNvSpPr>
           <p:nvPr>
-            <p:ph type="sldNum" sz="quarter" idx="10"/>
+            <p:ph type="sldNum" sz="quarter" idx="5"/>
           </p:nvPr>
         </p:nvSpPr>
         <p:spPr/>
@@ -7438,9 +7532,9 @@
           <a:bodyPr/>
           <a:lstStyle/>
           <a:p>
-            <a:fld id="{FEF15FA6-EB56-764B-9424-765F853645DC}" type="slidenum">
+            <a:fld id="{8D454BB1-5AB5-DF45-A819-95464E74CBE3}" type="slidenum">
               <a:rPr lang="en-US" smtClean="0"/>
-              <a:t>79</a:t>
+              <a:t>72</a:t>
             </a:fld>
             <a:endParaRPr lang="en-US"/>
           </a:p>
@@ -7449,7 +7543,7 @@
     </p:spTree>
     <p:extLst>
       <p:ext uri="{BB962C8B-B14F-4D97-AF65-F5344CB8AC3E}">
-        <p14:creationId xmlns:p14="http://schemas.microsoft.com/office/powerpoint/2010/main" val="3393761572"/>
+        <p14:creationId xmlns:p14="http://schemas.microsoft.com/office/powerpoint/2010/main" val="139538512"/>
       </p:ext>
     </p:extLst>
   </p:cSld>
@@ -7503,10 +7597,10 @@
           <a:bodyPr/>
           <a:lstStyle/>
           <a:p>
-            <a:endParaRPr lang="en-US" dirty="0"/>
-          </a:p>
-          <a:p>
-            <a:endParaRPr lang="en-US" dirty="0"/>
+            <a:r>
+              <a:rPr lang="en-US" dirty="0"/>
+              <a:t>Movements began to appear that were ‘agile’ yet rejected TDD. Why are they betraying the movement?</a:t>
+            </a:r>
           </a:p>
         </p:txBody>
       </p:sp>
@@ -7527,7 +7621,7 @@
           <a:p>
             <a:fld id="{8D454BB1-5AB5-DF45-A819-95464E74CBE3}" type="slidenum">
               <a:rPr lang="en-US" smtClean="0"/>
-              <a:t>19</a:t>
+              <a:t>9</a:t>
             </a:fld>
             <a:endParaRPr lang="en-US"/>
           </a:p>
@@ -7536,7 +7630,7 @@
     </p:spTree>
     <p:extLst>
       <p:ext uri="{BB962C8B-B14F-4D97-AF65-F5344CB8AC3E}">
-        <p14:creationId xmlns:p14="http://schemas.microsoft.com/office/powerpoint/2010/main" val="426873208"/>
+        <p14:creationId xmlns:p14="http://schemas.microsoft.com/office/powerpoint/2010/main" val="2035284872"/>
       </p:ext>
     </p:extLst>
   </p:cSld>
@@ -7590,16 +7684,6 @@
           <a:bodyPr/>
           <a:lstStyle/>
           <a:p>
-            <a:r>
-              <a:rPr lang="en-US" dirty="0"/>
-              <a:t>How do we talk to the Db. We implement the interface with a concrete</a:t>
-            </a:r>
-            <a:r>
-              <a:rPr lang="en-US" baseline="0" dirty="0"/>
-              <a:t> boundary component that talks to the DB</a:t>
-            </a:r>
-          </a:p>
-          <a:p>
             <a:endParaRPr lang="en-US" dirty="0"/>
           </a:p>
         </p:txBody>
@@ -7611,7 +7695,7 @@
             <a:spLocks noGrp="1"/>
           </p:cNvSpPr>
           <p:nvPr>
-            <p:ph type="sldNum" sz="quarter" idx="10"/>
+            <p:ph type="sldNum" sz="quarter" idx="5"/>
           </p:nvPr>
         </p:nvSpPr>
         <p:spPr/>
@@ -7619,9 +7703,9 @@
           <a:bodyPr/>
           <a:lstStyle/>
           <a:p>
-            <a:fld id="{FEF15FA6-EB56-764B-9424-765F853645DC}" type="slidenum">
+            <a:fld id="{8D454BB1-5AB5-DF45-A819-95464E74CBE3}" type="slidenum">
               <a:rPr lang="en-US" smtClean="0"/>
-              <a:t>80</a:t>
+              <a:t>73</a:t>
             </a:fld>
             <a:endParaRPr lang="en-US"/>
           </a:p>
@@ -7630,7 +7714,7 @@
     </p:spTree>
     <p:extLst>
       <p:ext uri="{BB962C8B-B14F-4D97-AF65-F5344CB8AC3E}">
-        <p14:creationId xmlns:p14="http://schemas.microsoft.com/office/powerpoint/2010/main" val="3109550146"/>
+        <p14:creationId xmlns:p14="http://schemas.microsoft.com/office/powerpoint/2010/main" val="3468541931"/>
       </p:ext>
     </p:extLst>
   </p:cSld>
@@ -7684,18 +7768,7 @@
           <a:bodyPr/>
           <a:lstStyle/>
           <a:p>
-            <a:r>
-              <a:rPr lang="en-US" dirty="0"/>
-              <a:t>Adapter can change; we are not driving </a:t>
-            </a:r>
-            <a:r>
-              <a:rPr lang="en-US" dirty="0" err="1"/>
-              <a:t>behaviour</a:t>
-            </a:r>
-            <a:r>
-              <a:rPr lang="en-US" dirty="0"/>
-              <a:t> here, just hooking up</a:t>
-            </a:r>
+            <a:endParaRPr lang="en-US" dirty="0"/>
           </a:p>
         </p:txBody>
       </p:sp>
@@ -7716,7 +7789,7 @@
           <a:p>
             <a:fld id="{8D454BB1-5AB5-DF45-A819-95464E74CBE3}" type="slidenum">
               <a:rPr lang="en-US" smtClean="0"/>
-              <a:t>81</a:t>
+              <a:t>76</a:t>
             </a:fld>
             <a:endParaRPr lang="en-US"/>
           </a:p>
@@ -7725,7 +7798,7 @@
     </p:spTree>
     <p:extLst>
       <p:ext uri="{BB962C8B-B14F-4D97-AF65-F5344CB8AC3E}">
-        <p14:creationId xmlns:p14="http://schemas.microsoft.com/office/powerpoint/2010/main" val="3532323547"/>
+        <p14:creationId xmlns:p14="http://schemas.microsoft.com/office/powerpoint/2010/main" val="113893183"/>
       </p:ext>
     </p:extLst>
   </p:cSld>
@@ -7779,6 +7852,43 @@
           <a:bodyPr/>
           <a:lstStyle/>
           <a:p>
+            <a:r>
+              <a:rPr lang="en-US" dirty="0"/>
+              <a:t>The</a:t>
+            </a:r>
+            <a:r>
+              <a:rPr lang="en-US" baseline="0" dirty="0"/>
+              <a:t> Request Model is a pure data structure, it has no behavior. It comes through the boundary and it reaches the Interactor, that is named not Interactor, but for the use case. The Interactor goes and finds the Entities, calls the appropriate methods, and then gathers the Response Model from the data.</a:t>
+            </a:r>
+          </a:p>
+          <a:p>
+            <a:endParaRPr lang="en-US" baseline="0" dirty="0"/>
+          </a:p>
+          <a:p>
+            <a:r>
+              <a:rPr lang="en-US" baseline="0" dirty="0"/>
+              <a:t>It sounds like HTTP Request-Response, but there is no HTTP.</a:t>
+            </a:r>
+          </a:p>
+          <a:p>
+            <a:endParaRPr lang="en-US" baseline="0" dirty="0"/>
+          </a:p>
+          <a:p>
+            <a:r>
+              <a:rPr lang="en-US" baseline="0" dirty="0"/>
+              <a:t>To Test: Create the Interactor, Create The Request Model, Run the Interactor and check the Response Model.</a:t>
+            </a:r>
+          </a:p>
+          <a:p>
+            <a:endParaRPr lang="en-US" baseline="0" dirty="0"/>
+          </a:p>
+          <a:p>
+            <a:r>
+              <a:rPr lang="en-US" baseline="0" dirty="0"/>
+              <a:t>You have no dependency on the delivery mechanism. In fact the delivery mechanism depends on you, the application controller, which is your plugin into the framework and implements an interface</a:t>
+            </a:r>
+          </a:p>
+          <a:p>
             <a:endParaRPr lang="en-US" dirty="0"/>
           </a:p>
         </p:txBody>
@@ -7790,7 +7900,7 @@
             <a:spLocks noGrp="1"/>
           </p:cNvSpPr>
           <p:nvPr>
-            <p:ph type="sldNum" sz="quarter" idx="5"/>
+            <p:ph type="sldNum" sz="quarter" idx="10"/>
           </p:nvPr>
         </p:nvSpPr>
         <p:spPr/>
@@ -7798,9 +7908,9 @@
           <a:bodyPr/>
           <a:lstStyle/>
           <a:p>
-            <a:fld id="{8D454BB1-5AB5-DF45-A819-95464E74CBE3}" type="slidenum">
+            <a:fld id="{FEF15FA6-EB56-764B-9424-765F853645DC}" type="slidenum">
               <a:rPr lang="en-US" smtClean="0"/>
-              <a:t>83</a:t>
+              <a:t>77</a:t>
             </a:fld>
             <a:endParaRPr lang="en-US"/>
           </a:p>
@@ -7809,7 +7919,7 @@
     </p:spTree>
     <p:extLst>
       <p:ext uri="{BB962C8B-B14F-4D97-AF65-F5344CB8AC3E}">
-        <p14:creationId xmlns:p14="http://schemas.microsoft.com/office/powerpoint/2010/main" val="657874106"/>
+        <p14:creationId xmlns:p14="http://schemas.microsoft.com/office/powerpoint/2010/main" val="581226922"/>
       </p:ext>
     </p:extLst>
   </p:cSld>
@@ -7863,7 +7973,10 @@
           <a:bodyPr/>
           <a:lstStyle/>
           <a:p>
-            <a:endParaRPr lang="en-US" dirty="0"/>
+            <a:r>
+              <a:rPr lang="en-US" dirty="0"/>
+              <a:t>This is the use case it is where we drive code</a:t>
+            </a:r>
           </a:p>
         </p:txBody>
       </p:sp>
@@ -7884,7 +7997,7 @@
           <a:p>
             <a:fld id="{8D454BB1-5AB5-DF45-A819-95464E74CBE3}" type="slidenum">
               <a:rPr lang="en-US" smtClean="0"/>
-              <a:t>85</a:t>
+              <a:t>78</a:t>
             </a:fld>
             <a:endParaRPr lang="en-US"/>
           </a:p>
@@ -7893,7 +8006,7 @@
     </p:spTree>
     <p:extLst>
       <p:ext uri="{BB962C8B-B14F-4D97-AF65-F5344CB8AC3E}">
-        <p14:creationId xmlns:p14="http://schemas.microsoft.com/office/powerpoint/2010/main" val="2573527888"/>
+        <p14:creationId xmlns:p14="http://schemas.microsoft.com/office/powerpoint/2010/main" val="3703984217"/>
       </p:ext>
     </p:extLst>
   </p:cSld>
@@ -7949,18 +8062,16 @@
           <a:p>
             <a:r>
               <a:rPr lang="en-US" dirty="0"/>
-              <a:t>When engineers talk about TDD, they often associate it with the idea of a developer writing a unit test.</a:t>
+              <a:t>How do we talk to the Db. We implement the interface with a concrete</a:t>
+            </a:r>
+            <a:r>
+              <a:rPr lang="en-US" baseline="0" dirty="0"/>
+              <a:t> boundary component that talks to the DB</a:t>
             </a:r>
           </a:p>
           <a:p>
             <a:endParaRPr lang="en-US" dirty="0"/>
           </a:p>
-          <a:p>
-            <a:r>
-              <a:rPr lang="en-US" dirty="0"/>
-              <a:t>This fallacy has led to many of the problems with how TDD is practiced. </a:t>
-            </a:r>
-          </a:p>
         </p:txBody>
       </p:sp>
       <p:sp>
@@ -7970,7 +8081,7 @@
             <a:spLocks noGrp="1"/>
           </p:cNvSpPr>
           <p:nvPr>
-            <p:ph type="sldNum" sz="quarter" idx="5"/>
+            <p:ph type="sldNum" sz="quarter" idx="10"/>
           </p:nvPr>
         </p:nvSpPr>
         <p:spPr/>
@@ -7978,9 +8089,9 @@
           <a:bodyPr/>
           <a:lstStyle/>
           <a:p>
-            <a:fld id="{8D454BB1-5AB5-DF45-A819-95464E74CBE3}" type="slidenum">
+            <a:fld id="{FEF15FA6-EB56-764B-9424-765F853645DC}" type="slidenum">
               <a:rPr lang="en-US" smtClean="0"/>
-              <a:t>86</a:t>
+              <a:t>79</a:t>
             </a:fld>
             <a:endParaRPr lang="en-US"/>
           </a:p>
@@ -7989,7 +8100,7 @@
     </p:spTree>
     <p:extLst>
       <p:ext uri="{BB962C8B-B14F-4D97-AF65-F5344CB8AC3E}">
-        <p14:creationId xmlns:p14="http://schemas.microsoft.com/office/powerpoint/2010/main" val="1739405761"/>
+        <p14:creationId xmlns:p14="http://schemas.microsoft.com/office/powerpoint/2010/main" val="3393761572"/>
       </p:ext>
     </p:extLst>
   </p:cSld>
@@ -8045,37 +8156,16 @@
           <a:p>
             <a:r>
               <a:rPr lang="en-US" dirty="0"/>
-              <a:t>Early on XP privileged the idea of the on-site customer. XP recognized that the benefit of agile came from ‘shortening the feedback loop’ and it promoted the idea of the on-site customer for that. A user-story was just a place holder to have a conversation with a customer about a requirement. When pulled from the backlog, the team designed the solution to meet acceptance criteria defined by the customer. Those criteria were codified by the Given-When-Then pattern.</a:t>
+              <a:t>How do we talk to the Db. We implement the interface with a concrete</a:t>
+            </a:r>
+            <a:r>
+              <a:rPr lang="en-US" baseline="0" dirty="0"/>
+              <a:t> boundary component that talks to the DB</a:t>
             </a:r>
           </a:p>
           <a:p>
             <a:endParaRPr lang="en-US" dirty="0"/>
           </a:p>
-          <a:p>
-            <a:r>
-              <a:rPr lang="en-US" dirty="0"/>
-              <a:t>Supposedly tools like Cucumber. Fit/</a:t>
-            </a:r>
-            <a:r>
-              <a:rPr lang="en-US" dirty="0" err="1"/>
-              <a:t>Fitnesse</a:t>
-            </a:r>
-            <a:r>
-              <a:rPr lang="en-US" dirty="0"/>
-              <a:t>, </a:t>
-            </a:r>
-            <a:r>
-              <a:rPr lang="en-US" dirty="0" err="1"/>
-              <a:t>RSpec</a:t>
-            </a:r>
-            <a:r>
-              <a:rPr lang="en-US" dirty="0"/>
-              <a:t> empowered Customers to write the tests instead of Developers. This involvement of the Customer with the specification of the test was seen as the holy grail – quality at the front of the line – rather than catch bugs when the customer reviewed at the beginning of the line, we would catch them at the end</a:t>
-            </a:r>
-          </a:p>
-          <a:p>
-            <a:endParaRPr lang="en-US" dirty="0"/>
-          </a:p>
         </p:txBody>
       </p:sp>
       <p:sp>
@@ -8085,7 +8175,7 @@
             <a:spLocks noGrp="1"/>
           </p:cNvSpPr>
           <p:nvPr>
-            <p:ph type="sldNum" sz="quarter" idx="5"/>
+            <p:ph type="sldNum" sz="quarter" idx="10"/>
           </p:nvPr>
         </p:nvSpPr>
         <p:spPr/>
@@ -8093,9 +8183,9 @@
           <a:bodyPr/>
           <a:lstStyle/>
           <a:p>
-            <a:fld id="{8D454BB1-5AB5-DF45-A819-95464E74CBE3}" type="slidenum">
+            <a:fld id="{FEF15FA6-EB56-764B-9424-765F853645DC}" type="slidenum">
               <a:rPr lang="en-US" smtClean="0"/>
-              <a:t>87</a:t>
+              <a:t>80</a:t>
             </a:fld>
             <a:endParaRPr lang="en-US"/>
           </a:p>
@@ -8104,7 +8194,7 @@
     </p:spTree>
     <p:extLst>
       <p:ext uri="{BB962C8B-B14F-4D97-AF65-F5344CB8AC3E}">
-        <p14:creationId xmlns:p14="http://schemas.microsoft.com/office/powerpoint/2010/main" val="3375714169"/>
+        <p14:creationId xmlns:p14="http://schemas.microsoft.com/office/powerpoint/2010/main" val="3109550146"/>
       </p:ext>
     </p:extLst>
   </p:cSld>
@@ -8160,139 +8250,15 @@
           <a:p>
             <a:r>
               <a:rPr lang="en-US" dirty="0"/>
-              <a:t>James Shore was one of the authors of FIT. FIT was a tool for writing Customer Tests in a way that Customers could at least read, if not write themselves. FIT was table driven, using HTML tables to encode tests. These tables could then be parsed and used to provide parameters to test methods.</a:t>
-            </a:r>
-          </a:p>
-          <a:p>
-            <a:endParaRPr lang="en-US" dirty="0"/>
-          </a:p>
-          <a:p>
+              <a:t>Adapter can change; we are not driving </a:t>
+            </a:r>
+            <a:r>
+              <a:rPr lang="en-US" dirty="0" err="1"/>
+              <a:t>behaviour</a:t>
+            </a:r>
             <a:r>
               <a:rPr lang="en-US" dirty="0"/>
-              <a:t>The idea was that customers could play with the tool, typing in numbers, seeing the effects.</a:t>
-            </a:r>
-          </a:p>
-          <a:p>
-            <a:endParaRPr lang="en-US" dirty="0"/>
-          </a:p>
-          <a:p>
-            <a:r>
-              <a:rPr lang="en-US" dirty="0"/>
-              <a:t>The limitations of table-driven </a:t>
-            </a:r>
-            <a:r>
-              <a:rPr lang="en-US" dirty="0" err="1"/>
-              <a:t>testslet</a:t>
-            </a:r>
-            <a:r>
-              <a:rPr lang="en-US" dirty="0"/>
-              <a:t> some to create DSL customer tools that looked like natural language, such as Cucumber. The idea was that these drove not only the parameters to the tests, but the ubiquitous language used by customer and developers.</a:t>
-            </a:r>
-          </a:p>
-          <a:p>
-            <a:endParaRPr lang="en-US" dirty="0"/>
-          </a:p>
-          <a:p>
-            <a:r>
-              <a:rPr lang="en-US" dirty="0"/>
-              <a:t>In reality this approach was problematic:</a:t>
-            </a:r>
-          </a:p>
-          <a:p>
-            <a:endParaRPr lang="en-US" dirty="0"/>
-          </a:p>
-          <a:p>
-            <a:pPr marL="171450" indent="-171450">
-              <a:buFont typeface="Arial" panose="020B0604020202020204" pitchFamily="34" charset="0"/>
-              <a:buChar char="•"/>
-            </a:pPr>
-            <a:r>
-              <a:rPr lang="en-US" dirty="0"/>
-              <a:t>Customers were hard-pressed to write acceptance criteria in a Table or GWT style – it generally required a requirements gathering session</a:t>
-            </a:r>
-          </a:p>
-          <a:p>
-            <a:pPr marL="171450" indent="-171450">
-              <a:buFont typeface="Arial" panose="020B0604020202020204" pitchFamily="34" charset="0"/>
-              <a:buChar char="•"/>
-            </a:pPr>
-            <a:r>
-              <a:rPr lang="en-US" dirty="0"/>
-              <a:t>Customers rarely if ever reviewed the tests to examine an executable specification for the software</a:t>
-            </a:r>
-          </a:p>
-          <a:p>
-            <a:pPr marL="171450" indent="-171450">
-              <a:buFont typeface="Arial" panose="020B0604020202020204" pitchFamily="34" charset="0"/>
-              <a:buChar char="•"/>
-            </a:pPr>
-            <a:r>
-              <a:rPr lang="en-US" dirty="0"/>
-              <a:t>Tests are mostly red, because new tests do not go green until the end of the iteration. This means that tests break and no one fixes them until all the stories pass at the end of the iteration – which moves us into testing outside the iteration boundary with no real notion of Done-Done</a:t>
-            </a:r>
-          </a:p>
-          <a:p>
-            <a:pPr marL="171450" indent="-171450">
-              <a:buFont typeface="Arial" panose="020B0604020202020204" pitchFamily="34" charset="0"/>
-              <a:buChar char="•"/>
-            </a:pPr>
-            <a:r>
-              <a:rPr lang="en-US" dirty="0"/>
-              <a:t>Tests require an extra level of indirection for developers who have to turn the DSL into executing code.</a:t>
-            </a:r>
-          </a:p>
-          <a:p>
-            <a:pPr marL="171450" indent="-171450">
-              <a:buFont typeface="Arial" panose="020B0604020202020204" pitchFamily="34" charset="0"/>
-              <a:buChar char="•"/>
-            </a:pPr>
-            <a:r>
-              <a:rPr lang="en-US" dirty="0"/>
-              <a:t>They are fragile when changed</a:t>
-            </a:r>
-          </a:p>
-          <a:p>
-            <a:pPr marL="171450" indent="-171450">
-              <a:buFont typeface="Arial" panose="020B0604020202020204" pitchFamily="34" charset="0"/>
-              <a:buChar char="•"/>
-            </a:pPr>
-            <a:r>
-              <a:rPr lang="en-US" dirty="0"/>
-              <a:t>They rarely run in under 2 mins, so they fail the fast property and are only executed at integration, again more time spent red.</a:t>
-            </a:r>
-          </a:p>
-          <a:p>
-            <a:pPr marL="171450" indent="-171450">
-              <a:buFont typeface="Arial" panose="020B0604020202020204" pitchFamily="34" charset="0"/>
-              <a:buChar char="•"/>
-            </a:pPr>
-            <a:endParaRPr lang="en-US" dirty="0"/>
-          </a:p>
-          <a:p>
-            <a:pPr marL="171450" indent="-171450">
-              <a:buFont typeface="Arial" panose="020B0604020202020204" pitchFamily="34" charset="0"/>
-              <a:buChar char="•"/>
-            </a:pPr>
-            <a:r>
-              <a:rPr lang="en-US" dirty="0"/>
-              <a:t>FIT was really intended for domain exploration, but ended up an end-to-end integration testing tool</a:t>
-            </a:r>
-          </a:p>
-          <a:p>
-            <a:pPr marL="171450" indent="-171450">
-              <a:buFont typeface="Arial" panose="020B0604020202020204" pitchFamily="34" charset="0"/>
-              <a:buChar char="•"/>
-            </a:pPr>
-            <a:endParaRPr lang="en-US" dirty="0"/>
-          </a:p>
-          <a:p>
-            <a:pPr marL="171450" indent="-171450">
-              <a:buFont typeface="Arial" panose="020B0604020202020204" pitchFamily="34" charset="0"/>
-              <a:buChar char="•"/>
-            </a:pPr>
-            <a:r>
-              <a:rPr lang="en-US" dirty="0"/>
-              <a:t>I have used them and pushed teams to use them, despite resistance. They spend most of their time red unless we downed tools to ‘fix’ them and provided little value as customers never reviewed them.</a:t>
+              <a:t> here, just hooking up</a:t>
             </a:r>
           </a:p>
         </p:txBody>
@@ -8314,7 +8280,7 @@
           <a:p>
             <a:fld id="{8D454BB1-5AB5-DF45-A819-95464E74CBE3}" type="slidenum">
               <a:rPr lang="en-US" smtClean="0"/>
-              <a:t>88</a:t>
+              <a:t>81</a:t>
             </a:fld>
             <a:endParaRPr lang="en-US"/>
           </a:p>
@@ -8323,7 +8289,7 @@
     </p:spTree>
     <p:extLst>
       <p:ext uri="{BB962C8B-B14F-4D97-AF65-F5344CB8AC3E}">
-        <p14:creationId xmlns:p14="http://schemas.microsoft.com/office/powerpoint/2010/main" val="4125666738"/>
+        <p14:creationId xmlns:p14="http://schemas.microsoft.com/office/powerpoint/2010/main" val="3532323547"/>
       </p:ext>
     </p:extLst>
   </p:cSld>
@@ -8377,28 +8343,7 @@
           <a:bodyPr/>
           <a:lstStyle/>
           <a:p>
-            <a:r>
-              <a:rPr lang="en-US" dirty="0"/>
-              <a:t>We still like the idea that the customer participates in specification, when we expand on the requirements in the user story. The user story is still a ‘promise for conversation’ and in the elaboration step we do design. We discuss the acceptance criteria, the requirements defined as tests: what are we building, and how we will build it, the architecture of our implementation.</a:t>
-            </a:r>
-          </a:p>
-          <a:p>
             <a:endParaRPr lang="en-US" dirty="0"/>
-          </a:p>
-          <a:p>
-            <a:r>
-              <a:rPr lang="en-US" dirty="0"/>
-              <a:t>This discussion should be recorded, but it can be done in markdown or text, and little more structure than Given-When-Then. It does not have to be automated, it can be turned into automated tests by developers, in the same way any design decision are translated into code at the last responsible moment</a:t>
-            </a:r>
-          </a:p>
-          <a:p>
-            <a:endParaRPr lang="en-US" dirty="0"/>
-          </a:p>
-          <a:p>
-            <a:r>
-              <a:rPr lang="en-US" dirty="0"/>
-              <a:t>Acceptance criteria inform unit tests over driving automated acceptance tests.</a:t>
-            </a:r>
           </a:p>
         </p:txBody>
       </p:sp>
@@ -8419,7 +8364,7 @@
           <a:p>
             <a:fld id="{8D454BB1-5AB5-DF45-A819-95464E74CBE3}" type="slidenum">
               <a:rPr lang="en-US" smtClean="0"/>
-              <a:t>89</a:t>
+              <a:t>83</a:t>
             </a:fld>
             <a:endParaRPr lang="en-US"/>
           </a:p>
@@ -8428,7 +8373,7 @@
     </p:spTree>
     <p:extLst>
       <p:ext uri="{BB962C8B-B14F-4D97-AF65-F5344CB8AC3E}">
-        <p14:creationId xmlns:p14="http://schemas.microsoft.com/office/powerpoint/2010/main" val="3376119295"/>
+        <p14:creationId xmlns:p14="http://schemas.microsoft.com/office/powerpoint/2010/main" val="657874106"/>
       </p:ext>
     </p:extLst>
   </p:cSld>
@@ -8482,24 +8427,6 @@
           <a:bodyPr/>
           <a:lstStyle/>
           <a:p>
-            <a:r>
-              <a:rPr lang="en-US" dirty="0"/>
-              <a:t>Perhaps most of all, ATDD has rotted our TDD practice, because it implies that the focus of TDD is not on the acceptance criteria for a story, but on the granular implementation of details of an ATDD test. This has reduced TDD from the driver of acceptance criteria to a secondary practice when it encompassed the exploration of that criteria originally.</a:t>
-            </a:r>
-          </a:p>
-          <a:p>
-            <a:endParaRPr lang="en-US" dirty="0"/>
-          </a:p>
-          <a:p>
-            <a:r>
-              <a:rPr lang="en-US" dirty="0"/>
-              <a:t>ATDD exists because people who misunderstood TDD realized that we need acceptance criteria for stories and because they were no longer using TDD to drive that, they were forced to invent ATDD to do it, justifying it on the basis of a customer involvement in using ATDD tools that was rarely if ever realized.</a:t>
-            </a:r>
-          </a:p>
-          <a:p>
-            <a:endParaRPr lang="en-US" dirty="0"/>
-          </a:p>
-          <a:p>
             <a:endParaRPr lang="en-US" dirty="0"/>
           </a:p>
         </p:txBody>
@@ -8521,7 +8448,7 @@
           <a:p>
             <a:fld id="{8D454BB1-5AB5-DF45-A819-95464E74CBE3}" type="slidenum">
               <a:rPr lang="en-US" smtClean="0"/>
-              <a:t>91</a:t>
+              <a:t>85</a:t>
             </a:fld>
             <a:endParaRPr lang="en-US"/>
           </a:p>
@@ -8530,7 +8457,7 @@
     </p:spTree>
     <p:extLst>
       <p:ext uri="{BB962C8B-B14F-4D97-AF65-F5344CB8AC3E}">
-        <p14:creationId xmlns:p14="http://schemas.microsoft.com/office/powerpoint/2010/main" val="914153921"/>
+        <p14:creationId xmlns:p14="http://schemas.microsoft.com/office/powerpoint/2010/main" val="2573527888"/>
       </p:ext>
     </p:extLst>
   </p:cSld>
@@ -8617,7 +8544,7 @@
           <a:p>
             <a:fld id="{8D454BB1-5AB5-DF45-A819-95464E74CBE3}" type="slidenum">
               <a:rPr lang="en-US" smtClean="0"/>
-              <a:t>92</a:t>
+              <a:t>86</a:t>
             </a:fld>
             <a:endParaRPr lang="en-US"/>
           </a:p>
@@ -8626,7 +8553,7 @@
     </p:spTree>
     <p:extLst>
       <p:ext uri="{BB962C8B-B14F-4D97-AF65-F5344CB8AC3E}">
-        <p14:creationId xmlns:p14="http://schemas.microsoft.com/office/powerpoint/2010/main" val="1333605617"/>
+        <p14:creationId xmlns:p14="http://schemas.microsoft.com/office/powerpoint/2010/main" val="1739405761"/>
       </p:ext>
     </p:extLst>
   </p:cSld>
@@ -8680,6 +8607,12 @@
           <a:bodyPr/>
           <a:lstStyle/>
           <a:p>
+            <a:r>
+              <a:rPr lang="en-US" dirty="0"/>
+              <a:t>Tests seen as a burden now, we sat around as ’clean;’ engineers wondering why the business did not get what we were doing to reduce rework and cost-of-ownership. We were smug that they would regret it.</a:t>
+            </a:r>
+          </a:p>
+          <a:p>
             <a:endParaRPr lang="en-US" dirty="0"/>
           </a:p>
           <a:p>
@@ -8704,7 +8637,7 @@
           <a:p>
             <a:fld id="{8D454BB1-5AB5-DF45-A819-95464E74CBE3}" type="slidenum">
               <a:rPr lang="en-US" smtClean="0"/>
-              <a:t>20</a:t>
+              <a:t>10</a:t>
             </a:fld>
             <a:endParaRPr lang="en-US"/>
           </a:p>
@@ -8713,7 +8646,7 @@
     </p:spTree>
     <p:extLst>
       <p:ext uri="{BB962C8B-B14F-4D97-AF65-F5344CB8AC3E}">
-        <p14:creationId xmlns:p14="http://schemas.microsoft.com/office/powerpoint/2010/main" val="1042929384"/>
+        <p14:creationId xmlns:p14="http://schemas.microsoft.com/office/powerpoint/2010/main" val="2964943999"/>
       </p:ext>
     </p:extLst>
   </p:cSld>
@@ -8769,7 +8702,7 @@
           <a:p>
             <a:r>
               <a:rPr lang="en-US" dirty="0"/>
-              <a:t>When we think about TDD, it is easy to think just about the regression value of tests. If I have a test suite then I can refactor code easily.</a:t>
+              <a:t>Early on XP privileged the idea of the on-site customer. XP recognized that the benefit of agile came from ‘shortening the feedback loop’ and it promoted the idea of the on-site customer for that. A user-story was just a place holder to have a conversation with a customer about a requirement. When pulled from the backlog, the team designed the solution to meet acceptance criteria defined by the customer. Those criteria were codified by the Given-When-Then pattern.</a:t>
             </a:r>
           </a:p>
           <a:p>
@@ -8778,51 +8711,23 @@
           <a:p>
             <a:r>
               <a:rPr lang="en-US" dirty="0"/>
-              <a:t>But TDD is more than that, particularly in an agile context. And part of this is a failure to engage with what the Red phase of Red-Green-Refactor does.</a:t>
-            </a:r>
-          </a:p>
-          <a:p>
-            <a:endParaRPr lang="en-US" dirty="0"/>
-          </a:p>
-          <a:p>
+              <a:t>Supposedly tools like Cucumber. Fit/</a:t>
+            </a:r>
+            <a:r>
+              <a:rPr lang="en-US" dirty="0" err="1"/>
+              <a:t>Fitnesse</a:t>
+            </a:r>
             <a:r>
               <a:rPr lang="en-US" dirty="0"/>
-              <a:t>When we write tests in the Red step we are </a:t>
+              <a:t>, </a:t>
             </a:r>
             <a:r>
               <a:rPr lang="en-US" dirty="0" err="1"/>
-              <a:t>pretotyping</a:t>
+              <a:t>RSpec</a:t>
             </a:r>
             <a:r>
               <a:rPr lang="en-US" dirty="0"/>
-              <a:t> the interface that our SUT should have. What expresses the use case or use story requirements that we have. How does a consumer of that code explore an API that surfaces how the requirement is implemented</a:t>
-            </a:r>
-          </a:p>
-          <a:p>
-            <a:endParaRPr lang="en-US" dirty="0"/>
-          </a:p>
-          <a:p>
-            <a:r>
-              <a:rPr lang="en-US" dirty="0"/>
-              <a:t>It also means that we write code that is driven by a requirement from a user story. We don’t write speculative code that we think we might be needed, only code that is needed because of the actual requirements.</a:t>
-            </a:r>
-          </a:p>
-          <a:p>
-            <a:endParaRPr lang="en-US" dirty="0"/>
-          </a:p>
-          <a:p>
-            <a:r>
-              <a:rPr lang="en-US" dirty="0"/>
-              <a:t>Unneeded code violates the time value of money. We should write it when we need it, if we need, when we understand the actual requirement, not ahead of time.</a:t>
-            </a:r>
-          </a:p>
-          <a:p>
-            <a:endParaRPr lang="en-US" dirty="0"/>
-          </a:p>
-          <a:p>
-            <a:r>
-              <a:rPr lang="en-US" dirty="0"/>
-              <a:t>There is a tendency when we test last to experience rework because however good our implementation was, it was not what the user actually asked for.</a:t>
+              <a:t> empowered Customers to write the tests instead of Developers. This involvement of the Customer with the specification of the test was seen as the holy grail – quality at the front of the line – rather than catch bugs when the customer reviewed at the beginning of the line, we would catch them at the end</a:t>
             </a:r>
           </a:p>
           <a:p>
@@ -8847,7 +8752,7 @@
           <a:p>
             <a:fld id="{8D454BB1-5AB5-DF45-A819-95464E74CBE3}" type="slidenum">
               <a:rPr lang="en-US" smtClean="0"/>
-              <a:t>93</a:t>
+              <a:t>87</a:t>
             </a:fld>
             <a:endParaRPr lang="en-US"/>
           </a:p>
@@ -8856,7 +8761,7 @@
     </p:spTree>
     <p:extLst>
       <p:ext uri="{BB962C8B-B14F-4D97-AF65-F5344CB8AC3E}">
-        <p14:creationId xmlns:p14="http://schemas.microsoft.com/office/powerpoint/2010/main" val="2248513022"/>
+        <p14:creationId xmlns:p14="http://schemas.microsoft.com/office/powerpoint/2010/main" val="3375714169"/>
       </p:ext>
     </p:extLst>
   </p:cSld>
@@ -8912,7 +8817,139 @@
           <a:p>
             <a:r>
               <a:rPr lang="en-US" dirty="0"/>
-              <a:t>Tests drive the API of the SUT, they are design-by-contract for the implementation of the user story</a:t>
+              <a:t>James Shore was one of the authors of FIT. FIT was a tool for writing Customer Tests in a way that Customers could at least read, if not write themselves. FIT was table driven, using HTML tables to encode tests. These tables could then be parsed and used to provide parameters to test methods.</a:t>
+            </a:r>
+          </a:p>
+          <a:p>
+            <a:endParaRPr lang="en-US" dirty="0"/>
+          </a:p>
+          <a:p>
+            <a:r>
+              <a:rPr lang="en-US" dirty="0"/>
+              <a:t>The idea was that customers could play with the tool, typing in numbers, seeing the effects.</a:t>
+            </a:r>
+          </a:p>
+          <a:p>
+            <a:endParaRPr lang="en-US" dirty="0"/>
+          </a:p>
+          <a:p>
+            <a:r>
+              <a:rPr lang="en-US" dirty="0"/>
+              <a:t>The limitations of table-driven </a:t>
+            </a:r>
+            <a:r>
+              <a:rPr lang="en-US" dirty="0" err="1"/>
+              <a:t>testslet</a:t>
+            </a:r>
+            <a:r>
+              <a:rPr lang="en-US" dirty="0"/>
+              <a:t> some to create DSL customer tools that looked like natural language, such as Cucumber. The idea was that these drove not only the parameters to the tests, but the ubiquitous language used by customer and developers.</a:t>
+            </a:r>
+          </a:p>
+          <a:p>
+            <a:endParaRPr lang="en-US" dirty="0"/>
+          </a:p>
+          <a:p>
+            <a:r>
+              <a:rPr lang="en-US" dirty="0"/>
+              <a:t>In reality this approach was problematic:</a:t>
+            </a:r>
+          </a:p>
+          <a:p>
+            <a:endParaRPr lang="en-US" dirty="0"/>
+          </a:p>
+          <a:p>
+            <a:pPr marL="171450" indent="-171450">
+              <a:buFont typeface="Arial" panose="020B0604020202020204" pitchFamily="34" charset="0"/>
+              <a:buChar char="•"/>
+            </a:pPr>
+            <a:r>
+              <a:rPr lang="en-US" dirty="0"/>
+              <a:t>Customers were hard-pressed to write acceptance criteria in a Table or GWT style – it generally required a requirements gathering session</a:t>
+            </a:r>
+          </a:p>
+          <a:p>
+            <a:pPr marL="171450" indent="-171450">
+              <a:buFont typeface="Arial" panose="020B0604020202020204" pitchFamily="34" charset="0"/>
+              <a:buChar char="•"/>
+            </a:pPr>
+            <a:r>
+              <a:rPr lang="en-US" dirty="0"/>
+              <a:t>Customers rarely if ever reviewed the tests to examine an executable specification for the software</a:t>
+            </a:r>
+          </a:p>
+          <a:p>
+            <a:pPr marL="171450" indent="-171450">
+              <a:buFont typeface="Arial" panose="020B0604020202020204" pitchFamily="34" charset="0"/>
+              <a:buChar char="•"/>
+            </a:pPr>
+            <a:r>
+              <a:rPr lang="en-US" dirty="0"/>
+              <a:t>Tests are mostly red, because new tests do not go green until the end of the iteration. This means that tests break and no one fixes them until all the stories pass at the end of the iteration – which moves us into testing outside the iteration boundary with no real notion of Done-Done</a:t>
+            </a:r>
+          </a:p>
+          <a:p>
+            <a:pPr marL="171450" indent="-171450">
+              <a:buFont typeface="Arial" panose="020B0604020202020204" pitchFamily="34" charset="0"/>
+              <a:buChar char="•"/>
+            </a:pPr>
+            <a:r>
+              <a:rPr lang="en-US" dirty="0"/>
+              <a:t>Tests require an extra level of indirection for developers who have to turn the DSL into executing code.</a:t>
+            </a:r>
+          </a:p>
+          <a:p>
+            <a:pPr marL="171450" indent="-171450">
+              <a:buFont typeface="Arial" panose="020B0604020202020204" pitchFamily="34" charset="0"/>
+              <a:buChar char="•"/>
+            </a:pPr>
+            <a:r>
+              <a:rPr lang="en-US" dirty="0"/>
+              <a:t>They are fragile when changed</a:t>
+            </a:r>
+          </a:p>
+          <a:p>
+            <a:pPr marL="171450" indent="-171450">
+              <a:buFont typeface="Arial" panose="020B0604020202020204" pitchFamily="34" charset="0"/>
+              <a:buChar char="•"/>
+            </a:pPr>
+            <a:r>
+              <a:rPr lang="en-US" dirty="0"/>
+              <a:t>They rarely run in under 2 mins, so they fail the fast property and are only executed at integration, again more time spent red.</a:t>
+            </a:r>
+          </a:p>
+          <a:p>
+            <a:pPr marL="171450" indent="-171450">
+              <a:buFont typeface="Arial" panose="020B0604020202020204" pitchFamily="34" charset="0"/>
+              <a:buChar char="•"/>
+            </a:pPr>
+            <a:endParaRPr lang="en-US" dirty="0"/>
+          </a:p>
+          <a:p>
+            <a:pPr marL="171450" indent="-171450">
+              <a:buFont typeface="Arial" panose="020B0604020202020204" pitchFamily="34" charset="0"/>
+              <a:buChar char="•"/>
+            </a:pPr>
+            <a:r>
+              <a:rPr lang="en-US" dirty="0"/>
+              <a:t>FIT was really intended for domain exploration, but ended up an end-to-end integration testing tool</a:t>
+            </a:r>
+          </a:p>
+          <a:p>
+            <a:pPr marL="171450" indent="-171450">
+              <a:buFont typeface="Arial" panose="020B0604020202020204" pitchFamily="34" charset="0"/>
+              <a:buChar char="•"/>
+            </a:pPr>
+            <a:endParaRPr lang="en-US" dirty="0"/>
+          </a:p>
+          <a:p>
+            <a:pPr marL="171450" indent="-171450">
+              <a:buFont typeface="Arial" panose="020B0604020202020204" pitchFamily="34" charset="0"/>
+              <a:buChar char="•"/>
+            </a:pPr>
+            <a:r>
+              <a:rPr lang="en-US" dirty="0"/>
+              <a:t>I have used them and pushed teams to use them, despite resistance. They spend most of their time red unless we downed tools to ‘fix’ them and provided little value as customers never reviewed them.</a:t>
             </a:r>
           </a:p>
         </p:txBody>
@@ -8934,7 +8971,7 @@
           <a:p>
             <a:fld id="{8D454BB1-5AB5-DF45-A819-95464E74CBE3}" type="slidenum">
               <a:rPr lang="en-US" smtClean="0"/>
-              <a:t>94</a:t>
+              <a:t>88</a:t>
             </a:fld>
             <a:endParaRPr lang="en-US"/>
           </a:p>
@@ -8943,7 +8980,7 @@
     </p:spTree>
     <p:extLst>
       <p:ext uri="{BB962C8B-B14F-4D97-AF65-F5344CB8AC3E}">
-        <p14:creationId xmlns:p14="http://schemas.microsoft.com/office/powerpoint/2010/main" val="2867279305"/>
+        <p14:creationId xmlns:p14="http://schemas.microsoft.com/office/powerpoint/2010/main" val="4125666738"/>
       </p:ext>
     </p:extLst>
   </p:cSld>
@@ -8999,7 +9036,7 @@
           <a:p>
             <a:r>
               <a:rPr lang="en-US" dirty="0"/>
-              <a:t>TDD should force us to understand the requirements, and document our understanding is a test. If we don’t know what the criteria are – we should be asking, not writing code.</a:t>
+              <a:t>We still like the idea that the customer participates in specification, when we expand on the requirements in the user story. The user story is still a ‘promise for conversation’ and in the elaboration step we do design. We discuss the acceptance criteria, the requirements defined as tests: what are we building, and how we will build it, the architecture of our implementation.</a:t>
             </a:r>
           </a:p>
           <a:p>
@@ -9008,14 +9045,17 @@
           <a:p>
             <a:r>
               <a:rPr lang="en-US" dirty="0"/>
-              <a:t>TDD surfaces requirements.</a:t>
+              <a:t>This discussion should be recorded, but it can be done in markdown or text, and little more structure than Given-When-Then. It does not have to be automated, it can be turned into automated tests by developers, in the same way any design decision are translated into code at the last responsible moment</a:t>
             </a:r>
           </a:p>
           <a:p>
             <a:endParaRPr lang="en-US" dirty="0"/>
           </a:p>
           <a:p>
-            <a:endParaRPr lang="en-US" dirty="0"/>
+            <a:r>
+              <a:rPr lang="en-US" dirty="0"/>
+              <a:t>Acceptance criteria inform unit tests over driving automated acceptance tests.</a:t>
+            </a:r>
           </a:p>
         </p:txBody>
       </p:sp>
@@ -9036,7 +9076,7 @@
           <a:p>
             <a:fld id="{8D454BB1-5AB5-DF45-A819-95464E74CBE3}" type="slidenum">
               <a:rPr lang="en-US" smtClean="0"/>
-              <a:t>95</a:t>
+              <a:t>89</a:t>
             </a:fld>
             <a:endParaRPr lang="en-US"/>
           </a:p>
@@ -9045,7 +9085,7 @@
     </p:spTree>
     <p:extLst>
       <p:ext uri="{BB962C8B-B14F-4D97-AF65-F5344CB8AC3E}">
-        <p14:creationId xmlns:p14="http://schemas.microsoft.com/office/powerpoint/2010/main" val="2323337510"/>
+        <p14:creationId xmlns:p14="http://schemas.microsoft.com/office/powerpoint/2010/main" val="3376119295"/>
       </p:ext>
     </p:extLst>
   </p:cSld>
@@ -9101,24 +9141,16 @@
           <a:p>
             <a:r>
               <a:rPr lang="en-US" dirty="0"/>
-              <a:t>TDD s a rhythm for doing work. It answers the question ‘where do I start” when tackling a requirement: you start with a test. It builds increasing confidence: my code continues to work as it begins to accrete more and more </a:t>
-            </a:r>
-            <a:r>
-              <a:rPr lang="en-US" dirty="0" err="1"/>
-              <a:t>behaviours</a:t>
-            </a:r>
+              <a:t>Perhaps most of all, ATDD has rotted our TDD practice, because it implies that the focus of TDD is not on the acceptance criteria for a story, but on the granular implementation of details of an ATDD test. This has reduced TDD from the driver of acceptance criteria to a secondary practice when it encompassed the exploration of that criteria originally.</a:t>
+            </a:r>
+          </a:p>
+          <a:p>
+            <a:endParaRPr lang="en-US" dirty="0"/>
+          </a:p>
+          <a:p>
             <a:r>
               <a:rPr lang="en-US" dirty="0"/>
-              <a:t>. It manages anxiety: focus on this test, not everything.</a:t>
-            </a:r>
-          </a:p>
-          <a:p>
-            <a:endParaRPr lang="en-US" dirty="0"/>
-          </a:p>
-          <a:p>
-            <a:r>
-              <a:rPr lang="en-US" dirty="0"/>
-              <a:t>As someone with ADHD I find TDD immensely helpful: write a Test List (all the things I need to do, keep adding to it as I think of new ones) but focus on this test now, not everything else.</a:t>
+              <a:t>ATDD exists because people who misunderstood TDD realized that we need acceptance criteria for stories and because they were no longer using TDD to drive that, they were forced to invent ATDD to do it, justifying it on the basis of a customer involvement in using ATDD tools that was rarely if ever realized.</a:t>
             </a:r>
           </a:p>
           <a:p>
@@ -9146,7 +9178,7 @@
           <a:p>
             <a:fld id="{8D454BB1-5AB5-DF45-A819-95464E74CBE3}" type="slidenum">
               <a:rPr lang="en-US" smtClean="0"/>
-              <a:t>96</a:t>
+              <a:t>91</a:t>
             </a:fld>
             <a:endParaRPr lang="en-US"/>
           </a:p>
@@ -9155,7 +9187,7 @@
     </p:spTree>
     <p:extLst>
       <p:ext uri="{BB962C8B-B14F-4D97-AF65-F5344CB8AC3E}">
-        <p14:creationId xmlns:p14="http://schemas.microsoft.com/office/powerpoint/2010/main" val="989425824"/>
+        <p14:creationId xmlns:p14="http://schemas.microsoft.com/office/powerpoint/2010/main" val="914153921"/>
       </p:ext>
     </p:extLst>
   </p:cSld>
@@ -9242,7 +9274,7 @@
           <a:p>
             <a:fld id="{8D454BB1-5AB5-DF45-A819-95464E74CBE3}" type="slidenum">
               <a:rPr lang="en-US" smtClean="0"/>
-              <a:t>97</a:t>
+              <a:t>92</a:t>
             </a:fld>
             <a:endParaRPr lang="en-US"/>
           </a:p>
@@ -9251,7 +9283,7 @@
     </p:spTree>
     <p:extLst>
       <p:ext uri="{BB962C8B-B14F-4D97-AF65-F5344CB8AC3E}">
-        <p14:creationId xmlns:p14="http://schemas.microsoft.com/office/powerpoint/2010/main" val="4227330892"/>
+        <p14:creationId xmlns:p14="http://schemas.microsoft.com/office/powerpoint/2010/main" val="1333605617"/>
       </p:ext>
     </p:extLst>
   </p:cSld>
@@ -9307,7 +9339,60 @@
           <a:p>
             <a:r>
               <a:rPr lang="en-US" dirty="0"/>
-              <a:t>It is true to say that when we write a test, we should not end up with unneeded code, so all the code that appears in response to our test, should be under test.</a:t>
+              <a:t>When we think about TDD, it is easy to think just about the regression value of tests. If I have a test suite then I can refactor code easily.</a:t>
+            </a:r>
+          </a:p>
+          <a:p>
+            <a:endParaRPr lang="en-US" dirty="0"/>
+          </a:p>
+          <a:p>
+            <a:r>
+              <a:rPr lang="en-US" dirty="0"/>
+              <a:t>But TDD is more than that, particularly in an agile context. And part of this is a failure to engage with what the Red phase of Red-Green-Refactor does.</a:t>
+            </a:r>
+          </a:p>
+          <a:p>
+            <a:endParaRPr lang="en-US" dirty="0"/>
+          </a:p>
+          <a:p>
+            <a:r>
+              <a:rPr lang="en-US" dirty="0"/>
+              <a:t>When we write tests in the Red step we are </a:t>
+            </a:r>
+            <a:r>
+              <a:rPr lang="en-US" dirty="0" err="1"/>
+              <a:t>pretotyping</a:t>
+            </a:r>
+            <a:r>
+              <a:rPr lang="en-US" dirty="0"/>
+              <a:t> the interface that our SUT should have. What expresses the use case or use story requirements that we have. How does a consumer of that code explore an API that surfaces how the requirement is implemented</a:t>
+            </a:r>
+          </a:p>
+          <a:p>
+            <a:endParaRPr lang="en-US" dirty="0"/>
+          </a:p>
+          <a:p>
+            <a:r>
+              <a:rPr lang="en-US" dirty="0"/>
+              <a:t>It also means that we write code that is driven by a requirement from a user story. We don’t write speculative code that we think we might be needed, only code that is needed because of the actual requirements.</a:t>
+            </a:r>
+          </a:p>
+          <a:p>
+            <a:endParaRPr lang="en-US" dirty="0"/>
+          </a:p>
+          <a:p>
+            <a:r>
+              <a:rPr lang="en-US" dirty="0"/>
+              <a:t>Unneeded code violates the time value of money. We should write it when we need it, if we need, when we understand the actual requirement, not ahead of time.</a:t>
+            </a:r>
+          </a:p>
+          <a:p>
+            <a:endParaRPr lang="en-US" dirty="0"/>
+          </a:p>
+          <a:p>
+            <a:r>
+              <a:rPr lang="en-US" dirty="0"/>
+              <a:t>There is a tendency when we test last to experience rework because however good our implementation was, it was not what the user actually asked for.</a:t>
             </a:r>
           </a:p>
           <a:p>
@@ -9332,7 +9417,7 @@
           <a:p>
             <a:fld id="{8D454BB1-5AB5-DF45-A819-95464E74CBE3}" type="slidenum">
               <a:rPr lang="en-US" smtClean="0"/>
-              <a:t>98</a:t>
+              <a:t>93</a:t>
             </a:fld>
             <a:endParaRPr lang="en-US"/>
           </a:p>
@@ -9341,7 +9426,7 @@
     </p:spTree>
     <p:extLst>
       <p:ext uri="{BB962C8B-B14F-4D97-AF65-F5344CB8AC3E}">
-        <p14:creationId xmlns:p14="http://schemas.microsoft.com/office/powerpoint/2010/main" val="750620980"/>
+        <p14:creationId xmlns:p14="http://schemas.microsoft.com/office/powerpoint/2010/main" val="2248513022"/>
       </p:ext>
     </p:extLst>
   </p:cSld>
@@ -9397,11 +9482,8 @@
           <a:p>
             <a:r>
               <a:rPr lang="en-US" dirty="0"/>
-              <a:t>It also true to say that we can use a code coverage tool to ensure that our refactoring step does not introduce a new path, that has not been covered by an existing test. A refactoring should be safe steps that does not introduce new code, but we are human, we get carried away and we accidentally drop in a path that is not tested. Now we know what our next test to write is – one that exercises that path, if it is a requirement, or to revert the change if that was not a requirement</a:t>
-            </a:r>
-          </a:p>
-          <a:p>
-            <a:endParaRPr lang="en-US" dirty="0"/>
+              <a:t>Tests drive the API of the SUT, they are design-by-contract for the implementation of the user story</a:t>
+            </a:r>
           </a:p>
         </p:txBody>
       </p:sp>
@@ -9422,7 +9504,7 @@
           <a:p>
             <a:fld id="{8D454BB1-5AB5-DF45-A819-95464E74CBE3}" type="slidenum">
               <a:rPr lang="en-US" smtClean="0"/>
-              <a:t>99</a:t>
+              <a:t>94</a:t>
             </a:fld>
             <a:endParaRPr lang="en-US"/>
           </a:p>
@@ -9431,7 +9513,7 @@
     </p:spTree>
     <p:extLst>
       <p:ext uri="{BB962C8B-B14F-4D97-AF65-F5344CB8AC3E}">
-        <p14:creationId xmlns:p14="http://schemas.microsoft.com/office/powerpoint/2010/main" val="3802286861"/>
+        <p14:creationId xmlns:p14="http://schemas.microsoft.com/office/powerpoint/2010/main" val="2867279305"/>
       </p:ext>
     </p:extLst>
   </p:cSld>
@@ -9487,7 +9569,7 @@
           <a:p>
             <a:r>
               <a:rPr lang="en-US" dirty="0"/>
-              <a:t>TDD is not good for all of our code</a:t>
+              <a:t>TDD should force us to understand the requirements, and document our understanding is a test. If we don’t know what the criteria are – we should be asking, not writing code.</a:t>
             </a:r>
           </a:p>
           <a:p>
@@ -9496,8 +9578,14 @@
           <a:p>
             <a:r>
               <a:rPr lang="en-US" dirty="0"/>
-              <a:t>TDD works best on the domain. </a:t>
-            </a:r>
+              <a:t>TDD surfaces requirements.</a:t>
+            </a:r>
+          </a:p>
+          <a:p>
+            <a:endParaRPr lang="en-US" dirty="0"/>
+          </a:p>
+          <a:p>
+            <a:endParaRPr lang="en-US" dirty="0"/>
           </a:p>
         </p:txBody>
       </p:sp>
@@ -9518,7 +9606,7 @@
           <a:p>
             <a:fld id="{8D454BB1-5AB5-DF45-A819-95464E74CBE3}" type="slidenum">
               <a:rPr lang="en-US" smtClean="0"/>
-              <a:t>100</a:t>
+              <a:t>95</a:t>
             </a:fld>
             <a:endParaRPr lang="en-US"/>
           </a:p>
@@ -9527,7 +9615,7 @@
     </p:spTree>
     <p:extLst>
       <p:ext uri="{BB962C8B-B14F-4D97-AF65-F5344CB8AC3E}">
-        <p14:creationId xmlns:p14="http://schemas.microsoft.com/office/powerpoint/2010/main" val="2664092867"/>
+        <p14:creationId xmlns:p14="http://schemas.microsoft.com/office/powerpoint/2010/main" val="2323337510"/>
       </p:ext>
     </p:extLst>
   </p:cSld>
@@ -9583,7 +9671,15 @@
           <a:p>
             <a:r>
               <a:rPr lang="en-US" dirty="0"/>
-              <a:t>We get feedback during development using an OODA Loop. The feedback helps us ‘observe’ our current position, look around and see what the next thing we need to do is, choose it, and then act, then get feedback.</a:t>
+              <a:t>TDD s a rhythm for doing work. It answers the question ‘where do I start” when tackling a requirement: you start with a test. It builds increasing confidence: my code continues to work as it begins to accrete more and more </a:t>
+            </a:r>
+            <a:r>
+              <a:rPr lang="en-US" dirty="0" err="1"/>
+              <a:t>behaviours</a:t>
+            </a:r>
+            <a:r>
+              <a:rPr lang="en-US" dirty="0"/>
+              <a:t>. It manages anxiety: focus on this test, not everything.</a:t>
             </a:r>
           </a:p>
           <a:p>
@@ -9592,23 +9688,8 @@
           <a:p>
             <a:r>
               <a:rPr lang="en-US" dirty="0"/>
-              <a:t>Short feedback loops help us move faster. A parser tells us our code is wrong in the IDE before we compile. The compiler tells us it cannot turn it into software. Developer tests tell us if we are moving toward the requirement. Automated tests keep us working. Deployment tells us if we can make the software available. Runs tells us if someone can use it, monitoring about what happens when it is used, and customer feedback about whether it works.</a:t>
-            </a:r>
-          </a:p>
-          <a:p>
-            <a:endParaRPr lang="en-US" dirty="0"/>
-          </a:p>
-          <a:p>
-            <a:r>
-              <a:rPr lang="en-US" dirty="0"/>
-              <a:t>Quick feedback helps us be more productive – agile is mainly about shortening how long this cycle is.</a:t>
-            </a:r>
-          </a:p>
-          <a:p>
-            <a:endParaRPr lang="en-US" dirty="0"/>
-          </a:p>
-          <a:p>
-            <a:endParaRPr lang="en-US" dirty="0"/>
+              <a:t>As someone with ADHD I find TDD immensely helpful: write a Test List (all the things I need to do, keep adding to it as I think of new ones) but focus on this test now, not everything else.</a:t>
+            </a:r>
           </a:p>
           <a:p>
             <a:endParaRPr lang="en-US" dirty="0"/>
@@ -9635,7 +9716,7 @@
           <a:p>
             <a:fld id="{8D454BB1-5AB5-DF45-A819-95464E74CBE3}" type="slidenum">
               <a:rPr lang="en-US" smtClean="0"/>
-              <a:t>101</a:t>
+              <a:t>96</a:t>
             </a:fld>
             <a:endParaRPr lang="en-US"/>
           </a:p>
@@ -9644,7 +9725,7 @@
     </p:spTree>
     <p:extLst>
       <p:ext uri="{BB962C8B-B14F-4D97-AF65-F5344CB8AC3E}">
-        <p14:creationId xmlns:p14="http://schemas.microsoft.com/office/powerpoint/2010/main" val="608896479"/>
+        <p14:creationId xmlns:p14="http://schemas.microsoft.com/office/powerpoint/2010/main" val="989425824"/>
       </p:ext>
     </p:extLst>
   </p:cSld>
@@ -9700,7 +9781,7 @@
           <a:p>
             <a:r>
               <a:rPr lang="en-US" dirty="0"/>
-              <a:t>The question then arises – if something is too slow to get feedback for, in that step?</a:t>
+              <a:t>When engineers talk about TDD, they often associate it with the idea of a developer writing a unit test.</a:t>
             </a:r>
           </a:p>
           <a:p>
@@ -9709,50 +9790,8 @@
           <a:p>
             <a:r>
               <a:rPr lang="en-US" dirty="0"/>
-              <a:t>TDD is done in short steps, that we can measure in minutes of development time, and with tests that run in seconds. If something takes a long time to test this way, it may not be a good candidate for TDD</a:t>
-            </a:r>
-          </a:p>
-          <a:p>
-            <a:endParaRPr lang="en-US" dirty="0"/>
-          </a:p>
-          <a:p>
-            <a:r>
-              <a:rPr lang="en-US" dirty="0"/>
-              <a:t>Code that exercises a Db that must be setup before each test and torn down. Code that must interact with the network will be slow. Code that interacts with the file system.</a:t>
-            </a:r>
-          </a:p>
-          <a:p>
-            <a:endParaRPr lang="en-US" dirty="0"/>
-          </a:p>
-          <a:p>
-            <a:r>
-              <a:rPr lang="en-US" dirty="0"/>
-              <a:t>In this case we may well want to use a test double for TDD, and automated testing (i.e. not test first around our code that proves that the concrete implementation continues to work0.</a:t>
-            </a:r>
-          </a:p>
-          <a:p>
-            <a:endParaRPr lang="en-US" dirty="0"/>
-          </a:p>
-          <a:p>
-            <a:r>
-              <a:rPr lang="en-US" dirty="0"/>
-              <a:t>But beware that our investment here, with a good CD approach, might be slower to write those tests and run them (such as UI) than to deploy monitor and rollback.</a:t>
-            </a:r>
-          </a:p>
-          <a:p>
-            <a:endParaRPr lang="en-US" dirty="0"/>
-          </a:p>
-          <a:p>
-            <a:r>
-              <a:rPr lang="en-US" dirty="0"/>
-              <a:t>What gives us the fastest and most complete feedback?</a:t>
-            </a:r>
-          </a:p>
-          <a:p>
-            <a:endParaRPr lang="en-US" dirty="0"/>
-          </a:p>
-          <a:p>
-            <a:endParaRPr lang="en-US" dirty="0"/>
+              <a:t>This fallacy has led to many of the problems with how TDD is practiced. </a:t>
+            </a:r>
           </a:p>
         </p:txBody>
       </p:sp>
@@ -9773,7 +9812,7 @@
           <a:p>
             <a:fld id="{8D454BB1-5AB5-DF45-A819-95464E74CBE3}" type="slidenum">
               <a:rPr lang="en-US" smtClean="0"/>
-              <a:t>102</a:t>
+              <a:t>97</a:t>
             </a:fld>
             <a:endParaRPr lang="en-US"/>
           </a:p>
@@ -9782,7 +9821,7 @@
     </p:spTree>
     <p:extLst>
       <p:ext uri="{BB962C8B-B14F-4D97-AF65-F5344CB8AC3E}">
-        <p14:creationId xmlns:p14="http://schemas.microsoft.com/office/powerpoint/2010/main" val="2459716431"/>
+        <p14:creationId xmlns:p14="http://schemas.microsoft.com/office/powerpoint/2010/main" val="4227330892"/>
       </p:ext>
     </p:extLst>
   </p:cSld>
@@ -9838,19 +9877,7 @@
           <a:p>
             <a:r>
               <a:rPr lang="en-US" dirty="0"/>
-              <a:t>John Conway sadly died of COVID-19 in 2020 </a:t>
-            </a:r>
-          </a:p>
-          <a:p>
-            <a:endParaRPr lang="en-US" dirty="0"/>
-          </a:p>
-          <a:p>
-            <a:endParaRPr lang="en-US" dirty="0"/>
-          </a:p>
-          <a:p>
-            <a:r>
-              <a:rPr lang="en-US" dirty="0"/>
-              <a:t>Play Conway video</a:t>
+              <a:t>Can’t understand, drown in setup code, intent is unclear even 6 months later on our code</a:t>
             </a:r>
           </a:p>
         </p:txBody>
@@ -9872,7 +9899,7 @@
           <a:p>
             <a:fld id="{8D454BB1-5AB5-DF45-A819-95464E74CBE3}" type="slidenum">
               <a:rPr lang="en-US" smtClean="0"/>
-              <a:t>21</a:t>
+              <a:t>11</a:t>
             </a:fld>
             <a:endParaRPr lang="en-US"/>
           </a:p>
@@ -9881,7 +9908,7 @@
     </p:spTree>
     <p:extLst>
       <p:ext uri="{BB962C8B-B14F-4D97-AF65-F5344CB8AC3E}">
-        <p14:creationId xmlns:p14="http://schemas.microsoft.com/office/powerpoint/2010/main" val="1983813848"/>
+        <p14:creationId xmlns:p14="http://schemas.microsoft.com/office/powerpoint/2010/main" val="1364874507"/>
       </p:ext>
     </p:extLst>
   </p:cSld>
@@ -9937,8 +9964,11 @@
           <a:p>
             <a:r>
               <a:rPr lang="en-US" dirty="0"/>
-              <a:t>TDD gives binary feedback. Red/Green does this pass or not. That is the clearest form of feedback. Other forms of feedback take time to understand, so are slower.</a:t>
-            </a:r>
+              <a:t>It is true to say that when we write a test, we should not end up with unneeded code, so all the code that appears in response to our test, should be under test.</a:t>
+            </a:r>
+          </a:p>
+          <a:p>
+            <a:endParaRPr lang="en-US" dirty="0"/>
           </a:p>
         </p:txBody>
       </p:sp>
@@ -9959,7 +9989,7 @@
           <a:p>
             <a:fld id="{8D454BB1-5AB5-DF45-A819-95464E74CBE3}" type="slidenum">
               <a:rPr lang="en-US" smtClean="0"/>
-              <a:t>103</a:t>
+              <a:t>98</a:t>
             </a:fld>
             <a:endParaRPr lang="en-US"/>
           </a:p>
@@ -9968,7 +9998,7 @@
     </p:spTree>
     <p:extLst>
       <p:ext uri="{BB962C8B-B14F-4D97-AF65-F5344CB8AC3E}">
-        <p14:creationId xmlns:p14="http://schemas.microsoft.com/office/powerpoint/2010/main" val="3267432053"/>
+        <p14:creationId xmlns:p14="http://schemas.microsoft.com/office/powerpoint/2010/main" val="750620980"/>
       </p:ext>
     </p:extLst>
   </p:cSld>
@@ -10024,17 +10054,11 @@
           <a:p>
             <a:r>
               <a:rPr lang="en-US" dirty="0"/>
-              <a:t>TDD is not good for all of our code</a:t>
+              <a:t>It also true to say that we can use a code coverage tool to ensure that our refactoring step does not introduce a new path, that has not been covered by an existing test. A refactoring should be safe steps that does not introduce new code, but we are human, we get carried away and we accidentally drop in a path that is not tested. Now we know what our next test to write is – one that exercises that path, if it is a requirement, or to revert the change if that was not a requirement</a:t>
             </a:r>
           </a:p>
           <a:p>
             <a:endParaRPr lang="en-US" dirty="0"/>
-          </a:p>
-          <a:p>
-            <a:r>
-              <a:rPr lang="en-US" dirty="0"/>
-              <a:t>TDD works best on the domain. </a:t>
-            </a:r>
           </a:p>
         </p:txBody>
       </p:sp>
@@ -10055,7 +10079,7 @@
           <a:p>
             <a:fld id="{8D454BB1-5AB5-DF45-A819-95464E74CBE3}" type="slidenum">
               <a:rPr lang="en-US" smtClean="0"/>
-              <a:t>104</a:t>
+              <a:t>99</a:t>
             </a:fld>
             <a:endParaRPr lang="en-US"/>
           </a:p>
@@ -10064,7 +10088,7 @@
     </p:spTree>
     <p:extLst>
       <p:ext uri="{BB962C8B-B14F-4D97-AF65-F5344CB8AC3E}">
-        <p14:creationId xmlns:p14="http://schemas.microsoft.com/office/powerpoint/2010/main" val="3895958545"/>
+        <p14:creationId xmlns:p14="http://schemas.microsoft.com/office/powerpoint/2010/main" val="3802286861"/>
       </p:ext>
     </p:extLst>
   </p:cSld>
@@ -10120,56 +10144,16 @@
           <a:p>
             <a:r>
               <a:rPr lang="en-US" dirty="0"/>
-              <a:t>TDD of a UI is difficult, partially because it is difficult to dive the UI code, but also because the UI is not being explored by the tests. Normally you have a design somewhere for how the UI looks, and what happens when the user interacts with that. There are usually automation tools that can confirm you meet that. If you have the UX then TDD is not going to help you develop it. Yu can automate confirmation of the requirements, but you can’t drive the design here.</a:t>
-            </a:r>
+              <a:t>TDD is not good for all of our code</a:t>
+            </a:r>
+          </a:p>
+          <a:p>
+            <a:endParaRPr lang="en-US" dirty="0"/>
           </a:p>
           <a:p>
             <a:r>
               <a:rPr lang="en-US" dirty="0"/>
-              <a:t>Arguably, you don’t drive the design of an external API this way either – instead you design in something like </a:t>
-            </a:r>
-            <a:r>
-              <a:rPr lang="en-US" dirty="0" err="1"/>
-              <a:t>OpenAPI</a:t>
-            </a:r>
-            <a:r>
-              <a:rPr lang="en-US" dirty="0"/>
-              <a:t> and discuss it with stakeholders. You may automate that with consumer drive contracts</a:t>
-            </a:r>
-          </a:p>
-          <a:p>
-            <a:r>
-              <a:rPr lang="en-US" dirty="0"/>
-              <a:t>TDD can be used to an spike a problem or explore an SDK, but it is a lot of overhead for something that is really: read the documentation, try something, and see what happens. I would tend to use a REPL or test harness over TDD, and once I had understood how it works, come back to TDD something with it.</a:t>
-            </a:r>
-          </a:p>
-          <a:p>
-            <a:r>
-              <a:rPr lang="en-US" dirty="0"/>
-              <a:t>TDD should not be used to check 3</a:t>
-            </a:r>
-            <a:r>
-              <a:rPr lang="en-US" baseline="30000" dirty="0"/>
-              <a:t>rd</a:t>
-            </a:r>
-            <a:r>
-              <a:rPr lang="en-US" dirty="0"/>
-              <a:t> party code such as frameworks or SDKs. Assume they have their own tests</a:t>
-            </a:r>
-          </a:p>
-          <a:p>
-            <a:r>
-              <a:rPr lang="en-US" dirty="0"/>
-              <a:t>TDD should not be used to drive integration, particularly with a distributed system. The tests will be fragile. Wrap that in a Gateway, hide it from user code. Automate the testing of it, perhaps with test last, but TDD won’t help you discover how to write the code or implement it.</a:t>
-            </a:r>
-          </a:p>
-          <a:p>
-            <a:endParaRPr lang="en-US" dirty="0"/>
-          </a:p>
-          <a:p>
-            <a:r>
-              <a:rPr lang="en-US" dirty="0"/>
-              <a:t>Later on we will look at the help architecture could give us</a:t>
+              <a:t>TDD works best on the domain. </a:t>
             </a:r>
           </a:p>
         </p:txBody>
@@ -10191,7 +10175,7 @@
           <a:p>
             <a:fld id="{8D454BB1-5AB5-DF45-A819-95464E74CBE3}" type="slidenum">
               <a:rPr lang="en-US" smtClean="0"/>
-              <a:t>105</a:t>
+              <a:t>100</a:t>
             </a:fld>
             <a:endParaRPr lang="en-US"/>
           </a:p>
@@ -10200,7 +10184,7 @@
     </p:spTree>
     <p:extLst>
       <p:ext uri="{BB962C8B-B14F-4D97-AF65-F5344CB8AC3E}">
-        <p14:creationId xmlns:p14="http://schemas.microsoft.com/office/powerpoint/2010/main" val="1874402160"/>
+        <p14:creationId xmlns:p14="http://schemas.microsoft.com/office/powerpoint/2010/main" val="2664092867"/>
       </p:ext>
     </p:extLst>
   </p:cSld>
@@ -10254,6 +10238,39 @@
           <a:bodyPr/>
           <a:lstStyle/>
           <a:p>
+            <a:r>
+              <a:rPr lang="en-US" dirty="0"/>
+              <a:t>We get feedback during development using an OODA Loop. The feedback helps us ‘observe’ our current position, look around and see what the next thing we need to do is, choose it, and then act, then get feedback.</a:t>
+            </a:r>
+          </a:p>
+          <a:p>
+            <a:endParaRPr lang="en-US" dirty="0"/>
+          </a:p>
+          <a:p>
+            <a:r>
+              <a:rPr lang="en-US" dirty="0"/>
+              <a:t>Short feedback loops help us move faster. A parser tells us our code is wrong in the IDE before we compile. The compiler tells us it cannot turn it into software. Developer tests tell us if we are moving toward the requirement. Automated tests keep us working. Deployment tells us if we can make the software available. Runs tells us if someone can use it, monitoring about what happens when it is used, and customer feedback about whether it works.</a:t>
+            </a:r>
+          </a:p>
+          <a:p>
+            <a:endParaRPr lang="en-US" dirty="0"/>
+          </a:p>
+          <a:p>
+            <a:r>
+              <a:rPr lang="en-US" dirty="0"/>
+              <a:t>Quick feedback helps us be more productive – agile is mainly about shortening how long this cycle is.</a:t>
+            </a:r>
+          </a:p>
+          <a:p>
+            <a:endParaRPr lang="en-US" dirty="0"/>
+          </a:p>
+          <a:p>
+            <a:endParaRPr lang="en-US" dirty="0"/>
+          </a:p>
+          <a:p>
+            <a:endParaRPr lang="en-US" dirty="0"/>
+          </a:p>
+          <a:p>
             <a:endParaRPr lang="en-US" dirty="0"/>
           </a:p>
         </p:txBody>
@@ -10275,7 +10292,7 @@
           <a:p>
             <a:fld id="{8D454BB1-5AB5-DF45-A819-95464E74CBE3}" type="slidenum">
               <a:rPr lang="en-US" smtClean="0"/>
-              <a:t>107</a:t>
+              <a:t>101</a:t>
             </a:fld>
             <a:endParaRPr lang="en-US"/>
           </a:p>
@@ -10284,7 +10301,7 @@
     </p:spTree>
     <p:extLst>
       <p:ext uri="{BB962C8B-B14F-4D97-AF65-F5344CB8AC3E}">
-        <p14:creationId xmlns:p14="http://schemas.microsoft.com/office/powerpoint/2010/main" val="893681755"/>
+        <p14:creationId xmlns:p14="http://schemas.microsoft.com/office/powerpoint/2010/main" val="608896479"/>
       </p:ext>
     </p:extLst>
   </p:cSld>
@@ -10340,7 +10357,7 @@
           <a:p>
             <a:r>
               <a:rPr lang="en-US" dirty="0"/>
-              <a:t>TDD is necessary, but not sufficient. As a tool for supporting programmer development of code it leaves a test artefact that can be used to ensure that the code continues to meet requirements.</a:t>
+              <a:t>The question then arises – if something is too slow to get feedback for, in that step?</a:t>
             </a:r>
           </a:p>
           <a:p>
@@ -10349,15 +10366,43 @@
           <a:p>
             <a:r>
               <a:rPr lang="en-US" dirty="0"/>
-              <a:t>But because we often don’t want to drive with TDD visual elements, integrations with 3</a:t>
-            </a:r>
-            <a:r>
-              <a:rPr lang="en-US" baseline="30000" dirty="0"/>
-              <a:t>rd</a:t>
-            </a:r>
+              <a:t>TDD is done in short steps, that we can measure in minutes of development time, and with tests that run in seconds. If something takes a long time to test this way, it may not be a good candidate for TDD</a:t>
+            </a:r>
+          </a:p>
+          <a:p>
+            <a:endParaRPr lang="en-US" dirty="0"/>
+          </a:p>
+          <a:p>
             <a:r>
               <a:rPr lang="en-US" dirty="0"/>
-              <a:t> party services, third party SDKs etc. there is always a ‘gap’. </a:t>
+              <a:t>Code that exercises a Db that must be setup before each test and torn down. Code that must interact with the network will be slow. Code that interacts with the file system.</a:t>
+            </a:r>
+          </a:p>
+          <a:p>
+            <a:endParaRPr lang="en-US" dirty="0"/>
+          </a:p>
+          <a:p>
+            <a:r>
+              <a:rPr lang="en-US" dirty="0"/>
+              <a:t>In this case we may well want to use a test double for TDD, and automated testing (i.e. not test first around our code that proves that the concrete implementation continues to work0.</a:t>
+            </a:r>
+          </a:p>
+          <a:p>
+            <a:endParaRPr lang="en-US" dirty="0"/>
+          </a:p>
+          <a:p>
+            <a:r>
+              <a:rPr lang="en-US" dirty="0"/>
+              <a:t>But beware that our investment here, with a good CD approach, might be slower to write those tests and run them (such as UI) than to deploy monitor and rollback.</a:t>
+            </a:r>
+          </a:p>
+          <a:p>
+            <a:endParaRPr lang="en-US" dirty="0"/>
+          </a:p>
+          <a:p>
+            <a:r>
+              <a:rPr lang="en-US" dirty="0"/>
+              <a:t>What gives us the fastest and most complete feedback?</a:t>
             </a:r>
           </a:p>
           <a:p>
@@ -10385,7 +10430,7 @@
           <a:p>
             <a:fld id="{8D454BB1-5AB5-DF45-A819-95464E74CBE3}" type="slidenum">
               <a:rPr lang="en-US" smtClean="0"/>
-              <a:t>108</a:t>
+              <a:t>102</a:t>
             </a:fld>
             <a:endParaRPr lang="en-US"/>
           </a:p>
@@ -10394,7 +10439,7 @@
     </p:spTree>
     <p:extLst>
       <p:ext uri="{BB962C8B-B14F-4D97-AF65-F5344CB8AC3E}">
-        <p14:creationId xmlns:p14="http://schemas.microsoft.com/office/powerpoint/2010/main" val="3392352305"/>
+        <p14:creationId xmlns:p14="http://schemas.microsoft.com/office/powerpoint/2010/main" val="2459716431"/>
       </p:ext>
     </p:extLst>
   </p:cSld>
@@ -10445,186 +10490,13 @@
         </p:nvSpPr>
         <p:spPr/>
         <p:txBody>
-          <a:bodyPr>
-            <a:normAutofit fontScale="55000" lnSpcReduction="20000"/>
-          </a:bodyPr>
+          <a:bodyPr/>
           <a:lstStyle/>
           <a:p>
             <a:r>
               <a:rPr lang="en-US" dirty="0"/>
-              <a:t>An inverted pyramid, too</a:t>
-            </a:r>
-            <a:r>
-              <a:rPr lang="en-US" baseline="0" dirty="0"/>
-              <a:t> much emphasis on the wrong tests.</a:t>
-            </a:r>
-          </a:p>
-          <a:p>
-            <a:endParaRPr lang="en-US" baseline="0" dirty="0"/>
-          </a:p>
-          <a:p>
-            <a:r>
-              <a:rPr lang="en-US" baseline="0" dirty="0"/>
-              <a:t>Manual Tests</a:t>
-            </a:r>
-          </a:p>
-          <a:p>
-            <a:r>
-              <a:rPr lang="en-US" baseline="0" dirty="0"/>
-              <a:t>Expensive and give poor feedback. It may take days to run a manual regression pack which gives poor feedback to developers trying to determine what features caused an issue</a:t>
-            </a:r>
-          </a:p>
-          <a:p>
-            <a:endParaRPr lang="en-US" baseline="0" dirty="0"/>
-          </a:p>
-          <a:p>
-            <a:r>
-              <a:rPr lang="en-US" baseline="0" dirty="0"/>
-              <a:t>Automated </a:t>
-            </a:r>
-            <a:r>
-              <a:rPr lang="en-US" baseline="0" dirty="0" err="1"/>
-              <a:t>Gui</a:t>
-            </a:r>
-            <a:r>
-              <a:rPr lang="en-US" baseline="0" dirty="0"/>
-              <a:t> Tests</a:t>
-            </a:r>
-          </a:p>
-          <a:p>
-            <a:r>
-              <a:rPr lang="en-US" baseline="0" dirty="0"/>
-              <a:t>Let’s skip for a moment the middle of the test automation pyramid and jump right to the top; the user interface level. Automated user interface testing is placed at the top of the test automation pyramid because we want to do as little of it as possible. We want this because user interface tests often have the following negative attributes:</a:t>
-            </a:r>
-          </a:p>
-          <a:p>
-            <a:endParaRPr lang="en-US" baseline="0" dirty="0"/>
-          </a:p>
-          <a:p>
-            <a:r>
-              <a:rPr lang="en-US" baseline="0" dirty="0"/>
-              <a:t>* Brittle. A small change in the user interface can break many tests. When this is repeated many times over the course of a project, teams simply give up and stop correcting tests every time the user interface changes.</a:t>
-            </a:r>
-          </a:p>
-          <a:p>
-            <a:r>
-              <a:rPr lang="en-US" baseline="0" dirty="0"/>
-              <a:t>* Expensive to write. A quick capture-and-playback approach to recording user interface tests can work, but tests recorded this way are usually the most brittle. Writing a good user interface test that will remain useful and valid takes time.</a:t>
-            </a:r>
-          </a:p>
-          <a:p>
-            <a:pPr marL="171450" indent="-171450">
-              <a:buFontTx/>
-              <a:buChar char="•"/>
-            </a:pPr>
-            <a:r>
-              <a:rPr lang="en-US" baseline="0" dirty="0"/>
-              <a:t>Time consuming. Tests run through the user interface often take a long time to run. I’ve seen numerous teams with impressive suites of automated user interface tests that take so long to run they cannot be run every night, much less multiple times per day.</a:t>
-            </a:r>
-          </a:p>
-          <a:p>
-            <a:pPr marL="171450" indent="-171450">
-              <a:buFontTx/>
-              <a:buChar char="•"/>
-            </a:pPr>
-            <a:endParaRPr lang="en-US" baseline="0" dirty="0"/>
-          </a:p>
-          <a:p>
-            <a:pPr marL="171450" indent="-171450">
-              <a:buFontTx/>
-              <a:buChar char="•"/>
-            </a:pPr>
-            <a:r>
-              <a:rPr lang="en-US" baseline="0" dirty="0"/>
-              <a:t>For much of my career test automation meant tests that drove an application through its user-interface. Such tools would often provide the facility to record an interaction with the application and then allow you to play back that interaction, checking that the application returned the same results. Such an approach works well initially. It's easy to record tests, and the tests can be recorded by people with no knowledge of programming.</a:t>
-            </a:r>
-          </a:p>
-          <a:p>
-            <a:pPr marL="171450" indent="-171450">
-              <a:buFontTx/>
-              <a:buChar char="•"/>
-            </a:pPr>
-            <a:endParaRPr lang="en-US" baseline="0" dirty="0"/>
-          </a:p>
-          <a:p>
-            <a:pPr marL="171450" indent="-171450">
-              <a:buFontTx/>
-              <a:buChar char="•"/>
-            </a:pPr>
-            <a:r>
-              <a:rPr lang="en-US" baseline="0" dirty="0"/>
-              <a:t>But this kind of approach quickly runs into trouble, becoming an ice-cream cone. Testing through the UI like this is slow, increasing build times. Often it requires installed </a:t>
-            </a:r>
-            <a:r>
-              <a:rPr lang="en-US" baseline="0" dirty="0" err="1"/>
-              <a:t>licences</a:t>
-            </a:r>
-            <a:r>
-              <a:rPr lang="en-US" baseline="0" dirty="0"/>
-              <a:t> for the test automation software, which means it can only be done on particular machines. Usually these cannot easily be run in a "headless" mode, monitored by scripts to put in a proper deployment pipeline.</a:t>
-            </a:r>
-          </a:p>
-          <a:p>
-            <a:pPr marL="171450" indent="-171450">
-              <a:buFontTx/>
-              <a:buChar char="•"/>
-            </a:pPr>
-            <a:endParaRPr lang="en-US" baseline="0" dirty="0"/>
-          </a:p>
-          <a:p>
-            <a:pPr marL="171450" indent="-171450">
-              <a:buFontTx/>
-              <a:buChar char="•"/>
-            </a:pPr>
-            <a:r>
-              <a:rPr lang="en-US" baseline="0" dirty="0"/>
-              <a:t>Most importantly such tests are very brittle. An enhancement to the system can easily end up breaking lots of such tests, which then have to be re-recorded. You can reduce this problem by abandoning record-playback tools, but that makes the tests harder to write. [1] Even with good practices on writing them, end-to-end tests are more prone to non-determinism problems, which can undermine trust in them. In short, tests that run end-to-end through the UI are: brittle, expensive to write, and time consuming to run. So the pyramid argues that you should do much more automated testing through unit tests than you should through traditional GUI based testing.</a:t>
-            </a:r>
-          </a:p>
-          <a:p>
-            <a:pPr marL="0" indent="0">
-              <a:buFontTx/>
-              <a:buNone/>
-            </a:pPr>
-            <a:endParaRPr lang="en-US" baseline="0" dirty="0"/>
-          </a:p>
-          <a:p>
-            <a:pPr marL="0" indent="0">
-              <a:buFontTx/>
-              <a:buNone/>
-            </a:pPr>
-            <a:r>
-              <a:rPr lang="en-US" baseline="0" dirty="0"/>
-              <a:t>In addition, consider that in the ice-cream cone, the weight of tests is on the adapter – a component that we want to throw away to cope with technological change. If we write automation tests against our </a:t>
-            </a:r>
-            <a:r>
-              <a:rPr lang="en-US" baseline="0" dirty="0" err="1"/>
-              <a:t>WebForms</a:t>
-            </a:r>
-            <a:r>
-              <a:rPr lang="en-US" baseline="0" dirty="0"/>
-              <a:t> UI what happens when we decide to re-write as a SPA. The simple answer is that we are forced to throw away our tests along with the adapter!</a:t>
-            </a:r>
-          </a:p>
-          <a:p>
-            <a:pPr marL="0" indent="0">
-              <a:buFontTx/>
-              <a:buNone/>
-            </a:pPr>
-            <a:endParaRPr lang="en-US" baseline="0" dirty="0"/>
-          </a:p>
-          <a:p>
-            <a:pPr marL="0" indent="0">
-              <a:buFontTx/>
-              <a:buNone/>
-            </a:pPr>
-            <a:r>
-              <a:rPr lang="en-US" baseline="0" dirty="0"/>
-              <a:t> </a:t>
-            </a:r>
-          </a:p>
-          <a:p>
-            <a:endParaRPr lang="en-US" dirty="0"/>
+              <a:t>TDD gives binary feedback. Red/Green does this pass or not. That is the clearest form of feedback. Other forms of feedback take time to understand, so are slower.</a:t>
+            </a:r>
           </a:p>
         </p:txBody>
       </p:sp>
@@ -10635,7 +10507,7 @@
             <a:spLocks noGrp="1"/>
           </p:cNvSpPr>
           <p:nvPr>
-            <p:ph type="sldNum" sz="quarter" idx="10"/>
+            <p:ph type="sldNum" sz="quarter" idx="5"/>
           </p:nvPr>
         </p:nvSpPr>
         <p:spPr/>
@@ -10643,19 +10515,18 @@
           <a:bodyPr/>
           <a:lstStyle/>
           <a:p>
-            <a:fld id="{F66C4C5A-655F-4C9D-B92A-07E1070CBF6B}" type="slidenum">
-              <a:rPr lang="en-GB" smtClean="0"/>
-              <a:pPr/>
-              <a:t>109</a:t>
+            <a:fld id="{8D454BB1-5AB5-DF45-A819-95464E74CBE3}" type="slidenum">
+              <a:rPr lang="en-US" smtClean="0"/>
+              <a:t>103</a:t>
             </a:fld>
-            <a:endParaRPr lang="en-GB"/>
+            <a:endParaRPr lang="en-US"/>
           </a:p>
         </p:txBody>
       </p:sp>
     </p:spTree>
     <p:extLst>
       <p:ext uri="{BB962C8B-B14F-4D97-AF65-F5344CB8AC3E}">
-        <p14:creationId xmlns:p14="http://schemas.microsoft.com/office/powerpoint/2010/main" val="2544767377"/>
+        <p14:creationId xmlns:p14="http://schemas.microsoft.com/office/powerpoint/2010/main" val="3267432053"/>
       </p:ext>
     </p:extLst>
   </p:cSld>
@@ -10711,7 +10582,16 @@
           <a:p>
             <a:r>
               <a:rPr lang="en-US" dirty="0"/>
-              <a:t>Test Pyramid</a:t>
+              <a:t>TDD is not good for all of our code</a:t>
+            </a:r>
+          </a:p>
+          <a:p>
+            <a:endParaRPr lang="en-US" dirty="0"/>
+          </a:p>
+          <a:p>
+            <a:r>
+              <a:rPr lang="en-US" dirty="0"/>
+              <a:t>TDD works best on the domain. </a:t>
             </a:r>
           </a:p>
         </p:txBody>
@@ -10733,7 +10613,7 @@
           <a:p>
             <a:fld id="{8D454BB1-5AB5-DF45-A819-95464E74CBE3}" type="slidenum">
               <a:rPr lang="en-US" smtClean="0"/>
-              <a:t>110</a:t>
+              <a:t>104</a:t>
             </a:fld>
             <a:endParaRPr lang="en-US"/>
           </a:p>
@@ -10742,7 +10622,7 @@
     </p:spTree>
     <p:extLst>
       <p:ext uri="{BB962C8B-B14F-4D97-AF65-F5344CB8AC3E}">
-        <p14:creationId xmlns:p14="http://schemas.microsoft.com/office/powerpoint/2010/main" val="17377811"/>
+        <p14:creationId xmlns:p14="http://schemas.microsoft.com/office/powerpoint/2010/main" val="3895958545"/>
       </p:ext>
     </p:extLst>
   </p:cSld>
@@ -10796,7 +10676,59 @@
           <a:bodyPr/>
           <a:lstStyle/>
           <a:p>
+            <a:r>
+              <a:rPr lang="en-US" dirty="0"/>
+              <a:t>TDD of a UI is difficult, partially because it is difficult to dive the UI code, but also because the UI is not being explored by the tests. Normally you have a design somewhere for how the UI looks, and what happens when the user interacts with that. There are usually automation tools that can confirm you meet that. If you have the UX then TDD is not going to help you develop it. Yu can automate confirmation of the requirements, but you can’t drive the design here.</a:t>
+            </a:r>
+          </a:p>
+          <a:p>
+            <a:r>
+              <a:rPr lang="en-US" dirty="0"/>
+              <a:t>Arguably, you don’t drive the design of an external API this way either – instead you design in something like </a:t>
+            </a:r>
+            <a:r>
+              <a:rPr lang="en-US" dirty="0" err="1"/>
+              <a:t>OpenAPI</a:t>
+            </a:r>
+            <a:r>
+              <a:rPr lang="en-US" dirty="0"/>
+              <a:t> and discuss it with stakeholders. You may automate that with consumer drive contracts</a:t>
+            </a:r>
+          </a:p>
+          <a:p>
+            <a:r>
+              <a:rPr lang="en-US" dirty="0"/>
+              <a:t>TDD can be used to an spike a problem or explore an SDK, but it is a lot of overhead for something that is really: read the documentation, try something, and see what happens. I would tend to use a REPL or test harness over TDD, and once I had understood how it works, come back to TDD something with it.</a:t>
+            </a:r>
+          </a:p>
+          <a:p>
+            <a:r>
+              <a:rPr lang="en-US" dirty="0"/>
+              <a:t>TDD should not be used to check 3</a:t>
+            </a:r>
+            <a:r>
+              <a:rPr lang="en-US" baseline="30000" dirty="0"/>
+              <a:t>rd</a:t>
+            </a:r>
+            <a:r>
+              <a:rPr lang="en-US" dirty="0"/>
+              <a:t> party code such as frameworks or SDKs. Assume they have their own tests</a:t>
+            </a:r>
+          </a:p>
+          <a:p>
+            <a:r>
+              <a:rPr lang="en-US" dirty="0"/>
+              <a:t>TDD should not be used to drive integration, particularly with a distributed system. The tests will be fragile. Wrap that in a Gateway, hide it from user code. Automate the testing of it, perhaps with test last, but TDD won’t help you discover how to write the code or implement it.</a:t>
+            </a:r>
+          </a:p>
+          <a:p>
             <a:endParaRPr lang="en-US" dirty="0"/>
+          </a:p>
+          <a:p>
+            <a:r>
+              <a:rPr lang="en-US" dirty="0"/>
+              <a:t>Later on we will look at the help architecture could give us</a:t>
+            </a:r>
           </a:p>
         </p:txBody>
       </p:sp>
@@ -10817,7 +10749,7 @@
           <a:p>
             <a:fld id="{8D454BB1-5AB5-DF45-A819-95464E74CBE3}" type="slidenum">
               <a:rPr lang="en-US" smtClean="0"/>
-              <a:t>113</a:t>
+              <a:t>105</a:t>
             </a:fld>
             <a:endParaRPr lang="en-US"/>
           </a:p>
@@ -10826,7 +10758,7 @@
     </p:spTree>
     <p:extLst>
       <p:ext uri="{BB962C8B-B14F-4D97-AF65-F5344CB8AC3E}">
-        <p14:creationId xmlns:p14="http://schemas.microsoft.com/office/powerpoint/2010/main" val="2982569269"/>
+        <p14:creationId xmlns:p14="http://schemas.microsoft.com/office/powerpoint/2010/main" val="1874402160"/>
       </p:ext>
     </p:extLst>
   </p:cSld>
@@ -10880,216 +10812,6 @@
           <a:bodyPr/>
           <a:lstStyle/>
           <a:p>
-            <a:pPr marL="0" marR="0" lvl="0" indent="0" algn="l" defTabSz="914400" rtl="0" eaLnBrk="1" fontAlgn="auto" latinLnBrk="0" hangingPunct="1">
-              <a:lnSpc>
-                <a:spcPct val="100000"/>
-              </a:lnSpc>
-              <a:spcBef>
-                <a:spcPts val="0"/>
-              </a:spcBef>
-              <a:spcAft>
-                <a:spcPts val="0"/>
-              </a:spcAft>
-              <a:buClrTx/>
-              <a:buSzTx/>
-              <a:buFontTx/>
-              <a:buNone/>
-              <a:tabLst/>
-              <a:defRPr/>
-            </a:pPr>
-            <a:r>
-              <a:rPr lang="en-US" dirty="0"/>
-              <a:t>So I went back to look at the source, to see what was said.</a:t>
-            </a:r>
-          </a:p>
-          <a:p>
-            <a:pPr marL="0" marR="0" lvl="0" indent="0" algn="l" defTabSz="914400" rtl="0" eaLnBrk="1" fontAlgn="auto" latinLnBrk="0" hangingPunct="1">
-              <a:lnSpc>
-                <a:spcPct val="100000"/>
-              </a:lnSpc>
-              <a:spcBef>
-                <a:spcPts val="0"/>
-              </a:spcBef>
-              <a:spcAft>
-                <a:spcPts val="0"/>
-              </a:spcAft>
-              <a:buClrTx/>
-              <a:buSzTx/>
-              <a:buFontTx/>
-              <a:buNone/>
-              <a:tabLst/>
-              <a:defRPr/>
-            </a:pPr>
-            <a:endParaRPr lang="en-US" dirty="0"/>
-          </a:p>
-          <a:p>
-            <a:pPr marL="0" marR="0" lvl="0" indent="0" algn="l" defTabSz="914400" rtl="0" eaLnBrk="1" fontAlgn="auto" latinLnBrk="0" hangingPunct="1">
-              <a:lnSpc>
-                <a:spcPct val="100000"/>
-              </a:lnSpc>
-              <a:spcBef>
-                <a:spcPts val="0"/>
-              </a:spcBef>
-              <a:spcAft>
-                <a:spcPts val="0"/>
-              </a:spcAft>
-              <a:buClrTx/>
-              <a:buSzTx/>
-              <a:buFontTx/>
-              <a:buNone/>
-              <a:tabLst/>
-              <a:defRPr/>
-            </a:pPr>
-            <a:r>
-              <a:rPr lang="en-US" dirty="0"/>
-              <a:t>Kent Beck introduced TDD to the world with his book, TDD By Example in 2002. It had been in use on XP teams such as the Chrysler C3 team</a:t>
-            </a:r>
-          </a:p>
-          <a:p>
-            <a:pPr marL="0" marR="0" lvl="0" indent="0" algn="l" defTabSz="914400" rtl="0" eaLnBrk="1" fontAlgn="auto" latinLnBrk="0" hangingPunct="1">
-              <a:lnSpc>
-                <a:spcPct val="100000"/>
-              </a:lnSpc>
-              <a:spcBef>
-                <a:spcPts val="0"/>
-              </a:spcBef>
-              <a:spcAft>
-                <a:spcPts val="0"/>
-              </a:spcAft>
-              <a:buClrTx/>
-              <a:buSzTx/>
-              <a:buFontTx/>
-              <a:buNone/>
-              <a:tabLst/>
-              <a:defRPr/>
-            </a:pPr>
-            <a:endParaRPr lang="en-US" dirty="0"/>
-          </a:p>
-          <a:p>
-            <a:pPr marL="0" marR="0" lvl="0" indent="0" algn="l" defTabSz="914400" rtl="0" eaLnBrk="1" fontAlgn="auto" latinLnBrk="0" hangingPunct="1">
-              <a:lnSpc>
-                <a:spcPct val="100000"/>
-              </a:lnSpc>
-              <a:spcBef>
-                <a:spcPts val="0"/>
-              </a:spcBef>
-              <a:spcAft>
-                <a:spcPts val="0"/>
-              </a:spcAft>
-              <a:buClrTx/>
-              <a:buSzTx/>
-              <a:buFontTx/>
-              <a:buNone/>
-              <a:tabLst/>
-              <a:defRPr/>
-            </a:pPr>
-            <a:r>
-              <a:rPr lang="en-US" dirty="0"/>
-              <a:t>I was surprised, for a book that had been published at the point most of us were beginning to use TDD, how complete it was. It covered topics that I only thought emerged later, such as patterns, mocks etc. I appreciated that later books had misunderstood its message, and I wanted to communicate that any experienced practitioner should read this book and learn its lessons</a:t>
-            </a:r>
-          </a:p>
-          <a:p>
-            <a:pPr marL="0" marR="0" lvl="0" indent="0" algn="l" defTabSz="914400" rtl="0" eaLnBrk="1" fontAlgn="auto" latinLnBrk="0" hangingPunct="1">
-              <a:lnSpc>
-                <a:spcPct val="100000"/>
-              </a:lnSpc>
-              <a:spcBef>
-                <a:spcPts val="0"/>
-              </a:spcBef>
-              <a:spcAft>
-                <a:spcPts val="0"/>
-              </a:spcAft>
-              <a:buClrTx/>
-              <a:buSzTx/>
-              <a:buFontTx/>
-              <a:buNone/>
-              <a:tabLst/>
-              <a:defRPr/>
-            </a:pPr>
-            <a:endParaRPr lang="en-US" dirty="0"/>
-          </a:p>
-          <a:p>
-            <a:pPr>
-              <a:buFont typeface="Arial" pitchFamily="34" charset="0"/>
-              <a:buChar char="•"/>
-            </a:pPr>
-            <a:r>
-              <a:rPr lang="en-US" dirty="0"/>
-              <a:t>It is simple and elegant.</a:t>
-            </a:r>
-          </a:p>
-          <a:p>
-            <a:pPr>
-              <a:buFont typeface="Arial" pitchFamily="34" charset="0"/>
-              <a:buChar char="•"/>
-            </a:pPr>
-            <a:r>
-              <a:rPr lang="en-US" dirty="0"/>
-              <a:t> It covers the essentials of TDD, which have been misunderstood by many since.</a:t>
-            </a:r>
-          </a:p>
-          <a:p>
-            <a:pPr>
-              <a:buFont typeface="Arial" pitchFamily="34" charset="0"/>
-              <a:buChar char="•"/>
-            </a:pPr>
-            <a:r>
-              <a:rPr lang="en-US" dirty="0"/>
-              <a:t> It covers more than just the basics with  topics on patterns, smells, mocks etc.</a:t>
-            </a:r>
-          </a:p>
-          <a:p>
-            <a:pPr>
-              <a:buFont typeface="Arial" pitchFamily="34" charset="0"/>
-              <a:buChar char="•"/>
-            </a:pPr>
-            <a:r>
-              <a:rPr lang="en-US" dirty="0"/>
-              <a:t> Good later work builds on it, but too much later work just misunderstands it</a:t>
-            </a:r>
-          </a:p>
-          <a:p>
-            <a:pPr>
-              <a:buFont typeface="Arial" pitchFamily="34" charset="0"/>
-              <a:buChar char="•"/>
-            </a:pPr>
-            <a:r>
-              <a:rPr lang="en-US" dirty="0"/>
-              <a:t> The goal here is to go back and talk about it</a:t>
-            </a:r>
-          </a:p>
-          <a:p>
-            <a:pPr>
-              <a:buFont typeface="Arial" pitchFamily="34" charset="0"/>
-              <a:buChar char="•"/>
-            </a:pPr>
-            <a:r>
-              <a:rPr lang="en-US" dirty="0"/>
-              <a:t> And then look at folks who built on it</a:t>
-            </a:r>
-            <a:endParaRPr lang="en-GB" dirty="0"/>
-          </a:p>
-          <a:p>
-            <a:pPr marL="0" marR="0" lvl="0" indent="0" algn="l" defTabSz="914400" rtl="0" eaLnBrk="1" fontAlgn="auto" latinLnBrk="0" hangingPunct="1">
-              <a:lnSpc>
-                <a:spcPct val="100000"/>
-              </a:lnSpc>
-              <a:spcBef>
-                <a:spcPts val="0"/>
-              </a:spcBef>
-              <a:spcAft>
-                <a:spcPts val="0"/>
-              </a:spcAft>
-              <a:buClrTx/>
-              <a:buSzTx/>
-              <a:buFontTx/>
-              <a:buNone/>
-              <a:tabLst/>
-              <a:defRPr/>
-            </a:pPr>
-            <a:endParaRPr lang="en-US" dirty="0"/>
-          </a:p>
-          <a:p>
             <a:endParaRPr lang="en-US" dirty="0"/>
           </a:p>
         </p:txBody>
@@ -11111,7 +10833,7 @@
           <a:p>
             <a:fld id="{8D454BB1-5AB5-DF45-A819-95464E74CBE3}" type="slidenum">
               <a:rPr lang="en-US" smtClean="0"/>
-              <a:t>115</a:t>
+              <a:t>107</a:t>
             </a:fld>
             <a:endParaRPr lang="en-US"/>
           </a:p>
@@ -11120,7 +10842,7 @@
     </p:spTree>
     <p:extLst>
       <p:ext uri="{BB962C8B-B14F-4D97-AF65-F5344CB8AC3E}">
-        <p14:creationId xmlns:p14="http://schemas.microsoft.com/office/powerpoint/2010/main" val="1970023077"/>
+        <p14:creationId xmlns:p14="http://schemas.microsoft.com/office/powerpoint/2010/main" val="893681755"/>
       </p:ext>
     </p:extLst>
   </p:cSld>
@@ -11174,46 +10896,32 @@
           <a:bodyPr/>
           <a:lstStyle/>
           <a:p>
-            <a:pPr marL="0" marR="0" lvl="0" indent="0" algn="l" defTabSz="914400" rtl="0" eaLnBrk="1" fontAlgn="auto" latinLnBrk="0" hangingPunct="1">
-              <a:lnSpc>
-                <a:spcPct val="100000"/>
-              </a:lnSpc>
-              <a:spcBef>
-                <a:spcPts val="0"/>
-              </a:spcBef>
-              <a:spcAft>
-                <a:spcPts val="0"/>
-              </a:spcAft>
-              <a:buClrTx/>
-              <a:buSzTx/>
-              <a:buFontTx/>
-              <a:buNone/>
-              <a:tabLst/>
-              <a:defRPr/>
-            </a:pPr>
-            <a:r>
-              <a:rPr lang="en-GB" dirty="0"/>
-              <a:t>This book uses 99 bottles of beer to teach you about TDD and refactoring. It is an excellent book on how to use TDD to avoid over-design and clear approaches to refactoring.</a:t>
-            </a:r>
-          </a:p>
-          <a:p>
-            <a:pPr marL="0" marR="0" lvl="0" indent="0" algn="l" defTabSz="914400" rtl="0" eaLnBrk="1" fontAlgn="auto" latinLnBrk="0" hangingPunct="1">
-              <a:lnSpc>
-                <a:spcPct val="100000"/>
-              </a:lnSpc>
-              <a:spcBef>
-                <a:spcPts val="0"/>
-              </a:spcBef>
-              <a:spcAft>
-                <a:spcPts val="0"/>
-              </a:spcAft>
-              <a:buClrTx/>
-              <a:buSzTx/>
-              <a:buFontTx/>
-              <a:buNone/>
-              <a:tabLst/>
-              <a:defRPr/>
-            </a:pPr>
+            <a:r>
+              <a:rPr lang="en-US" dirty="0"/>
+              <a:t>TDD is necessary, but not sufficient. As a tool for supporting programmer development of code it leaves a test artefact that can be used to ensure that the code continues to meet requirements.</a:t>
+            </a:r>
+          </a:p>
+          <a:p>
+            <a:endParaRPr lang="en-US" dirty="0"/>
+          </a:p>
+          <a:p>
+            <a:r>
+              <a:rPr lang="en-US" dirty="0"/>
+              <a:t>But because we often don’t want to drive with TDD visual elements, integrations with 3</a:t>
+            </a:r>
+            <a:r>
+              <a:rPr lang="en-US" baseline="30000" dirty="0"/>
+              <a:t>rd</a:t>
+            </a:r>
+            <a:r>
+              <a:rPr lang="en-US" dirty="0"/>
+              <a:t> party services, third party SDKs etc. there is always a ‘gap’. </a:t>
+            </a:r>
+          </a:p>
+          <a:p>
+            <a:endParaRPr lang="en-US" dirty="0"/>
+          </a:p>
+          <a:p>
             <a:endParaRPr lang="en-US" dirty="0"/>
           </a:p>
         </p:txBody>
@@ -11235,7 +10943,7 @@
           <a:p>
             <a:fld id="{8D454BB1-5AB5-DF45-A819-95464E74CBE3}" type="slidenum">
               <a:rPr lang="en-US" smtClean="0"/>
-              <a:t>116</a:t>
+              <a:t>108</a:t>
             </a:fld>
             <a:endParaRPr lang="en-US"/>
           </a:p>
@@ -11244,7 +10952,7 @@
     </p:spTree>
     <p:extLst>
       <p:ext uri="{BB962C8B-B14F-4D97-AF65-F5344CB8AC3E}">
-        <p14:creationId xmlns:p14="http://schemas.microsoft.com/office/powerpoint/2010/main" val="1637241753"/>
+        <p14:creationId xmlns:p14="http://schemas.microsoft.com/office/powerpoint/2010/main" val="3392352305"/>
       </p:ext>
     </p:extLst>
   </p:cSld>
@@ -11300,9 +11008,6 @@
           <a:p>
             <a:endParaRPr lang="en-US" dirty="0"/>
           </a:p>
-          <a:p>
-            <a:endParaRPr lang="en-US" dirty="0"/>
-          </a:p>
         </p:txBody>
       </p:sp>
       <p:sp>
@@ -11322,7 +11027,7 @@
           <a:p>
             <a:fld id="{8D454BB1-5AB5-DF45-A819-95464E74CBE3}" type="slidenum">
               <a:rPr lang="en-US" smtClean="0"/>
-              <a:t>22</a:t>
+              <a:t>17</a:t>
             </a:fld>
             <a:endParaRPr lang="en-US"/>
           </a:p>
@@ -11331,7 +11036,7 @@
     </p:spTree>
     <p:extLst>
       <p:ext uri="{BB962C8B-B14F-4D97-AF65-F5344CB8AC3E}">
-        <p14:creationId xmlns:p14="http://schemas.microsoft.com/office/powerpoint/2010/main" val="937243557"/>
+        <p14:creationId xmlns:p14="http://schemas.microsoft.com/office/powerpoint/2010/main" val="4061187214"/>
       </p:ext>
     </p:extLst>
   </p:cSld>
@@ -11382,6 +11087,856 @@
         </p:nvSpPr>
         <p:spPr/>
         <p:txBody>
+          <a:bodyPr>
+            <a:normAutofit fontScale="55000" lnSpcReduction="20000"/>
+          </a:bodyPr>
+          <a:lstStyle/>
+          <a:p>
+            <a:r>
+              <a:rPr lang="en-US" dirty="0"/>
+              <a:t>An inverted pyramid, too</a:t>
+            </a:r>
+            <a:r>
+              <a:rPr lang="en-US" baseline="0" dirty="0"/>
+              <a:t> much emphasis on the wrong tests.</a:t>
+            </a:r>
+          </a:p>
+          <a:p>
+            <a:endParaRPr lang="en-US" baseline="0" dirty="0"/>
+          </a:p>
+          <a:p>
+            <a:r>
+              <a:rPr lang="en-US" baseline="0" dirty="0"/>
+              <a:t>Manual Tests</a:t>
+            </a:r>
+          </a:p>
+          <a:p>
+            <a:r>
+              <a:rPr lang="en-US" baseline="0" dirty="0"/>
+              <a:t>Expensive and give poor feedback. It may take days to run a manual regression pack which gives poor feedback to developers trying to determine what features caused an issue</a:t>
+            </a:r>
+          </a:p>
+          <a:p>
+            <a:endParaRPr lang="en-US" baseline="0" dirty="0"/>
+          </a:p>
+          <a:p>
+            <a:r>
+              <a:rPr lang="en-US" baseline="0" dirty="0"/>
+              <a:t>Automated </a:t>
+            </a:r>
+            <a:r>
+              <a:rPr lang="en-US" baseline="0" dirty="0" err="1"/>
+              <a:t>Gui</a:t>
+            </a:r>
+            <a:r>
+              <a:rPr lang="en-US" baseline="0" dirty="0"/>
+              <a:t> Tests</a:t>
+            </a:r>
+          </a:p>
+          <a:p>
+            <a:r>
+              <a:rPr lang="en-US" baseline="0" dirty="0"/>
+              <a:t>Let’s skip for a moment the middle of the test automation pyramid and jump right to the top; the user interface level. Automated user interface testing is placed at the top of the test automation pyramid because we want to do as little of it as possible. We want this because user interface tests often have the following negative attributes:</a:t>
+            </a:r>
+          </a:p>
+          <a:p>
+            <a:endParaRPr lang="en-US" baseline="0" dirty="0"/>
+          </a:p>
+          <a:p>
+            <a:r>
+              <a:rPr lang="en-US" baseline="0" dirty="0"/>
+              <a:t>* Brittle. A small change in the user interface can break many tests. When this is repeated many times over the course of a project, teams simply give up and stop correcting tests every time the user interface changes.</a:t>
+            </a:r>
+          </a:p>
+          <a:p>
+            <a:r>
+              <a:rPr lang="en-US" baseline="0" dirty="0"/>
+              <a:t>* Expensive to write. A quick capture-and-playback approach to recording user interface tests can work, but tests recorded this way are usually the most brittle. Writing a good user interface test that will remain useful and valid takes time.</a:t>
+            </a:r>
+          </a:p>
+          <a:p>
+            <a:pPr marL="171450" indent="-171450">
+              <a:buFontTx/>
+              <a:buChar char="•"/>
+            </a:pPr>
+            <a:r>
+              <a:rPr lang="en-US" baseline="0" dirty="0"/>
+              <a:t>Time consuming. Tests run through the user interface often take a long time to run. I’ve seen numerous teams with impressive suites of automated user interface tests that take so long to run they cannot be run every night, much less multiple times per day.</a:t>
+            </a:r>
+          </a:p>
+          <a:p>
+            <a:pPr marL="171450" indent="-171450">
+              <a:buFontTx/>
+              <a:buChar char="•"/>
+            </a:pPr>
+            <a:endParaRPr lang="en-US" baseline="0" dirty="0"/>
+          </a:p>
+          <a:p>
+            <a:pPr marL="171450" indent="-171450">
+              <a:buFontTx/>
+              <a:buChar char="•"/>
+            </a:pPr>
+            <a:r>
+              <a:rPr lang="en-US" baseline="0" dirty="0"/>
+              <a:t>For much of my career test automation meant tests that drove an application through its user-interface. Such tools would often provide the facility to record an interaction with the application and then allow you to play back that interaction, checking that the application returned the same results. Such an approach works well initially. It's easy to record tests, and the tests can be recorded by people with no knowledge of programming.</a:t>
+            </a:r>
+          </a:p>
+          <a:p>
+            <a:pPr marL="171450" indent="-171450">
+              <a:buFontTx/>
+              <a:buChar char="•"/>
+            </a:pPr>
+            <a:endParaRPr lang="en-US" baseline="0" dirty="0"/>
+          </a:p>
+          <a:p>
+            <a:pPr marL="171450" indent="-171450">
+              <a:buFontTx/>
+              <a:buChar char="•"/>
+            </a:pPr>
+            <a:r>
+              <a:rPr lang="en-US" baseline="0" dirty="0"/>
+              <a:t>But this kind of approach quickly runs into trouble, becoming an ice-cream cone. Testing through the UI like this is slow, increasing build times. Often it requires installed </a:t>
+            </a:r>
+            <a:r>
+              <a:rPr lang="en-US" baseline="0" dirty="0" err="1"/>
+              <a:t>licences</a:t>
+            </a:r>
+            <a:r>
+              <a:rPr lang="en-US" baseline="0" dirty="0"/>
+              <a:t> for the test automation software, which means it can only be done on particular machines. Usually these cannot easily be run in a "headless" mode, monitored by scripts to put in a proper deployment pipeline.</a:t>
+            </a:r>
+          </a:p>
+          <a:p>
+            <a:pPr marL="171450" indent="-171450">
+              <a:buFontTx/>
+              <a:buChar char="•"/>
+            </a:pPr>
+            <a:endParaRPr lang="en-US" baseline="0" dirty="0"/>
+          </a:p>
+          <a:p>
+            <a:pPr marL="171450" indent="-171450">
+              <a:buFontTx/>
+              <a:buChar char="•"/>
+            </a:pPr>
+            <a:r>
+              <a:rPr lang="en-US" baseline="0" dirty="0"/>
+              <a:t>Most importantly such tests are very brittle. An enhancement to the system can easily end up breaking lots of such tests, which then have to be re-recorded. You can reduce this problem by abandoning record-playback tools, but that makes the tests harder to write. [1] Even with good practices on writing them, end-to-end tests are more prone to non-determinism problems, which can undermine trust in them. In short, tests that run end-to-end through the UI are: brittle, expensive to write, and time consuming to run. So the pyramid argues that you should do much more automated testing through unit tests than you should through traditional GUI based testing.</a:t>
+            </a:r>
+          </a:p>
+          <a:p>
+            <a:pPr marL="0" indent="0">
+              <a:buFontTx/>
+              <a:buNone/>
+            </a:pPr>
+            <a:endParaRPr lang="en-US" baseline="0" dirty="0"/>
+          </a:p>
+          <a:p>
+            <a:pPr marL="0" indent="0">
+              <a:buFontTx/>
+              <a:buNone/>
+            </a:pPr>
+            <a:r>
+              <a:rPr lang="en-US" baseline="0" dirty="0"/>
+              <a:t>In addition, consider that in the ice-cream cone, the weight of tests is on the adapter – a component that we want to throw away to cope with technological change. If we write automation tests against our </a:t>
+            </a:r>
+            <a:r>
+              <a:rPr lang="en-US" baseline="0" dirty="0" err="1"/>
+              <a:t>WebForms</a:t>
+            </a:r>
+            <a:r>
+              <a:rPr lang="en-US" baseline="0" dirty="0"/>
+              <a:t> UI what happens when we decide to re-write as a SPA. The simple answer is that we are forced to throw away our tests along with the adapter!</a:t>
+            </a:r>
+          </a:p>
+          <a:p>
+            <a:pPr marL="0" indent="0">
+              <a:buFontTx/>
+              <a:buNone/>
+            </a:pPr>
+            <a:endParaRPr lang="en-US" baseline="0" dirty="0"/>
+          </a:p>
+          <a:p>
+            <a:pPr marL="0" indent="0">
+              <a:buFontTx/>
+              <a:buNone/>
+            </a:pPr>
+            <a:r>
+              <a:rPr lang="en-US" baseline="0" dirty="0"/>
+              <a:t> </a:t>
+            </a:r>
+          </a:p>
+          <a:p>
+            <a:endParaRPr lang="en-US" dirty="0"/>
+          </a:p>
+        </p:txBody>
+      </p:sp>
+      <p:sp>
+        <p:nvSpPr>
+          <p:cNvPr id="4" name="Slide Number Placeholder 3"/>
+          <p:cNvSpPr>
+            <a:spLocks noGrp="1"/>
+          </p:cNvSpPr>
+          <p:nvPr>
+            <p:ph type="sldNum" sz="quarter" idx="10"/>
+          </p:nvPr>
+        </p:nvSpPr>
+        <p:spPr/>
+        <p:txBody>
+          <a:bodyPr/>
+          <a:lstStyle/>
+          <a:p>
+            <a:fld id="{F66C4C5A-655F-4C9D-B92A-07E1070CBF6B}" type="slidenum">
+              <a:rPr lang="en-GB" smtClean="0"/>
+              <a:pPr/>
+              <a:t>109</a:t>
+            </a:fld>
+            <a:endParaRPr lang="en-GB"/>
+          </a:p>
+        </p:txBody>
+      </p:sp>
+    </p:spTree>
+    <p:extLst>
+      <p:ext uri="{BB962C8B-B14F-4D97-AF65-F5344CB8AC3E}">
+        <p14:creationId xmlns:p14="http://schemas.microsoft.com/office/powerpoint/2010/main" val="2544767377"/>
+      </p:ext>
+    </p:extLst>
+  </p:cSld>
+  <p:clrMapOvr>
+    <a:masterClrMapping/>
+  </p:clrMapOvr>
+</p:notes>
+</file>
+
+<file path=ppt/notesSlides/notesSlide91.xml><?xml version="1.0" encoding="utf-8"?>
+<p:notes xmlns:a="http://schemas.openxmlformats.org/drawingml/2006/main" xmlns:r="http://schemas.openxmlformats.org/officeDocument/2006/relationships" xmlns:p="http://schemas.openxmlformats.org/presentationml/2006/main">
+  <p:cSld>
+    <p:spTree>
+      <p:nvGrpSpPr>
+        <p:cNvPr id="1" name=""/>
+        <p:cNvGrpSpPr/>
+        <p:nvPr/>
+      </p:nvGrpSpPr>
+      <p:grpSpPr>
+        <a:xfrm>
+          <a:off x="0" y="0"/>
+          <a:ext cx="0" cy="0"/>
+          <a:chOff x="0" y="0"/>
+          <a:chExt cx="0" cy="0"/>
+        </a:xfrm>
+      </p:grpSpPr>
+      <p:sp>
+        <p:nvSpPr>
+          <p:cNvPr id="2" name="Slide Image Placeholder 1"/>
+          <p:cNvSpPr>
+            <a:spLocks noGrp="1" noRot="1" noChangeAspect="1"/>
+          </p:cNvSpPr>
+          <p:nvPr>
+            <p:ph type="sldImg"/>
+          </p:nvPr>
+        </p:nvSpPr>
+        <p:spPr/>
+      </p:sp>
+      <p:sp>
+        <p:nvSpPr>
+          <p:cNvPr id="3" name="Notes Placeholder 2"/>
+          <p:cNvSpPr>
+            <a:spLocks noGrp="1"/>
+          </p:cNvSpPr>
+          <p:nvPr>
+            <p:ph type="body" idx="1"/>
+          </p:nvPr>
+        </p:nvSpPr>
+        <p:spPr/>
+        <p:txBody>
+          <a:bodyPr/>
+          <a:lstStyle/>
+          <a:p>
+            <a:r>
+              <a:rPr lang="en-US" dirty="0"/>
+              <a:t>Test Pyramid</a:t>
+            </a:r>
+          </a:p>
+        </p:txBody>
+      </p:sp>
+      <p:sp>
+        <p:nvSpPr>
+          <p:cNvPr id="4" name="Slide Number Placeholder 3"/>
+          <p:cNvSpPr>
+            <a:spLocks noGrp="1"/>
+          </p:cNvSpPr>
+          <p:nvPr>
+            <p:ph type="sldNum" sz="quarter" idx="5"/>
+          </p:nvPr>
+        </p:nvSpPr>
+        <p:spPr/>
+        <p:txBody>
+          <a:bodyPr/>
+          <a:lstStyle/>
+          <a:p>
+            <a:fld id="{8D454BB1-5AB5-DF45-A819-95464E74CBE3}" type="slidenum">
+              <a:rPr lang="en-US" smtClean="0"/>
+              <a:t>110</a:t>
+            </a:fld>
+            <a:endParaRPr lang="en-US"/>
+          </a:p>
+        </p:txBody>
+      </p:sp>
+    </p:spTree>
+    <p:extLst>
+      <p:ext uri="{BB962C8B-B14F-4D97-AF65-F5344CB8AC3E}">
+        <p14:creationId xmlns:p14="http://schemas.microsoft.com/office/powerpoint/2010/main" val="17377811"/>
+      </p:ext>
+    </p:extLst>
+  </p:cSld>
+  <p:clrMapOvr>
+    <a:masterClrMapping/>
+  </p:clrMapOvr>
+</p:notes>
+</file>
+
+<file path=ppt/notesSlides/notesSlide92.xml><?xml version="1.0" encoding="utf-8"?>
+<p:notes xmlns:a="http://schemas.openxmlformats.org/drawingml/2006/main" xmlns:r="http://schemas.openxmlformats.org/officeDocument/2006/relationships" xmlns:p="http://schemas.openxmlformats.org/presentationml/2006/main">
+  <p:cSld>
+    <p:spTree>
+      <p:nvGrpSpPr>
+        <p:cNvPr id="1" name=""/>
+        <p:cNvGrpSpPr/>
+        <p:nvPr/>
+      </p:nvGrpSpPr>
+      <p:grpSpPr>
+        <a:xfrm>
+          <a:off x="0" y="0"/>
+          <a:ext cx="0" cy="0"/>
+          <a:chOff x="0" y="0"/>
+          <a:chExt cx="0" cy="0"/>
+        </a:xfrm>
+      </p:grpSpPr>
+      <p:sp>
+        <p:nvSpPr>
+          <p:cNvPr id="2" name="Slide Image Placeholder 1"/>
+          <p:cNvSpPr>
+            <a:spLocks noGrp="1" noRot="1" noChangeAspect="1"/>
+          </p:cNvSpPr>
+          <p:nvPr>
+            <p:ph type="sldImg"/>
+          </p:nvPr>
+        </p:nvSpPr>
+        <p:spPr/>
+      </p:sp>
+      <p:sp>
+        <p:nvSpPr>
+          <p:cNvPr id="3" name="Notes Placeholder 2"/>
+          <p:cNvSpPr>
+            <a:spLocks noGrp="1"/>
+          </p:cNvSpPr>
+          <p:nvPr>
+            <p:ph type="body" idx="1"/>
+          </p:nvPr>
+        </p:nvSpPr>
+        <p:spPr/>
+        <p:txBody>
+          <a:bodyPr/>
+          <a:lstStyle/>
+          <a:p>
+            <a:endParaRPr lang="en-US" dirty="0"/>
+          </a:p>
+        </p:txBody>
+      </p:sp>
+      <p:sp>
+        <p:nvSpPr>
+          <p:cNvPr id="4" name="Slide Number Placeholder 3"/>
+          <p:cNvSpPr>
+            <a:spLocks noGrp="1"/>
+          </p:cNvSpPr>
+          <p:nvPr>
+            <p:ph type="sldNum" sz="quarter" idx="5"/>
+          </p:nvPr>
+        </p:nvSpPr>
+        <p:spPr/>
+        <p:txBody>
+          <a:bodyPr/>
+          <a:lstStyle/>
+          <a:p>
+            <a:fld id="{8D454BB1-5AB5-DF45-A819-95464E74CBE3}" type="slidenum">
+              <a:rPr lang="en-US" smtClean="0"/>
+              <a:t>113</a:t>
+            </a:fld>
+            <a:endParaRPr lang="en-US"/>
+          </a:p>
+        </p:txBody>
+      </p:sp>
+    </p:spTree>
+    <p:extLst>
+      <p:ext uri="{BB962C8B-B14F-4D97-AF65-F5344CB8AC3E}">
+        <p14:creationId xmlns:p14="http://schemas.microsoft.com/office/powerpoint/2010/main" val="2982569269"/>
+      </p:ext>
+    </p:extLst>
+  </p:cSld>
+  <p:clrMapOvr>
+    <a:masterClrMapping/>
+  </p:clrMapOvr>
+</p:notes>
+</file>
+
+<file path=ppt/notesSlides/notesSlide93.xml><?xml version="1.0" encoding="utf-8"?>
+<p:notes xmlns:a="http://schemas.openxmlformats.org/drawingml/2006/main" xmlns:r="http://schemas.openxmlformats.org/officeDocument/2006/relationships" xmlns:p="http://schemas.openxmlformats.org/presentationml/2006/main">
+  <p:cSld>
+    <p:spTree>
+      <p:nvGrpSpPr>
+        <p:cNvPr id="1" name=""/>
+        <p:cNvGrpSpPr/>
+        <p:nvPr/>
+      </p:nvGrpSpPr>
+      <p:grpSpPr>
+        <a:xfrm>
+          <a:off x="0" y="0"/>
+          <a:ext cx="0" cy="0"/>
+          <a:chOff x="0" y="0"/>
+          <a:chExt cx="0" cy="0"/>
+        </a:xfrm>
+      </p:grpSpPr>
+      <p:sp>
+        <p:nvSpPr>
+          <p:cNvPr id="2" name="Slide Image Placeholder 1"/>
+          <p:cNvSpPr>
+            <a:spLocks noGrp="1" noRot="1" noChangeAspect="1"/>
+          </p:cNvSpPr>
+          <p:nvPr>
+            <p:ph type="sldImg"/>
+          </p:nvPr>
+        </p:nvSpPr>
+        <p:spPr/>
+      </p:sp>
+      <p:sp>
+        <p:nvSpPr>
+          <p:cNvPr id="3" name="Notes Placeholder 2"/>
+          <p:cNvSpPr>
+            <a:spLocks noGrp="1"/>
+          </p:cNvSpPr>
+          <p:nvPr>
+            <p:ph type="body" idx="1"/>
+          </p:nvPr>
+        </p:nvSpPr>
+        <p:spPr/>
+        <p:txBody>
+          <a:bodyPr/>
+          <a:lstStyle/>
+          <a:p>
+            <a:pPr marL="0" marR="0" lvl="0" indent="0" algn="l" defTabSz="914400" rtl="0" eaLnBrk="1" fontAlgn="auto" latinLnBrk="0" hangingPunct="1">
+              <a:lnSpc>
+                <a:spcPct val="100000"/>
+              </a:lnSpc>
+              <a:spcBef>
+                <a:spcPts val="0"/>
+              </a:spcBef>
+              <a:spcAft>
+                <a:spcPts val="0"/>
+              </a:spcAft>
+              <a:buClrTx/>
+              <a:buSzTx/>
+              <a:buFontTx/>
+              <a:buNone/>
+              <a:tabLst/>
+              <a:defRPr/>
+            </a:pPr>
+            <a:r>
+              <a:rPr lang="en-US" dirty="0"/>
+              <a:t>So I went back to look at the source, to see what was said.</a:t>
+            </a:r>
+          </a:p>
+          <a:p>
+            <a:pPr marL="0" marR="0" lvl="0" indent="0" algn="l" defTabSz="914400" rtl="0" eaLnBrk="1" fontAlgn="auto" latinLnBrk="0" hangingPunct="1">
+              <a:lnSpc>
+                <a:spcPct val="100000"/>
+              </a:lnSpc>
+              <a:spcBef>
+                <a:spcPts val="0"/>
+              </a:spcBef>
+              <a:spcAft>
+                <a:spcPts val="0"/>
+              </a:spcAft>
+              <a:buClrTx/>
+              <a:buSzTx/>
+              <a:buFontTx/>
+              <a:buNone/>
+              <a:tabLst/>
+              <a:defRPr/>
+            </a:pPr>
+            <a:endParaRPr lang="en-US" dirty="0"/>
+          </a:p>
+          <a:p>
+            <a:pPr marL="0" marR="0" lvl="0" indent="0" algn="l" defTabSz="914400" rtl="0" eaLnBrk="1" fontAlgn="auto" latinLnBrk="0" hangingPunct="1">
+              <a:lnSpc>
+                <a:spcPct val="100000"/>
+              </a:lnSpc>
+              <a:spcBef>
+                <a:spcPts val="0"/>
+              </a:spcBef>
+              <a:spcAft>
+                <a:spcPts val="0"/>
+              </a:spcAft>
+              <a:buClrTx/>
+              <a:buSzTx/>
+              <a:buFontTx/>
+              <a:buNone/>
+              <a:tabLst/>
+              <a:defRPr/>
+            </a:pPr>
+            <a:r>
+              <a:rPr lang="en-US" dirty="0"/>
+              <a:t>Kent Beck introduced TDD to the world with his book, TDD By Example in 2002. It had been in use on XP teams such as the Chrysler C3 team</a:t>
+            </a:r>
+          </a:p>
+          <a:p>
+            <a:pPr marL="0" marR="0" lvl="0" indent="0" algn="l" defTabSz="914400" rtl="0" eaLnBrk="1" fontAlgn="auto" latinLnBrk="0" hangingPunct="1">
+              <a:lnSpc>
+                <a:spcPct val="100000"/>
+              </a:lnSpc>
+              <a:spcBef>
+                <a:spcPts val="0"/>
+              </a:spcBef>
+              <a:spcAft>
+                <a:spcPts val="0"/>
+              </a:spcAft>
+              <a:buClrTx/>
+              <a:buSzTx/>
+              <a:buFontTx/>
+              <a:buNone/>
+              <a:tabLst/>
+              <a:defRPr/>
+            </a:pPr>
+            <a:endParaRPr lang="en-US" dirty="0"/>
+          </a:p>
+          <a:p>
+            <a:pPr marL="0" marR="0" lvl="0" indent="0" algn="l" defTabSz="914400" rtl="0" eaLnBrk="1" fontAlgn="auto" latinLnBrk="0" hangingPunct="1">
+              <a:lnSpc>
+                <a:spcPct val="100000"/>
+              </a:lnSpc>
+              <a:spcBef>
+                <a:spcPts val="0"/>
+              </a:spcBef>
+              <a:spcAft>
+                <a:spcPts val="0"/>
+              </a:spcAft>
+              <a:buClrTx/>
+              <a:buSzTx/>
+              <a:buFontTx/>
+              <a:buNone/>
+              <a:tabLst/>
+              <a:defRPr/>
+            </a:pPr>
+            <a:r>
+              <a:rPr lang="en-US" dirty="0"/>
+              <a:t>I was surprised, for a book that had been published at the point most of us were beginning to use TDD, how complete it was. It covered topics that I only thought emerged later, such as patterns, mocks etc. I appreciated that later books had misunderstood its message, and I wanted to communicate that any experienced practitioner should read this book and learn its lessons</a:t>
+            </a:r>
+          </a:p>
+          <a:p>
+            <a:pPr marL="0" marR="0" lvl="0" indent="0" algn="l" defTabSz="914400" rtl="0" eaLnBrk="1" fontAlgn="auto" latinLnBrk="0" hangingPunct="1">
+              <a:lnSpc>
+                <a:spcPct val="100000"/>
+              </a:lnSpc>
+              <a:spcBef>
+                <a:spcPts val="0"/>
+              </a:spcBef>
+              <a:spcAft>
+                <a:spcPts val="0"/>
+              </a:spcAft>
+              <a:buClrTx/>
+              <a:buSzTx/>
+              <a:buFontTx/>
+              <a:buNone/>
+              <a:tabLst/>
+              <a:defRPr/>
+            </a:pPr>
+            <a:endParaRPr lang="en-US" dirty="0"/>
+          </a:p>
+          <a:p>
+            <a:pPr>
+              <a:buFont typeface="Arial" pitchFamily="34" charset="0"/>
+              <a:buChar char="•"/>
+            </a:pPr>
+            <a:r>
+              <a:rPr lang="en-US" dirty="0"/>
+              <a:t>It is simple and elegant.</a:t>
+            </a:r>
+          </a:p>
+          <a:p>
+            <a:pPr>
+              <a:buFont typeface="Arial" pitchFamily="34" charset="0"/>
+              <a:buChar char="•"/>
+            </a:pPr>
+            <a:r>
+              <a:rPr lang="en-US" dirty="0"/>
+              <a:t> It covers the essentials of TDD, which have been misunderstood by many since.</a:t>
+            </a:r>
+          </a:p>
+          <a:p>
+            <a:pPr>
+              <a:buFont typeface="Arial" pitchFamily="34" charset="0"/>
+              <a:buChar char="•"/>
+            </a:pPr>
+            <a:r>
+              <a:rPr lang="en-US" dirty="0"/>
+              <a:t> It covers more than just the basics with  topics on patterns, smells, mocks etc.</a:t>
+            </a:r>
+          </a:p>
+          <a:p>
+            <a:pPr>
+              <a:buFont typeface="Arial" pitchFamily="34" charset="0"/>
+              <a:buChar char="•"/>
+            </a:pPr>
+            <a:r>
+              <a:rPr lang="en-US" dirty="0"/>
+              <a:t> Good later work builds on it, but too much later work just misunderstands it</a:t>
+            </a:r>
+          </a:p>
+          <a:p>
+            <a:pPr>
+              <a:buFont typeface="Arial" pitchFamily="34" charset="0"/>
+              <a:buChar char="•"/>
+            </a:pPr>
+            <a:r>
+              <a:rPr lang="en-US" dirty="0"/>
+              <a:t> The goal here is to go back and talk about it</a:t>
+            </a:r>
+          </a:p>
+          <a:p>
+            <a:pPr>
+              <a:buFont typeface="Arial" pitchFamily="34" charset="0"/>
+              <a:buChar char="•"/>
+            </a:pPr>
+            <a:r>
+              <a:rPr lang="en-US" dirty="0"/>
+              <a:t> And then look at folks who built on it</a:t>
+            </a:r>
+            <a:endParaRPr lang="en-GB" dirty="0"/>
+          </a:p>
+          <a:p>
+            <a:pPr marL="0" marR="0" lvl="0" indent="0" algn="l" defTabSz="914400" rtl="0" eaLnBrk="1" fontAlgn="auto" latinLnBrk="0" hangingPunct="1">
+              <a:lnSpc>
+                <a:spcPct val="100000"/>
+              </a:lnSpc>
+              <a:spcBef>
+                <a:spcPts val="0"/>
+              </a:spcBef>
+              <a:spcAft>
+                <a:spcPts val="0"/>
+              </a:spcAft>
+              <a:buClrTx/>
+              <a:buSzTx/>
+              <a:buFontTx/>
+              <a:buNone/>
+              <a:tabLst/>
+              <a:defRPr/>
+            </a:pPr>
+            <a:endParaRPr lang="en-US" dirty="0"/>
+          </a:p>
+          <a:p>
+            <a:endParaRPr lang="en-US" dirty="0"/>
+          </a:p>
+        </p:txBody>
+      </p:sp>
+      <p:sp>
+        <p:nvSpPr>
+          <p:cNvPr id="4" name="Slide Number Placeholder 3"/>
+          <p:cNvSpPr>
+            <a:spLocks noGrp="1"/>
+          </p:cNvSpPr>
+          <p:nvPr>
+            <p:ph type="sldNum" sz="quarter" idx="5"/>
+          </p:nvPr>
+        </p:nvSpPr>
+        <p:spPr/>
+        <p:txBody>
+          <a:bodyPr/>
+          <a:lstStyle/>
+          <a:p>
+            <a:fld id="{8D454BB1-5AB5-DF45-A819-95464E74CBE3}" type="slidenum">
+              <a:rPr lang="en-US" smtClean="0"/>
+              <a:t>115</a:t>
+            </a:fld>
+            <a:endParaRPr lang="en-US"/>
+          </a:p>
+        </p:txBody>
+      </p:sp>
+    </p:spTree>
+    <p:extLst>
+      <p:ext uri="{BB962C8B-B14F-4D97-AF65-F5344CB8AC3E}">
+        <p14:creationId xmlns:p14="http://schemas.microsoft.com/office/powerpoint/2010/main" val="1970023077"/>
+      </p:ext>
+    </p:extLst>
+  </p:cSld>
+  <p:clrMapOvr>
+    <a:masterClrMapping/>
+  </p:clrMapOvr>
+</p:notes>
+</file>
+
+<file path=ppt/notesSlides/notesSlide94.xml><?xml version="1.0" encoding="utf-8"?>
+<p:notes xmlns:a="http://schemas.openxmlformats.org/drawingml/2006/main" xmlns:r="http://schemas.openxmlformats.org/officeDocument/2006/relationships" xmlns:p="http://schemas.openxmlformats.org/presentationml/2006/main">
+  <p:cSld>
+    <p:spTree>
+      <p:nvGrpSpPr>
+        <p:cNvPr id="1" name=""/>
+        <p:cNvGrpSpPr/>
+        <p:nvPr/>
+      </p:nvGrpSpPr>
+      <p:grpSpPr>
+        <a:xfrm>
+          <a:off x="0" y="0"/>
+          <a:ext cx="0" cy="0"/>
+          <a:chOff x="0" y="0"/>
+          <a:chExt cx="0" cy="0"/>
+        </a:xfrm>
+      </p:grpSpPr>
+      <p:sp>
+        <p:nvSpPr>
+          <p:cNvPr id="2" name="Slide Image Placeholder 1"/>
+          <p:cNvSpPr>
+            <a:spLocks noGrp="1" noRot="1" noChangeAspect="1"/>
+          </p:cNvSpPr>
+          <p:nvPr>
+            <p:ph type="sldImg"/>
+          </p:nvPr>
+        </p:nvSpPr>
+        <p:spPr/>
+      </p:sp>
+      <p:sp>
+        <p:nvSpPr>
+          <p:cNvPr id="3" name="Notes Placeholder 2"/>
+          <p:cNvSpPr>
+            <a:spLocks noGrp="1"/>
+          </p:cNvSpPr>
+          <p:nvPr>
+            <p:ph type="body" idx="1"/>
+          </p:nvPr>
+        </p:nvSpPr>
+        <p:spPr/>
+        <p:txBody>
+          <a:bodyPr/>
+          <a:lstStyle/>
+          <a:p>
+            <a:pPr marL="0" marR="0" lvl="0" indent="0" algn="l" defTabSz="914400" rtl="0" eaLnBrk="1" fontAlgn="auto" latinLnBrk="0" hangingPunct="1">
+              <a:lnSpc>
+                <a:spcPct val="100000"/>
+              </a:lnSpc>
+              <a:spcBef>
+                <a:spcPts val="0"/>
+              </a:spcBef>
+              <a:spcAft>
+                <a:spcPts val="0"/>
+              </a:spcAft>
+              <a:buClrTx/>
+              <a:buSzTx/>
+              <a:buFontTx/>
+              <a:buNone/>
+              <a:tabLst/>
+              <a:defRPr/>
+            </a:pPr>
+            <a:r>
+              <a:rPr lang="en-GB" dirty="0"/>
+              <a:t>This book uses 99 bottles of beer to teach you about TDD and refactoring. It is an excellent book on how to use TDD to avoid over-design and clear approaches to refactoring.</a:t>
+            </a:r>
+          </a:p>
+          <a:p>
+            <a:pPr marL="0" marR="0" lvl="0" indent="0" algn="l" defTabSz="914400" rtl="0" eaLnBrk="1" fontAlgn="auto" latinLnBrk="0" hangingPunct="1">
+              <a:lnSpc>
+                <a:spcPct val="100000"/>
+              </a:lnSpc>
+              <a:spcBef>
+                <a:spcPts val="0"/>
+              </a:spcBef>
+              <a:spcAft>
+                <a:spcPts val="0"/>
+              </a:spcAft>
+              <a:buClrTx/>
+              <a:buSzTx/>
+              <a:buFontTx/>
+              <a:buNone/>
+              <a:tabLst/>
+              <a:defRPr/>
+            </a:pPr>
+            <a:endParaRPr lang="en-US" dirty="0"/>
+          </a:p>
+        </p:txBody>
+      </p:sp>
+      <p:sp>
+        <p:nvSpPr>
+          <p:cNvPr id="4" name="Slide Number Placeholder 3"/>
+          <p:cNvSpPr>
+            <a:spLocks noGrp="1"/>
+          </p:cNvSpPr>
+          <p:nvPr>
+            <p:ph type="sldNum" sz="quarter" idx="5"/>
+          </p:nvPr>
+        </p:nvSpPr>
+        <p:spPr/>
+        <p:txBody>
+          <a:bodyPr/>
+          <a:lstStyle/>
+          <a:p>
+            <a:fld id="{8D454BB1-5AB5-DF45-A819-95464E74CBE3}" type="slidenum">
+              <a:rPr lang="en-US" smtClean="0"/>
+              <a:t>116</a:t>
+            </a:fld>
+            <a:endParaRPr lang="en-US"/>
+          </a:p>
+        </p:txBody>
+      </p:sp>
+    </p:spTree>
+    <p:extLst>
+      <p:ext uri="{BB962C8B-B14F-4D97-AF65-F5344CB8AC3E}">
+        <p14:creationId xmlns:p14="http://schemas.microsoft.com/office/powerpoint/2010/main" val="1637241753"/>
+      </p:ext>
+    </p:extLst>
+  </p:cSld>
+  <p:clrMapOvr>
+    <a:masterClrMapping/>
+  </p:clrMapOvr>
+</p:notes>
+</file>
+
+<file path=ppt/notesSlides/notesSlide95.xml><?xml version="1.0" encoding="utf-8"?>
+<p:notes xmlns:a="http://schemas.openxmlformats.org/drawingml/2006/main" xmlns:r="http://schemas.openxmlformats.org/officeDocument/2006/relationships" xmlns:p="http://schemas.openxmlformats.org/presentationml/2006/main">
+  <p:cSld>
+    <p:spTree>
+      <p:nvGrpSpPr>
+        <p:cNvPr id="1" name=""/>
+        <p:cNvGrpSpPr/>
+        <p:nvPr/>
+      </p:nvGrpSpPr>
+      <p:grpSpPr>
+        <a:xfrm>
+          <a:off x="0" y="0"/>
+          <a:ext cx="0" cy="0"/>
+          <a:chOff x="0" y="0"/>
+          <a:chExt cx="0" cy="0"/>
+        </a:xfrm>
+      </p:grpSpPr>
+      <p:sp>
+        <p:nvSpPr>
+          <p:cNvPr id="2" name="Slide Image Placeholder 1"/>
+          <p:cNvSpPr>
+            <a:spLocks noGrp="1" noRot="1" noChangeAspect="1"/>
+          </p:cNvSpPr>
+          <p:nvPr>
+            <p:ph type="sldImg"/>
+          </p:nvPr>
+        </p:nvSpPr>
+        <p:spPr/>
+      </p:sp>
+      <p:sp>
+        <p:nvSpPr>
+          <p:cNvPr id="3" name="Notes Placeholder 2"/>
+          <p:cNvSpPr>
+            <a:spLocks noGrp="1"/>
+          </p:cNvSpPr>
+          <p:nvPr>
+            <p:ph type="body" idx="1"/>
+          </p:nvPr>
+        </p:nvSpPr>
+        <p:spPr/>
+        <p:txBody>
           <a:bodyPr/>
           <a:lstStyle/>
           <a:p>
@@ -11451,7 +12006,7 @@
 </p:notes>
 </file>
 
-<file path=ppt/notesSlides/notesSlide91.xml><?xml version="1.0" encoding="utf-8"?>
+<file path=ppt/notesSlides/notesSlide96.xml><?xml version="1.0" encoding="utf-8"?>
 <p:notes xmlns:a="http://schemas.openxmlformats.org/drawingml/2006/main" xmlns:r="http://schemas.openxmlformats.org/officeDocument/2006/relationships" xmlns:p="http://schemas.openxmlformats.org/presentationml/2006/main">
   <p:cSld>
     <p:spTree>
@@ -11730,7 +12285,7 @@
           <a:p>
             <a:fld id="{B9A7345B-4321-8B4E-9326-4E6DAD9A950A}" type="datetimeFigureOut">
               <a:rPr lang="en-US" smtClean="0"/>
-              <a:t>9/29/20</a:t>
+              <a:t>11/13/20</a:t>
             </a:fld>
             <a:endParaRPr lang="en-US"/>
           </a:p>
@@ -11930,7 +12485,7 @@
           <a:p>
             <a:fld id="{B9A7345B-4321-8B4E-9326-4E6DAD9A950A}" type="datetimeFigureOut">
               <a:rPr lang="en-US" smtClean="0"/>
-              <a:t>9/29/20</a:t>
+              <a:t>11/13/20</a:t>
             </a:fld>
             <a:endParaRPr lang="en-US"/>
           </a:p>
@@ -12140,7 +12695,7 @@
           <a:p>
             <a:fld id="{B9A7345B-4321-8B4E-9326-4E6DAD9A950A}" type="datetimeFigureOut">
               <a:rPr lang="en-US" smtClean="0"/>
-              <a:t>9/29/20</a:t>
+              <a:t>11/13/20</a:t>
             </a:fld>
             <a:endParaRPr lang="en-US"/>
           </a:p>
@@ -12340,7 +12895,7 @@
           <a:p>
             <a:fld id="{B9A7345B-4321-8B4E-9326-4E6DAD9A950A}" type="datetimeFigureOut">
               <a:rPr lang="en-US" smtClean="0"/>
-              <a:t>9/29/20</a:t>
+              <a:t>11/13/20</a:t>
             </a:fld>
             <a:endParaRPr lang="en-US"/>
           </a:p>
@@ -12616,7 +13171,7 @@
           <a:p>
             <a:fld id="{B9A7345B-4321-8B4E-9326-4E6DAD9A950A}" type="datetimeFigureOut">
               <a:rPr lang="en-US" smtClean="0"/>
-              <a:t>9/29/20</a:t>
+              <a:t>11/13/20</a:t>
             </a:fld>
             <a:endParaRPr lang="en-US"/>
           </a:p>
@@ -12884,7 +13439,7 @@
           <a:p>
             <a:fld id="{B9A7345B-4321-8B4E-9326-4E6DAD9A950A}" type="datetimeFigureOut">
               <a:rPr lang="en-US" smtClean="0"/>
-              <a:t>9/29/20</a:t>
+              <a:t>11/13/20</a:t>
             </a:fld>
             <a:endParaRPr lang="en-US"/>
           </a:p>
@@ -13299,7 +13854,7 @@
           <a:p>
             <a:fld id="{B9A7345B-4321-8B4E-9326-4E6DAD9A950A}" type="datetimeFigureOut">
               <a:rPr lang="en-US" smtClean="0"/>
-              <a:t>9/29/20</a:t>
+              <a:t>11/13/20</a:t>
             </a:fld>
             <a:endParaRPr lang="en-US"/>
           </a:p>
@@ -13441,7 +13996,7 @@
           <a:p>
             <a:fld id="{B9A7345B-4321-8B4E-9326-4E6DAD9A950A}" type="datetimeFigureOut">
               <a:rPr lang="en-US" smtClean="0"/>
-              <a:t>9/29/20</a:t>
+              <a:t>11/13/20</a:t>
             </a:fld>
             <a:endParaRPr lang="en-US"/>
           </a:p>
@@ -13554,7 +14109,7 @@
           <a:p>
             <a:fld id="{B9A7345B-4321-8B4E-9326-4E6DAD9A950A}" type="datetimeFigureOut">
               <a:rPr lang="en-US" smtClean="0"/>
-              <a:t>9/29/20</a:t>
+              <a:t>11/13/20</a:t>
             </a:fld>
             <a:endParaRPr lang="en-US"/>
           </a:p>
@@ -13867,7 +14422,7 @@
           <a:p>
             <a:fld id="{B9A7345B-4321-8B4E-9326-4E6DAD9A950A}" type="datetimeFigureOut">
               <a:rPr lang="en-US" smtClean="0"/>
-              <a:t>9/29/20</a:t>
+              <a:t>11/13/20</a:t>
             </a:fld>
             <a:endParaRPr lang="en-US"/>
           </a:p>
@@ -14156,7 +14711,7 @@
           <a:p>
             <a:fld id="{B9A7345B-4321-8B4E-9326-4E6DAD9A950A}" type="datetimeFigureOut">
               <a:rPr lang="en-US" smtClean="0"/>
-              <a:t>9/29/20</a:t>
+              <a:t>11/13/20</a:t>
             </a:fld>
             <a:endParaRPr lang="en-US"/>
           </a:p>
@@ -14399,7 +14954,7 @@
           <a:p>
             <a:fld id="{B9A7345B-4321-8B4E-9326-4E6DAD9A950A}" type="datetimeFigureOut">
               <a:rPr lang="en-US" smtClean="0"/>
-              <a:t>9/29/20</a:t>
+              <a:t>11/13/20</a:t>
             </a:fld>
             <a:endParaRPr lang="en-US"/>
           </a:p>
@@ -20287,7 +20842,7 @@
         <p:spPr>
           <a:xfrm>
             <a:off x="729475" y="1443841"/>
-            <a:ext cx="10733049" cy="3970318"/>
+            <a:ext cx="10733049" cy="5262979"/>
           </a:xfrm>
           <a:prstGeom prst="rect">
             <a:avLst/>
@@ -20319,7 +20874,19 @@
               <a:rPr lang="en-GB" sz="2800" dirty="0">
                 <a:latin typeface="Helvetica" pitchFamily="2" charset="0"/>
               </a:rPr>
-              <a:t>.</a:t>
+              <a:t>. We will </a:t>
+            </a:r>
+            <a:r>
+              <a:rPr lang="en-GB" sz="2800" b="1" dirty="0">
+                <a:latin typeface="Helvetica" pitchFamily="2" charset="0"/>
+              </a:rPr>
+              <a:t>mock</a:t>
+            </a:r>
+            <a:r>
+              <a:rPr lang="en-GB" sz="2800" dirty="0">
+                <a:latin typeface="Helvetica" pitchFamily="2" charset="0"/>
+              </a:rPr>
+              <a:t> any collaborators of our class.</a:t>
             </a:r>
           </a:p>
           <a:p>
@@ -20356,45 +20923,21 @@
             </a:r>
           </a:p>
           <a:p>
+            <a:pPr algn="ctr"/>
+            <a:endParaRPr lang="en-GB" sz="2800" dirty="0">
+              <a:latin typeface="Helvetica" pitchFamily="2" charset="0"/>
+            </a:endParaRPr>
+          </a:p>
+          <a:p>
             <a:pPr marL="457200" indent="-457200" algn="ctr">
               <a:buFont typeface="Arial" panose="020B0604020202020204" pitchFamily="34" charset="0"/>
               <a:buChar char="•"/>
             </a:pPr>
-            <a:endParaRPr lang="en-GB" sz="2800" dirty="0">
-              <a:latin typeface="Helvetica" pitchFamily="2" charset="0"/>
-            </a:endParaRPr>
-          </a:p>
-          <a:p>
-            <a:pPr algn="ctr"/>
             <a:r>
               <a:rPr lang="en-GB" sz="2800" dirty="0">
                 <a:latin typeface="Helvetica" pitchFamily="2" charset="0"/>
               </a:rPr>
-              <a:t>* When we discover that we need </a:t>
-            </a:r>
-            <a:r>
-              <a:rPr lang="en-GB" sz="2800" b="1" dirty="0">
-                <a:latin typeface="Helvetica" pitchFamily="2" charset="0"/>
-              </a:rPr>
-              <a:t>collaborators</a:t>
-            </a:r>
-            <a:r>
-              <a:rPr lang="en-GB" sz="2800" dirty="0">
-                <a:latin typeface="Helvetica" pitchFamily="2" charset="0"/>
-              </a:rPr>
-              <a:t> our preference is to </a:t>
-            </a:r>
-            <a:r>
-              <a:rPr lang="en-GB" sz="2800" b="1" dirty="0">
-                <a:latin typeface="Helvetica" pitchFamily="2" charset="0"/>
-              </a:rPr>
-              <a:t>mock them</a:t>
-            </a:r>
-            <a:r>
-              <a:rPr lang="en-GB" sz="2800" dirty="0">
-                <a:latin typeface="Helvetica" pitchFamily="2" charset="0"/>
-              </a:rPr>
-              <a:t>, establishing their behaviour from the client, and </a:t>
+              <a:t>We will either work ‘top-down’ establishing their behaviour of our collaborators as we implement the class-under-test, and </a:t>
             </a:r>
             <a:r>
               <a:rPr lang="en-GB" sz="2800" b="1" dirty="0">
@@ -20412,13 +20955,13 @@
               <a:rPr lang="en-GB" sz="2800" b="1" dirty="0">
                 <a:latin typeface="Helvetica" pitchFamily="2" charset="0"/>
               </a:rPr>
-              <a:t>own tests</a:t>
+              <a:t>own tests,</a:t>
             </a:r>
             <a:r>
               <a:rPr lang="en-GB" sz="2800" dirty="0">
                 <a:latin typeface="Helvetica" pitchFamily="2" charset="0"/>
               </a:rPr>
-              <a:t>. </a:t>
+              <a:t> or we will work ‘bottom up’ creating the low-level pieces we need, and mock their contract in a high level test</a:t>
             </a:r>
           </a:p>
         </p:txBody>
@@ -21877,7 +22420,7 @@
         <p:spPr/>
         <p:txBody>
           <a:bodyPr>
-            <a:normAutofit fontScale="62500" lnSpcReduction="20000"/>
+            <a:normAutofit fontScale="77500" lnSpcReduction="20000"/>
           </a:bodyPr>
           <a:lstStyle/>
           <a:p>
@@ -21910,12 +22453,6 @@
           <a:p>
             <a:r>
               <a:rPr lang="en-US" dirty="0"/>
-              <a:t>Break and Q&amp;A</a:t>
-            </a:r>
-          </a:p>
-          <a:p>
-            <a:r>
-              <a:rPr lang="en-US" dirty="0"/>
               <a:t>Towards Clean Code </a:t>
             </a:r>
           </a:p>
@@ -21971,12 +22508,6 @@
             <a:r>
               <a:rPr lang="en-US" dirty="0"/>
               <a:t>Fallacies and Principles</a:t>
-            </a:r>
-          </a:p>
-          <a:p>
-            <a:r>
-              <a:rPr lang="en-US" dirty="0"/>
-              <a:t>Break and Q&amp;A </a:t>
             </a:r>
           </a:p>
           <a:p>
@@ -29252,8 +29783,8 @@
         </p:nvSpPr>
         <p:spPr>
           <a:xfrm>
-            <a:off x="8679180" y="1790700"/>
-            <a:ext cx="1569720" cy="998220"/>
+            <a:off x="8679179" y="1655545"/>
+            <a:ext cx="1764231" cy="1133375"/>
           </a:xfrm>
           <a:prstGeom prst="wedgeRectCallout">
             <a:avLst>
@@ -29285,7 +29816,7 @@
             <a:pPr algn="ctr"/>
             <a:r>
               <a:rPr lang="en-US" dirty="0"/>
-              <a:t>We write tests against use cases</a:t>
+              <a:t>We may write developer tests against use cases</a:t>
             </a:r>
           </a:p>
         </p:txBody>
@@ -29304,8 +29835,8 @@
         </p:nvSpPr>
         <p:spPr>
           <a:xfrm>
-            <a:off x="6012180" y="1291590"/>
-            <a:ext cx="1569720" cy="998220"/>
+            <a:off x="5659655" y="1257300"/>
+            <a:ext cx="1922245" cy="1032510"/>
           </a:xfrm>
           <a:prstGeom prst="wedgeRectCallout">
             <a:avLst>
@@ -29337,7 +29868,222 @@
             <a:pPr algn="ctr"/>
             <a:r>
               <a:rPr lang="en-US" dirty="0"/>
-              <a:t>Our tests are just another adapter</a:t>
+              <a:t>Our developer tests are just another adapter</a:t>
+            </a:r>
+          </a:p>
+        </p:txBody>
+      </p:sp>
+      <p:sp>
+        <p:nvSpPr>
+          <p:cNvPr id="5" name="Rectangular Callout 4">
+            <a:extLst>
+              <a:ext uri="{FF2B5EF4-FFF2-40B4-BE49-F238E27FC236}">
+                <a16:creationId xmlns:a16="http://schemas.microsoft.com/office/drawing/2014/main" id="{95224B2F-3F4F-9440-B659-BB496E8E8080}"/>
+              </a:ext>
+            </a:extLst>
+          </p:cNvPr>
+          <p:cNvSpPr/>
+          <p:nvPr/>
+        </p:nvSpPr>
+        <p:spPr>
+          <a:xfrm>
+            <a:off x="8679178" y="4069080"/>
+            <a:ext cx="2149243" cy="1531620"/>
+          </a:xfrm>
+          <a:prstGeom prst="wedgeRectCallout">
+            <a:avLst>
+              <a:gd name="adj1" fmla="val -65204"/>
+              <a:gd name="adj2" fmla="val -72773"/>
+            </a:avLst>
+          </a:prstGeom>
+        </p:spPr>
+        <p:style>
+          <a:lnRef idx="2">
+            <a:schemeClr val="accent3">
+              <a:shade val="50000"/>
+            </a:schemeClr>
+          </a:lnRef>
+          <a:fillRef idx="1">
+            <a:schemeClr val="accent3"/>
+          </a:fillRef>
+          <a:effectRef idx="0">
+            <a:schemeClr val="accent3"/>
+          </a:effectRef>
+          <a:fontRef idx="minor">
+            <a:schemeClr val="lt1"/>
+          </a:fontRef>
+        </p:style>
+        <p:txBody>
+          <a:bodyPr rtlCol="0" anchor="ctr"/>
+          <a:lstStyle/>
+          <a:p>
+            <a:pPr algn="ctr"/>
+            <a:r>
+              <a:rPr lang="en-US" dirty="0"/>
+              <a:t>We may write developer tests against coarse grained facades to our domain</a:t>
+            </a:r>
+          </a:p>
+        </p:txBody>
+      </p:sp>
+      <p:pic>
+        <p:nvPicPr>
+          <p:cNvPr id="6" name="Graphic 5" descr="Gears">
+            <a:extLst>
+              <a:ext uri="{FF2B5EF4-FFF2-40B4-BE49-F238E27FC236}">
+                <a16:creationId xmlns:a16="http://schemas.microsoft.com/office/drawing/2014/main" id="{76C2A8CD-8EE5-A842-92D1-B6B8C85B4732}"/>
+              </a:ext>
+            </a:extLst>
+          </p:cNvPr>
+          <p:cNvPicPr>
+            <a:picLocks noChangeAspect="1"/>
+          </p:cNvPicPr>
+          <p:nvPr/>
+        </p:nvPicPr>
+        <p:blipFill>
+          <a:blip r:embed="rId4">
+            <a:extLst>
+              <a:ext uri="{96DAC541-7B7A-43D3-8B79-37D633B846F1}">
+                <asvg:svgBlip xmlns:asvg="http://schemas.microsoft.com/office/drawing/2016/SVG/main" r:embed="rId5"/>
+              </a:ext>
+            </a:extLst>
+          </a:blip>
+          <a:stretch>
+            <a:fillRect/>
+          </a:stretch>
+        </p:blipFill>
+        <p:spPr>
+          <a:xfrm>
+            <a:off x="10653562" y="2829560"/>
+            <a:ext cx="914400" cy="914400"/>
+          </a:xfrm>
+          <a:prstGeom prst="rect">
+            <a:avLst/>
+          </a:prstGeom>
+        </p:spPr>
+      </p:pic>
+      <p:cxnSp>
+        <p:nvCxnSpPr>
+          <p:cNvPr id="11" name="Straight Arrow Connector 10">
+            <a:extLst>
+              <a:ext uri="{FF2B5EF4-FFF2-40B4-BE49-F238E27FC236}">
+                <a16:creationId xmlns:a16="http://schemas.microsoft.com/office/drawing/2014/main" id="{997458CC-275A-0A44-A675-84156BCBC77E}"/>
+              </a:ext>
+            </a:extLst>
+          </p:cNvPr>
+          <p:cNvCxnSpPr>
+            <a:stCxn id="6" idx="0"/>
+            <a:endCxn id="2" idx="3"/>
+          </p:cNvCxnSpPr>
+          <p:nvPr/>
+        </p:nvCxnSpPr>
+        <p:spPr>
+          <a:xfrm flipH="1" flipV="1">
+            <a:off x="10443410" y="2222233"/>
+            <a:ext cx="667352" cy="607327"/>
+          </a:xfrm>
+          <a:prstGeom prst="straightConnector1">
+            <a:avLst/>
+          </a:prstGeom>
+          <a:ln>
+            <a:tailEnd type="triangle"/>
+          </a:ln>
+        </p:spPr>
+        <p:style>
+          <a:lnRef idx="1">
+            <a:schemeClr val="accent1"/>
+          </a:lnRef>
+          <a:fillRef idx="0">
+            <a:schemeClr val="accent1"/>
+          </a:fillRef>
+          <a:effectRef idx="0">
+            <a:schemeClr val="accent1"/>
+          </a:effectRef>
+          <a:fontRef idx="minor">
+            <a:schemeClr val="tx1"/>
+          </a:fontRef>
+        </p:style>
+      </p:cxnSp>
+      <p:cxnSp>
+        <p:nvCxnSpPr>
+          <p:cNvPr id="13" name="Straight Arrow Connector 12">
+            <a:extLst>
+              <a:ext uri="{FF2B5EF4-FFF2-40B4-BE49-F238E27FC236}">
+                <a16:creationId xmlns:a16="http://schemas.microsoft.com/office/drawing/2014/main" id="{6ABFA628-46F5-054F-B706-57A4AA4A2E44}"/>
+              </a:ext>
+            </a:extLst>
+          </p:cNvPr>
+          <p:cNvCxnSpPr>
+            <a:stCxn id="6" idx="2"/>
+            <a:endCxn id="5" idx="0"/>
+          </p:cNvCxnSpPr>
+          <p:nvPr/>
+        </p:nvCxnSpPr>
+        <p:spPr>
+          <a:xfrm flipH="1">
+            <a:off x="9753800" y="3743960"/>
+            <a:ext cx="1356962" cy="325120"/>
+          </a:xfrm>
+          <a:prstGeom prst="straightConnector1">
+            <a:avLst/>
+          </a:prstGeom>
+          <a:ln>
+            <a:tailEnd type="triangle"/>
+          </a:ln>
+        </p:spPr>
+        <p:style>
+          <a:lnRef idx="1">
+            <a:schemeClr val="accent1"/>
+          </a:lnRef>
+          <a:fillRef idx="0">
+            <a:schemeClr val="accent1"/>
+          </a:fillRef>
+          <a:effectRef idx="0">
+            <a:schemeClr val="accent1"/>
+          </a:effectRef>
+          <a:fontRef idx="minor">
+            <a:schemeClr val="tx1"/>
+          </a:fontRef>
+        </p:style>
+      </p:cxnSp>
+      <p:sp>
+        <p:nvSpPr>
+          <p:cNvPr id="14" name="TextBox 13">
+            <a:extLst>
+              <a:ext uri="{FF2B5EF4-FFF2-40B4-BE49-F238E27FC236}">
+                <a16:creationId xmlns:a16="http://schemas.microsoft.com/office/drawing/2014/main" id="{05CEBFDA-61AC-ED4B-8BC0-86BBA3430557}"/>
+              </a:ext>
+            </a:extLst>
+          </p:cNvPr>
+          <p:cNvSpPr txBox="1"/>
+          <p:nvPr/>
+        </p:nvSpPr>
+        <p:spPr>
+          <a:xfrm>
+            <a:off x="11120387" y="3286760"/>
+            <a:ext cx="1071613" cy="646331"/>
+          </a:xfrm>
+          <a:prstGeom prst="rect">
+            <a:avLst/>
+          </a:prstGeom>
+          <a:noFill/>
+        </p:spPr>
+        <p:txBody>
+          <a:bodyPr wrap="square" rtlCol="0">
+            <a:spAutoFit/>
+          </a:bodyPr>
+          <a:lstStyle/>
+          <a:p>
+            <a:pPr algn="ctr"/>
+            <a:r>
+              <a:rPr lang="en-US" dirty="0"/>
+              <a:t>Different</a:t>
+            </a:r>
+          </a:p>
+          <a:p>
+            <a:pPr algn="ctr"/>
+            <a:r>
+              <a:rPr lang="en-US" dirty="0"/>
+              <a:t>Gears</a:t>
             </a:r>
           </a:p>
         </p:txBody>
@@ -29450,6 +30196,177 @@
                       </p:childTnLst>
                     </p:cTn>
                   </p:par>
+                  <p:par>
+                    <p:cTn id="11" fill="hold">
+                      <p:stCondLst>
+                        <p:cond delay="indefinite"/>
+                      </p:stCondLst>
+                      <p:childTnLst>
+                        <p:par>
+                          <p:cTn id="12" fill="hold">
+                            <p:stCondLst>
+                              <p:cond delay="0"/>
+                            </p:stCondLst>
+                            <p:childTnLst>
+                              <p:par>
+                                <p:cTn id="13" presetID="1" presetClass="entr" presetSubtype="0" fill="hold" grpId="0" nodeType="clickEffect">
+                                  <p:stCondLst>
+                                    <p:cond delay="0"/>
+                                  </p:stCondLst>
+                                  <p:childTnLst>
+                                    <p:set>
+                                      <p:cBhvr>
+                                        <p:cTn id="14" dur="1" fill="hold">
+                                          <p:stCondLst>
+                                            <p:cond delay="0"/>
+                                          </p:stCondLst>
+                                        </p:cTn>
+                                        <p:tgtEl>
+                                          <p:spTgt spid="5"/>
+                                        </p:tgtEl>
+                                        <p:attrNameLst>
+                                          <p:attrName>style.visibility</p:attrName>
+                                        </p:attrNameLst>
+                                      </p:cBhvr>
+                                      <p:to>
+                                        <p:strVal val="visible"/>
+                                      </p:to>
+                                    </p:set>
+                                  </p:childTnLst>
+                                </p:cTn>
+                              </p:par>
+                            </p:childTnLst>
+                          </p:cTn>
+                        </p:par>
+                      </p:childTnLst>
+                    </p:cTn>
+                  </p:par>
+                  <p:par>
+                    <p:cTn id="15" fill="hold">
+                      <p:stCondLst>
+                        <p:cond delay="indefinite"/>
+                      </p:stCondLst>
+                      <p:childTnLst>
+                        <p:par>
+                          <p:cTn id="16" fill="hold">
+                            <p:stCondLst>
+                              <p:cond delay="0"/>
+                            </p:stCondLst>
+                            <p:childTnLst>
+                              <p:par>
+                                <p:cTn id="17" presetID="1" presetClass="entr" presetSubtype="0" fill="hold" nodeType="clickEffect">
+                                  <p:stCondLst>
+                                    <p:cond delay="0"/>
+                                  </p:stCondLst>
+                                  <p:childTnLst>
+                                    <p:set>
+                                      <p:cBhvr>
+                                        <p:cTn id="18" dur="1" fill="hold">
+                                          <p:stCondLst>
+                                            <p:cond delay="0"/>
+                                          </p:stCondLst>
+                                        </p:cTn>
+                                        <p:tgtEl>
+                                          <p:spTgt spid="13"/>
+                                        </p:tgtEl>
+                                        <p:attrNameLst>
+                                          <p:attrName>style.visibility</p:attrName>
+                                        </p:attrNameLst>
+                                      </p:cBhvr>
+                                      <p:to>
+                                        <p:strVal val="visible"/>
+                                      </p:to>
+                                    </p:set>
+                                  </p:childTnLst>
+                                </p:cTn>
+                              </p:par>
+                              <p:par>
+                                <p:cTn id="19" presetID="1" presetClass="entr" presetSubtype="0" fill="hold" nodeType="withEffect">
+                                  <p:stCondLst>
+                                    <p:cond delay="0"/>
+                                  </p:stCondLst>
+                                  <p:childTnLst>
+                                    <p:set>
+                                      <p:cBhvr>
+                                        <p:cTn id="20" dur="1" fill="hold">
+                                          <p:stCondLst>
+                                            <p:cond delay="0"/>
+                                          </p:stCondLst>
+                                        </p:cTn>
+                                        <p:tgtEl>
+                                          <p:spTgt spid="6"/>
+                                        </p:tgtEl>
+                                        <p:attrNameLst>
+                                          <p:attrName>style.visibility</p:attrName>
+                                        </p:attrNameLst>
+                                      </p:cBhvr>
+                                      <p:to>
+                                        <p:strVal val="visible"/>
+                                      </p:to>
+                                    </p:set>
+                                  </p:childTnLst>
+                                </p:cTn>
+                              </p:par>
+                              <p:par>
+                                <p:cTn id="21" presetID="1" presetClass="entr" presetSubtype="0" fill="hold" nodeType="withEffect">
+                                  <p:stCondLst>
+                                    <p:cond delay="0"/>
+                                  </p:stCondLst>
+                                  <p:childTnLst>
+                                    <p:set>
+                                      <p:cBhvr>
+                                        <p:cTn id="22" dur="1" fill="hold">
+                                          <p:stCondLst>
+                                            <p:cond delay="0"/>
+                                          </p:stCondLst>
+                                        </p:cTn>
+                                        <p:tgtEl>
+                                          <p:spTgt spid="11"/>
+                                        </p:tgtEl>
+                                        <p:attrNameLst>
+                                          <p:attrName>style.visibility</p:attrName>
+                                        </p:attrNameLst>
+                                      </p:cBhvr>
+                                      <p:to>
+                                        <p:strVal val="visible"/>
+                                      </p:to>
+                                    </p:set>
+                                  </p:childTnLst>
+                                </p:cTn>
+                              </p:par>
+                              <p:par>
+                                <p:cTn id="23" presetID="1" presetClass="entr" presetSubtype="0" fill="hold" grpId="0" nodeType="withEffect">
+                                  <p:stCondLst>
+                                    <p:cond delay="0"/>
+                                  </p:stCondLst>
+                                  <p:childTnLst>
+                                    <p:set>
+                                      <p:cBhvr>
+                                        <p:cTn id="24" dur="1" fill="hold">
+                                          <p:stCondLst>
+                                            <p:cond delay="0"/>
+                                          </p:stCondLst>
+                                        </p:cTn>
+                                        <p:tgtEl>
+                                          <p:spTgt spid="14"/>
+                                        </p:tgtEl>
+                                        <p:attrNameLst>
+                                          <p:attrName>style.visibility</p:attrName>
+                                        </p:attrNameLst>
+                                      </p:cBhvr>
+                                      <p:to>
+                                        <p:strVal val="visible"/>
+                                      </p:to>
+                                    </p:set>
+                                  </p:childTnLst>
+                                </p:cTn>
+                              </p:par>
+                            </p:childTnLst>
+                          </p:cTn>
+                        </p:par>
+                      </p:childTnLst>
+                    </p:cTn>
+                  </p:par>
                 </p:childTnLst>
               </p:cTn>
               <p:prevCondLst>
@@ -29474,6 +30391,8 @@
     <p:bldLst>
       <p:bldP spid="2" grpId="0" animBg="1"/>
       <p:bldP spid="4" grpId="0" animBg="1"/>
+      <p:bldP spid="5" grpId="0" animBg="1"/>
+      <p:bldP spid="14" grpId="0"/>
     </p:bldLst>
   </p:timing>
 </p:sld>
@@ -32275,8 +33194,8 @@
         </p:nvSpPr>
         <p:spPr>
           <a:xfrm>
-            <a:off x="8175630" y="758190"/>
-            <a:ext cx="1722749" cy="1032510"/>
+            <a:off x="8175630" y="654518"/>
+            <a:ext cx="1959772" cy="1136182"/>
           </a:xfrm>
           <a:prstGeom prst="wedgeRectCallout">
             <a:avLst>
@@ -32308,7 +33227,7 @@
             <a:pPr algn="ctr"/>
             <a:r>
               <a:rPr lang="en-US" dirty="0"/>
-              <a:t>We don’t write tests against the adapter</a:t>
+              <a:t>We don’t write developer tests against the adapter</a:t>
             </a:r>
           </a:p>
         </p:txBody>
@@ -32327,8 +33246,8 @@
         </p:nvSpPr>
         <p:spPr>
           <a:xfrm>
-            <a:off x="6012180" y="1291590"/>
-            <a:ext cx="1569720" cy="998220"/>
+            <a:off x="5859151" y="1291590"/>
+            <a:ext cx="1722749" cy="1032510"/>
           </a:xfrm>
           <a:prstGeom prst="wedgeRectCallout">
             <a:avLst>
@@ -32360,7 +33279,7 @@
             <a:pPr algn="ctr"/>
             <a:r>
               <a:rPr lang="en-US" dirty="0"/>
-              <a:t>Our tests are just another adapter</a:t>
+              <a:t>Our developer tests are just another adapter</a:t>
             </a:r>
           </a:p>
         </p:txBody>
